--- a/docs/tomoko/mid_presen.pptx
+++ b/docs/tomoko/mid_presen.pptx
@@ -2,15 +2,16 @@
 <file path=ppt/presentation.xml><?xml version="1.0" encoding="utf-8"?>
 <p:presentation xmlns:a="http://schemas.openxmlformats.org/drawingml/2006/main" xmlns:r="http://schemas.openxmlformats.org/officeDocument/2006/relationships" xmlns:p="http://schemas.openxmlformats.org/presentationml/2006/main" autoCompressPictures="0">
   <p:sldMasterIdLst>
-    <p:sldMasterId id="2147483963" r:id="rId1"/>
+    <p:sldMasterId id="2147483975" r:id="rId1"/>
   </p:sldMasterIdLst>
   <p:sldIdLst>
     <p:sldId id="256" r:id="rId2"/>
-    <p:sldId id="257" r:id="rId3"/>
-    <p:sldId id="261" r:id="rId4"/>
-    <p:sldId id="260" r:id="rId5"/>
-    <p:sldId id="258" r:id="rId6"/>
-    <p:sldId id="259" r:id="rId7"/>
+    <p:sldId id="262" r:id="rId3"/>
+    <p:sldId id="257" r:id="rId4"/>
+    <p:sldId id="261" r:id="rId5"/>
+    <p:sldId id="260" r:id="rId6"/>
+    <p:sldId id="263" r:id="rId7"/>
+    <p:sldId id="258" r:id="rId8"/>
   </p:sldIdLst>
   <p:sldSz cx="12192000" cy="6858000"/>
   <p:notesSz cx="6858000" cy="9144000"/>
@@ -109,11 +110,16 @@
       </a:defRPr>
     </a:lvl9pPr>
   </p:defaultTextStyle>
+  <p:extLst>
+    <p:ext uri="{EFAFB233-063F-42B5-8137-9DF3F51BA10A}">
+      <p15:sldGuideLst xmlns:p15="http://schemas.microsoft.com/office/powerpoint/2012/main"/>
+    </p:ext>
+  </p:extLst>
 </p:presentation>
 </file>
 
 <file path=ppt/slideLayouts/slideLayout1.xml><?xml version="1.0" encoding="utf-8"?>
-<p:sldLayout xmlns:a="http://schemas.openxmlformats.org/drawingml/2006/main" xmlns:r="http://schemas.openxmlformats.org/officeDocument/2006/relationships" xmlns:p="http://schemas.openxmlformats.org/presentationml/2006/main" showMasterSp="0" type="title" preserve="1">
+<p:sldLayout xmlns:a="http://schemas.openxmlformats.org/drawingml/2006/main" xmlns:r="http://schemas.openxmlformats.org/officeDocument/2006/relationships" xmlns:p="http://schemas.openxmlformats.org/presentationml/2006/main" type="title" preserve="1">
   <p:cSld name="タイトル スライド">
     <p:spTree>
       <p:nvGrpSpPr>
@@ -131,474 +137,120 @@
       </p:grpSpPr>
       <p:sp>
         <p:nvSpPr>
-          <p:cNvPr id="7" name="Rectangle 6"/>
-          <p:cNvSpPr/>
-          <p:nvPr/>
+          <p:cNvPr id="2" name="タイトル 1">
+            <a:extLst>
+              <a:ext uri="{FF2B5EF4-FFF2-40B4-BE49-F238E27FC236}">
+                <a16:creationId xmlns:a16="http://schemas.microsoft.com/office/drawing/2014/main" id="{1135B0D4-F73D-CB4B-8BBB-0A2447E60FE6}"/>
+              </a:ext>
+            </a:extLst>
+          </p:cNvPr>
+          <p:cNvSpPr>
+            <a:spLocks noGrp="1"/>
+          </p:cNvSpPr>
+          <p:nvPr>
+            <p:ph type="ctrTitle"/>
+          </p:nvPr>
         </p:nvSpPr>
         <p:spPr>
           <a:xfrm>
-            <a:off x="920834" y="1346946"/>
-            <a:ext cx="10222992" cy="80683"/>
+            <a:off x="1524000" y="1122363"/>
+            <a:ext cx="9144000" cy="2387600"/>
           </a:xfrm>
-          <a:prstGeom prst="rect">
-            <a:avLst/>
-          </a:prstGeom>
-          <a:blipFill dpi="0" rotWithShape="1">
-            <a:blip r:embed="rId2">
-              <a:alphaModFix amt="83000"/>
-              <a:lum bright="70000" contrast="-70000"/>
-              <a:extLst>
-                <a:ext uri="{BEBA8EAE-BF5A-486C-A8C5-ECC9F3942E4B}">
-                  <a14:imgProps xmlns:a14="http://schemas.microsoft.com/office/drawing/2010/main">
-                    <a14:imgLayer r:embed="rId3">
-                      <a14:imgEffect>
-                        <a14:sharpenSoften amount="61000"/>
-                      </a14:imgEffect>
-                    </a14:imgLayer>
-                  </a14:imgProps>
-                </a:ext>
-                <a:ext uri="{28A0092B-C50C-407E-A947-70E740481C1C}">
-                  <a14:useLocalDpi xmlns:a14="http://schemas.microsoft.com/office/drawing/2010/main" val="0"/>
-                </a:ext>
-              </a:extLst>
-            </a:blip>
-            <a:srcRect/>
-            <a:tile tx="0" ty="-762000" sx="92000" sy="89000" flip="xy" algn="ctr"/>
-          </a:blipFill>
-          <a:ln>
-            <a:noFill/>
-          </a:ln>
         </p:spPr>
-        <p:style>
-          <a:lnRef idx="2">
-            <a:schemeClr val="accent1">
-              <a:shade val="50000"/>
-            </a:schemeClr>
-          </a:lnRef>
-          <a:fillRef idx="1">
-            <a:schemeClr val="accent1"/>
-          </a:fillRef>
-          <a:effectRef idx="0">
-            <a:schemeClr val="accent1"/>
-          </a:effectRef>
-          <a:fontRef idx="minor">
-            <a:schemeClr val="lt1"/>
-          </a:fontRef>
-        </p:style>
-        <p:txBody>
-          <a:bodyPr rtlCol="0" anchor="ctr"/>
-          <a:lstStyle/>
-          <a:p>
-            <a:pPr algn="ctr"/>
-            <a:endParaRPr lang="en-US"/>
-          </a:p>
-        </p:txBody>
-      </p:sp>
-      <p:sp>
-        <p:nvSpPr>
-          <p:cNvPr id="8" name="Rectangle 7"/>
-          <p:cNvSpPr/>
-          <p:nvPr/>
+        <p:txBody>
+          <a:bodyPr anchor="b"/>
+          <a:lstStyle>
+            <a:lvl1pPr algn="ctr">
+              <a:defRPr sz="6000"/>
+            </a:lvl1pPr>
+          </a:lstStyle>
+          <a:p>
+            <a:r>
+              <a:rPr kumimoji="1" lang="ja-JP" altLang="en-US"/>
+              <a:t>マスター タイトルの書式設定</a:t>
+            </a:r>
+          </a:p>
+        </p:txBody>
+      </p:sp>
+      <p:sp>
+        <p:nvSpPr>
+          <p:cNvPr id="3" name="字幕 2">
+            <a:extLst>
+              <a:ext uri="{FF2B5EF4-FFF2-40B4-BE49-F238E27FC236}">
+                <a16:creationId xmlns:a16="http://schemas.microsoft.com/office/drawing/2014/main" id="{F4541756-5714-5241-AEFC-848E4D9B0AA5}"/>
+              </a:ext>
+            </a:extLst>
+          </p:cNvPr>
+          <p:cNvSpPr>
+            <a:spLocks noGrp="1"/>
+          </p:cNvSpPr>
+          <p:nvPr>
+            <p:ph type="subTitle" idx="1"/>
+          </p:nvPr>
         </p:nvSpPr>
         <p:spPr>
           <a:xfrm>
-            <a:off x="920834" y="4299696"/>
-            <a:ext cx="10222992" cy="80683"/>
-          </a:xfrm>
-          <a:prstGeom prst="rect">
-            <a:avLst/>
-          </a:prstGeom>
-          <a:blipFill dpi="0" rotWithShape="1">
-            <a:blip r:embed="rId2">
-              <a:alphaModFix amt="83000"/>
-              <a:lum bright="70000" contrast="-70000"/>
-              <a:extLst>
-                <a:ext uri="{BEBA8EAE-BF5A-486C-A8C5-ECC9F3942E4B}">
-                  <a14:imgProps xmlns:a14="http://schemas.microsoft.com/office/drawing/2010/main">
-                    <a14:imgLayer r:embed="rId3">
-                      <a14:imgEffect>
-                        <a14:sharpenSoften amount="61000"/>
-                      </a14:imgEffect>
-                    </a14:imgLayer>
-                  </a14:imgProps>
-                </a:ext>
-                <a:ext uri="{28A0092B-C50C-407E-A947-70E740481C1C}">
-                  <a14:useLocalDpi xmlns:a14="http://schemas.microsoft.com/office/drawing/2010/main" val="0"/>
-                </a:ext>
-              </a:extLst>
-            </a:blip>
-            <a:srcRect/>
-            <a:tile tx="0" ty="-717550" sx="92000" sy="89000" flip="xy" algn="ctr"/>
-          </a:blipFill>
-          <a:ln>
-            <a:noFill/>
-          </a:ln>
-        </p:spPr>
-        <p:style>
-          <a:lnRef idx="2">
-            <a:schemeClr val="accent1">
-              <a:shade val="50000"/>
-            </a:schemeClr>
-          </a:lnRef>
-          <a:fillRef idx="1">
-            <a:schemeClr val="accent1"/>
-          </a:fillRef>
-          <a:effectRef idx="0">
-            <a:schemeClr val="accent1"/>
-          </a:effectRef>
-          <a:fontRef idx="minor">
-            <a:schemeClr val="lt1"/>
-          </a:fontRef>
-        </p:style>
-        <p:txBody>
-          <a:bodyPr rtlCol="0" anchor="ctr"/>
-          <a:lstStyle/>
-          <a:p>
-            <a:pPr algn="ctr"/>
-            <a:endParaRPr lang="en-US"/>
-          </a:p>
-        </p:txBody>
-      </p:sp>
-      <p:sp>
-        <p:nvSpPr>
-          <p:cNvPr id="9" name="Rectangle 8"/>
-          <p:cNvSpPr/>
-          <p:nvPr/>
-        </p:nvSpPr>
-        <p:spPr>
-          <a:xfrm>
-            <a:off x="920834" y="1484779"/>
-            <a:ext cx="10222992" cy="2743200"/>
-          </a:xfrm>
-          <a:prstGeom prst="rect">
-            <a:avLst/>
-          </a:prstGeom>
-          <a:blipFill dpi="0" rotWithShape="1">
-            <a:blip r:embed="rId2">
-              <a:alphaModFix amt="83000"/>
-              <a:lum bright="70000" contrast="-70000"/>
-              <a:extLst>
-                <a:ext uri="{BEBA8EAE-BF5A-486C-A8C5-ECC9F3942E4B}">
-                  <a14:imgProps xmlns:a14="http://schemas.microsoft.com/office/drawing/2010/main">
-                    <a14:imgLayer r:embed="rId3">
-                      <a14:imgEffect>
-                        <a14:sharpenSoften amount="61000"/>
-                      </a14:imgEffect>
-                    </a14:imgLayer>
-                  </a14:imgProps>
-                </a:ext>
-                <a:ext uri="{28A0092B-C50C-407E-A947-70E740481C1C}">
-                  <a14:useLocalDpi xmlns:a14="http://schemas.microsoft.com/office/drawing/2010/main" val="0"/>
-                </a:ext>
-              </a:extLst>
-            </a:blip>
-            <a:srcRect/>
-            <a:tile tx="0" ty="-704850" sx="92000" sy="89000" flip="xy" algn="ctr"/>
-          </a:blipFill>
-          <a:ln>
-            <a:noFill/>
-          </a:ln>
-        </p:spPr>
-        <p:style>
-          <a:lnRef idx="2">
-            <a:schemeClr val="accent1">
-              <a:shade val="50000"/>
-            </a:schemeClr>
-          </a:lnRef>
-          <a:fillRef idx="1">
-            <a:schemeClr val="accent1"/>
-          </a:fillRef>
-          <a:effectRef idx="0">
-            <a:schemeClr val="accent1"/>
-          </a:effectRef>
-          <a:fontRef idx="minor">
-            <a:schemeClr val="lt1"/>
-          </a:fontRef>
-        </p:style>
-        <p:txBody>
-          <a:bodyPr rtlCol="0" anchor="ctr"/>
-          <a:lstStyle/>
-          <a:p>
-            <a:pPr algn="ctr"/>
-            <a:endParaRPr lang="en-US"/>
-          </a:p>
-        </p:txBody>
-      </p:sp>
-      <p:grpSp>
-        <p:nvGrpSpPr>
-          <p:cNvPr id="10" name="Group 9"/>
-          <p:cNvGrpSpPr/>
-          <p:nvPr/>
-        </p:nvGrpSpPr>
-        <p:grpSpPr>
-          <a:xfrm>
-            <a:off x="9649215" y="4068923"/>
-            <a:ext cx="1080904" cy="1080902"/>
-            <a:chOff x="9685338" y="4460675"/>
-            <a:chExt cx="1080904" cy="1080902"/>
-          </a:xfrm>
-        </p:grpSpPr>
-        <p:sp>
-          <p:nvSpPr>
-            <p:cNvPr id="11" name="Oval 10"/>
-            <p:cNvSpPr/>
-            <p:nvPr/>
-          </p:nvSpPr>
-          <p:spPr>
-            <a:xfrm>
-              <a:off x="9685338" y="4460675"/>
-              <a:ext cx="1080904" cy="1080902"/>
-            </a:xfrm>
-            <a:prstGeom prst="ellipse">
-              <a:avLst/>
-            </a:prstGeom>
-            <a:blipFill dpi="0" rotWithShape="1">
-              <a:blip r:embed="rId4">
-                <a:duotone>
-                  <a:schemeClr val="accent1">
-                    <a:shade val="45000"/>
-                    <a:satMod val="135000"/>
-                  </a:schemeClr>
-                  <a:prstClr val="white"/>
-                </a:duotone>
-                <a:extLst>
-                  <a:ext uri="{BEBA8EAE-BF5A-486C-A8C5-ECC9F3942E4B}">
-                    <a14:imgProps xmlns:a14="http://schemas.microsoft.com/office/drawing/2010/main">
-                      <a14:imgLayer r:embed="rId5">
-                        <a14:imgEffect>
-                          <a14:saturation sat="95000"/>
-                        </a14:imgEffect>
-                      </a14:imgLayer>
-                    </a14:imgProps>
-                  </a:ext>
-                </a:extLst>
-              </a:blip>
-              <a:srcRect/>
-              <a:tile tx="0" ty="0" sx="85000" sy="85000" flip="none" algn="tl"/>
-            </a:blipFill>
-            <a:ln w="25400" cap="flat" cmpd="sng" algn="ctr">
-              <a:noFill/>
-              <a:prstDash val="solid"/>
-            </a:ln>
-            <a:effectLst/>
-          </p:spPr>
-          <p:txBody>
-            <a:bodyPr lIns="0" tIns="0" rIns="0" bIns="0" rtlCol="0" anchor="ctr"/>
-            <a:lstStyle/>
-            <a:p>
-              <a:pPr marL="0" marR="0" lvl="0" indent="0" algn="ctr" defTabSz="914400" eaLnBrk="1" fontAlgn="auto" latinLnBrk="0" hangingPunct="1">
-                <a:lnSpc>
-                  <a:spcPct val="100000"/>
-                </a:lnSpc>
-                <a:spcBef>
-                  <a:spcPts val="0"/>
-                </a:spcBef>
-                <a:spcAft>
-                  <a:spcPts val="0"/>
-                </a:spcAft>
-                <a:buClrTx/>
-                <a:buSzTx/>
-                <a:buFontTx/>
-                <a:buNone/>
-                <a:tabLst/>
-                <a:defRPr/>
-              </a:pPr>
-              <a:endParaRPr kumimoji="0" lang="en-US" sz="2000" b="0" i="0" u="none" strike="noStrike" kern="0" cap="none" spc="0" normalizeH="0" baseline="0" noProof="0" dirty="0">
-                <a:ln>
-                  <a:noFill/>
-                </a:ln>
-                <a:solidFill>
-                  <a:prstClr val="white"/>
-                </a:solidFill>
-                <a:effectLst/>
-                <a:uLnTx/>
-                <a:uFillTx/>
-                <a:latin typeface="Rockwell Extra Bold" pitchFamily="18" charset="0"/>
-                <a:ea typeface="+mn-ea"/>
-                <a:cs typeface="+mn-cs"/>
-              </a:endParaRPr>
-            </a:p>
-          </p:txBody>
-        </p:sp>
-        <p:sp>
-          <p:nvSpPr>
-            <p:cNvPr id="12" name="Oval 11"/>
-            <p:cNvSpPr/>
-            <p:nvPr/>
-          </p:nvSpPr>
-          <p:spPr>
-            <a:xfrm>
-              <a:off x="9793429" y="4568765"/>
-              <a:ext cx="864723" cy="864722"/>
-            </a:xfrm>
-            <a:prstGeom prst="ellipse">
-              <a:avLst/>
-            </a:prstGeom>
-            <a:noFill/>
-            <a:ln w="25400" cap="flat" cmpd="sng" algn="ctr">
-              <a:solidFill>
-                <a:sysClr val="window" lastClr="FFFFFF"/>
-              </a:solidFill>
-              <a:prstDash val="solid"/>
-            </a:ln>
-            <a:effectLst/>
-          </p:spPr>
-          <p:txBody>
-            <a:bodyPr rtlCol="0" anchor="ctr"/>
-            <a:lstStyle/>
-            <a:p>
-              <a:pPr marL="0" marR="0" lvl="0" indent="0" algn="ctr" defTabSz="914400" eaLnBrk="1" fontAlgn="auto" latinLnBrk="0" hangingPunct="1">
-                <a:lnSpc>
-                  <a:spcPct val="100000"/>
-                </a:lnSpc>
-                <a:spcBef>
-                  <a:spcPts val="0"/>
-                </a:spcBef>
-                <a:spcAft>
-                  <a:spcPts val="0"/>
-                </a:spcAft>
-                <a:buClrTx/>
-                <a:buSzTx/>
-                <a:buFontTx/>
-                <a:buNone/>
-                <a:tabLst/>
-                <a:defRPr/>
-              </a:pPr>
-              <a:endParaRPr kumimoji="0" lang="en-US" sz="1800" b="0" i="0" u="none" strike="noStrike" kern="0" cap="none" spc="0" normalizeH="0" baseline="0" noProof="0" dirty="0">
-                <a:ln>
-                  <a:noFill/>
-                </a:ln>
-                <a:solidFill>
-                  <a:prstClr val="white"/>
-                </a:solidFill>
-                <a:effectLst/>
-                <a:uLnTx/>
-                <a:uFillTx/>
-                <a:latin typeface="Calibri"/>
-                <a:ea typeface="+mn-ea"/>
-                <a:cs typeface="+mn-cs"/>
-              </a:endParaRPr>
-            </a:p>
-          </p:txBody>
-        </p:sp>
-      </p:grpSp>
-      <p:sp>
-        <p:nvSpPr>
-          <p:cNvPr id="2" name="Title 1"/>
-          <p:cNvSpPr>
-            <a:spLocks noGrp="1"/>
-          </p:cNvSpPr>
-          <p:nvPr>
-            <p:ph type="ctrTitle"/>
-          </p:nvPr>
-        </p:nvSpPr>
-        <p:spPr>
-          <a:xfrm>
-            <a:off x="1051560" y="1432223"/>
-            <a:ext cx="9966960" cy="3035808"/>
+            <a:off x="1524000" y="3602038"/>
+            <a:ext cx="9144000" cy="1655762"/>
           </a:xfrm>
         </p:spPr>
         <p:txBody>
-          <a:bodyPr anchor="ctr">
-            <a:noAutofit/>
-          </a:bodyPr>
+          <a:bodyPr/>
           <a:lstStyle>
-            <a:lvl1pPr algn="l">
-              <a:lnSpc>
-                <a:spcPct val="85000"/>
-              </a:lnSpc>
-              <a:defRPr sz="7200" b="1" cap="none" baseline="0">
-                <a:blipFill dpi="0" rotWithShape="1">
-                  <a:blip r:embed="rId4"/>
-                  <a:srcRect/>
-                  <a:tile tx="6350" ty="-127000" sx="65000" sy="64000" flip="none" algn="tl"/>
-                </a:blipFill>
-              </a:defRPr>
-            </a:lvl1pPr>
-          </a:lstStyle>
-          <a:p>
-            <a:r>
-              <a:rPr lang="ja-JP" altLang="en-US"/>
-              <a:t>マスター タイトルの書式設定</a:t>
-            </a:r>
-            <a:endParaRPr lang="en-US" dirty="0"/>
-          </a:p>
-        </p:txBody>
-      </p:sp>
-      <p:sp>
-        <p:nvSpPr>
-          <p:cNvPr id="3" name="Subtitle 2"/>
-          <p:cNvSpPr>
-            <a:spLocks noGrp="1"/>
-          </p:cNvSpPr>
-          <p:nvPr>
-            <p:ph type="subTitle" idx="1"/>
-          </p:nvPr>
-        </p:nvSpPr>
-        <p:spPr>
-          <a:xfrm>
-            <a:off x="1069848" y="4389120"/>
-            <a:ext cx="7891272" cy="1069848"/>
-          </a:xfrm>
-        </p:spPr>
-        <p:txBody>
-          <a:bodyPr>
-            <a:normAutofit/>
-          </a:bodyPr>
-          <a:lstStyle>
-            <a:lvl1pPr marL="0" indent="0" algn="l">
-              <a:buNone/>
-              <a:defRPr sz="2200">
-                <a:solidFill>
-                  <a:schemeClr val="tx1"/>
-                </a:solidFill>
-              </a:defRPr>
+            <a:lvl1pPr marL="0" indent="0" algn="ctr">
+              <a:buNone/>
+              <a:defRPr sz="2400"/>
             </a:lvl1pPr>
             <a:lvl2pPr marL="457200" indent="0" algn="ctr">
               <a:buNone/>
-              <a:defRPr sz="2800"/>
+              <a:defRPr sz="2000"/>
             </a:lvl2pPr>
             <a:lvl3pPr marL="914400" indent="0" algn="ctr">
               <a:buNone/>
-              <a:defRPr sz="2400"/>
+              <a:defRPr sz="1800"/>
             </a:lvl3pPr>
             <a:lvl4pPr marL="1371600" indent="0" algn="ctr">
               <a:buNone/>
-              <a:defRPr sz="2000"/>
+              <a:defRPr sz="1600"/>
             </a:lvl4pPr>
             <a:lvl5pPr marL="1828800" indent="0" algn="ctr">
               <a:buNone/>
-              <a:defRPr sz="2000"/>
+              <a:defRPr sz="1600"/>
             </a:lvl5pPr>
             <a:lvl6pPr marL="2286000" indent="0" algn="ctr">
               <a:buNone/>
-              <a:defRPr sz="2000"/>
+              <a:defRPr sz="1600"/>
             </a:lvl6pPr>
             <a:lvl7pPr marL="2743200" indent="0" algn="ctr">
               <a:buNone/>
-              <a:defRPr sz="2000"/>
+              <a:defRPr sz="1600"/>
             </a:lvl7pPr>
             <a:lvl8pPr marL="3200400" indent="0" algn="ctr">
               <a:buNone/>
-              <a:defRPr sz="2000"/>
+              <a:defRPr sz="1600"/>
             </a:lvl8pPr>
             <a:lvl9pPr marL="3657600" indent="0" algn="ctr">
               <a:buNone/>
-              <a:defRPr sz="2000"/>
+              <a:defRPr sz="1600"/>
             </a:lvl9pPr>
           </a:lstStyle>
           <a:p>
             <a:r>
-              <a:rPr lang="ja-JP" altLang="en-US"/>
+              <a:rPr kumimoji="1" lang="ja-JP" altLang="en-US"/>
               <a:t>マスター サブタイトルの書式設定</a:t>
             </a:r>
-            <a:endParaRPr lang="en-US" dirty="0"/>
-          </a:p>
-        </p:txBody>
-      </p:sp>
-      <p:sp>
-        <p:nvSpPr>
-          <p:cNvPr id="4" name="Date Placeholder 3"/>
+          </a:p>
+        </p:txBody>
+      </p:sp>
+      <p:sp>
+        <p:nvSpPr>
+          <p:cNvPr id="4" name="日付プレースホルダー 3">
+            <a:extLst>
+              <a:ext uri="{FF2B5EF4-FFF2-40B4-BE49-F238E27FC236}">
+                <a16:creationId xmlns:a16="http://schemas.microsoft.com/office/drawing/2014/main" id="{A5896E1A-8F69-1D4F-A80F-B765C9F46F99}"/>
+              </a:ext>
+            </a:extLst>
+          </p:cNvPr>
           <p:cNvSpPr>
             <a:spLocks noGrp="1"/>
           </p:cNvSpPr>
@@ -614,7 +266,7 @@
             <a:fld id="{5586B75A-687E-405C-8A0B-8D00578BA2C3}" type="datetimeFigureOut">
               <a:rPr lang="en-US" smtClean="0"/>
               <a:pPr/>
-              <a:t>9/15/18</a:t>
+              <a:t>9/16/18</a:t>
             </a:fld>
             <a:endParaRPr lang="en-US" dirty="0"/>
           </a:p>
@@ -622,7 +274,13 @@
       </p:sp>
       <p:sp>
         <p:nvSpPr>
-          <p:cNvPr id="5" name="Footer Placeholder 4"/>
+          <p:cNvPr id="5" name="フッター プレースホルダー 4">
+            <a:extLst>
+              <a:ext uri="{FF2B5EF4-FFF2-40B4-BE49-F238E27FC236}">
+                <a16:creationId xmlns:a16="http://schemas.microsoft.com/office/drawing/2014/main" id="{8EA7C233-D895-5142-BE9D-120DE1B4385E}"/>
+              </a:ext>
+            </a:extLst>
+          </p:cNvPr>
           <p:cNvSpPr>
             <a:spLocks noGrp="1"/>
           </p:cNvSpPr>
@@ -641,7 +299,13 @@
       </p:sp>
       <p:sp>
         <p:nvSpPr>
-          <p:cNvPr id="6" name="Slide Number Placeholder 5"/>
+          <p:cNvPr id="6" name="スライド番号プレースホルダー 5">
+            <a:extLst>
+              <a:ext uri="{FF2B5EF4-FFF2-40B4-BE49-F238E27FC236}">
+                <a16:creationId xmlns:a16="http://schemas.microsoft.com/office/drawing/2014/main" id="{41FFC41A-0D32-654E-90A5-7768D48DDC33}"/>
+              </a:ext>
+            </a:extLst>
+          </p:cNvPr>
           <p:cNvSpPr>
             <a:spLocks noGrp="1"/>
           </p:cNvSpPr>
@@ -649,19 +313,10 @@
             <p:ph type="sldNum" sz="quarter" idx="12"/>
           </p:nvPr>
         </p:nvSpPr>
-        <p:spPr>
-          <a:xfrm>
-            <a:off x="9592733" y="4289334"/>
-            <a:ext cx="1193868" cy="640080"/>
-          </a:xfrm>
-        </p:spPr>
+        <p:spPr/>
         <p:txBody>
           <a:bodyPr/>
-          <a:lstStyle>
-            <a:lvl1pPr>
-              <a:defRPr sz="2800" b="1"/>
-            </a:lvl1pPr>
-          </a:lstStyle>
+          <a:lstStyle/>
           <a:p>
             <a:fld id="{4FAB73BC-B049-4115-A692-8D63A059BFB8}" type="slidenum">
               <a:rPr lang="en-US" smtClean="0"/>
@@ -675,7 +330,7 @@
     </p:spTree>
     <p:extLst>
       <p:ext uri="{BB962C8B-B14F-4D97-AF65-F5344CB8AC3E}">
-        <p14:creationId xmlns:p14="http://schemas.microsoft.com/office/powerpoint/2010/main" val="1701618609"/>
+        <p14:creationId xmlns:p14="http://schemas.microsoft.com/office/powerpoint/2010/main" val="2853074312"/>
       </p:ext>
     </p:extLst>
   </p:cSld>
@@ -704,7 +359,13 @@
       </p:grpSpPr>
       <p:sp>
         <p:nvSpPr>
-          <p:cNvPr id="2" name="Title 1"/>
+          <p:cNvPr id="2" name="タイトル 1">
+            <a:extLst>
+              <a:ext uri="{FF2B5EF4-FFF2-40B4-BE49-F238E27FC236}">
+                <a16:creationId xmlns:a16="http://schemas.microsoft.com/office/drawing/2014/main" id="{6674E665-10C3-4D4E-95A7-F6853FF28A28}"/>
+              </a:ext>
+            </a:extLst>
+          </p:cNvPr>
           <p:cNvSpPr>
             <a:spLocks noGrp="1"/>
           </p:cNvSpPr>
@@ -718,16 +379,21 @@
           <a:lstStyle/>
           <a:p>
             <a:r>
-              <a:rPr lang="ja-JP" altLang="en-US"/>
+              <a:rPr kumimoji="1" lang="ja-JP" altLang="en-US"/>
               <a:t>マスター タイトルの書式設定</a:t>
             </a:r>
-            <a:endParaRPr lang="en-US"/>
-          </a:p>
-        </p:txBody>
-      </p:sp>
-      <p:sp>
-        <p:nvSpPr>
-          <p:cNvPr id="3" name="Vertical Text Placeholder 2"/>
+          </a:p>
+        </p:txBody>
+      </p:sp>
+      <p:sp>
+        <p:nvSpPr>
+          <p:cNvPr id="3" name="縦書きテキスト プレースホルダー 2">
+            <a:extLst>
+              <a:ext uri="{FF2B5EF4-FFF2-40B4-BE49-F238E27FC236}">
+                <a16:creationId xmlns:a16="http://schemas.microsoft.com/office/drawing/2014/main" id="{B97E9B82-A671-AB4F-B4BD-8D11A19F3750}"/>
+              </a:ext>
+            </a:extLst>
+          </p:cNvPr>
           <p:cNvSpPr>
             <a:spLocks noGrp="1"/>
           </p:cNvSpPr>
@@ -740,54 +406,58 @@
           <a:bodyPr vert="eaVert"/>
           <a:lstStyle/>
           <a:p>
-            <a:pPr lvl="0"/>
-            <a:r>
-              <a:rPr lang="ja-JP" altLang="en-US"/>
+            <a:r>
+              <a:rPr kumimoji="1" lang="ja-JP" altLang="en-US"/>
               <a:t>マスター テキストの書式設定
 第 </a:t>
             </a:r>
             <a:r>
-              <a:rPr lang="en-US" altLang="ja-JP"/>
+              <a:rPr kumimoji="1" lang="en-US" altLang="ja-JP"/>
               <a:t>2 </a:t>
             </a:r>
             <a:r>
-              <a:rPr lang="ja-JP" altLang="en-US"/>
+              <a:rPr kumimoji="1" lang="ja-JP" altLang="en-US"/>
               <a:t>レベル
 第 </a:t>
             </a:r>
             <a:r>
-              <a:rPr lang="en-US" altLang="ja-JP"/>
+              <a:rPr kumimoji="1" lang="en-US" altLang="ja-JP"/>
               <a:t>3 </a:t>
             </a:r>
             <a:r>
-              <a:rPr lang="ja-JP" altLang="en-US"/>
+              <a:rPr kumimoji="1" lang="ja-JP" altLang="en-US"/>
               <a:t>レベル
 第 </a:t>
             </a:r>
             <a:r>
-              <a:rPr lang="en-US" altLang="ja-JP"/>
+              <a:rPr kumimoji="1" lang="en-US" altLang="ja-JP"/>
               <a:t>4 </a:t>
             </a:r>
             <a:r>
-              <a:rPr lang="ja-JP" altLang="en-US"/>
+              <a:rPr kumimoji="1" lang="ja-JP" altLang="en-US"/>
               <a:t>レベル
 第 </a:t>
             </a:r>
             <a:r>
-              <a:rPr lang="en-US" altLang="ja-JP"/>
+              <a:rPr kumimoji="1" lang="en-US" altLang="ja-JP"/>
               <a:t>5 </a:t>
             </a:r>
             <a:r>
-              <a:rPr lang="ja-JP" altLang="en-US"/>
+              <a:rPr kumimoji="1" lang="ja-JP" altLang="en-US"/>
               <a:t>レベル</a:t>
             </a:r>
-            <a:endParaRPr lang="en-US"/>
-          </a:p>
-        </p:txBody>
-      </p:sp>
-      <p:sp>
-        <p:nvSpPr>
-          <p:cNvPr id="4" name="Date Placeholder 3"/>
+          </a:p>
+        </p:txBody>
+      </p:sp>
+      <p:sp>
+        <p:nvSpPr>
+          <p:cNvPr id="4" name="日付プレースホルダー 3">
+            <a:extLst>
+              <a:ext uri="{FF2B5EF4-FFF2-40B4-BE49-F238E27FC236}">
+                <a16:creationId xmlns:a16="http://schemas.microsoft.com/office/drawing/2014/main" id="{AFBA34CF-F6B8-CB4D-8C57-AD0C66DEDDBC}"/>
+              </a:ext>
+            </a:extLst>
+          </p:cNvPr>
           <p:cNvSpPr>
             <a:spLocks noGrp="1"/>
           </p:cNvSpPr>
@@ -803,7 +473,7 @@
             <a:fld id="{5586B75A-687E-405C-8A0B-8D00578BA2C3}" type="datetimeFigureOut">
               <a:rPr lang="en-US" smtClean="0"/>
               <a:pPr/>
-              <a:t>9/15/18</a:t>
+              <a:t>9/16/18</a:t>
             </a:fld>
             <a:endParaRPr lang="en-US" dirty="0"/>
           </a:p>
@@ -811,7 +481,13 @@
       </p:sp>
       <p:sp>
         <p:nvSpPr>
-          <p:cNvPr id="5" name="Footer Placeholder 4"/>
+          <p:cNvPr id="5" name="フッター プレースホルダー 4">
+            <a:extLst>
+              <a:ext uri="{FF2B5EF4-FFF2-40B4-BE49-F238E27FC236}">
+                <a16:creationId xmlns:a16="http://schemas.microsoft.com/office/drawing/2014/main" id="{4FC81350-7E41-B547-A7A5-2ED0087166F7}"/>
+              </a:ext>
+            </a:extLst>
+          </p:cNvPr>
           <p:cNvSpPr>
             <a:spLocks noGrp="1"/>
           </p:cNvSpPr>
@@ -830,7 +506,13 @@
       </p:sp>
       <p:sp>
         <p:nvSpPr>
-          <p:cNvPr id="6" name="Slide Number Placeholder 5"/>
+          <p:cNvPr id="6" name="スライド番号プレースホルダー 5">
+            <a:extLst>
+              <a:ext uri="{FF2B5EF4-FFF2-40B4-BE49-F238E27FC236}">
+                <a16:creationId xmlns:a16="http://schemas.microsoft.com/office/drawing/2014/main" id="{B741911F-55BB-5142-B46B-BBE5A2DE48DF}"/>
+              </a:ext>
+            </a:extLst>
+          </p:cNvPr>
           <p:cNvSpPr>
             <a:spLocks noGrp="1"/>
           </p:cNvSpPr>
@@ -855,7 +537,7 @@
     </p:spTree>
     <p:extLst>
       <p:ext uri="{BB962C8B-B14F-4D97-AF65-F5344CB8AC3E}">
-        <p14:creationId xmlns:p14="http://schemas.microsoft.com/office/powerpoint/2010/main" val="1070098517"/>
+        <p14:creationId xmlns:p14="http://schemas.microsoft.com/office/powerpoint/2010/main" val="2634911451"/>
       </p:ext>
     </p:extLst>
   </p:cSld>
@@ -884,7 +566,13 @@
       </p:grpSpPr>
       <p:sp>
         <p:nvSpPr>
-          <p:cNvPr id="2" name="Vertical Title 1"/>
+          <p:cNvPr id="2" name="縦書きタイトル 1">
+            <a:extLst>
+              <a:ext uri="{FF2B5EF4-FFF2-40B4-BE49-F238E27FC236}">
+                <a16:creationId xmlns:a16="http://schemas.microsoft.com/office/drawing/2014/main" id="{745F1D8D-6CA2-3146-BFFC-4872BCAB6953}"/>
+              </a:ext>
+            </a:extLst>
+          </p:cNvPr>
           <p:cNvSpPr>
             <a:spLocks noGrp="1"/>
           </p:cNvSpPr>
@@ -894,8 +582,8 @@
         </p:nvSpPr>
         <p:spPr>
           <a:xfrm>
-            <a:off x="8724900" y="533400"/>
-            <a:ext cx="2552700" cy="5638800"/>
+            <a:off x="8724900" y="365125"/>
+            <a:ext cx="2628900" cy="5811838"/>
           </a:xfrm>
         </p:spPr>
         <p:txBody>
@@ -903,16 +591,21 @@
           <a:lstStyle/>
           <a:p>
             <a:r>
-              <a:rPr lang="ja-JP" altLang="en-US"/>
+              <a:rPr kumimoji="1" lang="ja-JP" altLang="en-US"/>
               <a:t>マスター タイトルの書式設定</a:t>
             </a:r>
-            <a:endParaRPr lang="en-US" dirty="0"/>
-          </a:p>
-        </p:txBody>
-      </p:sp>
-      <p:sp>
-        <p:nvSpPr>
-          <p:cNvPr id="3" name="Vertical Text Placeholder 2"/>
+          </a:p>
+        </p:txBody>
+      </p:sp>
+      <p:sp>
+        <p:nvSpPr>
+          <p:cNvPr id="3" name="縦書きテキスト プレースホルダー 2">
+            <a:extLst>
+              <a:ext uri="{FF2B5EF4-FFF2-40B4-BE49-F238E27FC236}">
+                <a16:creationId xmlns:a16="http://schemas.microsoft.com/office/drawing/2014/main" id="{94271606-A63B-2848-AC4D-8E8C1CDF96AF}"/>
+              </a:ext>
+            </a:extLst>
+          </p:cNvPr>
           <p:cNvSpPr>
             <a:spLocks noGrp="1"/>
           </p:cNvSpPr>
@@ -922,62 +615,66 @@
         </p:nvSpPr>
         <p:spPr>
           <a:xfrm>
-            <a:off x="1066800" y="533400"/>
-            <a:ext cx="7505700" cy="5638800"/>
+            <a:off x="838200" y="365125"/>
+            <a:ext cx="7734300" cy="5811838"/>
           </a:xfrm>
         </p:spPr>
         <p:txBody>
           <a:bodyPr vert="eaVert"/>
           <a:lstStyle/>
           <a:p>
-            <a:pPr lvl="0"/>
-            <a:r>
-              <a:rPr lang="ja-JP" altLang="en-US"/>
+            <a:r>
+              <a:rPr kumimoji="1" lang="ja-JP" altLang="en-US"/>
               <a:t>マスター テキストの書式設定
 第 </a:t>
             </a:r>
             <a:r>
-              <a:rPr lang="en-US" altLang="ja-JP"/>
+              <a:rPr kumimoji="1" lang="en-US" altLang="ja-JP"/>
               <a:t>2 </a:t>
             </a:r>
             <a:r>
-              <a:rPr lang="ja-JP" altLang="en-US"/>
+              <a:rPr kumimoji="1" lang="ja-JP" altLang="en-US"/>
               <a:t>レベル
 第 </a:t>
             </a:r>
             <a:r>
-              <a:rPr lang="en-US" altLang="ja-JP"/>
+              <a:rPr kumimoji="1" lang="en-US" altLang="ja-JP"/>
               <a:t>3 </a:t>
             </a:r>
             <a:r>
-              <a:rPr lang="ja-JP" altLang="en-US"/>
+              <a:rPr kumimoji="1" lang="ja-JP" altLang="en-US"/>
               <a:t>レベル
 第 </a:t>
             </a:r>
             <a:r>
-              <a:rPr lang="en-US" altLang="ja-JP"/>
+              <a:rPr kumimoji="1" lang="en-US" altLang="ja-JP"/>
               <a:t>4 </a:t>
             </a:r>
             <a:r>
-              <a:rPr lang="ja-JP" altLang="en-US"/>
+              <a:rPr kumimoji="1" lang="ja-JP" altLang="en-US"/>
               <a:t>レベル
 第 </a:t>
             </a:r>
             <a:r>
-              <a:rPr lang="en-US" altLang="ja-JP"/>
+              <a:rPr kumimoji="1" lang="en-US" altLang="ja-JP"/>
               <a:t>5 </a:t>
             </a:r>
             <a:r>
-              <a:rPr lang="ja-JP" altLang="en-US"/>
+              <a:rPr kumimoji="1" lang="ja-JP" altLang="en-US"/>
               <a:t>レベル</a:t>
             </a:r>
-            <a:endParaRPr lang="en-US" dirty="0"/>
-          </a:p>
-        </p:txBody>
-      </p:sp>
-      <p:sp>
-        <p:nvSpPr>
-          <p:cNvPr id="4" name="Date Placeholder 3"/>
+          </a:p>
+        </p:txBody>
+      </p:sp>
+      <p:sp>
+        <p:nvSpPr>
+          <p:cNvPr id="4" name="日付プレースホルダー 3">
+            <a:extLst>
+              <a:ext uri="{FF2B5EF4-FFF2-40B4-BE49-F238E27FC236}">
+                <a16:creationId xmlns:a16="http://schemas.microsoft.com/office/drawing/2014/main" id="{92F68F5B-7034-E747-90A2-A773C45AF622}"/>
+              </a:ext>
+            </a:extLst>
+          </p:cNvPr>
           <p:cNvSpPr>
             <a:spLocks noGrp="1"/>
           </p:cNvSpPr>
@@ -993,7 +690,7 @@
             <a:fld id="{5586B75A-687E-405C-8A0B-8D00578BA2C3}" type="datetimeFigureOut">
               <a:rPr lang="en-US" smtClean="0"/>
               <a:pPr/>
-              <a:t>9/15/18</a:t>
+              <a:t>9/16/18</a:t>
             </a:fld>
             <a:endParaRPr lang="en-US" dirty="0"/>
           </a:p>
@@ -1001,7 +698,13 @@
       </p:sp>
       <p:sp>
         <p:nvSpPr>
-          <p:cNvPr id="5" name="Footer Placeholder 4"/>
+          <p:cNvPr id="5" name="フッター プレースホルダー 4">
+            <a:extLst>
+              <a:ext uri="{FF2B5EF4-FFF2-40B4-BE49-F238E27FC236}">
+                <a16:creationId xmlns:a16="http://schemas.microsoft.com/office/drawing/2014/main" id="{E585AE38-6D5B-6D4D-B974-54A1036A3690}"/>
+              </a:ext>
+            </a:extLst>
+          </p:cNvPr>
           <p:cNvSpPr>
             <a:spLocks noGrp="1"/>
           </p:cNvSpPr>
@@ -1020,7 +723,13 @@
       </p:sp>
       <p:sp>
         <p:nvSpPr>
-          <p:cNvPr id="6" name="Slide Number Placeholder 5"/>
+          <p:cNvPr id="6" name="スライド番号プレースホルダー 5">
+            <a:extLst>
+              <a:ext uri="{FF2B5EF4-FFF2-40B4-BE49-F238E27FC236}">
+                <a16:creationId xmlns:a16="http://schemas.microsoft.com/office/drawing/2014/main" id="{DA294997-1768-B249-9620-0BB042363C0A}"/>
+              </a:ext>
+            </a:extLst>
+          </p:cNvPr>
           <p:cNvSpPr>
             <a:spLocks noGrp="1"/>
           </p:cNvSpPr>
@@ -1045,7 +754,7 @@
     </p:spTree>
     <p:extLst>
       <p:ext uri="{BB962C8B-B14F-4D97-AF65-F5344CB8AC3E}">
-        <p14:creationId xmlns:p14="http://schemas.microsoft.com/office/powerpoint/2010/main" val="2262370287"/>
+        <p14:creationId xmlns:p14="http://schemas.microsoft.com/office/powerpoint/2010/main" val="2980520371"/>
       </p:ext>
     </p:extLst>
   </p:cSld>
@@ -1074,7 +783,13 @@
       </p:grpSpPr>
       <p:sp>
         <p:nvSpPr>
-          <p:cNvPr id="2" name="Title 1"/>
+          <p:cNvPr id="2" name="タイトル 1">
+            <a:extLst>
+              <a:ext uri="{FF2B5EF4-FFF2-40B4-BE49-F238E27FC236}">
+                <a16:creationId xmlns:a16="http://schemas.microsoft.com/office/drawing/2014/main" id="{0BF6B48A-5C33-F040-8DA6-C7C15951CDA6}"/>
+              </a:ext>
+            </a:extLst>
+          </p:cNvPr>
           <p:cNvSpPr>
             <a:spLocks noGrp="1"/>
           </p:cNvSpPr>
@@ -1088,16 +803,21 @@
           <a:lstStyle/>
           <a:p>
             <a:r>
-              <a:rPr lang="ja-JP" altLang="en-US"/>
+              <a:rPr kumimoji="1" lang="ja-JP" altLang="en-US"/>
               <a:t>マスター タイトルの書式設定</a:t>
             </a:r>
-            <a:endParaRPr lang="en-US" dirty="0"/>
-          </a:p>
-        </p:txBody>
-      </p:sp>
-      <p:sp>
-        <p:nvSpPr>
-          <p:cNvPr id="3" name="Content Placeholder 2"/>
+          </a:p>
+        </p:txBody>
+      </p:sp>
+      <p:sp>
+        <p:nvSpPr>
+          <p:cNvPr id="3" name="コンテンツ プレースホルダー 2">
+            <a:extLst>
+              <a:ext uri="{FF2B5EF4-FFF2-40B4-BE49-F238E27FC236}">
+                <a16:creationId xmlns:a16="http://schemas.microsoft.com/office/drawing/2014/main" id="{C412F181-FB10-B14D-9114-9C72BAAC565B}"/>
+              </a:ext>
+            </a:extLst>
+          </p:cNvPr>
           <p:cNvSpPr>
             <a:spLocks noGrp="1"/>
           </p:cNvSpPr>
@@ -1110,54 +830,58 @@
           <a:bodyPr/>
           <a:lstStyle/>
           <a:p>
-            <a:pPr lvl="0"/>
-            <a:r>
-              <a:rPr lang="ja-JP" altLang="en-US"/>
+            <a:r>
+              <a:rPr kumimoji="1" lang="ja-JP" altLang="en-US"/>
               <a:t>マスター テキストの書式設定
 第 </a:t>
             </a:r>
             <a:r>
-              <a:rPr lang="en-US" altLang="ja-JP"/>
+              <a:rPr kumimoji="1" lang="en-US" altLang="ja-JP"/>
               <a:t>2 </a:t>
             </a:r>
             <a:r>
-              <a:rPr lang="ja-JP" altLang="en-US"/>
+              <a:rPr kumimoji="1" lang="ja-JP" altLang="en-US"/>
               <a:t>レベル
 第 </a:t>
             </a:r>
             <a:r>
-              <a:rPr lang="en-US" altLang="ja-JP"/>
+              <a:rPr kumimoji="1" lang="en-US" altLang="ja-JP"/>
               <a:t>3 </a:t>
             </a:r>
             <a:r>
-              <a:rPr lang="ja-JP" altLang="en-US"/>
+              <a:rPr kumimoji="1" lang="ja-JP" altLang="en-US"/>
               <a:t>レベル
 第 </a:t>
             </a:r>
             <a:r>
-              <a:rPr lang="en-US" altLang="ja-JP"/>
+              <a:rPr kumimoji="1" lang="en-US" altLang="ja-JP"/>
               <a:t>4 </a:t>
             </a:r>
             <a:r>
-              <a:rPr lang="ja-JP" altLang="en-US"/>
+              <a:rPr kumimoji="1" lang="ja-JP" altLang="en-US"/>
               <a:t>レベル
 第 </a:t>
             </a:r>
             <a:r>
-              <a:rPr lang="en-US" altLang="ja-JP"/>
+              <a:rPr kumimoji="1" lang="en-US" altLang="ja-JP"/>
               <a:t>5 </a:t>
             </a:r>
             <a:r>
-              <a:rPr lang="ja-JP" altLang="en-US"/>
+              <a:rPr kumimoji="1" lang="ja-JP" altLang="en-US"/>
               <a:t>レベル</a:t>
             </a:r>
-            <a:endParaRPr lang="en-US" dirty="0"/>
-          </a:p>
-        </p:txBody>
-      </p:sp>
-      <p:sp>
-        <p:nvSpPr>
-          <p:cNvPr id="4" name="Date Placeholder 3"/>
+          </a:p>
+        </p:txBody>
+      </p:sp>
+      <p:sp>
+        <p:nvSpPr>
+          <p:cNvPr id="4" name="日付プレースホルダー 3">
+            <a:extLst>
+              <a:ext uri="{FF2B5EF4-FFF2-40B4-BE49-F238E27FC236}">
+                <a16:creationId xmlns:a16="http://schemas.microsoft.com/office/drawing/2014/main" id="{033AB551-69F5-124A-BC65-7BDBC5EAB0C8}"/>
+              </a:ext>
+            </a:extLst>
+          </p:cNvPr>
           <p:cNvSpPr>
             <a:spLocks noGrp="1"/>
           </p:cNvSpPr>
@@ -1173,7 +897,7 @@
             <a:fld id="{5586B75A-687E-405C-8A0B-8D00578BA2C3}" type="datetimeFigureOut">
               <a:rPr lang="en-US" smtClean="0"/>
               <a:pPr/>
-              <a:t>9/15/18</a:t>
+              <a:t>9/16/18</a:t>
             </a:fld>
             <a:endParaRPr lang="en-US" dirty="0"/>
           </a:p>
@@ -1181,7 +905,13 @@
       </p:sp>
       <p:sp>
         <p:nvSpPr>
-          <p:cNvPr id="5" name="Footer Placeholder 4"/>
+          <p:cNvPr id="5" name="フッター プレースホルダー 4">
+            <a:extLst>
+              <a:ext uri="{FF2B5EF4-FFF2-40B4-BE49-F238E27FC236}">
+                <a16:creationId xmlns:a16="http://schemas.microsoft.com/office/drawing/2014/main" id="{6F26C90A-4FE3-9546-B046-2F1FB7BE720F}"/>
+              </a:ext>
+            </a:extLst>
+          </p:cNvPr>
           <p:cNvSpPr>
             <a:spLocks noGrp="1"/>
           </p:cNvSpPr>
@@ -1200,7 +930,13 @@
       </p:sp>
       <p:sp>
         <p:nvSpPr>
-          <p:cNvPr id="6" name="Slide Number Placeholder 5"/>
+          <p:cNvPr id="6" name="スライド番号プレースホルダー 5">
+            <a:extLst>
+              <a:ext uri="{FF2B5EF4-FFF2-40B4-BE49-F238E27FC236}">
+                <a16:creationId xmlns:a16="http://schemas.microsoft.com/office/drawing/2014/main" id="{E5721EB2-8E0F-814E-8344-EE82378042B6}"/>
+              </a:ext>
+            </a:extLst>
+          </p:cNvPr>
           <p:cNvSpPr>
             <a:spLocks noGrp="1"/>
           </p:cNvSpPr>
@@ -1225,7 +961,7 @@
     </p:spTree>
     <p:extLst>
       <p:ext uri="{BB962C8B-B14F-4D97-AF65-F5344CB8AC3E}">
-        <p14:creationId xmlns:p14="http://schemas.microsoft.com/office/powerpoint/2010/main" val="2679778818"/>
+        <p14:creationId xmlns:p14="http://schemas.microsoft.com/office/powerpoint/2010/main" val="2814502532"/>
       </p:ext>
     </p:extLst>
   </p:cSld>
@@ -1236,7 +972,7 @@
 </file>
 
 <file path=ppt/slideLayouts/slideLayout3.xml><?xml version="1.0" encoding="utf-8"?>
-<p:sldLayout xmlns:a="http://schemas.openxmlformats.org/drawingml/2006/main" xmlns:r="http://schemas.openxmlformats.org/officeDocument/2006/relationships" xmlns:p="http://schemas.openxmlformats.org/presentationml/2006/main" showMasterSp="0" type="secHead" preserve="1">
+<p:sldLayout xmlns:a="http://schemas.openxmlformats.org/drawingml/2006/main" xmlns:r="http://schemas.openxmlformats.org/officeDocument/2006/relationships" xmlns:p="http://schemas.openxmlformats.org/presentationml/2006/main" type="secHead" preserve="1">
   <p:cSld name="セクション見出し">
     <p:spTree>
       <p:nvGrpSpPr>
@@ -1254,138 +990,79 @@
       </p:grpSpPr>
       <p:sp>
         <p:nvSpPr>
-          <p:cNvPr id="7" name="Rectangle 6"/>
-          <p:cNvSpPr/>
-          <p:nvPr/>
+          <p:cNvPr id="2" name="タイトル 1">
+            <a:extLst>
+              <a:ext uri="{FF2B5EF4-FFF2-40B4-BE49-F238E27FC236}">
+                <a16:creationId xmlns:a16="http://schemas.microsoft.com/office/drawing/2014/main" id="{B5045328-8F52-224C-B380-14224BED062C}"/>
+              </a:ext>
+            </a:extLst>
+          </p:cNvPr>
+          <p:cNvSpPr>
+            <a:spLocks noGrp="1"/>
+          </p:cNvSpPr>
+          <p:nvPr>
+            <p:ph type="title"/>
+          </p:nvPr>
         </p:nvSpPr>
         <p:spPr>
           <a:xfrm>
-            <a:off x="0" y="4917989"/>
-            <a:ext cx="12192000" cy="1940010"/>
+            <a:off x="831850" y="1709738"/>
+            <a:ext cx="10515600" cy="2852737"/>
           </a:xfrm>
-          <a:prstGeom prst="rect">
-            <a:avLst/>
-          </a:prstGeom>
-          <a:blipFill dpi="0" rotWithShape="1">
-            <a:blip r:embed="rId2">
-              <a:alphaModFix amt="83000"/>
-              <a:lum bright="70000" contrast="-70000"/>
-              <a:extLst>
-                <a:ext uri="{BEBA8EAE-BF5A-486C-A8C5-ECC9F3942E4B}">
-                  <a14:imgProps xmlns:a14="http://schemas.microsoft.com/office/drawing/2010/main">
-                    <a14:imgLayer r:embed="rId3">
-                      <a14:imgEffect>
-                        <a14:sharpenSoften amount="61000"/>
-                      </a14:imgEffect>
-                    </a14:imgLayer>
-                  </a14:imgProps>
-                </a:ext>
-                <a:ext uri="{28A0092B-C50C-407E-A947-70E740481C1C}">
-                  <a14:useLocalDpi xmlns:a14="http://schemas.microsoft.com/office/drawing/2010/main" val="0"/>
-                </a:ext>
-              </a:extLst>
-            </a:blip>
-            <a:srcRect/>
-            <a:tile tx="0" ty="-704850" sx="92000" sy="89000" flip="xy" algn="ctr"/>
-          </a:blipFill>
-          <a:ln>
-            <a:noFill/>
-          </a:ln>
         </p:spPr>
-        <p:style>
-          <a:lnRef idx="2">
-            <a:schemeClr val="accent1">
-              <a:shade val="50000"/>
-            </a:schemeClr>
-          </a:lnRef>
-          <a:fillRef idx="1">
-            <a:schemeClr val="accent1"/>
-          </a:fillRef>
-          <a:effectRef idx="0">
-            <a:schemeClr val="accent1"/>
-          </a:effectRef>
-          <a:fontRef idx="minor">
-            <a:schemeClr val="lt1"/>
-          </a:fontRef>
-        </p:style>
-        <p:txBody>
-          <a:bodyPr rtlCol="0" anchor="ctr"/>
-          <a:lstStyle/>
-          <a:p>
-            <a:pPr algn="ctr"/>
-            <a:endParaRPr lang="en-US"/>
-          </a:p>
-        </p:txBody>
-      </p:sp>
-      <p:sp>
-        <p:nvSpPr>
-          <p:cNvPr id="2" name="Title 1"/>
-          <p:cNvSpPr>
-            <a:spLocks noGrp="1"/>
-          </p:cNvSpPr>
-          <p:nvPr>
-            <p:ph type="title"/>
+        <p:txBody>
+          <a:bodyPr anchor="b"/>
+          <a:lstStyle>
+            <a:lvl1pPr>
+              <a:defRPr sz="6000"/>
+            </a:lvl1pPr>
+          </a:lstStyle>
+          <a:p>
+            <a:r>
+              <a:rPr kumimoji="1" lang="ja-JP" altLang="en-US"/>
+              <a:t>マスター タイトルの書式設定</a:t>
+            </a:r>
+          </a:p>
+        </p:txBody>
+      </p:sp>
+      <p:sp>
+        <p:nvSpPr>
+          <p:cNvPr id="3" name="テキスト プレースホルダー 2">
+            <a:extLst>
+              <a:ext uri="{FF2B5EF4-FFF2-40B4-BE49-F238E27FC236}">
+                <a16:creationId xmlns:a16="http://schemas.microsoft.com/office/drawing/2014/main" id="{7C1F8360-16FF-964F-A90F-8B49A33EAE77}"/>
+              </a:ext>
+            </a:extLst>
+          </p:cNvPr>
+          <p:cNvSpPr>
+            <a:spLocks noGrp="1"/>
+          </p:cNvSpPr>
+          <p:nvPr>
+            <p:ph type="body" idx="1"/>
           </p:nvPr>
         </p:nvSpPr>
         <p:spPr>
           <a:xfrm>
-            <a:off x="2167128" y="1225296"/>
-            <a:ext cx="9281160" cy="3520440"/>
+            <a:off x="831850" y="4589463"/>
+            <a:ext cx="10515600" cy="1500187"/>
           </a:xfrm>
         </p:spPr>
         <p:txBody>
-          <a:bodyPr anchor="ctr">
-            <a:normAutofit/>
-          </a:bodyPr>
-          <a:lstStyle>
-            <a:lvl1pPr>
-              <a:lnSpc>
-                <a:spcPct val="85000"/>
-              </a:lnSpc>
-              <a:defRPr sz="7200" b="1"/>
-            </a:lvl1pPr>
-          </a:lstStyle>
-          <a:p>
-            <a:r>
-              <a:rPr lang="ja-JP" altLang="en-US"/>
-              <a:t>マスター タイトルの書式設定</a:t>
-            </a:r>
-            <a:endParaRPr lang="en-US" dirty="0"/>
-          </a:p>
-        </p:txBody>
-      </p:sp>
-      <p:sp>
-        <p:nvSpPr>
-          <p:cNvPr id="3" name="Text Placeholder 2"/>
-          <p:cNvSpPr>
-            <a:spLocks noGrp="1"/>
-          </p:cNvSpPr>
-          <p:nvPr>
-            <p:ph type="body" idx="1"/>
-          </p:nvPr>
-        </p:nvSpPr>
-        <p:spPr>
-          <a:xfrm>
-            <a:off x="2165774" y="5020056"/>
-            <a:ext cx="9052560" cy="1066800"/>
-          </a:xfrm>
-        </p:spPr>
-        <p:txBody>
-          <a:bodyPr anchor="t">
-            <a:normAutofit/>
-          </a:bodyPr>
+          <a:bodyPr/>
           <a:lstStyle>
             <a:lvl1pPr marL="0" indent="0">
               <a:buNone/>
-              <a:defRPr sz="2000">
+              <a:defRPr sz="2400">
                 <a:solidFill>
-                  <a:schemeClr val="tx1"/>
+                  <a:schemeClr val="tx1">
+                    <a:tint val="75000"/>
+                  </a:schemeClr>
                 </a:solidFill>
               </a:defRPr>
             </a:lvl1pPr>
             <a:lvl2pPr marL="457200" indent="0">
               <a:buNone/>
-              <a:defRPr sz="1800">
+              <a:defRPr sz="2000">
                 <a:solidFill>
                   <a:schemeClr val="tx1">
                     <a:tint val="75000"/>
@@ -1395,7 +1072,7 @@
             </a:lvl2pPr>
             <a:lvl3pPr marL="914400" indent="0">
               <a:buNone/>
-              <a:defRPr sz="1600">
+              <a:defRPr sz="1800">
                 <a:solidFill>
                   <a:schemeClr val="tx1">
                     <a:tint val="75000"/>
@@ -1405,7 +1082,7 @@
             </a:lvl3pPr>
             <a:lvl4pPr marL="1371600" indent="0">
               <a:buNone/>
-              <a:defRPr sz="1400">
+              <a:defRPr sz="1600">
                 <a:solidFill>
                   <a:schemeClr val="tx1">
                     <a:tint val="75000"/>
@@ -1415,7 +1092,7 @@
             </a:lvl4pPr>
             <a:lvl5pPr marL="1828800" indent="0">
               <a:buNone/>
-              <a:defRPr sz="1400">
+              <a:defRPr sz="1600">
                 <a:solidFill>
                   <a:schemeClr val="tx1">
                     <a:tint val="75000"/>
@@ -1425,7 +1102,7 @@
             </a:lvl5pPr>
             <a:lvl6pPr marL="2286000" indent="0">
               <a:buNone/>
-              <a:defRPr sz="1400">
+              <a:defRPr sz="1600">
                 <a:solidFill>
                   <a:schemeClr val="tx1">
                     <a:tint val="75000"/>
@@ -1435,7 +1112,7 @@
             </a:lvl6pPr>
             <a:lvl7pPr marL="2743200" indent="0">
               <a:buNone/>
-              <a:defRPr sz="1400">
+              <a:defRPr sz="1600">
                 <a:solidFill>
                   <a:schemeClr val="tx1">
                     <a:tint val="75000"/>
@@ -1445,7 +1122,7 @@
             </a:lvl7pPr>
             <a:lvl8pPr marL="3200400" indent="0">
               <a:buNone/>
-              <a:defRPr sz="1400">
+              <a:defRPr sz="1600">
                 <a:solidFill>
                   <a:schemeClr val="tx1">
                     <a:tint val="75000"/>
@@ -1455,7 +1132,7 @@
             </a:lvl8pPr>
             <a:lvl9pPr marL="3657600" indent="0">
               <a:buNone/>
-              <a:defRPr sz="1400">
+              <a:defRPr sz="1600">
                 <a:solidFill>
                   <a:schemeClr val="tx1">
                     <a:tint val="75000"/>
@@ -1465,54 +1142,58 @@
             </a:lvl9pPr>
           </a:lstStyle>
           <a:p>
-            <a:pPr lvl="0"/>
-            <a:r>
-              <a:rPr lang="ja-JP" altLang="en-US"/>
+            <a:r>
+              <a:rPr kumimoji="1" lang="ja-JP" altLang="en-US"/>
               <a:t>マスター テキストの書式設定
 第 </a:t>
             </a:r>
             <a:r>
-              <a:rPr lang="en-US" altLang="ja-JP"/>
+              <a:rPr kumimoji="1" lang="en-US" altLang="ja-JP"/>
               <a:t>2 </a:t>
             </a:r>
             <a:r>
-              <a:rPr lang="ja-JP" altLang="en-US"/>
+              <a:rPr kumimoji="1" lang="ja-JP" altLang="en-US"/>
               <a:t>レベル
 第 </a:t>
             </a:r>
             <a:r>
-              <a:rPr lang="en-US" altLang="ja-JP"/>
+              <a:rPr kumimoji="1" lang="en-US" altLang="ja-JP"/>
               <a:t>3 </a:t>
             </a:r>
             <a:r>
-              <a:rPr lang="ja-JP" altLang="en-US"/>
+              <a:rPr kumimoji="1" lang="ja-JP" altLang="en-US"/>
               <a:t>レベル
 第 </a:t>
             </a:r>
             <a:r>
-              <a:rPr lang="en-US" altLang="ja-JP"/>
+              <a:rPr kumimoji="1" lang="en-US" altLang="ja-JP"/>
               <a:t>4 </a:t>
             </a:r>
             <a:r>
-              <a:rPr lang="ja-JP" altLang="en-US"/>
+              <a:rPr kumimoji="1" lang="ja-JP" altLang="en-US"/>
               <a:t>レベル
 第 </a:t>
             </a:r>
             <a:r>
-              <a:rPr lang="en-US" altLang="ja-JP"/>
+              <a:rPr kumimoji="1" lang="en-US" altLang="ja-JP"/>
               <a:t>5 </a:t>
             </a:r>
             <a:r>
-              <a:rPr lang="ja-JP" altLang="en-US"/>
+              <a:rPr kumimoji="1" lang="ja-JP" altLang="en-US"/>
               <a:t>レベル</a:t>
             </a:r>
-            <a:endParaRPr lang="en-US"/>
-          </a:p>
-        </p:txBody>
-      </p:sp>
-      <p:sp>
-        <p:nvSpPr>
-          <p:cNvPr id="4" name="Date Placeholder 3"/>
+          </a:p>
+        </p:txBody>
+      </p:sp>
+      <p:sp>
+        <p:nvSpPr>
+          <p:cNvPr id="4" name="日付プレースホルダー 3">
+            <a:extLst>
+              <a:ext uri="{FF2B5EF4-FFF2-40B4-BE49-F238E27FC236}">
+                <a16:creationId xmlns:a16="http://schemas.microsoft.com/office/drawing/2014/main" id="{114D7BC0-799F-0243-8388-35F26DE0BB2B}"/>
+              </a:ext>
+            </a:extLst>
+          </p:cNvPr>
           <p:cNvSpPr>
             <a:spLocks noGrp="1"/>
           </p:cNvSpPr>
@@ -1520,12 +1201,7 @@
             <p:ph type="dt" sz="half" idx="10"/>
           </p:nvPr>
         </p:nvSpPr>
-        <p:spPr>
-          <a:xfrm>
-            <a:off x="8593667" y="6272784"/>
-            <a:ext cx="2644309" cy="365125"/>
-          </a:xfrm>
-        </p:spPr>
+        <p:spPr/>
         <p:txBody>
           <a:bodyPr/>
           <a:lstStyle/>
@@ -1533,7 +1209,7 @@
             <a:fld id="{5586B75A-687E-405C-8A0B-8D00578BA2C3}" type="datetimeFigureOut">
               <a:rPr lang="en-US" smtClean="0"/>
               <a:pPr/>
-              <a:t>9/15/18</a:t>
+              <a:t>9/16/18</a:t>
             </a:fld>
             <a:endParaRPr lang="en-US" dirty="0"/>
           </a:p>
@@ -1541,7 +1217,13 @@
       </p:sp>
       <p:sp>
         <p:nvSpPr>
-          <p:cNvPr id="5" name="Footer Placeholder 4"/>
+          <p:cNvPr id="5" name="フッター プレースホルダー 4">
+            <a:extLst>
+              <a:ext uri="{FF2B5EF4-FFF2-40B4-BE49-F238E27FC236}">
+                <a16:creationId xmlns:a16="http://schemas.microsoft.com/office/drawing/2014/main" id="{7D0BA123-3A93-FB4E-A8BB-5BA06E748F76}"/>
+              </a:ext>
+            </a:extLst>
+          </p:cNvPr>
           <p:cNvSpPr>
             <a:spLocks noGrp="1"/>
           </p:cNvSpPr>
@@ -1549,12 +1231,7 @@
             <p:ph type="ftr" sz="quarter" idx="11"/>
           </p:nvPr>
         </p:nvSpPr>
-        <p:spPr>
-          <a:xfrm>
-            <a:off x="2182708" y="6272784"/>
-            <a:ext cx="6327648" cy="365125"/>
-          </a:xfrm>
-        </p:spPr>
+        <p:spPr/>
         <p:txBody>
           <a:bodyPr/>
           <a:lstStyle/>
@@ -1563,167 +1240,15 @@
           </a:p>
         </p:txBody>
       </p:sp>
-      <p:grpSp>
-        <p:nvGrpSpPr>
-          <p:cNvPr id="8" name="Group 7"/>
-          <p:cNvGrpSpPr/>
-          <p:nvPr/>
-        </p:nvGrpSpPr>
-        <p:grpSpPr>
-          <a:xfrm>
-            <a:off x="897399" y="2325848"/>
-            <a:ext cx="1080904" cy="1080902"/>
-            <a:chOff x="9685338" y="4460675"/>
-            <a:chExt cx="1080904" cy="1080902"/>
-          </a:xfrm>
-        </p:grpSpPr>
-        <p:sp>
-          <p:nvSpPr>
-            <p:cNvPr id="9" name="Oval 8"/>
-            <p:cNvSpPr/>
-            <p:nvPr/>
-          </p:nvSpPr>
-          <p:spPr>
-            <a:xfrm>
-              <a:off x="9685338" y="4460675"/>
-              <a:ext cx="1080904" cy="1080902"/>
-            </a:xfrm>
-            <a:prstGeom prst="ellipse">
-              <a:avLst/>
-            </a:prstGeom>
-            <a:blipFill dpi="0" rotWithShape="1">
-              <a:blip r:embed="rId4">
-                <a:duotone>
-                  <a:schemeClr val="accent1">
-                    <a:shade val="45000"/>
-                    <a:satMod val="135000"/>
-                  </a:schemeClr>
-                  <a:prstClr val="white"/>
-                </a:duotone>
-                <a:extLst>
-                  <a:ext uri="{BEBA8EAE-BF5A-486C-A8C5-ECC9F3942E4B}">
-                    <a14:imgProps xmlns:a14="http://schemas.microsoft.com/office/drawing/2010/main">
-                      <a14:imgLayer r:embed="rId5">
-                        <a14:imgEffect>
-                          <a14:saturation sat="95000"/>
-                        </a14:imgEffect>
-                      </a14:imgLayer>
-                    </a14:imgProps>
-                  </a:ext>
-                </a:extLst>
-              </a:blip>
-              <a:srcRect/>
-              <a:tile tx="0" ty="0" sx="85000" sy="85000" flip="none" algn="tl"/>
-            </a:blipFill>
-            <a:ln w="25400" cap="flat" cmpd="sng" algn="ctr">
-              <a:noFill/>
-              <a:prstDash val="solid"/>
-            </a:ln>
-            <a:effectLst/>
-          </p:spPr>
-          <p:txBody>
-            <a:bodyPr lIns="0" tIns="0" rIns="0" bIns="0" rtlCol="0" anchor="ctr"/>
-            <a:lstStyle/>
-            <a:p>
-              <a:pPr marL="0" marR="0" lvl="0" indent="0" algn="ctr" defTabSz="914400" eaLnBrk="1" fontAlgn="auto" latinLnBrk="0" hangingPunct="1">
-                <a:lnSpc>
-                  <a:spcPct val="100000"/>
-                </a:lnSpc>
-                <a:spcBef>
-                  <a:spcPts val="0"/>
-                </a:spcBef>
-                <a:spcAft>
-                  <a:spcPts val="0"/>
-                </a:spcAft>
-                <a:buClrTx/>
-                <a:buSzTx/>
-                <a:buFontTx/>
-                <a:buNone/>
-                <a:tabLst/>
-                <a:defRPr/>
-              </a:pPr>
-              <a:endParaRPr kumimoji="0" lang="en-US" sz="2000" b="0" i="0" u="none" strike="noStrike" kern="0" cap="none" spc="0" normalizeH="0" baseline="0" noProof="0" dirty="0">
-                <a:ln>
-                  <a:noFill/>
-                </a:ln>
-                <a:solidFill>
-                  <a:prstClr val="white"/>
-                </a:solidFill>
-                <a:effectLst/>
-                <a:uLnTx/>
-                <a:uFillTx/>
-                <a:latin typeface="Rockwell Extra Bold" pitchFamily="18" charset="0"/>
-                <a:ea typeface="+mn-ea"/>
-                <a:cs typeface="+mn-cs"/>
-              </a:endParaRPr>
-            </a:p>
-          </p:txBody>
-        </p:sp>
-        <p:sp>
-          <p:nvSpPr>
-            <p:cNvPr id="10" name="Oval 9"/>
-            <p:cNvSpPr/>
-            <p:nvPr/>
-          </p:nvSpPr>
-          <p:spPr>
-            <a:xfrm>
-              <a:off x="9793429" y="4568765"/>
-              <a:ext cx="864723" cy="864722"/>
-            </a:xfrm>
-            <a:prstGeom prst="ellipse">
-              <a:avLst/>
-            </a:prstGeom>
-            <a:noFill/>
-            <a:ln w="25400" cap="flat" cmpd="sng" algn="ctr">
-              <a:solidFill>
-                <a:sysClr val="window" lastClr="FFFFFF"/>
-              </a:solidFill>
-              <a:prstDash val="solid"/>
-            </a:ln>
-            <a:effectLst/>
-          </p:spPr>
-          <p:txBody>
-            <a:bodyPr rtlCol="0" anchor="ctr"/>
-            <a:lstStyle/>
-            <a:p>
-              <a:pPr marL="0" marR="0" lvl="0" indent="0" algn="ctr" defTabSz="914400" eaLnBrk="1" fontAlgn="auto" latinLnBrk="0" hangingPunct="1">
-                <a:lnSpc>
-                  <a:spcPct val="100000"/>
-                </a:lnSpc>
-                <a:spcBef>
-                  <a:spcPts val="0"/>
-                </a:spcBef>
-                <a:spcAft>
-                  <a:spcPts val="0"/>
-                </a:spcAft>
-                <a:buClrTx/>
-                <a:buSzTx/>
-                <a:buFontTx/>
-                <a:buNone/>
-                <a:tabLst/>
-                <a:defRPr/>
-              </a:pPr>
-              <a:endParaRPr kumimoji="0" lang="en-US" sz="1800" b="0" i="0" u="none" strike="noStrike" kern="0" cap="none" spc="0" normalizeH="0" baseline="0" noProof="0" dirty="0">
-                <a:ln>
-                  <a:noFill/>
-                </a:ln>
-                <a:solidFill>
-                  <a:prstClr val="white"/>
-                </a:solidFill>
-                <a:effectLst/>
-                <a:uLnTx/>
-                <a:uFillTx/>
-                <a:latin typeface="Calibri"/>
-                <a:ea typeface="+mn-ea"/>
-                <a:cs typeface="+mn-cs"/>
-              </a:endParaRPr>
-            </a:p>
-          </p:txBody>
-        </p:sp>
-      </p:grpSp>
-      <p:sp>
-        <p:nvSpPr>
-          <p:cNvPr id="6" name="Slide Number Placeholder 5"/>
+      <p:sp>
+        <p:nvSpPr>
+          <p:cNvPr id="6" name="スライド番号プレースホルダー 5">
+            <a:extLst>
+              <a:ext uri="{FF2B5EF4-FFF2-40B4-BE49-F238E27FC236}">
+                <a16:creationId xmlns:a16="http://schemas.microsoft.com/office/drawing/2014/main" id="{345B9BDD-ADDF-5847-B9F8-15A2EAA051DD}"/>
+              </a:ext>
+            </a:extLst>
+          </p:cNvPr>
           <p:cNvSpPr>
             <a:spLocks noGrp="1"/>
           </p:cNvSpPr>
@@ -1731,19 +1256,10 @@
             <p:ph type="sldNum" sz="quarter" idx="12"/>
           </p:nvPr>
         </p:nvSpPr>
-        <p:spPr>
-          <a:xfrm>
-            <a:off x="843702" y="2506133"/>
-            <a:ext cx="1188298" cy="720332"/>
-          </a:xfrm>
-        </p:spPr>
+        <p:spPr/>
         <p:txBody>
           <a:bodyPr/>
-          <a:lstStyle>
-            <a:lvl1pPr>
-              <a:defRPr sz="2800"/>
-            </a:lvl1pPr>
-          </a:lstStyle>
+          <a:lstStyle/>
           <a:p>
             <a:fld id="{4FAB73BC-B049-4115-A692-8D63A059BFB8}" type="slidenum">
               <a:rPr lang="en-US" smtClean="0"/>
@@ -1757,7 +1273,7 @@
     </p:spTree>
     <p:extLst>
       <p:ext uri="{BB962C8B-B14F-4D97-AF65-F5344CB8AC3E}">
-        <p14:creationId xmlns:p14="http://schemas.microsoft.com/office/powerpoint/2010/main" val="943451253"/>
+        <p14:creationId xmlns:p14="http://schemas.microsoft.com/office/powerpoint/2010/main" val="332078815"/>
       </p:ext>
     </p:extLst>
   </p:cSld>
@@ -1786,7 +1302,13 @@
       </p:grpSpPr>
       <p:sp>
         <p:nvSpPr>
-          <p:cNvPr id="2" name="Title 1"/>
+          <p:cNvPr id="2" name="タイトル 1">
+            <a:extLst>
+              <a:ext uri="{FF2B5EF4-FFF2-40B4-BE49-F238E27FC236}">
+                <a16:creationId xmlns:a16="http://schemas.microsoft.com/office/drawing/2014/main" id="{5C78F355-A4E6-AB41-B13A-DEA5A729E223}"/>
+              </a:ext>
+            </a:extLst>
+          </p:cNvPr>
           <p:cNvSpPr>
             <a:spLocks noGrp="1"/>
           </p:cNvSpPr>
@@ -1800,16 +1322,21 @@
           <a:lstStyle/>
           <a:p>
             <a:r>
-              <a:rPr lang="ja-JP" altLang="en-US"/>
+              <a:rPr kumimoji="1" lang="ja-JP" altLang="en-US"/>
               <a:t>マスター タイトルの書式設定</a:t>
             </a:r>
-            <a:endParaRPr lang="en-US" dirty="0"/>
-          </a:p>
-        </p:txBody>
-      </p:sp>
-      <p:sp>
-        <p:nvSpPr>
-          <p:cNvPr id="3" name="Content Placeholder 2"/>
+          </a:p>
+        </p:txBody>
+      </p:sp>
+      <p:sp>
+        <p:nvSpPr>
+          <p:cNvPr id="3" name="コンテンツ プレースホルダー 2">
+            <a:extLst>
+              <a:ext uri="{FF2B5EF4-FFF2-40B4-BE49-F238E27FC236}">
+                <a16:creationId xmlns:a16="http://schemas.microsoft.com/office/drawing/2014/main" id="{94BF326D-9C59-3C4A-A995-34CE76F1BC5F}"/>
+              </a:ext>
+            </a:extLst>
+          </p:cNvPr>
           <p:cNvSpPr>
             <a:spLocks noGrp="1"/>
           </p:cNvSpPr>
@@ -1819,90 +1346,66 @@
         </p:nvSpPr>
         <p:spPr>
           <a:xfrm>
-            <a:off x="1069848" y="2194560"/>
-            <a:ext cx="4754880" cy="3977640"/>
+            <a:off x="838200" y="1825625"/>
+            <a:ext cx="5181600" cy="4351338"/>
           </a:xfrm>
         </p:spPr>
         <p:txBody>
           <a:bodyPr/>
-          <a:lstStyle>
-            <a:lvl1pPr>
-              <a:defRPr sz="2000"/>
-            </a:lvl1pPr>
-            <a:lvl2pPr>
-              <a:defRPr sz="1800"/>
-            </a:lvl2pPr>
-            <a:lvl3pPr>
-              <a:defRPr sz="1600"/>
-            </a:lvl3pPr>
-            <a:lvl4pPr>
-              <a:defRPr sz="1600"/>
-            </a:lvl4pPr>
-            <a:lvl5pPr>
-              <a:defRPr sz="1600"/>
-            </a:lvl5pPr>
-            <a:lvl6pPr>
-              <a:defRPr sz="1800"/>
-            </a:lvl6pPr>
-            <a:lvl7pPr>
-              <a:defRPr sz="1800"/>
-            </a:lvl7pPr>
-            <a:lvl8pPr>
-              <a:defRPr sz="1800"/>
-            </a:lvl8pPr>
-            <a:lvl9pPr>
-              <a:defRPr sz="1800"/>
-            </a:lvl9pPr>
-          </a:lstStyle>
-          <a:p>
-            <a:pPr lvl="0"/>
-            <a:r>
-              <a:rPr lang="ja-JP" altLang="en-US"/>
+          <a:lstStyle/>
+          <a:p>
+            <a:r>
+              <a:rPr kumimoji="1" lang="ja-JP" altLang="en-US"/>
               <a:t>マスター テキストの書式設定
 第 </a:t>
             </a:r>
             <a:r>
-              <a:rPr lang="en-US" altLang="ja-JP"/>
+              <a:rPr kumimoji="1" lang="en-US" altLang="ja-JP"/>
               <a:t>2 </a:t>
             </a:r>
             <a:r>
-              <a:rPr lang="ja-JP" altLang="en-US"/>
+              <a:rPr kumimoji="1" lang="ja-JP" altLang="en-US"/>
               <a:t>レベル
 第 </a:t>
             </a:r>
             <a:r>
-              <a:rPr lang="en-US" altLang="ja-JP"/>
+              <a:rPr kumimoji="1" lang="en-US" altLang="ja-JP"/>
               <a:t>3 </a:t>
             </a:r>
             <a:r>
-              <a:rPr lang="ja-JP" altLang="en-US"/>
+              <a:rPr kumimoji="1" lang="ja-JP" altLang="en-US"/>
               <a:t>レベル
 第 </a:t>
             </a:r>
             <a:r>
-              <a:rPr lang="en-US" altLang="ja-JP"/>
+              <a:rPr kumimoji="1" lang="en-US" altLang="ja-JP"/>
               <a:t>4 </a:t>
             </a:r>
             <a:r>
-              <a:rPr lang="ja-JP" altLang="en-US"/>
+              <a:rPr kumimoji="1" lang="ja-JP" altLang="en-US"/>
               <a:t>レベル
 第 </a:t>
             </a:r>
             <a:r>
-              <a:rPr lang="en-US" altLang="ja-JP"/>
+              <a:rPr kumimoji="1" lang="en-US" altLang="ja-JP"/>
               <a:t>5 </a:t>
             </a:r>
             <a:r>
-              <a:rPr lang="ja-JP" altLang="en-US"/>
+              <a:rPr kumimoji="1" lang="ja-JP" altLang="en-US"/>
               <a:t>レベル</a:t>
             </a:r>
-            <a:endParaRPr lang="en-US" dirty="0"/>
-          </a:p>
-        </p:txBody>
-      </p:sp>
-      <p:sp>
-        <p:nvSpPr>
-          <p:cNvPr id="4" name="Content Placeholder 3"/>
+          </a:p>
+        </p:txBody>
+      </p:sp>
+      <p:sp>
+        <p:nvSpPr>
+          <p:cNvPr id="4" name="コンテンツ プレースホルダー 3">
+            <a:extLst>
+              <a:ext uri="{FF2B5EF4-FFF2-40B4-BE49-F238E27FC236}">
+                <a16:creationId xmlns:a16="http://schemas.microsoft.com/office/drawing/2014/main" id="{2F9F46FB-9A1C-E343-9EB6-02F5F7964BB3}"/>
+              </a:ext>
+            </a:extLst>
+          </p:cNvPr>
           <p:cNvSpPr>
             <a:spLocks noGrp="1"/>
           </p:cNvSpPr>
@@ -1912,90 +1415,66 @@
         </p:nvSpPr>
         <p:spPr>
           <a:xfrm>
-            <a:off x="6364224" y="2194560"/>
-            <a:ext cx="4754880" cy="3977640"/>
+            <a:off x="6172200" y="1825625"/>
+            <a:ext cx="5181600" cy="4351338"/>
           </a:xfrm>
         </p:spPr>
         <p:txBody>
           <a:bodyPr/>
-          <a:lstStyle>
-            <a:lvl1pPr>
-              <a:defRPr sz="2000"/>
-            </a:lvl1pPr>
-            <a:lvl2pPr>
-              <a:defRPr sz="1800"/>
-            </a:lvl2pPr>
-            <a:lvl3pPr>
-              <a:defRPr sz="1600"/>
-            </a:lvl3pPr>
-            <a:lvl4pPr>
-              <a:defRPr sz="1600"/>
-            </a:lvl4pPr>
-            <a:lvl5pPr>
-              <a:defRPr sz="1600"/>
-            </a:lvl5pPr>
-            <a:lvl6pPr>
-              <a:defRPr sz="1800"/>
-            </a:lvl6pPr>
-            <a:lvl7pPr>
-              <a:defRPr sz="1800"/>
-            </a:lvl7pPr>
-            <a:lvl8pPr>
-              <a:defRPr sz="1800"/>
-            </a:lvl8pPr>
-            <a:lvl9pPr>
-              <a:defRPr sz="1800"/>
-            </a:lvl9pPr>
-          </a:lstStyle>
-          <a:p>
-            <a:pPr lvl="0"/>
-            <a:r>
-              <a:rPr lang="ja-JP" altLang="en-US"/>
+          <a:lstStyle/>
+          <a:p>
+            <a:r>
+              <a:rPr kumimoji="1" lang="ja-JP" altLang="en-US"/>
               <a:t>マスター テキストの書式設定
 第 </a:t>
             </a:r>
             <a:r>
-              <a:rPr lang="en-US" altLang="ja-JP"/>
+              <a:rPr kumimoji="1" lang="en-US" altLang="ja-JP"/>
               <a:t>2 </a:t>
             </a:r>
             <a:r>
-              <a:rPr lang="ja-JP" altLang="en-US"/>
+              <a:rPr kumimoji="1" lang="ja-JP" altLang="en-US"/>
               <a:t>レベル
 第 </a:t>
             </a:r>
             <a:r>
-              <a:rPr lang="en-US" altLang="ja-JP"/>
+              <a:rPr kumimoji="1" lang="en-US" altLang="ja-JP"/>
               <a:t>3 </a:t>
             </a:r>
             <a:r>
-              <a:rPr lang="ja-JP" altLang="en-US"/>
+              <a:rPr kumimoji="1" lang="ja-JP" altLang="en-US"/>
               <a:t>レベル
 第 </a:t>
             </a:r>
             <a:r>
-              <a:rPr lang="en-US" altLang="ja-JP"/>
+              <a:rPr kumimoji="1" lang="en-US" altLang="ja-JP"/>
               <a:t>4 </a:t>
             </a:r>
             <a:r>
-              <a:rPr lang="ja-JP" altLang="en-US"/>
+              <a:rPr kumimoji="1" lang="ja-JP" altLang="en-US"/>
               <a:t>レベル
 第 </a:t>
             </a:r>
             <a:r>
-              <a:rPr lang="en-US" altLang="ja-JP"/>
+              <a:rPr kumimoji="1" lang="en-US" altLang="ja-JP"/>
               <a:t>5 </a:t>
             </a:r>
             <a:r>
-              <a:rPr lang="ja-JP" altLang="en-US"/>
+              <a:rPr kumimoji="1" lang="ja-JP" altLang="en-US"/>
               <a:t>レベル</a:t>
             </a:r>
-            <a:endParaRPr lang="en-US" dirty="0"/>
-          </a:p>
-        </p:txBody>
-      </p:sp>
-      <p:sp>
-        <p:nvSpPr>
-          <p:cNvPr id="5" name="Date Placeholder 4"/>
+          </a:p>
+        </p:txBody>
+      </p:sp>
+      <p:sp>
+        <p:nvSpPr>
+          <p:cNvPr id="5" name="日付プレースホルダー 4">
+            <a:extLst>
+              <a:ext uri="{FF2B5EF4-FFF2-40B4-BE49-F238E27FC236}">
+                <a16:creationId xmlns:a16="http://schemas.microsoft.com/office/drawing/2014/main" id="{93863728-FCC8-024A-8B3D-38C262077242}"/>
+              </a:ext>
+            </a:extLst>
+          </p:cNvPr>
           <p:cNvSpPr>
             <a:spLocks noGrp="1"/>
           </p:cNvSpPr>
@@ -2011,7 +1490,7 @@
             <a:fld id="{5586B75A-687E-405C-8A0B-8D00578BA2C3}" type="datetimeFigureOut">
               <a:rPr lang="en-US" smtClean="0"/>
               <a:pPr/>
-              <a:t>9/15/18</a:t>
+              <a:t>9/16/18</a:t>
             </a:fld>
             <a:endParaRPr lang="en-US" dirty="0"/>
           </a:p>
@@ -2019,7 +1498,13 @@
       </p:sp>
       <p:sp>
         <p:nvSpPr>
-          <p:cNvPr id="6" name="Footer Placeholder 5"/>
+          <p:cNvPr id="6" name="フッター プレースホルダー 5">
+            <a:extLst>
+              <a:ext uri="{FF2B5EF4-FFF2-40B4-BE49-F238E27FC236}">
+                <a16:creationId xmlns:a16="http://schemas.microsoft.com/office/drawing/2014/main" id="{266916D7-A149-F248-8E0A-F57636C2BE02}"/>
+              </a:ext>
+            </a:extLst>
+          </p:cNvPr>
           <p:cNvSpPr>
             <a:spLocks noGrp="1"/>
           </p:cNvSpPr>
@@ -2038,7 +1523,13 @@
       </p:sp>
       <p:sp>
         <p:nvSpPr>
-          <p:cNvPr id="7" name="Slide Number Placeholder 6"/>
+          <p:cNvPr id="7" name="スライド番号プレースホルダー 6">
+            <a:extLst>
+              <a:ext uri="{FF2B5EF4-FFF2-40B4-BE49-F238E27FC236}">
+                <a16:creationId xmlns:a16="http://schemas.microsoft.com/office/drawing/2014/main" id="{EA9B04D2-5067-F24B-89A5-F115BEB5E4C4}"/>
+              </a:ext>
+            </a:extLst>
+          </p:cNvPr>
           <p:cNvSpPr>
             <a:spLocks noGrp="1"/>
           </p:cNvSpPr>
@@ -2063,7 +1554,7 @@
     </p:spTree>
     <p:extLst>
       <p:ext uri="{BB962C8B-B14F-4D97-AF65-F5344CB8AC3E}">
-        <p14:creationId xmlns:p14="http://schemas.microsoft.com/office/powerpoint/2010/main" val="956338084"/>
+        <p14:creationId xmlns:p14="http://schemas.microsoft.com/office/powerpoint/2010/main" val="3552966276"/>
       </p:ext>
     </p:extLst>
   </p:cSld>
@@ -2074,7 +1565,7 @@
 </file>
 
 <file path=ppt/slideLayouts/slideLayout5.xml><?xml version="1.0" encoding="utf-8"?>
-<p:sldLayout xmlns:a="http://schemas.openxmlformats.org/drawingml/2006/main" xmlns:r="http://schemas.openxmlformats.org/officeDocument/2006/relationships" xmlns:p="http://schemas.openxmlformats.org/presentationml/2006/main" preserve="1">
+<p:sldLayout xmlns:a="http://schemas.openxmlformats.org/drawingml/2006/main" xmlns:r="http://schemas.openxmlformats.org/officeDocument/2006/relationships" xmlns:p="http://schemas.openxmlformats.org/presentationml/2006/main" type="twoTxTwoObj" preserve="1">
   <p:cSld name="比較">
     <p:spTree>
       <p:nvGrpSpPr>
@@ -2092,34 +1583,65 @@
       </p:grpSpPr>
       <p:sp>
         <p:nvSpPr>
-          <p:cNvPr id="3" name="Text Placeholder 2"/>
-          <p:cNvSpPr>
-            <a:spLocks noGrp="1"/>
-          </p:cNvSpPr>
-          <p:nvPr>
-            <p:ph type="body" idx="1"/>
+          <p:cNvPr id="2" name="タイトル 1">
+            <a:extLst>
+              <a:ext uri="{FF2B5EF4-FFF2-40B4-BE49-F238E27FC236}">
+                <a16:creationId xmlns:a16="http://schemas.microsoft.com/office/drawing/2014/main" id="{20F4FA94-BA2A-0348-9100-44B15F8554C0}"/>
+              </a:ext>
+            </a:extLst>
+          </p:cNvPr>
+          <p:cNvSpPr>
+            <a:spLocks noGrp="1"/>
+          </p:cNvSpPr>
+          <p:nvPr>
+            <p:ph type="title"/>
           </p:nvPr>
         </p:nvSpPr>
         <p:spPr>
           <a:xfrm>
-            <a:off x="1066800" y="2048256"/>
-            <a:ext cx="4754880" cy="640080"/>
+            <a:off x="839788" y="365125"/>
+            <a:ext cx="10515600" cy="1325563"/>
           </a:xfrm>
         </p:spPr>
         <p:txBody>
-          <a:bodyPr anchor="ctr">
-            <a:normAutofit/>
-          </a:bodyPr>
+          <a:bodyPr/>
+          <a:lstStyle/>
+          <a:p>
+            <a:r>
+              <a:rPr kumimoji="1" lang="ja-JP" altLang="en-US"/>
+              <a:t>マスター タイトルの書式設定</a:t>
+            </a:r>
+          </a:p>
+        </p:txBody>
+      </p:sp>
+      <p:sp>
+        <p:nvSpPr>
+          <p:cNvPr id="3" name="テキスト プレースホルダー 2">
+            <a:extLst>
+              <a:ext uri="{FF2B5EF4-FFF2-40B4-BE49-F238E27FC236}">
+                <a16:creationId xmlns:a16="http://schemas.microsoft.com/office/drawing/2014/main" id="{2CE37C58-1BA1-7343-94B5-44EF94413CC0}"/>
+              </a:ext>
+            </a:extLst>
+          </p:cNvPr>
+          <p:cNvSpPr>
+            <a:spLocks noGrp="1"/>
+          </p:cNvSpPr>
+          <p:nvPr>
+            <p:ph type="body" idx="1"/>
+          </p:nvPr>
+        </p:nvSpPr>
+        <p:spPr>
+          <a:xfrm>
+            <a:off x="839788" y="1681163"/>
+            <a:ext cx="5157787" cy="823912"/>
+          </a:xfrm>
+        </p:spPr>
+        <p:txBody>
+          <a:bodyPr anchor="b"/>
           <a:lstStyle>
             <a:lvl1pPr marL="0" indent="0">
               <a:buNone/>
-              <a:defRPr sz="2000" b="1">
-                <a:solidFill>
-                  <a:schemeClr val="accent1">
-                    <a:lumMod val="75000"/>
-                  </a:schemeClr>
-                </a:solidFill>
-              </a:defRPr>
+              <a:defRPr sz="2400" b="1"/>
             </a:lvl1pPr>
             <a:lvl2pPr marL="457200" indent="0">
               <a:buNone/>
@@ -2155,54 +1677,58 @@
             </a:lvl9pPr>
           </a:lstStyle>
           <a:p>
-            <a:pPr lvl="0"/>
-            <a:r>
-              <a:rPr lang="ja-JP" altLang="en-US"/>
+            <a:r>
+              <a:rPr kumimoji="1" lang="ja-JP" altLang="en-US"/>
               <a:t>マスター テキストの書式設定
 第 </a:t>
             </a:r>
             <a:r>
-              <a:rPr lang="en-US" altLang="ja-JP"/>
+              <a:rPr kumimoji="1" lang="en-US" altLang="ja-JP"/>
               <a:t>2 </a:t>
             </a:r>
             <a:r>
-              <a:rPr lang="ja-JP" altLang="en-US"/>
+              <a:rPr kumimoji="1" lang="ja-JP" altLang="en-US"/>
               <a:t>レベル
 第 </a:t>
             </a:r>
             <a:r>
-              <a:rPr lang="en-US" altLang="ja-JP"/>
+              <a:rPr kumimoji="1" lang="en-US" altLang="ja-JP"/>
               <a:t>3 </a:t>
             </a:r>
             <a:r>
-              <a:rPr lang="ja-JP" altLang="en-US"/>
+              <a:rPr kumimoji="1" lang="ja-JP" altLang="en-US"/>
               <a:t>レベル
 第 </a:t>
             </a:r>
             <a:r>
-              <a:rPr lang="en-US" altLang="ja-JP"/>
+              <a:rPr kumimoji="1" lang="en-US" altLang="ja-JP"/>
               <a:t>4 </a:t>
             </a:r>
             <a:r>
-              <a:rPr lang="ja-JP" altLang="en-US"/>
+              <a:rPr kumimoji="1" lang="ja-JP" altLang="en-US"/>
               <a:t>レベル
 第 </a:t>
             </a:r>
             <a:r>
-              <a:rPr lang="en-US" altLang="ja-JP"/>
+              <a:rPr kumimoji="1" lang="en-US" altLang="ja-JP"/>
               <a:t>5 </a:t>
             </a:r>
             <a:r>
-              <a:rPr lang="ja-JP" altLang="en-US"/>
+              <a:rPr kumimoji="1" lang="ja-JP" altLang="en-US"/>
               <a:t>レベル</a:t>
             </a:r>
-            <a:endParaRPr lang="en-US"/>
-          </a:p>
-        </p:txBody>
-      </p:sp>
-      <p:sp>
-        <p:nvSpPr>
-          <p:cNvPr id="4" name="Content Placeholder 3"/>
+          </a:p>
+        </p:txBody>
+      </p:sp>
+      <p:sp>
+        <p:nvSpPr>
+          <p:cNvPr id="4" name="コンテンツ プレースホルダー 3">
+            <a:extLst>
+              <a:ext uri="{FF2B5EF4-FFF2-40B4-BE49-F238E27FC236}">
+                <a16:creationId xmlns:a16="http://schemas.microsoft.com/office/drawing/2014/main" id="{71466257-3437-B94D-A4C4-D615EB50F2D6}"/>
+              </a:ext>
+            </a:extLst>
+          </p:cNvPr>
           <p:cNvSpPr>
             <a:spLocks noGrp="1"/>
           </p:cNvSpPr>
@@ -2212,90 +1738,66 @@
         </p:nvSpPr>
         <p:spPr>
           <a:xfrm>
-            <a:off x="1069848" y="2743200"/>
-            <a:ext cx="4754880" cy="3291840"/>
+            <a:off x="839788" y="2505075"/>
+            <a:ext cx="5157787" cy="3684588"/>
           </a:xfrm>
         </p:spPr>
         <p:txBody>
           <a:bodyPr/>
-          <a:lstStyle>
-            <a:lvl1pPr>
-              <a:defRPr sz="2000"/>
-            </a:lvl1pPr>
-            <a:lvl2pPr>
-              <a:defRPr sz="1800"/>
-            </a:lvl2pPr>
-            <a:lvl3pPr>
-              <a:defRPr sz="1600"/>
-            </a:lvl3pPr>
-            <a:lvl4pPr>
-              <a:defRPr sz="1600"/>
-            </a:lvl4pPr>
-            <a:lvl5pPr>
-              <a:defRPr sz="1600"/>
-            </a:lvl5pPr>
-            <a:lvl6pPr>
-              <a:defRPr sz="1600"/>
-            </a:lvl6pPr>
-            <a:lvl7pPr>
-              <a:defRPr sz="1600"/>
-            </a:lvl7pPr>
-            <a:lvl8pPr>
-              <a:defRPr sz="1600"/>
-            </a:lvl8pPr>
-            <a:lvl9pPr>
-              <a:defRPr sz="1600"/>
-            </a:lvl9pPr>
-          </a:lstStyle>
-          <a:p>
-            <a:pPr lvl="0"/>
-            <a:r>
-              <a:rPr lang="ja-JP" altLang="en-US"/>
+          <a:lstStyle/>
+          <a:p>
+            <a:r>
+              <a:rPr kumimoji="1" lang="ja-JP" altLang="en-US"/>
               <a:t>マスター テキストの書式設定
 第 </a:t>
             </a:r>
             <a:r>
-              <a:rPr lang="en-US" altLang="ja-JP"/>
+              <a:rPr kumimoji="1" lang="en-US" altLang="ja-JP"/>
               <a:t>2 </a:t>
             </a:r>
             <a:r>
-              <a:rPr lang="ja-JP" altLang="en-US"/>
+              <a:rPr kumimoji="1" lang="ja-JP" altLang="en-US"/>
               <a:t>レベル
 第 </a:t>
             </a:r>
             <a:r>
-              <a:rPr lang="en-US" altLang="ja-JP"/>
+              <a:rPr kumimoji="1" lang="en-US" altLang="ja-JP"/>
               <a:t>3 </a:t>
             </a:r>
             <a:r>
-              <a:rPr lang="ja-JP" altLang="en-US"/>
+              <a:rPr kumimoji="1" lang="ja-JP" altLang="en-US"/>
               <a:t>レベル
 第 </a:t>
             </a:r>
             <a:r>
-              <a:rPr lang="en-US" altLang="ja-JP"/>
+              <a:rPr kumimoji="1" lang="en-US" altLang="ja-JP"/>
               <a:t>4 </a:t>
             </a:r>
             <a:r>
-              <a:rPr lang="ja-JP" altLang="en-US"/>
+              <a:rPr kumimoji="1" lang="ja-JP" altLang="en-US"/>
               <a:t>レベル
 第 </a:t>
             </a:r>
             <a:r>
-              <a:rPr lang="en-US" altLang="ja-JP"/>
+              <a:rPr kumimoji="1" lang="en-US" altLang="ja-JP"/>
               <a:t>5 </a:t>
             </a:r>
             <a:r>
-              <a:rPr lang="ja-JP" altLang="en-US"/>
+              <a:rPr kumimoji="1" lang="ja-JP" altLang="en-US"/>
               <a:t>レベル</a:t>
             </a:r>
-            <a:endParaRPr lang="en-US" dirty="0"/>
-          </a:p>
-        </p:txBody>
-      </p:sp>
-      <p:sp>
-        <p:nvSpPr>
-          <p:cNvPr id="5" name="Text Placeholder 4"/>
+          </a:p>
+        </p:txBody>
+      </p:sp>
+      <p:sp>
+        <p:nvSpPr>
+          <p:cNvPr id="5" name="テキスト プレースホルダー 4">
+            <a:extLst>
+              <a:ext uri="{FF2B5EF4-FFF2-40B4-BE49-F238E27FC236}">
+                <a16:creationId xmlns:a16="http://schemas.microsoft.com/office/drawing/2014/main" id="{9EBB78BC-E6A8-B14A-82D0-611FFB8F2A3E}"/>
+              </a:ext>
+            </a:extLst>
+          </p:cNvPr>
           <p:cNvSpPr>
             <a:spLocks noGrp="1"/>
           </p:cNvSpPr>
@@ -2305,24 +1807,16 @@
         </p:nvSpPr>
         <p:spPr>
           <a:xfrm>
-            <a:off x="6364224" y="2048256"/>
-            <a:ext cx="4754880" cy="640080"/>
+            <a:off x="6172200" y="1681163"/>
+            <a:ext cx="5183188" cy="823912"/>
           </a:xfrm>
         </p:spPr>
         <p:txBody>
-          <a:bodyPr anchor="ctr">
-            <a:normAutofit/>
-          </a:bodyPr>
+          <a:bodyPr anchor="b"/>
           <a:lstStyle>
             <a:lvl1pPr marL="0" indent="0">
               <a:buNone/>
-              <a:defRPr sz="2000" b="1">
-                <a:solidFill>
-                  <a:schemeClr val="accent1">
-                    <a:lumMod val="75000"/>
-                  </a:schemeClr>
-                </a:solidFill>
-              </a:defRPr>
+              <a:defRPr sz="2400" b="1"/>
             </a:lvl1pPr>
             <a:lvl2pPr marL="457200" indent="0">
               <a:buNone/>
@@ -2358,54 +1852,58 @@
             </a:lvl9pPr>
           </a:lstStyle>
           <a:p>
-            <a:pPr lvl="0"/>
-            <a:r>
-              <a:rPr lang="ja-JP" altLang="en-US"/>
+            <a:r>
+              <a:rPr kumimoji="1" lang="ja-JP" altLang="en-US"/>
               <a:t>マスター テキストの書式設定
 第 </a:t>
             </a:r>
             <a:r>
-              <a:rPr lang="en-US" altLang="ja-JP"/>
+              <a:rPr kumimoji="1" lang="en-US" altLang="ja-JP"/>
               <a:t>2 </a:t>
             </a:r>
             <a:r>
-              <a:rPr lang="ja-JP" altLang="en-US"/>
+              <a:rPr kumimoji="1" lang="ja-JP" altLang="en-US"/>
               <a:t>レベル
 第 </a:t>
             </a:r>
             <a:r>
-              <a:rPr lang="en-US" altLang="ja-JP"/>
+              <a:rPr kumimoji="1" lang="en-US" altLang="ja-JP"/>
               <a:t>3 </a:t>
             </a:r>
             <a:r>
-              <a:rPr lang="ja-JP" altLang="en-US"/>
+              <a:rPr kumimoji="1" lang="ja-JP" altLang="en-US"/>
               <a:t>レベル
 第 </a:t>
             </a:r>
             <a:r>
-              <a:rPr lang="en-US" altLang="ja-JP"/>
+              <a:rPr kumimoji="1" lang="en-US" altLang="ja-JP"/>
               <a:t>4 </a:t>
             </a:r>
             <a:r>
-              <a:rPr lang="ja-JP" altLang="en-US"/>
+              <a:rPr kumimoji="1" lang="ja-JP" altLang="en-US"/>
               <a:t>レベル
 第 </a:t>
             </a:r>
             <a:r>
-              <a:rPr lang="en-US" altLang="ja-JP"/>
+              <a:rPr kumimoji="1" lang="en-US" altLang="ja-JP"/>
               <a:t>5 </a:t>
             </a:r>
             <a:r>
-              <a:rPr lang="ja-JP" altLang="en-US"/>
+              <a:rPr kumimoji="1" lang="ja-JP" altLang="en-US"/>
               <a:t>レベル</a:t>
             </a:r>
-            <a:endParaRPr lang="en-US"/>
-          </a:p>
-        </p:txBody>
-      </p:sp>
-      <p:sp>
-        <p:nvSpPr>
-          <p:cNvPr id="6" name="Content Placeholder 5"/>
+          </a:p>
+        </p:txBody>
+      </p:sp>
+      <p:sp>
+        <p:nvSpPr>
+          <p:cNvPr id="6" name="コンテンツ プレースホルダー 5">
+            <a:extLst>
+              <a:ext uri="{FF2B5EF4-FFF2-40B4-BE49-F238E27FC236}">
+                <a16:creationId xmlns:a16="http://schemas.microsoft.com/office/drawing/2014/main" id="{DD14143F-4CC1-F24C-BD38-DF8E943ABBFD}"/>
+              </a:ext>
+            </a:extLst>
+          </p:cNvPr>
           <p:cNvSpPr>
             <a:spLocks noGrp="1"/>
           </p:cNvSpPr>
@@ -2415,90 +1913,66 @@
         </p:nvSpPr>
         <p:spPr>
           <a:xfrm>
-            <a:off x="6364224" y="2743200"/>
-            <a:ext cx="4754880" cy="3291840"/>
+            <a:off x="6172200" y="2505075"/>
+            <a:ext cx="5183188" cy="3684588"/>
           </a:xfrm>
         </p:spPr>
         <p:txBody>
           <a:bodyPr/>
-          <a:lstStyle>
-            <a:lvl1pPr>
-              <a:defRPr sz="2000"/>
-            </a:lvl1pPr>
-            <a:lvl2pPr>
-              <a:defRPr sz="1800"/>
-            </a:lvl2pPr>
-            <a:lvl3pPr>
-              <a:defRPr sz="1600"/>
-            </a:lvl3pPr>
-            <a:lvl4pPr>
-              <a:defRPr sz="1600"/>
-            </a:lvl4pPr>
-            <a:lvl5pPr>
-              <a:defRPr sz="1600"/>
-            </a:lvl5pPr>
-            <a:lvl6pPr>
-              <a:defRPr sz="1600"/>
-            </a:lvl6pPr>
-            <a:lvl7pPr>
-              <a:defRPr sz="1600"/>
-            </a:lvl7pPr>
-            <a:lvl8pPr>
-              <a:defRPr sz="1600"/>
-            </a:lvl8pPr>
-            <a:lvl9pPr>
-              <a:defRPr sz="1600"/>
-            </a:lvl9pPr>
-          </a:lstStyle>
-          <a:p>
-            <a:pPr lvl="0"/>
-            <a:r>
-              <a:rPr lang="ja-JP" altLang="en-US"/>
+          <a:lstStyle/>
+          <a:p>
+            <a:r>
+              <a:rPr kumimoji="1" lang="ja-JP" altLang="en-US"/>
               <a:t>マスター テキストの書式設定
 第 </a:t>
             </a:r>
             <a:r>
-              <a:rPr lang="en-US" altLang="ja-JP"/>
+              <a:rPr kumimoji="1" lang="en-US" altLang="ja-JP"/>
               <a:t>2 </a:t>
             </a:r>
             <a:r>
-              <a:rPr lang="ja-JP" altLang="en-US"/>
+              <a:rPr kumimoji="1" lang="ja-JP" altLang="en-US"/>
               <a:t>レベル
 第 </a:t>
             </a:r>
             <a:r>
-              <a:rPr lang="en-US" altLang="ja-JP"/>
+              <a:rPr kumimoji="1" lang="en-US" altLang="ja-JP"/>
               <a:t>3 </a:t>
             </a:r>
             <a:r>
-              <a:rPr lang="ja-JP" altLang="en-US"/>
+              <a:rPr kumimoji="1" lang="ja-JP" altLang="en-US"/>
               <a:t>レベル
 第 </a:t>
             </a:r>
             <a:r>
-              <a:rPr lang="en-US" altLang="ja-JP"/>
+              <a:rPr kumimoji="1" lang="en-US" altLang="ja-JP"/>
               <a:t>4 </a:t>
             </a:r>
             <a:r>
-              <a:rPr lang="ja-JP" altLang="en-US"/>
+              <a:rPr kumimoji="1" lang="ja-JP" altLang="en-US"/>
               <a:t>レベル
 第 </a:t>
             </a:r>
             <a:r>
-              <a:rPr lang="en-US" altLang="ja-JP"/>
+              <a:rPr kumimoji="1" lang="en-US" altLang="ja-JP"/>
               <a:t>5 </a:t>
             </a:r>
             <a:r>
-              <a:rPr lang="ja-JP" altLang="en-US"/>
+              <a:rPr kumimoji="1" lang="ja-JP" altLang="en-US"/>
               <a:t>レベル</a:t>
             </a:r>
-            <a:endParaRPr lang="en-US" dirty="0"/>
-          </a:p>
-        </p:txBody>
-      </p:sp>
-      <p:sp>
-        <p:nvSpPr>
-          <p:cNvPr id="7" name="Date Placeholder 6"/>
+          </a:p>
+        </p:txBody>
+      </p:sp>
+      <p:sp>
+        <p:nvSpPr>
+          <p:cNvPr id="7" name="日付プレースホルダー 6">
+            <a:extLst>
+              <a:ext uri="{FF2B5EF4-FFF2-40B4-BE49-F238E27FC236}">
+                <a16:creationId xmlns:a16="http://schemas.microsoft.com/office/drawing/2014/main" id="{0C040CE2-A1CA-C140-A39C-C3657FDB4EA3}"/>
+              </a:ext>
+            </a:extLst>
+          </p:cNvPr>
           <p:cNvSpPr>
             <a:spLocks noGrp="1"/>
           </p:cNvSpPr>
@@ -2514,7 +1988,7 @@
             <a:fld id="{5586B75A-687E-405C-8A0B-8D00578BA2C3}" type="datetimeFigureOut">
               <a:rPr lang="en-US" smtClean="0"/>
               <a:pPr/>
-              <a:t>9/15/18</a:t>
+              <a:t>9/16/18</a:t>
             </a:fld>
             <a:endParaRPr lang="en-US" dirty="0"/>
           </a:p>
@@ -2522,7 +1996,13 @@
       </p:sp>
       <p:sp>
         <p:nvSpPr>
-          <p:cNvPr id="8" name="Footer Placeholder 7"/>
+          <p:cNvPr id="8" name="フッター プレースホルダー 7">
+            <a:extLst>
+              <a:ext uri="{FF2B5EF4-FFF2-40B4-BE49-F238E27FC236}">
+                <a16:creationId xmlns:a16="http://schemas.microsoft.com/office/drawing/2014/main" id="{2B2AE748-4517-ED48-9CF2-90ABB568EABD}"/>
+              </a:ext>
+            </a:extLst>
+          </p:cNvPr>
           <p:cNvSpPr>
             <a:spLocks noGrp="1"/>
           </p:cNvSpPr>
@@ -2541,7 +2021,13 @@
       </p:sp>
       <p:sp>
         <p:nvSpPr>
-          <p:cNvPr id="9" name="Slide Number Placeholder 8"/>
+          <p:cNvPr id="9" name="スライド番号プレースホルダー 8">
+            <a:extLst>
+              <a:ext uri="{FF2B5EF4-FFF2-40B4-BE49-F238E27FC236}">
+                <a16:creationId xmlns:a16="http://schemas.microsoft.com/office/drawing/2014/main" id="{D52C6594-E496-FB40-AA97-5F6048951DF2}"/>
+              </a:ext>
+            </a:extLst>
+          </p:cNvPr>
           <p:cNvSpPr>
             <a:spLocks noGrp="1"/>
           </p:cNvSpPr>
@@ -2563,33 +2049,10 @@
           </a:p>
         </p:txBody>
       </p:sp>
-      <p:sp>
-        <p:nvSpPr>
-          <p:cNvPr id="10" name="Title 9"/>
-          <p:cNvSpPr>
-            <a:spLocks noGrp="1"/>
-          </p:cNvSpPr>
-          <p:nvPr>
-            <p:ph type="title"/>
-          </p:nvPr>
-        </p:nvSpPr>
-        <p:spPr/>
-        <p:txBody>
-          <a:bodyPr/>
-          <a:lstStyle/>
-          <a:p>
-            <a:r>
-              <a:rPr lang="ja-JP" altLang="en-US"/>
-              <a:t>マスター タイトルの書式設定</a:t>
-            </a:r>
-            <a:endParaRPr lang="en-US" dirty="0"/>
-          </a:p>
-        </p:txBody>
-      </p:sp>
     </p:spTree>
     <p:extLst>
       <p:ext uri="{BB962C8B-B14F-4D97-AF65-F5344CB8AC3E}">
-        <p14:creationId xmlns:p14="http://schemas.microsoft.com/office/powerpoint/2010/main" val="334113733"/>
+        <p14:creationId xmlns:p14="http://schemas.microsoft.com/office/powerpoint/2010/main" val="2939596361"/>
       </p:ext>
     </p:extLst>
   </p:cSld>
@@ -2600,7 +2063,7 @@
 </file>
 
 <file path=ppt/slideLayouts/slideLayout6.xml><?xml version="1.0" encoding="utf-8"?>
-<p:sldLayout xmlns:a="http://schemas.openxmlformats.org/drawingml/2006/main" xmlns:r="http://schemas.openxmlformats.org/officeDocument/2006/relationships" xmlns:p="http://schemas.openxmlformats.org/presentationml/2006/main" preserve="1">
+<p:sldLayout xmlns:a="http://schemas.openxmlformats.org/drawingml/2006/main" xmlns:r="http://schemas.openxmlformats.org/officeDocument/2006/relationships" xmlns:p="http://schemas.openxmlformats.org/presentationml/2006/main" type="titleOnly" preserve="1">
   <p:cSld name="タイトルのみ">
     <p:spTree>
       <p:nvGrpSpPr>
@@ -2618,7 +2081,41 @@
       </p:grpSpPr>
       <p:sp>
         <p:nvSpPr>
-          <p:cNvPr id="3" name="Date Placeholder 2"/>
+          <p:cNvPr id="2" name="タイトル 1">
+            <a:extLst>
+              <a:ext uri="{FF2B5EF4-FFF2-40B4-BE49-F238E27FC236}">
+                <a16:creationId xmlns:a16="http://schemas.microsoft.com/office/drawing/2014/main" id="{CA438B43-8D65-7044-9384-E2188CD0F73B}"/>
+              </a:ext>
+            </a:extLst>
+          </p:cNvPr>
+          <p:cNvSpPr>
+            <a:spLocks noGrp="1"/>
+          </p:cNvSpPr>
+          <p:nvPr>
+            <p:ph type="title"/>
+          </p:nvPr>
+        </p:nvSpPr>
+        <p:spPr/>
+        <p:txBody>
+          <a:bodyPr/>
+          <a:lstStyle/>
+          <a:p>
+            <a:r>
+              <a:rPr kumimoji="1" lang="ja-JP" altLang="en-US"/>
+              <a:t>マスター タイトルの書式設定</a:t>
+            </a:r>
+          </a:p>
+        </p:txBody>
+      </p:sp>
+      <p:sp>
+        <p:nvSpPr>
+          <p:cNvPr id="3" name="日付プレースホルダー 2">
+            <a:extLst>
+              <a:ext uri="{FF2B5EF4-FFF2-40B4-BE49-F238E27FC236}">
+                <a16:creationId xmlns:a16="http://schemas.microsoft.com/office/drawing/2014/main" id="{3680FBF2-5054-C744-B543-EB24B3E75742}"/>
+              </a:ext>
+            </a:extLst>
+          </p:cNvPr>
           <p:cNvSpPr>
             <a:spLocks noGrp="1"/>
           </p:cNvSpPr>
@@ -2634,7 +2131,7 @@
             <a:fld id="{5586B75A-687E-405C-8A0B-8D00578BA2C3}" type="datetimeFigureOut">
               <a:rPr lang="en-US" smtClean="0"/>
               <a:pPr/>
-              <a:t>9/15/18</a:t>
+              <a:t>9/16/18</a:t>
             </a:fld>
             <a:endParaRPr lang="en-US" dirty="0"/>
           </a:p>
@@ -2642,7 +2139,13 @@
       </p:sp>
       <p:sp>
         <p:nvSpPr>
-          <p:cNvPr id="4" name="Footer Placeholder 3"/>
+          <p:cNvPr id="4" name="フッター プレースホルダー 3">
+            <a:extLst>
+              <a:ext uri="{FF2B5EF4-FFF2-40B4-BE49-F238E27FC236}">
+                <a16:creationId xmlns:a16="http://schemas.microsoft.com/office/drawing/2014/main" id="{5515115B-79B5-FB40-9030-07A17F5B4A9F}"/>
+              </a:ext>
+            </a:extLst>
+          </p:cNvPr>
           <p:cNvSpPr>
             <a:spLocks noGrp="1"/>
           </p:cNvSpPr>
@@ -2661,7 +2164,13 @@
       </p:sp>
       <p:sp>
         <p:nvSpPr>
-          <p:cNvPr id="5" name="Slide Number Placeholder 4"/>
+          <p:cNvPr id="5" name="スライド番号プレースホルダー 4">
+            <a:extLst>
+              <a:ext uri="{FF2B5EF4-FFF2-40B4-BE49-F238E27FC236}">
+                <a16:creationId xmlns:a16="http://schemas.microsoft.com/office/drawing/2014/main" id="{3F0C5D24-DA35-A843-81DD-B5EC8817AE44}"/>
+              </a:ext>
+            </a:extLst>
+          </p:cNvPr>
           <p:cNvSpPr>
             <a:spLocks noGrp="1"/>
           </p:cNvSpPr>
@@ -2683,33 +2192,10 @@
           </a:p>
         </p:txBody>
       </p:sp>
-      <p:sp>
-        <p:nvSpPr>
-          <p:cNvPr id="6" name="Title 5"/>
-          <p:cNvSpPr>
-            <a:spLocks noGrp="1"/>
-          </p:cNvSpPr>
-          <p:nvPr>
-            <p:ph type="title"/>
-          </p:nvPr>
-        </p:nvSpPr>
-        <p:spPr/>
-        <p:txBody>
-          <a:bodyPr/>
-          <a:lstStyle/>
-          <a:p>
-            <a:r>
-              <a:rPr lang="ja-JP" altLang="en-US"/>
-              <a:t>マスター タイトルの書式設定</a:t>
-            </a:r>
-            <a:endParaRPr lang="en-US"/>
-          </a:p>
-        </p:txBody>
-      </p:sp>
     </p:spTree>
     <p:extLst>
       <p:ext uri="{BB962C8B-B14F-4D97-AF65-F5344CB8AC3E}">
-        <p14:creationId xmlns:p14="http://schemas.microsoft.com/office/powerpoint/2010/main" val="611874208"/>
+        <p14:creationId xmlns:p14="http://schemas.microsoft.com/office/powerpoint/2010/main" val="147069125"/>
       </p:ext>
     </p:extLst>
   </p:cSld>
@@ -2738,7 +2224,13 @@
       </p:grpSpPr>
       <p:sp>
         <p:nvSpPr>
-          <p:cNvPr id="2" name="Date Placeholder 1"/>
+          <p:cNvPr id="2" name="日付プレースホルダー 1">
+            <a:extLst>
+              <a:ext uri="{FF2B5EF4-FFF2-40B4-BE49-F238E27FC236}">
+                <a16:creationId xmlns:a16="http://schemas.microsoft.com/office/drawing/2014/main" id="{D1A75053-E078-514E-B2B8-3E6362D0BF0F}"/>
+              </a:ext>
+            </a:extLst>
+          </p:cNvPr>
           <p:cNvSpPr>
             <a:spLocks noGrp="1"/>
           </p:cNvSpPr>
@@ -2754,7 +2246,7 @@
             <a:fld id="{5586B75A-687E-405C-8A0B-8D00578BA2C3}" type="datetimeFigureOut">
               <a:rPr lang="en-US" smtClean="0"/>
               <a:pPr/>
-              <a:t>9/15/18</a:t>
+              <a:t>9/16/18</a:t>
             </a:fld>
             <a:endParaRPr lang="en-US" dirty="0"/>
           </a:p>
@@ -2762,7 +2254,13 @@
       </p:sp>
       <p:sp>
         <p:nvSpPr>
-          <p:cNvPr id="3" name="Footer Placeholder 2"/>
+          <p:cNvPr id="3" name="フッター プレースホルダー 2">
+            <a:extLst>
+              <a:ext uri="{FF2B5EF4-FFF2-40B4-BE49-F238E27FC236}">
+                <a16:creationId xmlns:a16="http://schemas.microsoft.com/office/drawing/2014/main" id="{8EF913D3-6DE0-A74E-A04C-5F0000FA6A47}"/>
+              </a:ext>
+            </a:extLst>
+          </p:cNvPr>
           <p:cNvSpPr>
             <a:spLocks noGrp="1"/>
           </p:cNvSpPr>
@@ -2781,7 +2279,13 @@
       </p:sp>
       <p:sp>
         <p:nvSpPr>
-          <p:cNvPr id="4" name="Slide Number Placeholder 3"/>
+          <p:cNvPr id="4" name="スライド番号プレースホルダー 3">
+            <a:extLst>
+              <a:ext uri="{FF2B5EF4-FFF2-40B4-BE49-F238E27FC236}">
+                <a16:creationId xmlns:a16="http://schemas.microsoft.com/office/drawing/2014/main" id="{A1268E8F-151A-3748-9FCC-8EFE4FA8049D}"/>
+              </a:ext>
+            </a:extLst>
+          </p:cNvPr>
           <p:cNvSpPr>
             <a:spLocks noGrp="1"/>
           </p:cNvSpPr>
@@ -2806,7 +2310,7 @@
     </p:spTree>
     <p:extLst>
       <p:ext uri="{BB962C8B-B14F-4D97-AF65-F5344CB8AC3E}">
-        <p14:creationId xmlns:p14="http://schemas.microsoft.com/office/powerpoint/2010/main" val="279183031"/>
+        <p14:creationId xmlns:p14="http://schemas.microsoft.com/office/powerpoint/2010/main" val="2400487271"/>
       </p:ext>
     </p:extLst>
   </p:cSld>
@@ -2817,7 +2321,7 @@
 </file>
 
 <file path=ppt/slideLayouts/slideLayout8.xml><?xml version="1.0" encoding="utf-8"?>
-<p:sldLayout xmlns:a="http://schemas.openxmlformats.org/drawingml/2006/main" xmlns:r="http://schemas.openxmlformats.org/officeDocument/2006/relationships" xmlns:p="http://schemas.openxmlformats.org/presentationml/2006/main" showMasterSp="0" type="objTx" preserve="1">
+<p:sldLayout xmlns:a="http://schemas.openxmlformats.org/drawingml/2006/main" xmlns:r="http://schemas.openxmlformats.org/officeDocument/2006/relationships" xmlns:p="http://schemas.openxmlformats.org/presentationml/2006/main" type="objTx" preserve="1">
   <p:cSld name="タイトル付きのコンテンツ">
     <p:spTree>
       <p:nvGrpSpPr>
@@ -2835,136 +2339,80 @@
       </p:grpSpPr>
       <p:sp>
         <p:nvSpPr>
-          <p:cNvPr id="8" name="Rectangle 7"/>
-          <p:cNvSpPr/>
-          <p:nvPr/>
+          <p:cNvPr id="2" name="タイトル 1">
+            <a:extLst>
+              <a:ext uri="{FF2B5EF4-FFF2-40B4-BE49-F238E27FC236}">
+                <a16:creationId xmlns:a16="http://schemas.microsoft.com/office/drawing/2014/main" id="{836E5FB4-F21B-3547-8660-3033A6B6AFCB}"/>
+              </a:ext>
+            </a:extLst>
+          </p:cNvPr>
+          <p:cNvSpPr>
+            <a:spLocks noGrp="1"/>
+          </p:cNvSpPr>
+          <p:nvPr>
+            <p:ph type="title"/>
+          </p:nvPr>
         </p:nvSpPr>
         <p:spPr>
           <a:xfrm>
-            <a:off x="8303740" y="0"/>
-            <a:ext cx="3888259" cy="6857999"/>
+            <a:off x="839788" y="457200"/>
+            <a:ext cx="3932237" cy="1600200"/>
           </a:xfrm>
-          <a:prstGeom prst="rect">
-            <a:avLst/>
-          </a:prstGeom>
-          <a:blipFill dpi="0" rotWithShape="1">
-            <a:blip r:embed="rId2">
-              <a:alphaModFix amt="60000"/>
-              <a:lum bright="70000" contrast="-70000"/>
-              <a:extLst>
-                <a:ext uri="{BEBA8EAE-BF5A-486C-A8C5-ECC9F3942E4B}">
-                  <a14:imgProps xmlns:a14="http://schemas.microsoft.com/office/drawing/2010/main">
-                    <a14:imgLayer r:embed="rId3">
-                      <a14:imgEffect>
-                        <a14:sharpenSoften amount="61000"/>
-                      </a14:imgEffect>
-                    </a14:imgLayer>
-                  </a14:imgProps>
-                </a:ext>
-                <a:ext uri="{28A0092B-C50C-407E-A947-70E740481C1C}">
-                  <a14:useLocalDpi xmlns:a14="http://schemas.microsoft.com/office/drawing/2010/main" val="0"/>
-                </a:ext>
-              </a:extLst>
-            </a:blip>
-            <a:srcRect/>
-            <a:tile tx="0" ty="-704850" sx="92000" sy="89000" flip="xy" algn="ctr"/>
-          </a:blipFill>
-          <a:ln>
-            <a:noFill/>
-          </a:ln>
         </p:spPr>
-        <p:style>
-          <a:lnRef idx="2">
-            <a:schemeClr val="accent1">
-              <a:shade val="50000"/>
-            </a:schemeClr>
-          </a:lnRef>
-          <a:fillRef idx="1">
-            <a:schemeClr val="accent1"/>
-          </a:fillRef>
-          <a:effectRef idx="0">
-            <a:schemeClr val="accent1"/>
-          </a:effectRef>
-          <a:fontRef idx="minor">
-            <a:schemeClr val="lt1"/>
-          </a:fontRef>
-        </p:style>
-        <p:txBody>
-          <a:bodyPr rtlCol="0" anchor="ctr"/>
-          <a:lstStyle/>
-          <a:p>
-            <a:pPr algn="ctr"/>
-            <a:endParaRPr lang="en-US"/>
-          </a:p>
-        </p:txBody>
-      </p:sp>
-      <p:sp>
-        <p:nvSpPr>
-          <p:cNvPr id="2" name="Title 1"/>
-          <p:cNvSpPr>
-            <a:spLocks noGrp="1"/>
-          </p:cNvSpPr>
-          <p:nvPr>
-            <p:ph type="title"/>
+        <p:txBody>
+          <a:bodyPr anchor="b"/>
+          <a:lstStyle>
+            <a:lvl1pPr>
+              <a:defRPr sz="3200"/>
+            </a:lvl1pPr>
+          </a:lstStyle>
+          <a:p>
+            <a:r>
+              <a:rPr kumimoji="1" lang="ja-JP" altLang="en-US"/>
+              <a:t>マスター タイトルの書式設定</a:t>
+            </a:r>
+          </a:p>
+        </p:txBody>
+      </p:sp>
+      <p:sp>
+        <p:nvSpPr>
+          <p:cNvPr id="3" name="コンテンツ プレースホルダー 2">
+            <a:extLst>
+              <a:ext uri="{FF2B5EF4-FFF2-40B4-BE49-F238E27FC236}">
+                <a16:creationId xmlns:a16="http://schemas.microsoft.com/office/drawing/2014/main" id="{DD20FBDF-28C7-394B-A9D5-7D0A1DD36A1A}"/>
+              </a:ext>
+            </a:extLst>
+          </p:cNvPr>
+          <p:cNvSpPr>
+            <a:spLocks noGrp="1"/>
+          </p:cNvSpPr>
+          <p:nvPr>
+            <p:ph idx="1"/>
           </p:nvPr>
         </p:nvSpPr>
         <p:spPr>
           <a:xfrm>
-            <a:off x="8549640" y="685800"/>
-            <a:ext cx="3200400" cy="1737360"/>
-          </a:xfrm>
-        </p:spPr>
-        <p:txBody>
-          <a:bodyPr anchor="b">
-            <a:normAutofit/>
-          </a:bodyPr>
-          <a:lstStyle>
-            <a:lvl1pPr>
-              <a:defRPr sz="3200" b="1"/>
-            </a:lvl1pPr>
-          </a:lstStyle>
-          <a:p>
-            <a:r>
-              <a:rPr lang="ja-JP" altLang="en-US"/>
-              <a:t>マスター タイトルの書式設定</a:t>
-            </a:r>
-            <a:endParaRPr lang="en-US" dirty="0"/>
-          </a:p>
-        </p:txBody>
-      </p:sp>
-      <p:sp>
-        <p:nvSpPr>
-          <p:cNvPr id="3" name="Content Placeholder 2"/>
-          <p:cNvSpPr>
-            <a:spLocks noGrp="1"/>
-          </p:cNvSpPr>
-          <p:nvPr>
-            <p:ph idx="1"/>
-          </p:nvPr>
-        </p:nvSpPr>
-        <p:spPr>
-          <a:xfrm>
-            <a:off x="838200" y="685800"/>
-            <a:ext cx="6711696" cy="5020056"/>
+            <a:off x="5183188" y="987425"/>
+            <a:ext cx="6172200" cy="4873625"/>
           </a:xfrm>
         </p:spPr>
         <p:txBody>
           <a:bodyPr/>
           <a:lstStyle>
             <a:lvl1pPr>
-              <a:defRPr sz="2000"/>
+              <a:defRPr sz="3200"/>
             </a:lvl1pPr>
             <a:lvl2pPr>
-              <a:defRPr sz="1800"/>
+              <a:defRPr sz="2800"/>
             </a:lvl2pPr>
             <a:lvl3pPr>
-              <a:defRPr sz="1600"/>
+              <a:defRPr sz="2400"/>
             </a:lvl3pPr>
             <a:lvl4pPr>
-              <a:defRPr sz="1600"/>
+              <a:defRPr sz="2000"/>
             </a:lvl4pPr>
             <a:lvl5pPr>
-              <a:defRPr sz="1600"/>
+              <a:defRPr sz="2000"/>
             </a:lvl5pPr>
             <a:lvl6pPr>
               <a:defRPr sz="2000"/>
@@ -2980,54 +2428,58 @@
             </a:lvl9pPr>
           </a:lstStyle>
           <a:p>
-            <a:pPr lvl="0"/>
-            <a:r>
-              <a:rPr lang="ja-JP" altLang="en-US"/>
+            <a:r>
+              <a:rPr kumimoji="1" lang="ja-JP" altLang="en-US"/>
               <a:t>マスター テキストの書式設定
 第 </a:t>
             </a:r>
             <a:r>
-              <a:rPr lang="en-US" altLang="ja-JP"/>
+              <a:rPr kumimoji="1" lang="en-US" altLang="ja-JP"/>
               <a:t>2 </a:t>
             </a:r>
             <a:r>
-              <a:rPr lang="ja-JP" altLang="en-US"/>
+              <a:rPr kumimoji="1" lang="ja-JP" altLang="en-US"/>
               <a:t>レベル
 第 </a:t>
             </a:r>
             <a:r>
-              <a:rPr lang="en-US" altLang="ja-JP"/>
+              <a:rPr kumimoji="1" lang="en-US" altLang="ja-JP"/>
               <a:t>3 </a:t>
             </a:r>
             <a:r>
-              <a:rPr lang="ja-JP" altLang="en-US"/>
+              <a:rPr kumimoji="1" lang="ja-JP" altLang="en-US"/>
               <a:t>レベル
 第 </a:t>
             </a:r>
             <a:r>
-              <a:rPr lang="en-US" altLang="ja-JP"/>
+              <a:rPr kumimoji="1" lang="en-US" altLang="ja-JP"/>
               <a:t>4 </a:t>
             </a:r>
             <a:r>
-              <a:rPr lang="ja-JP" altLang="en-US"/>
+              <a:rPr kumimoji="1" lang="ja-JP" altLang="en-US"/>
               <a:t>レベル
 第 </a:t>
             </a:r>
             <a:r>
-              <a:rPr lang="en-US" altLang="ja-JP"/>
+              <a:rPr kumimoji="1" lang="en-US" altLang="ja-JP"/>
               <a:t>5 </a:t>
             </a:r>
             <a:r>
-              <a:rPr lang="ja-JP" altLang="en-US"/>
+              <a:rPr kumimoji="1" lang="ja-JP" altLang="en-US"/>
               <a:t>レベル</a:t>
             </a:r>
-            <a:endParaRPr lang="en-US" dirty="0"/>
-          </a:p>
-        </p:txBody>
-      </p:sp>
-      <p:sp>
-        <p:nvSpPr>
-          <p:cNvPr id="4" name="Text Placeholder 3"/>
+          </a:p>
+        </p:txBody>
+      </p:sp>
+      <p:sp>
+        <p:nvSpPr>
+          <p:cNvPr id="4" name="テキスト プレースホルダー 3">
+            <a:extLst>
+              <a:ext uri="{FF2B5EF4-FFF2-40B4-BE49-F238E27FC236}">
+                <a16:creationId xmlns:a16="http://schemas.microsoft.com/office/drawing/2014/main" id="{E00CB34E-F3A9-5040-A13E-3EFB4DC1CF9D}"/>
+              </a:ext>
+            </a:extLst>
+          </p:cNvPr>
           <p:cNvSpPr>
             <a:spLocks noGrp="1"/>
           </p:cNvSpPr>
@@ -3037,113 +2489,103 @@
         </p:nvSpPr>
         <p:spPr>
           <a:xfrm>
-            <a:off x="8549640" y="2423160"/>
-            <a:ext cx="3200400" cy="3291840"/>
+            <a:off x="839788" y="2057400"/>
+            <a:ext cx="3932237" cy="3811588"/>
           </a:xfrm>
         </p:spPr>
         <p:txBody>
-          <a:bodyPr>
-            <a:normAutofit/>
-          </a:bodyPr>
+          <a:bodyPr/>
           <a:lstStyle>
             <a:lvl1pPr marL="0" indent="0">
-              <a:lnSpc>
-                <a:spcPct val="100000"/>
-              </a:lnSpc>
-              <a:spcBef>
-                <a:spcPts val="1000"/>
-              </a:spcBef>
-              <a:buNone/>
-              <a:defRPr sz="1400">
-                <a:solidFill>
-                  <a:schemeClr val="accent1">
-                    <a:lumMod val="50000"/>
-                  </a:schemeClr>
-                </a:solidFill>
-              </a:defRPr>
+              <a:buNone/>
+              <a:defRPr sz="1600"/>
             </a:lvl1pPr>
             <a:lvl2pPr marL="457200" indent="0">
               <a:buNone/>
-              <a:defRPr sz="1200"/>
+              <a:defRPr sz="1400"/>
             </a:lvl2pPr>
             <a:lvl3pPr marL="914400" indent="0">
               <a:buNone/>
-              <a:defRPr sz="1000"/>
+              <a:defRPr sz="1200"/>
             </a:lvl3pPr>
             <a:lvl4pPr marL="1371600" indent="0">
               <a:buNone/>
-              <a:defRPr sz="900"/>
+              <a:defRPr sz="1000"/>
             </a:lvl4pPr>
             <a:lvl5pPr marL="1828800" indent="0">
               <a:buNone/>
-              <a:defRPr sz="900"/>
+              <a:defRPr sz="1000"/>
             </a:lvl5pPr>
             <a:lvl6pPr marL="2286000" indent="0">
               <a:buNone/>
-              <a:defRPr sz="900"/>
+              <a:defRPr sz="1000"/>
             </a:lvl6pPr>
             <a:lvl7pPr marL="2743200" indent="0">
               <a:buNone/>
-              <a:defRPr sz="900"/>
+              <a:defRPr sz="1000"/>
             </a:lvl7pPr>
             <a:lvl8pPr marL="3200400" indent="0">
               <a:buNone/>
-              <a:defRPr sz="900"/>
+              <a:defRPr sz="1000"/>
             </a:lvl8pPr>
             <a:lvl9pPr marL="3657600" indent="0">
               <a:buNone/>
-              <a:defRPr sz="900"/>
+              <a:defRPr sz="1000"/>
             </a:lvl9pPr>
           </a:lstStyle>
           <a:p>
-            <a:pPr lvl="0"/>
-            <a:r>
-              <a:rPr lang="ja-JP" altLang="en-US"/>
+            <a:r>
+              <a:rPr kumimoji="1" lang="ja-JP" altLang="en-US"/>
               <a:t>マスター テキストの書式設定
 第 </a:t>
             </a:r>
             <a:r>
-              <a:rPr lang="en-US" altLang="ja-JP"/>
+              <a:rPr kumimoji="1" lang="en-US" altLang="ja-JP"/>
               <a:t>2 </a:t>
             </a:r>
             <a:r>
-              <a:rPr lang="ja-JP" altLang="en-US"/>
+              <a:rPr kumimoji="1" lang="ja-JP" altLang="en-US"/>
               <a:t>レベル
 第 </a:t>
             </a:r>
             <a:r>
-              <a:rPr lang="en-US" altLang="ja-JP"/>
+              <a:rPr kumimoji="1" lang="en-US" altLang="ja-JP"/>
               <a:t>3 </a:t>
             </a:r>
             <a:r>
-              <a:rPr lang="ja-JP" altLang="en-US"/>
+              <a:rPr kumimoji="1" lang="ja-JP" altLang="en-US"/>
               <a:t>レベル
 第 </a:t>
             </a:r>
             <a:r>
-              <a:rPr lang="en-US" altLang="ja-JP"/>
+              <a:rPr kumimoji="1" lang="en-US" altLang="ja-JP"/>
               <a:t>4 </a:t>
             </a:r>
             <a:r>
-              <a:rPr lang="ja-JP" altLang="en-US"/>
+              <a:rPr kumimoji="1" lang="ja-JP" altLang="en-US"/>
               <a:t>レベル
 第 </a:t>
             </a:r>
             <a:r>
-              <a:rPr lang="en-US" altLang="ja-JP"/>
+              <a:rPr kumimoji="1" lang="en-US" altLang="ja-JP"/>
               <a:t>5 </a:t>
             </a:r>
             <a:r>
-              <a:rPr lang="ja-JP" altLang="en-US"/>
+              <a:rPr kumimoji="1" lang="ja-JP" altLang="en-US"/>
               <a:t>レベル</a:t>
             </a:r>
-            <a:endParaRPr lang="en-US"/>
-          </a:p>
-        </p:txBody>
-      </p:sp>
-      <p:sp>
-        <p:nvSpPr>
-          <p:cNvPr id="5" name="Date Placeholder 4"/>
+          </a:p>
+        </p:txBody>
+      </p:sp>
+      <p:sp>
+        <p:nvSpPr>
+          <p:cNvPr id="5" name="日付プレースホルダー 4">
+            <a:extLst>
+              <a:ext uri="{FF2B5EF4-FFF2-40B4-BE49-F238E27FC236}">
+                <a16:creationId xmlns:a16="http://schemas.microsoft.com/office/drawing/2014/main" id="{8F02565C-884D-1D45-B4D4-14C220C73AC8}"/>
+              </a:ext>
+            </a:extLst>
+          </p:cNvPr>
           <p:cNvSpPr>
             <a:spLocks noGrp="1"/>
           </p:cNvSpPr>
@@ -3159,7 +2601,7 @@
             <a:fld id="{5586B75A-687E-405C-8A0B-8D00578BA2C3}" type="datetimeFigureOut">
               <a:rPr lang="en-US" smtClean="0"/>
               <a:pPr/>
-              <a:t>9/15/18</a:t>
+              <a:t>9/16/18</a:t>
             </a:fld>
             <a:endParaRPr lang="en-US" dirty="0"/>
           </a:p>
@@ -3167,7 +2609,13 @@
       </p:sp>
       <p:sp>
         <p:nvSpPr>
-          <p:cNvPr id="6" name="Footer Placeholder 5"/>
+          <p:cNvPr id="6" name="フッター プレースホルダー 5">
+            <a:extLst>
+              <a:ext uri="{FF2B5EF4-FFF2-40B4-BE49-F238E27FC236}">
+                <a16:creationId xmlns:a16="http://schemas.microsoft.com/office/drawing/2014/main" id="{9C058892-6939-344D-BEC6-A1C241076F3B}"/>
+              </a:ext>
+            </a:extLst>
+          </p:cNvPr>
           <p:cNvSpPr>
             <a:spLocks noGrp="1"/>
           </p:cNvSpPr>
@@ -3184,172 +2632,15 @@
           </a:p>
         </p:txBody>
       </p:sp>
-      <p:grpSp>
-        <p:nvGrpSpPr>
-          <p:cNvPr id="9" name="Group 8"/>
-          <p:cNvGrpSpPr>
-            <a:grpSpLocks noChangeAspect="1"/>
-          </p:cNvGrpSpPr>
-          <p:nvPr/>
-        </p:nvGrpSpPr>
-        <p:grpSpPr>
-          <a:xfrm>
-            <a:off x="11401725" y="6229681"/>
-            <a:ext cx="457200" cy="457200"/>
-            <a:chOff x="11361456" y="6195813"/>
-            <a:chExt cx="548640" cy="548640"/>
-          </a:xfrm>
-        </p:grpSpPr>
-        <p:sp>
-          <p:nvSpPr>
-            <p:cNvPr id="10" name="Oval 9"/>
-            <p:cNvSpPr/>
-            <p:nvPr/>
-          </p:nvSpPr>
-          <p:spPr>
-            <a:xfrm>
-              <a:off x="11361456" y="6195813"/>
-              <a:ext cx="548640" cy="548640"/>
-            </a:xfrm>
-            <a:prstGeom prst="ellipse">
-              <a:avLst/>
-            </a:prstGeom>
-            <a:blipFill dpi="0" rotWithShape="1">
-              <a:blip r:embed="rId4">
-                <a:duotone>
-                  <a:schemeClr val="accent1">
-                    <a:shade val="45000"/>
-                    <a:satMod val="135000"/>
-                  </a:schemeClr>
-                  <a:prstClr val="white"/>
-                </a:duotone>
-                <a:extLst>
-                  <a:ext uri="{BEBA8EAE-BF5A-486C-A8C5-ECC9F3942E4B}">
-                    <a14:imgProps xmlns:a14="http://schemas.microsoft.com/office/drawing/2010/main">
-                      <a14:imgLayer r:embed="rId5">
-                        <a14:imgEffect>
-                          <a14:saturation sat="95000"/>
-                        </a14:imgEffect>
-                        <a14:imgEffect>
-                          <a14:brightnessContrast bright="-40000" contrast="20000"/>
-                        </a14:imgEffect>
-                      </a14:imgLayer>
-                    </a14:imgProps>
-                  </a:ext>
-                </a:extLst>
-              </a:blip>
-              <a:srcRect/>
-              <a:tile tx="50800" ty="0" sx="85000" sy="85000" flip="none" algn="tl"/>
-            </a:blipFill>
-            <a:ln w="25400" cap="flat" cmpd="sng" algn="ctr">
-              <a:noFill/>
-              <a:prstDash val="solid"/>
-            </a:ln>
-            <a:effectLst/>
-          </p:spPr>
-          <p:txBody>
-            <a:bodyPr lIns="0" tIns="0" rIns="0" bIns="0" rtlCol="0" anchor="ctr"/>
-            <a:lstStyle/>
-            <a:p>
-              <a:pPr marL="0" marR="0" lvl="0" indent="0" algn="ctr" defTabSz="914400" eaLnBrk="1" fontAlgn="auto" latinLnBrk="0" hangingPunct="1">
-                <a:lnSpc>
-                  <a:spcPct val="100000"/>
-                </a:lnSpc>
-                <a:spcBef>
-                  <a:spcPts val="0"/>
-                </a:spcBef>
-                <a:spcAft>
-                  <a:spcPts val="0"/>
-                </a:spcAft>
-                <a:buClrTx/>
-                <a:buSzTx/>
-                <a:buFontTx/>
-                <a:buNone/>
-                <a:tabLst/>
-                <a:defRPr/>
-              </a:pPr>
-              <a:endParaRPr kumimoji="0" lang="en-US" sz="2000" b="0" i="0" u="none" strike="noStrike" kern="0" cap="none" spc="0" normalizeH="0" baseline="0" noProof="0" dirty="0">
-                <a:ln>
-                  <a:noFill/>
-                </a:ln>
-                <a:solidFill>
-                  <a:prstClr val="white"/>
-                </a:solidFill>
-                <a:effectLst/>
-                <a:uLnTx/>
-                <a:uFillTx/>
-                <a:latin typeface="Rockwell Extra Bold" pitchFamily="18" charset="0"/>
-                <a:ea typeface="+mn-ea"/>
-                <a:cs typeface="+mn-cs"/>
-              </a:endParaRPr>
-            </a:p>
-          </p:txBody>
-        </p:sp>
-        <p:sp>
-          <p:nvSpPr>
-            <p:cNvPr id="11" name="Oval 10"/>
-            <p:cNvSpPr/>
-            <p:nvPr/>
-          </p:nvSpPr>
-          <p:spPr>
-            <a:xfrm>
-              <a:off x="11396488" y="6230844"/>
-              <a:ext cx="478576" cy="478578"/>
-            </a:xfrm>
-            <a:prstGeom prst="ellipse">
-              <a:avLst/>
-            </a:prstGeom>
-            <a:noFill/>
-            <a:ln w="12700" cap="flat" cmpd="sng" algn="ctr">
-              <a:solidFill>
-                <a:sysClr val="window" lastClr="FFFFFF"/>
-              </a:solidFill>
-              <a:prstDash val="solid"/>
-            </a:ln>
-            <a:effectLst/>
-          </p:spPr>
-          <p:txBody>
-            <a:bodyPr rtlCol="0" anchor="ctr"/>
-            <a:lstStyle/>
-            <a:p>
-              <a:pPr marL="0" marR="0" lvl="0" indent="0" algn="ctr" defTabSz="914400" eaLnBrk="1" fontAlgn="auto" latinLnBrk="0" hangingPunct="1">
-                <a:lnSpc>
-                  <a:spcPct val="100000"/>
-                </a:lnSpc>
-                <a:spcBef>
-                  <a:spcPts val="0"/>
-                </a:spcBef>
-                <a:spcAft>
-                  <a:spcPts val="0"/>
-                </a:spcAft>
-                <a:buClrTx/>
-                <a:buSzTx/>
-                <a:buFontTx/>
-                <a:buNone/>
-                <a:tabLst/>
-                <a:defRPr/>
-              </a:pPr>
-              <a:endParaRPr kumimoji="0" lang="en-US" sz="1800" b="0" i="0" u="none" strike="noStrike" kern="0" cap="none" spc="0" normalizeH="0" baseline="0" noProof="0" dirty="0">
-                <a:ln>
-                  <a:noFill/>
-                </a:ln>
-                <a:solidFill>
-                  <a:prstClr val="white"/>
-                </a:solidFill>
-                <a:effectLst/>
-                <a:uLnTx/>
-                <a:uFillTx/>
-                <a:latin typeface="Calibri"/>
-                <a:ea typeface="+mn-ea"/>
-                <a:cs typeface="+mn-cs"/>
-              </a:endParaRPr>
-            </a:p>
-          </p:txBody>
-        </p:sp>
-      </p:grpSp>
-      <p:sp>
-        <p:nvSpPr>
-          <p:cNvPr id="7" name="Slide Number Placeholder 6"/>
+      <p:sp>
+        <p:nvSpPr>
+          <p:cNvPr id="7" name="スライド番号プレースホルダー 6">
+            <a:extLst>
+              <a:ext uri="{FF2B5EF4-FFF2-40B4-BE49-F238E27FC236}">
+                <a16:creationId xmlns:a16="http://schemas.microsoft.com/office/drawing/2014/main" id="{E58FC4A3-26FE-A24F-A832-E1765C645FC1}"/>
+              </a:ext>
+            </a:extLst>
+          </p:cNvPr>
           <p:cNvSpPr>
             <a:spLocks noGrp="1"/>
           </p:cNvSpPr>
@@ -3374,7 +2665,7 @@
     </p:spTree>
     <p:extLst>
       <p:ext uri="{BB962C8B-B14F-4D97-AF65-F5344CB8AC3E}">
-        <p14:creationId xmlns:p14="http://schemas.microsoft.com/office/powerpoint/2010/main" val="1596349099"/>
+        <p14:creationId xmlns:p14="http://schemas.microsoft.com/office/powerpoint/2010/main" val="3342284983"/>
       </p:ext>
     </p:extLst>
   </p:cSld>
@@ -3385,7 +2676,7 @@
 </file>
 
 <file path=ppt/slideLayouts/slideLayout9.xml><?xml version="1.0" encoding="utf-8"?>
-<p:sldLayout xmlns:a="http://schemas.openxmlformats.org/drawingml/2006/main" xmlns:r="http://schemas.openxmlformats.org/officeDocument/2006/relationships" xmlns:p="http://schemas.openxmlformats.org/presentationml/2006/main" showMasterSp="0" type="picTx" preserve="1">
+<p:sldLayout xmlns:a="http://schemas.openxmlformats.org/drawingml/2006/main" xmlns:r="http://schemas.openxmlformats.org/officeDocument/2006/relationships" xmlns:p="http://schemas.openxmlformats.org/presentationml/2006/main" type="picTx" preserve="1">
   <p:cSld name="タイトル付きの図">
     <p:spTree>
       <p:nvGrpSpPr>
@@ -3403,124 +2694,62 @@
       </p:grpSpPr>
       <p:sp>
         <p:nvSpPr>
-          <p:cNvPr id="11" name="Rectangle 10"/>
-          <p:cNvSpPr/>
-          <p:nvPr/>
+          <p:cNvPr id="2" name="タイトル 1">
+            <a:extLst>
+              <a:ext uri="{FF2B5EF4-FFF2-40B4-BE49-F238E27FC236}">
+                <a16:creationId xmlns:a16="http://schemas.microsoft.com/office/drawing/2014/main" id="{05FBEAFA-D97C-2D43-B6AC-AA5E4D490DCD}"/>
+              </a:ext>
+            </a:extLst>
+          </p:cNvPr>
+          <p:cNvSpPr>
+            <a:spLocks noGrp="1"/>
+          </p:cNvSpPr>
+          <p:nvPr>
+            <p:ph type="title"/>
+          </p:nvPr>
         </p:nvSpPr>
         <p:spPr>
           <a:xfrm>
-            <a:off x="8303740" y="0"/>
-            <a:ext cx="3888259" cy="6857999"/>
+            <a:off x="839788" y="457200"/>
+            <a:ext cx="3932237" cy="1600200"/>
           </a:xfrm>
-          <a:prstGeom prst="rect">
-            <a:avLst/>
-          </a:prstGeom>
-          <a:blipFill dpi="0" rotWithShape="1">
-            <a:blip r:embed="rId2">
-              <a:alphaModFix amt="60000"/>
-              <a:lum bright="70000" contrast="-70000"/>
-              <a:extLst>
-                <a:ext uri="{BEBA8EAE-BF5A-486C-A8C5-ECC9F3942E4B}">
-                  <a14:imgProps xmlns:a14="http://schemas.microsoft.com/office/drawing/2010/main">
-                    <a14:imgLayer r:embed="rId3">
-                      <a14:imgEffect>
-                        <a14:sharpenSoften amount="61000"/>
-                      </a14:imgEffect>
-                    </a14:imgLayer>
-                  </a14:imgProps>
-                </a:ext>
-                <a:ext uri="{28A0092B-C50C-407E-A947-70E740481C1C}">
-                  <a14:useLocalDpi xmlns:a14="http://schemas.microsoft.com/office/drawing/2010/main" val="0"/>
-                </a:ext>
-              </a:extLst>
-            </a:blip>
-            <a:srcRect/>
-            <a:tile tx="0" ty="-704850" sx="92000" sy="89000" flip="xy" algn="ctr"/>
-          </a:blipFill>
-          <a:ln>
-            <a:noFill/>
-          </a:ln>
         </p:spPr>
-        <p:style>
-          <a:lnRef idx="2">
-            <a:schemeClr val="accent1">
-              <a:shade val="50000"/>
-            </a:schemeClr>
-          </a:lnRef>
-          <a:fillRef idx="1">
-            <a:schemeClr val="accent1"/>
-          </a:fillRef>
-          <a:effectRef idx="0">
-            <a:schemeClr val="accent1"/>
-          </a:effectRef>
-          <a:fontRef idx="minor">
-            <a:schemeClr val="lt1"/>
-          </a:fontRef>
-        </p:style>
-        <p:txBody>
-          <a:bodyPr rtlCol="0" anchor="ctr"/>
-          <a:lstStyle/>
-          <a:p>
-            <a:pPr algn="ctr"/>
-            <a:endParaRPr lang="en-US"/>
-          </a:p>
-        </p:txBody>
-      </p:sp>
-      <p:sp>
-        <p:nvSpPr>
-          <p:cNvPr id="2" name="Title 1"/>
-          <p:cNvSpPr>
-            <a:spLocks noGrp="1"/>
-          </p:cNvSpPr>
-          <p:nvPr>
-            <p:ph type="title"/>
+        <p:txBody>
+          <a:bodyPr anchor="b"/>
+          <a:lstStyle>
+            <a:lvl1pPr>
+              <a:defRPr sz="3200"/>
+            </a:lvl1pPr>
+          </a:lstStyle>
+          <a:p>
+            <a:r>
+              <a:rPr kumimoji="1" lang="ja-JP" altLang="en-US"/>
+              <a:t>マスター タイトルの書式設定</a:t>
+            </a:r>
+          </a:p>
+        </p:txBody>
+      </p:sp>
+      <p:sp>
+        <p:nvSpPr>
+          <p:cNvPr id="3" name="図プレースホルダー 2">
+            <a:extLst>
+              <a:ext uri="{FF2B5EF4-FFF2-40B4-BE49-F238E27FC236}">
+                <a16:creationId xmlns:a16="http://schemas.microsoft.com/office/drawing/2014/main" id="{39A16AC6-80ED-234F-B5F5-1AFC46B76FD1}"/>
+              </a:ext>
+            </a:extLst>
+          </p:cNvPr>
+          <p:cNvSpPr>
+            <a:spLocks noGrp="1"/>
+          </p:cNvSpPr>
+          <p:nvPr>
+            <p:ph type="pic" idx="1"/>
           </p:nvPr>
         </p:nvSpPr>
         <p:spPr>
           <a:xfrm>
-            <a:off x="8549640" y="685800"/>
-            <a:ext cx="3200400" cy="1737360"/>
+            <a:off x="5183188" y="987425"/>
+            <a:ext cx="6172200" cy="4873625"/>
           </a:xfrm>
-        </p:spPr>
-        <p:txBody>
-          <a:bodyPr anchor="b">
-            <a:normAutofit/>
-          </a:bodyPr>
-          <a:lstStyle>
-            <a:lvl1pPr>
-              <a:defRPr sz="3200" b="1"/>
-            </a:lvl1pPr>
-          </a:lstStyle>
-          <a:p>
-            <a:r>
-              <a:rPr lang="ja-JP" altLang="en-US"/>
-              <a:t>マスター タイトルの書式設定</a:t>
-            </a:r>
-            <a:endParaRPr lang="en-US" dirty="0"/>
-          </a:p>
-        </p:txBody>
-      </p:sp>
-      <p:sp>
-        <p:nvSpPr>
-          <p:cNvPr id="3" name="Picture Placeholder 2"/>
-          <p:cNvSpPr>
-            <a:spLocks noGrp="1"/>
-          </p:cNvSpPr>
-          <p:nvPr>
-            <p:ph type="pic" idx="1"/>
-          </p:nvPr>
-        </p:nvSpPr>
-        <p:spPr>
-          <a:xfrm>
-            <a:off x="0" y="0"/>
-            <a:ext cx="8303740" cy="6858000"/>
-          </a:xfrm>
-          <a:solidFill>
-            <a:schemeClr val="tx2">
-              <a:lumMod val="20000"/>
-              <a:lumOff val="80000"/>
-            </a:schemeClr>
-          </a:solidFill>
         </p:spPr>
         <p:txBody>
           <a:bodyPr/>
@@ -3563,17 +2792,19 @@
             </a:lvl9pPr>
           </a:lstStyle>
           <a:p>
-            <a:r>
-              <a:rPr lang="ja-JP" altLang="en-US"/>
-              <a:t>アイコンをクリックして図を追加</a:t>
-            </a:r>
-            <a:endParaRPr lang="en-US" dirty="0"/>
-          </a:p>
-        </p:txBody>
-      </p:sp>
-      <p:sp>
-        <p:nvSpPr>
-          <p:cNvPr id="4" name="Text Placeholder 3"/>
+            <a:endParaRPr kumimoji="1" lang="ja-JP" altLang="en-US"/>
+          </a:p>
+        </p:txBody>
+      </p:sp>
+      <p:sp>
+        <p:nvSpPr>
+          <p:cNvPr id="4" name="テキスト プレースホルダー 3">
+            <a:extLst>
+              <a:ext uri="{FF2B5EF4-FFF2-40B4-BE49-F238E27FC236}">
+                <a16:creationId xmlns:a16="http://schemas.microsoft.com/office/drawing/2014/main" id="{335D2D47-1414-BC47-AEB4-61E04F383E25}"/>
+              </a:ext>
+            </a:extLst>
+          </p:cNvPr>
           <p:cNvSpPr>
             <a:spLocks noGrp="1"/>
           </p:cNvSpPr>
@@ -3583,113 +2814,103 @@
         </p:nvSpPr>
         <p:spPr>
           <a:xfrm>
-            <a:off x="8549640" y="2423160"/>
-            <a:ext cx="3200400" cy="3291840"/>
+            <a:off x="839788" y="2057400"/>
+            <a:ext cx="3932237" cy="3811588"/>
           </a:xfrm>
         </p:spPr>
         <p:txBody>
-          <a:bodyPr>
-            <a:normAutofit/>
-          </a:bodyPr>
+          <a:bodyPr/>
           <a:lstStyle>
             <a:lvl1pPr marL="0" indent="0">
-              <a:lnSpc>
-                <a:spcPct val="100000"/>
-              </a:lnSpc>
-              <a:spcBef>
-                <a:spcPts val="1000"/>
-              </a:spcBef>
-              <a:buNone/>
-              <a:defRPr sz="1400">
-                <a:solidFill>
-                  <a:schemeClr val="accent1">
-                    <a:lumMod val="50000"/>
-                  </a:schemeClr>
-                </a:solidFill>
-              </a:defRPr>
+              <a:buNone/>
+              <a:defRPr sz="1600"/>
             </a:lvl1pPr>
             <a:lvl2pPr marL="457200" indent="0">
               <a:buNone/>
-              <a:defRPr sz="1200"/>
+              <a:defRPr sz="1400"/>
             </a:lvl2pPr>
             <a:lvl3pPr marL="914400" indent="0">
               <a:buNone/>
-              <a:defRPr sz="1000"/>
+              <a:defRPr sz="1200"/>
             </a:lvl3pPr>
             <a:lvl4pPr marL="1371600" indent="0">
               <a:buNone/>
-              <a:defRPr sz="900"/>
+              <a:defRPr sz="1000"/>
             </a:lvl4pPr>
             <a:lvl5pPr marL="1828800" indent="0">
               <a:buNone/>
-              <a:defRPr sz="900"/>
+              <a:defRPr sz="1000"/>
             </a:lvl5pPr>
             <a:lvl6pPr marL="2286000" indent="0">
               <a:buNone/>
-              <a:defRPr sz="900"/>
+              <a:defRPr sz="1000"/>
             </a:lvl6pPr>
             <a:lvl7pPr marL="2743200" indent="0">
               <a:buNone/>
-              <a:defRPr sz="900"/>
+              <a:defRPr sz="1000"/>
             </a:lvl7pPr>
             <a:lvl8pPr marL="3200400" indent="0">
               <a:buNone/>
-              <a:defRPr sz="900"/>
+              <a:defRPr sz="1000"/>
             </a:lvl8pPr>
             <a:lvl9pPr marL="3657600" indent="0">
               <a:buNone/>
-              <a:defRPr sz="900"/>
+              <a:defRPr sz="1000"/>
             </a:lvl9pPr>
           </a:lstStyle>
           <a:p>
-            <a:pPr lvl="0"/>
-            <a:r>
-              <a:rPr lang="ja-JP" altLang="en-US"/>
+            <a:r>
+              <a:rPr kumimoji="1" lang="ja-JP" altLang="en-US"/>
               <a:t>マスター テキストの書式設定
 第 </a:t>
             </a:r>
             <a:r>
-              <a:rPr lang="en-US" altLang="ja-JP"/>
+              <a:rPr kumimoji="1" lang="en-US" altLang="ja-JP"/>
               <a:t>2 </a:t>
             </a:r>
             <a:r>
-              <a:rPr lang="ja-JP" altLang="en-US"/>
+              <a:rPr kumimoji="1" lang="ja-JP" altLang="en-US"/>
               <a:t>レベル
 第 </a:t>
             </a:r>
             <a:r>
-              <a:rPr lang="en-US" altLang="ja-JP"/>
+              <a:rPr kumimoji="1" lang="en-US" altLang="ja-JP"/>
               <a:t>3 </a:t>
             </a:r>
             <a:r>
-              <a:rPr lang="ja-JP" altLang="en-US"/>
+              <a:rPr kumimoji="1" lang="ja-JP" altLang="en-US"/>
               <a:t>レベル
 第 </a:t>
             </a:r>
             <a:r>
-              <a:rPr lang="en-US" altLang="ja-JP"/>
+              <a:rPr kumimoji="1" lang="en-US" altLang="ja-JP"/>
               <a:t>4 </a:t>
             </a:r>
             <a:r>
-              <a:rPr lang="ja-JP" altLang="en-US"/>
+              <a:rPr kumimoji="1" lang="ja-JP" altLang="en-US"/>
               <a:t>レベル
 第 </a:t>
             </a:r>
             <a:r>
-              <a:rPr lang="en-US" altLang="ja-JP"/>
+              <a:rPr kumimoji="1" lang="en-US" altLang="ja-JP"/>
               <a:t>5 </a:t>
             </a:r>
             <a:r>
-              <a:rPr lang="ja-JP" altLang="en-US"/>
+              <a:rPr kumimoji="1" lang="ja-JP" altLang="en-US"/>
               <a:t>レベル</a:t>
             </a:r>
-            <a:endParaRPr lang="en-US"/>
-          </a:p>
-        </p:txBody>
-      </p:sp>
-      <p:sp>
-        <p:nvSpPr>
-          <p:cNvPr id="5" name="Date Placeholder 4"/>
+          </a:p>
+        </p:txBody>
+      </p:sp>
+      <p:sp>
+        <p:nvSpPr>
+          <p:cNvPr id="5" name="日付プレースホルダー 4">
+            <a:extLst>
+              <a:ext uri="{FF2B5EF4-FFF2-40B4-BE49-F238E27FC236}">
+                <a16:creationId xmlns:a16="http://schemas.microsoft.com/office/drawing/2014/main" id="{268D0243-95AD-3D41-A2C0-1D5746E061A0}"/>
+              </a:ext>
+            </a:extLst>
+          </p:cNvPr>
           <p:cNvSpPr>
             <a:spLocks noGrp="1"/>
           </p:cNvSpPr>
@@ -3705,178 +2926,46 @@
             <a:fld id="{5586B75A-687E-405C-8A0B-8D00578BA2C3}" type="datetimeFigureOut">
               <a:rPr lang="en-US" smtClean="0"/>
               <a:pPr/>
-              <a:t>9/15/18</a:t>
+              <a:t>9/16/18</a:t>
             </a:fld>
             <a:endParaRPr lang="en-US" dirty="0"/>
           </a:p>
         </p:txBody>
       </p:sp>
-      <p:grpSp>
-        <p:nvGrpSpPr>
-          <p:cNvPr id="8" name="Group 7"/>
-          <p:cNvGrpSpPr>
-            <a:grpSpLocks noChangeAspect="1"/>
-          </p:cNvGrpSpPr>
-          <p:nvPr/>
-        </p:nvGrpSpPr>
-        <p:grpSpPr>
-          <a:xfrm>
-            <a:off x="11401725" y="6229681"/>
-            <a:ext cx="457200" cy="457200"/>
-            <a:chOff x="11361456" y="6195813"/>
-            <a:chExt cx="548640" cy="548640"/>
-          </a:xfrm>
-        </p:grpSpPr>
-        <p:sp>
-          <p:nvSpPr>
-            <p:cNvPr id="9" name="Oval 8"/>
-            <p:cNvSpPr/>
-            <p:nvPr/>
-          </p:nvSpPr>
-          <p:spPr>
-            <a:xfrm>
-              <a:off x="11361456" y="6195813"/>
-              <a:ext cx="548640" cy="548640"/>
-            </a:xfrm>
-            <a:prstGeom prst="ellipse">
-              <a:avLst/>
-            </a:prstGeom>
-            <a:blipFill dpi="0" rotWithShape="1">
-              <a:blip r:embed="rId4">
-                <a:duotone>
-                  <a:schemeClr val="accent1">
-                    <a:shade val="45000"/>
-                    <a:satMod val="135000"/>
-                  </a:schemeClr>
-                  <a:prstClr val="white"/>
-                </a:duotone>
-                <a:extLst>
-                  <a:ext uri="{BEBA8EAE-BF5A-486C-A8C5-ECC9F3942E4B}">
-                    <a14:imgProps xmlns:a14="http://schemas.microsoft.com/office/drawing/2010/main">
-                      <a14:imgLayer r:embed="rId5">
-                        <a14:imgEffect>
-                          <a14:saturation sat="95000"/>
-                        </a14:imgEffect>
-                        <a14:imgEffect>
-                          <a14:brightnessContrast bright="-40000" contrast="20000"/>
-                        </a14:imgEffect>
-                      </a14:imgLayer>
-                    </a14:imgProps>
-                  </a:ext>
-                </a:extLst>
-              </a:blip>
-              <a:srcRect/>
-              <a:tile tx="50800" ty="0" sx="85000" sy="85000" flip="none" algn="tl"/>
-            </a:blipFill>
-            <a:ln w="25400" cap="flat" cmpd="sng" algn="ctr">
-              <a:noFill/>
-              <a:prstDash val="solid"/>
-            </a:ln>
-            <a:effectLst/>
-          </p:spPr>
-          <p:txBody>
-            <a:bodyPr lIns="0" tIns="0" rIns="0" bIns="0" rtlCol="0" anchor="ctr"/>
-            <a:lstStyle/>
-            <a:p>
-              <a:pPr marL="0" marR="0" lvl="0" indent="0" algn="ctr" defTabSz="914400" eaLnBrk="1" fontAlgn="auto" latinLnBrk="0" hangingPunct="1">
-                <a:lnSpc>
-                  <a:spcPct val="100000"/>
-                </a:lnSpc>
-                <a:spcBef>
-                  <a:spcPts val="0"/>
-                </a:spcBef>
-                <a:spcAft>
-                  <a:spcPts val="0"/>
-                </a:spcAft>
-                <a:buClrTx/>
-                <a:buSzTx/>
-                <a:buFontTx/>
-                <a:buNone/>
-                <a:tabLst/>
-                <a:defRPr/>
-              </a:pPr>
-              <a:endParaRPr kumimoji="0" lang="en-US" sz="2000" b="0" i="0" u="none" strike="noStrike" kern="0" cap="none" spc="0" normalizeH="0" baseline="0" noProof="0" dirty="0">
-                <a:ln>
-                  <a:noFill/>
-                </a:ln>
-                <a:solidFill>
-                  <a:prstClr val="white"/>
-                </a:solidFill>
-                <a:effectLst/>
-                <a:uLnTx/>
-                <a:uFillTx/>
-                <a:latin typeface="Rockwell Extra Bold" pitchFamily="18" charset="0"/>
-                <a:ea typeface="+mn-ea"/>
-                <a:cs typeface="+mn-cs"/>
-              </a:endParaRPr>
-            </a:p>
-          </p:txBody>
-        </p:sp>
-        <p:sp>
-          <p:nvSpPr>
-            <p:cNvPr id="10" name="Oval 9"/>
-            <p:cNvSpPr/>
-            <p:nvPr/>
-          </p:nvSpPr>
-          <p:spPr>
-            <a:xfrm>
-              <a:off x="11396488" y="6230844"/>
-              <a:ext cx="478576" cy="478578"/>
-            </a:xfrm>
-            <a:prstGeom prst="ellipse">
-              <a:avLst/>
-            </a:prstGeom>
-            <a:noFill/>
-            <a:ln w="12700" cap="flat" cmpd="sng" algn="ctr">
-              <a:solidFill>
-                <a:sysClr val="window" lastClr="FFFFFF"/>
-              </a:solidFill>
-              <a:prstDash val="solid"/>
-            </a:ln>
-            <a:effectLst/>
-          </p:spPr>
-          <p:txBody>
-            <a:bodyPr rtlCol="0" anchor="ctr"/>
-            <a:lstStyle/>
-            <a:p>
-              <a:pPr marL="0" marR="0" lvl="0" indent="0" algn="ctr" defTabSz="914400" eaLnBrk="1" fontAlgn="auto" latinLnBrk="0" hangingPunct="1">
-                <a:lnSpc>
-                  <a:spcPct val="100000"/>
-                </a:lnSpc>
-                <a:spcBef>
-                  <a:spcPts val="0"/>
-                </a:spcBef>
-                <a:spcAft>
-                  <a:spcPts val="0"/>
-                </a:spcAft>
-                <a:buClrTx/>
-                <a:buSzTx/>
-                <a:buFontTx/>
-                <a:buNone/>
-                <a:tabLst/>
-                <a:defRPr/>
-              </a:pPr>
-              <a:endParaRPr kumimoji="0" lang="en-US" sz="1800" b="0" i="0" u="none" strike="noStrike" kern="0" cap="none" spc="0" normalizeH="0" baseline="0" noProof="0" dirty="0">
-                <a:ln>
-                  <a:noFill/>
-                </a:ln>
-                <a:solidFill>
-                  <a:prstClr val="white"/>
-                </a:solidFill>
-                <a:effectLst/>
-                <a:uLnTx/>
-                <a:uFillTx/>
-                <a:latin typeface="Calibri"/>
-                <a:ea typeface="+mn-ea"/>
-                <a:cs typeface="+mn-cs"/>
-              </a:endParaRPr>
-            </a:p>
-          </p:txBody>
-        </p:sp>
-      </p:grpSp>
-      <p:sp>
-        <p:nvSpPr>
-          <p:cNvPr id="7" name="Slide Number Placeholder 6"/>
+      <p:sp>
+        <p:nvSpPr>
+          <p:cNvPr id="6" name="フッター プレースホルダー 5">
+            <a:extLst>
+              <a:ext uri="{FF2B5EF4-FFF2-40B4-BE49-F238E27FC236}">
+                <a16:creationId xmlns:a16="http://schemas.microsoft.com/office/drawing/2014/main" id="{587A2177-CCF6-764A-BED1-176BC45FB9E2}"/>
+              </a:ext>
+            </a:extLst>
+          </p:cNvPr>
+          <p:cNvSpPr>
+            <a:spLocks noGrp="1"/>
+          </p:cNvSpPr>
+          <p:nvPr>
+            <p:ph type="ftr" sz="quarter" idx="11"/>
+          </p:nvPr>
+        </p:nvSpPr>
+        <p:spPr/>
+        <p:txBody>
+          <a:bodyPr/>
+          <a:lstStyle/>
+          <a:p>
+            <a:endParaRPr kumimoji="1" lang="ja-JP" altLang="en-US"/>
+          </a:p>
+        </p:txBody>
+      </p:sp>
+      <p:sp>
+        <p:nvSpPr>
+          <p:cNvPr id="7" name="スライド番号プレースホルダー 6">
+            <a:extLst>
+              <a:ext uri="{FF2B5EF4-FFF2-40B4-BE49-F238E27FC236}">
+                <a16:creationId xmlns:a16="http://schemas.microsoft.com/office/drawing/2014/main" id="{27271489-BCDA-6A4D-AC2F-49E19DF69CDB}"/>
+              </a:ext>
+            </a:extLst>
+          </p:cNvPr>
           <p:cNvSpPr>
             <a:spLocks noGrp="1"/>
           </p:cNvSpPr>
@@ -3901,7 +2990,7 @@
     </p:spTree>
     <p:extLst>
       <p:ext uri="{BB962C8B-B14F-4D97-AF65-F5344CB8AC3E}">
-        <p14:creationId xmlns:p14="http://schemas.microsoft.com/office/powerpoint/2010/main" val="1156164212"/>
+        <p14:creationId xmlns:p14="http://schemas.microsoft.com/office/powerpoint/2010/main" val="3377971139"/>
       </p:ext>
     </p:extLst>
   </p:cSld>
@@ -3936,7 +3025,13 @@
       </p:grpSpPr>
       <p:sp>
         <p:nvSpPr>
-          <p:cNvPr id="2" name="Title Placeholder 1"/>
+          <p:cNvPr id="2" name="タイトル プレースホルダー 1">
+            <a:extLst>
+              <a:ext uri="{FF2B5EF4-FFF2-40B4-BE49-F238E27FC236}">
+                <a16:creationId xmlns:a16="http://schemas.microsoft.com/office/drawing/2014/main" id="{17A1555D-24AC-1545-A5CC-32EB84987E00}"/>
+              </a:ext>
+            </a:extLst>
+          </p:cNvPr>
           <p:cNvSpPr>
             <a:spLocks noGrp="1"/>
           </p:cNvSpPr>
@@ -3946,8 +3041,8 @@
         </p:nvSpPr>
         <p:spPr>
           <a:xfrm>
-            <a:off x="1069848" y="484632"/>
-            <a:ext cx="10058400" cy="1609344"/>
+            <a:off x="838200" y="365125"/>
+            <a:ext cx="10515600" cy="1325563"/>
           </a:xfrm>
           <a:prstGeom prst="rect">
             <a:avLst/>
@@ -3960,16 +3055,21 @@
           <a:lstStyle/>
           <a:p>
             <a:r>
-              <a:rPr lang="ja-JP" altLang="en-US"/>
+              <a:rPr kumimoji="1" lang="ja-JP" altLang="en-US"/>
               <a:t>マスター タイトルの書式設定</a:t>
             </a:r>
-            <a:endParaRPr lang="en-US" dirty="0"/>
-          </a:p>
-        </p:txBody>
-      </p:sp>
-      <p:sp>
-        <p:nvSpPr>
-          <p:cNvPr id="3" name="Text Placeholder 2"/>
+          </a:p>
+        </p:txBody>
+      </p:sp>
+      <p:sp>
+        <p:nvSpPr>
+          <p:cNvPr id="3" name="テキスト プレースホルダー 2">
+            <a:extLst>
+              <a:ext uri="{FF2B5EF4-FFF2-40B4-BE49-F238E27FC236}">
+                <a16:creationId xmlns:a16="http://schemas.microsoft.com/office/drawing/2014/main" id="{DF3FF6E4-17F0-054C-90B6-F9A549342988}"/>
+              </a:ext>
+            </a:extLst>
+          </p:cNvPr>
           <p:cNvSpPr>
             <a:spLocks noGrp="1"/>
           </p:cNvSpPr>
@@ -3979,8 +3079,8 @@
         </p:nvSpPr>
         <p:spPr>
           <a:xfrm>
-            <a:off x="1069848" y="2121408"/>
-            <a:ext cx="10058400" cy="4050792"/>
+            <a:off x="838200" y="1825625"/>
+            <a:ext cx="10515600" cy="4351338"/>
           </a:xfrm>
           <a:prstGeom prst="rect">
             <a:avLst/>
@@ -3992,54 +3092,58 @@
           </a:bodyPr>
           <a:lstStyle/>
           <a:p>
-            <a:pPr lvl="0"/>
-            <a:r>
-              <a:rPr lang="ja-JP" altLang="en-US"/>
+            <a:r>
+              <a:rPr kumimoji="1" lang="ja-JP" altLang="en-US"/>
               <a:t>マスター テキストの書式設定
 第 </a:t>
             </a:r>
             <a:r>
-              <a:rPr lang="en-US" altLang="ja-JP"/>
+              <a:rPr kumimoji="1" lang="en-US" altLang="ja-JP"/>
               <a:t>2 </a:t>
             </a:r>
             <a:r>
-              <a:rPr lang="ja-JP" altLang="en-US"/>
+              <a:rPr kumimoji="1" lang="ja-JP" altLang="en-US"/>
               <a:t>レベル
 第 </a:t>
             </a:r>
             <a:r>
-              <a:rPr lang="en-US" altLang="ja-JP"/>
+              <a:rPr kumimoji="1" lang="en-US" altLang="ja-JP"/>
               <a:t>3 </a:t>
             </a:r>
             <a:r>
-              <a:rPr lang="ja-JP" altLang="en-US"/>
+              <a:rPr kumimoji="1" lang="ja-JP" altLang="en-US"/>
               <a:t>レベル
 第 </a:t>
             </a:r>
             <a:r>
-              <a:rPr lang="en-US" altLang="ja-JP"/>
+              <a:rPr kumimoji="1" lang="en-US" altLang="ja-JP"/>
               <a:t>4 </a:t>
             </a:r>
             <a:r>
-              <a:rPr lang="ja-JP" altLang="en-US"/>
+              <a:rPr kumimoji="1" lang="ja-JP" altLang="en-US"/>
               <a:t>レベル
 第 </a:t>
             </a:r>
             <a:r>
-              <a:rPr lang="en-US" altLang="ja-JP"/>
+              <a:rPr kumimoji="1" lang="en-US" altLang="ja-JP"/>
               <a:t>5 </a:t>
             </a:r>
             <a:r>
-              <a:rPr lang="ja-JP" altLang="en-US"/>
+              <a:rPr kumimoji="1" lang="ja-JP" altLang="en-US"/>
               <a:t>レベル</a:t>
             </a:r>
-            <a:endParaRPr lang="en-US" dirty="0"/>
-          </a:p>
-        </p:txBody>
-      </p:sp>
-      <p:sp>
-        <p:nvSpPr>
-          <p:cNvPr id="4" name="Date Placeholder 3"/>
+          </a:p>
+        </p:txBody>
+      </p:sp>
+      <p:sp>
+        <p:nvSpPr>
+          <p:cNvPr id="4" name="日付プレースホルダー 3">
+            <a:extLst>
+              <a:ext uri="{FF2B5EF4-FFF2-40B4-BE49-F238E27FC236}">
+                <a16:creationId xmlns:a16="http://schemas.microsoft.com/office/drawing/2014/main" id="{20A94122-987D-9D4E-996A-C4F383A6342D}"/>
+              </a:ext>
+            </a:extLst>
+          </p:cNvPr>
           <p:cNvSpPr>
             <a:spLocks noGrp="1"/>
           </p:cNvSpPr>
@@ -4049,8 +3153,8 @@
         </p:nvSpPr>
         <p:spPr>
           <a:xfrm>
-            <a:off x="7964424" y="6272784"/>
-            <a:ext cx="3273552" cy="365125"/>
+            <a:off x="838200" y="6356350"/>
+            <a:ext cx="2743200" cy="365125"/>
           </a:xfrm>
           <a:prstGeom prst="rect">
             <a:avLst/>
@@ -4059,10 +3163,12 @@
         <p:txBody>
           <a:bodyPr vert="horz" lIns="91440" tIns="45720" rIns="91440" bIns="45720" rtlCol="0" anchor="ctr"/>
           <a:lstStyle>
-            <a:lvl1pPr algn="r">
-              <a:defRPr sz="1100">
+            <a:lvl1pPr algn="l">
+              <a:defRPr sz="1200">
                 <a:solidFill>
-                  <a:schemeClr val="tx2"/>
+                  <a:schemeClr val="tx1">
+                    <a:tint val="75000"/>
+                  </a:schemeClr>
                 </a:solidFill>
               </a:defRPr>
             </a:lvl1pPr>
@@ -4071,7 +3177,7 @@
             <a:fld id="{5586B75A-687E-405C-8A0B-8D00578BA2C3}" type="datetimeFigureOut">
               <a:rPr lang="en-US" smtClean="0"/>
               <a:pPr/>
-              <a:t>9/15/18</a:t>
+              <a:t>9/16/18</a:t>
             </a:fld>
             <a:endParaRPr lang="en-US" dirty="0"/>
           </a:p>
@@ -4079,7 +3185,13 @@
       </p:sp>
       <p:sp>
         <p:nvSpPr>
-          <p:cNvPr id="5" name="Footer Placeholder 4"/>
+          <p:cNvPr id="5" name="フッター プレースホルダー 4">
+            <a:extLst>
+              <a:ext uri="{FF2B5EF4-FFF2-40B4-BE49-F238E27FC236}">
+                <a16:creationId xmlns:a16="http://schemas.microsoft.com/office/drawing/2014/main" id="{D049D43B-1F0A-C445-8CBC-FD9CEFB9BCF8}"/>
+              </a:ext>
+            </a:extLst>
+          </p:cNvPr>
           <p:cNvSpPr>
             <a:spLocks noGrp="1"/>
           </p:cNvSpPr>
@@ -4089,8 +3201,8 @@
         </p:nvSpPr>
         <p:spPr>
           <a:xfrm>
-            <a:off x="1088136" y="6272784"/>
-            <a:ext cx="6327648" cy="365125"/>
+            <a:off x="4038600" y="6356350"/>
+            <a:ext cx="4114800" cy="365125"/>
           </a:xfrm>
           <a:prstGeom prst="rect">
             <a:avLst/>
@@ -4099,10 +3211,12 @@
         <p:txBody>
           <a:bodyPr vert="horz" lIns="91440" tIns="45720" rIns="91440" bIns="45720" rtlCol="0" anchor="ctr"/>
           <a:lstStyle>
-            <a:lvl1pPr algn="l">
-              <a:defRPr sz="1100">
+            <a:lvl1pPr algn="ctr">
+              <a:defRPr sz="1200">
                 <a:solidFill>
-                  <a:schemeClr val="tx2"/>
+                  <a:schemeClr val="tx1">
+                    <a:tint val="75000"/>
+                  </a:schemeClr>
                 </a:solidFill>
               </a:defRPr>
             </a:lvl1pPr>
@@ -4112,172 +3226,15 @@
           </a:p>
         </p:txBody>
       </p:sp>
-      <p:grpSp>
-        <p:nvGrpSpPr>
-          <p:cNvPr id="7" name="Group 6"/>
-          <p:cNvGrpSpPr>
-            <a:grpSpLocks noChangeAspect="1"/>
-          </p:cNvGrpSpPr>
-          <p:nvPr/>
-        </p:nvGrpSpPr>
-        <p:grpSpPr>
-          <a:xfrm>
-            <a:off x="11401725" y="6229681"/>
-            <a:ext cx="457200" cy="457200"/>
-            <a:chOff x="11361456" y="6195813"/>
-            <a:chExt cx="548640" cy="548640"/>
-          </a:xfrm>
-        </p:grpSpPr>
-        <p:sp>
-          <p:nvSpPr>
-            <p:cNvPr id="8" name="Oval 7"/>
-            <p:cNvSpPr/>
-            <p:nvPr/>
-          </p:nvSpPr>
-          <p:spPr>
-            <a:xfrm>
-              <a:off x="11361456" y="6195813"/>
-              <a:ext cx="548640" cy="548640"/>
-            </a:xfrm>
-            <a:prstGeom prst="ellipse">
-              <a:avLst/>
-            </a:prstGeom>
-            <a:blipFill dpi="0" rotWithShape="1">
-              <a:blip r:embed="rId13">
-                <a:duotone>
-                  <a:schemeClr val="accent1">
-                    <a:shade val="45000"/>
-                    <a:satMod val="135000"/>
-                  </a:schemeClr>
-                  <a:prstClr val="white"/>
-                </a:duotone>
-                <a:extLst>
-                  <a:ext uri="{BEBA8EAE-BF5A-486C-A8C5-ECC9F3942E4B}">
-                    <a14:imgProps xmlns:a14="http://schemas.microsoft.com/office/drawing/2010/main">
-                      <a14:imgLayer r:embed="rId14">
-                        <a14:imgEffect>
-                          <a14:saturation sat="95000"/>
-                        </a14:imgEffect>
-                        <a14:imgEffect>
-                          <a14:brightnessContrast bright="-40000" contrast="20000"/>
-                        </a14:imgEffect>
-                      </a14:imgLayer>
-                    </a14:imgProps>
-                  </a:ext>
-                </a:extLst>
-              </a:blip>
-              <a:srcRect/>
-              <a:tile tx="50800" ty="0" sx="85000" sy="85000" flip="none" algn="tl"/>
-            </a:blipFill>
-            <a:ln w="25400" cap="flat" cmpd="sng" algn="ctr">
-              <a:noFill/>
-              <a:prstDash val="solid"/>
-            </a:ln>
-            <a:effectLst/>
-          </p:spPr>
-          <p:txBody>
-            <a:bodyPr lIns="0" tIns="0" rIns="0" bIns="0" rtlCol="0" anchor="ctr"/>
-            <a:lstStyle/>
-            <a:p>
-              <a:pPr marL="0" marR="0" lvl="0" indent="0" algn="ctr" defTabSz="914400" eaLnBrk="1" fontAlgn="auto" latinLnBrk="0" hangingPunct="1">
-                <a:lnSpc>
-                  <a:spcPct val="100000"/>
-                </a:lnSpc>
-                <a:spcBef>
-                  <a:spcPts val="0"/>
-                </a:spcBef>
-                <a:spcAft>
-                  <a:spcPts val="0"/>
-                </a:spcAft>
-                <a:buClrTx/>
-                <a:buSzTx/>
-                <a:buFontTx/>
-                <a:buNone/>
-                <a:tabLst/>
-                <a:defRPr/>
-              </a:pPr>
-              <a:endParaRPr kumimoji="0" lang="en-US" sz="2000" b="0" i="0" u="none" strike="noStrike" kern="0" cap="none" spc="0" normalizeH="0" baseline="0" noProof="0" dirty="0">
-                <a:ln>
-                  <a:noFill/>
-                </a:ln>
-                <a:solidFill>
-                  <a:prstClr val="white"/>
-                </a:solidFill>
-                <a:effectLst/>
-                <a:uLnTx/>
-                <a:uFillTx/>
-                <a:latin typeface="Rockwell Extra Bold" pitchFamily="18" charset="0"/>
-                <a:ea typeface="+mn-ea"/>
-                <a:cs typeface="+mn-cs"/>
-              </a:endParaRPr>
-            </a:p>
-          </p:txBody>
-        </p:sp>
-        <p:sp>
-          <p:nvSpPr>
-            <p:cNvPr id="9" name="Oval 8"/>
-            <p:cNvSpPr/>
-            <p:nvPr/>
-          </p:nvSpPr>
-          <p:spPr>
-            <a:xfrm>
-              <a:off x="11396488" y="6230844"/>
-              <a:ext cx="478576" cy="478578"/>
-            </a:xfrm>
-            <a:prstGeom prst="ellipse">
-              <a:avLst/>
-            </a:prstGeom>
-            <a:noFill/>
-            <a:ln w="12700" cap="flat" cmpd="sng" algn="ctr">
-              <a:solidFill>
-                <a:srgbClr val="FFFFFF"/>
-              </a:solidFill>
-              <a:prstDash val="solid"/>
-            </a:ln>
-            <a:effectLst/>
-          </p:spPr>
-          <p:txBody>
-            <a:bodyPr rtlCol="0" anchor="ctr"/>
-            <a:lstStyle/>
-            <a:p>
-              <a:pPr marL="0" marR="0" lvl="0" indent="0" algn="ctr" defTabSz="914400" eaLnBrk="1" fontAlgn="auto" latinLnBrk="0" hangingPunct="1">
-                <a:lnSpc>
-                  <a:spcPct val="100000"/>
-                </a:lnSpc>
-                <a:spcBef>
-                  <a:spcPts val="0"/>
-                </a:spcBef>
-                <a:spcAft>
-                  <a:spcPts val="0"/>
-                </a:spcAft>
-                <a:buClrTx/>
-                <a:buSzTx/>
-                <a:buFontTx/>
-                <a:buNone/>
-                <a:tabLst/>
-                <a:defRPr/>
-              </a:pPr>
-              <a:endParaRPr kumimoji="0" lang="en-US" sz="1800" b="0" i="0" u="none" strike="noStrike" kern="0" cap="none" spc="0" normalizeH="0" baseline="0" noProof="0" dirty="0">
-                <a:ln>
-                  <a:noFill/>
-                </a:ln>
-                <a:solidFill>
-                  <a:prstClr val="white"/>
-                </a:solidFill>
-                <a:effectLst/>
-                <a:uLnTx/>
-                <a:uFillTx/>
-                <a:latin typeface="Calibri"/>
-                <a:ea typeface="+mn-ea"/>
-                <a:cs typeface="+mn-cs"/>
-              </a:endParaRPr>
-            </a:p>
-          </p:txBody>
-        </p:sp>
-      </p:grpSp>
-      <p:sp>
-        <p:nvSpPr>
-          <p:cNvPr id="6" name="Slide Number Placeholder 5"/>
+      <p:sp>
+        <p:nvSpPr>
+          <p:cNvPr id="6" name="スライド番号プレースホルダー 5">
+            <a:extLst>
+              <a:ext uri="{FF2B5EF4-FFF2-40B4-BE49-F238E27FC236}">
+                <a16:creationId xmlns:a16="http://schemas.microsoft.com/office/drawing/2014/main" id="{3B1BB930-CAE8-FE4F-A080-88861D034A54}"/>
+              </a:ext>
+            </a:extLst>
+          </p:cNvPr>
           <p:cNvSpPr>
             <a:spLocks noGrp="1"/>
           </p:cNvSpPr>
@@ -4287,8 +3244,8 @@
         </p:nvSpPr>
         <p:spPr>
           <a:xfrm>
-            <a:off x="11311128" y="6272784"/>
-            <a:ext cx="640080" cy="365125"/>
+            <a:off x="8610600" y="6356350"/>
+            <a:ext cx="2743200" cy="365125"/>
           </a:xfrm>
           <a:prstGeom prst="rect">
             <a:avLst/>
@@ -4297,12 +3254,13 @@
         <p:txBody>
           <a:bodyPr vert="horz" lIns="91440" tIns="45720" rIns="91440" bIns="45720" rtlCol="0" anchor="ctr"/>
           <a:lstStyle>
-            <a:lvl1pPr algn="ctr">
-              <a:defRPr sz="1400" b="1">
+            <a:lvl1pPr algn="r">
+              <a:defRPr sz="1200">
                 <a:solidFill>
-                  <a:srgbClr val="FFFFFF"/>
+                  <a:schemeClr val="tx1">
+                    <a:tint val="75000"/>
+                  </a:schemeClr>
                 </a:solidFill>
-                <a:latin typeface="+mn-lt"/>
               </a:defRPr>
             </a:lvl1pPr>
           </a:lstStyle>
@@ -4319,23 +3277,23 @@
     </p:spTree>
     <p:extLst>
       <p:ext uri="{BB962C8B-B14F-4D97-AF65-F5344CB8AC3E}">
-        <p14:creationId xmlns:p14="http://schemas.microsoft.com/office/powerpoint/2010/main" val="3945736504"/>
+        <p14:creationId xmlns:p14="http://schemas.microsoft.com/office/powerpoint/2010/main" val="3562791716"/>
       </p:ext>
     </p:extLst>
   </p:cSld>
   <p:clrMap bg1="lt1" tx1="dk1" bg2="lt2" tx2="dk2" accent1="accent1" accent2="accent2" accent3="accent3" accent4="accent4" accent5="accent5" accent6="accent6" hlink="hlink" folHlink="folHlink"/>
   <p:sldLayoutIdLst>
-    <p:sldLayoutId id="2147483964" r:id="rId1"/>
-    <p:sldLayoutId id="2147483965" r:id="rId2"/>
-    <p:sldLayoutId id="2147483966" r:id="rId3"/>
-    <p:sldLayoutId id="2147483967" r:id="rId4"/>
-    <p:sldLayoutId id="2147483968" r:id="rId5"/>
-    <p:sldLayoutId id="2147483969" r:id="rId6"/>
-    <p:sldLayoutId id="2147483970" r:id="rId7"/>
-    <p:sldLayoutId id="2147483971" r:id="rId8"/>
-    <p:sldLayoutId id="2147483972" r:id="rId9"/>
-    <p:sldLayoutId id="2147483973" r:id="rId10"/>
-    <p:sldLayoutId id="2147483974" r:id="rId11"/>
+    <p:sldLayoutId id="2147483976" r:id="rId1"/>
+    <p:sldLayoutId id="2147483977" r:id="rId2"/>
+    <p:sldLayoutId id="2147483978" r:id="rId3"/>
+    <p:sldLayoutId id="2147483979" r:id="rId4"/>
+    <p:sldLayoutId id="2147483980" r:id="rId5"/>
+    <p:sldLayoutId id="2147483981" r:id="rId6"/>
+    <p:sldLayoutId id="2147483982" r:id="rId7"/>
+    <p:sldLayoutId id="2147483983" r:id="rId8"/>
+    <p:sldLayoutId id="2147483984" r:id="rId9"/>
+    <p:sldLayoutId id="2147483985" r:id="rId10"/>
+    <p:sldLayoutId id="2147483986" r:id="rId11"/>
   </p:sldLayoutIdLst>
   <p:hf sldNum="0" hdr="0" ftr="0" dt="0"/>
   <p:txStyles>
@@ -4348,17 +3306,10 @@
           <a:spcPct val="0"/>
         </a:spcBef>
         <a:buNone/>
-        <a:defRPr kumimoji="1" sz="4800" b="1" kern="1200" cap="none" baseline="0">
-          <a:blipFill>
-            <a:blip r:embed="rId15">
-              <a:extLst>
-                <a:ext uri="{28A0092B-C50C-407E-A947-70E740481C1C}">
-                  <a14:useLocalDpi xmlns:a14="http://schemas.microsoft.com/office/drawing/2010/main" val="0"/>
-                </a:ext>
-              </a:extLst>
-            </a:blip>
-            <a:tile tx="6350" ty="-127000" sx="65000" sy="64000" flip="none" algn="tl"/>
-          </a:blipFill>
+        <a:defRPr kumimoji="1" sz="4400" kern="1200">
+          <a:solidFill>
+            <a:schemeClr val="tx1"/>
+          </a:solidFill>
           <a:latin typeface="+mj-lt"/>
           <a:ea typeface="+mj-ea"/>
           <a:cs typeface="+mj-cs"/>
@@ -4366,21 +3317,51 @@
       </a:lvl1pPr>
     </p:titleStyle>
     <p:bodyStyle>
-      <a:lvl1pPr marL="182880" indent="-182880" algn="l" defTabSz="914400" rtl="0" eaLnBrk="1" latinLnBrk="0" hangingPunct="1">
+      <a:lvl1pPr marL="228600" indent="-228600" algn="l" defTabSz="914400" rtl="0" eaLnBrk="1" latinLnBrk="0" hangingPunct="1">
         <a:lnSpc>
           <a:spcPct val="90000"/>
         </a:lnSpc>
         <a:spcBef>
-          <a:spcPts val="1200"/>
+          <a:spcPts val="1000"/>
         </a:spcBef>
-        <a:buClr>
-          <a:schemeClr val="accent1">
-            <a:lumMod val="75000"/>
-          </a:schemeClr>
-        </a:buClr>
-        <a:buSzPct val="85000"/>
-        <a:buFont typeface="Wingdings" pitchFamily="2" charset="2"/>
-        <a:buChar char="§"/>
+        <a:buFont typeface="Arial" panose="020B0604020202020204" pitchFamily="34" charset="0"/>
+        <a:buChar char="•"/>
+        <a:defRPr kumimoji="1" sz="2800" kern="1200">
+          <a:solidFill>
+            <a:schemeClr val="tx1"/>
+          </a:solidFill>
+          <a:latin typeface="+mn-lt"/>
+          <a:ea typeface="+mn-ea"/>
+          <a:cs typeface="+mn-cs"/>
+        </a:defRPr>
+      </a:lvl1pPr>
+      <a:lvl2pPr marL="685800" indent="-228600" algn="l" defTabSz="914400" rtl="0" eaLnBrk="1" latinLnBrk="0" hangingPunct="1">
+        <a:lnSpc>
+          <a:spcPct val="90000"/>
+        </a:lnSpc>
+        <a:spcBef>
+          <a:spcPts val="500"/>
+        </a:spcBef>
+        <a:buFont typeface="Arial" panose="020B0604020202020204" pitchFamily="34" charset="0"/>
+        <a:buChar char="•"/>
+        <a:defRPr kumimoji="1" sz="2400" kern="1200">
+          <a:solidFill>
+            <a:schemeClr val="tx1"/>
+          </a:solidFill>
+          <a:latin typeface="+mn-lt"/>
+          <a:ea typeface="+mn-ea"/>
+          <a:cs typeface="+mn-cs"/>
+        </a:defRPr>
+      </a:lvl2pPr>
+      <a:lvl3pPr marL="1143000" indent="-228600" algn="l" defTabSz="914400" rtl="0" eaLnBrk="1" latinLnBrk="0" hangingPunct="1">
+        <a:lnSpc>
+          <a:spcPct val="90000"/>
+        </a:lnSpc>
+        <a:spcBef>
+          <a:spcPts val="500"/>
+        </a:spcBef>
+        <a:buFont typeface="Arial" panose="020B0604020202020204" pitchFamily="34" charset="0"/>
+        <a:buChar char="•"/>
         <a:defRPr kumimoji="1" sz="2000" kern="1200">
           <a:solidFill>
             <a:schemeClr val="tx1"/>
@@ -4389,25 +3370,16 @@
           <a:ea typeface="+mn-ea"/>
           <a:cs typeface="+mn-cs"/>
         </a:defRPr>
-      </a:lvl1pPr>
-      <a:lvl2pPr marL="457200" indent="-182880" algn="l" defTabSz="914400" rtl="0" eaLnBrk="1" latinLnBrk="0" hangingPunct="1">
+      </a:lvl3pPr>
+      <a:lvl4pPr marL="1600200" indent="-228600" algn="l" defTabSz="914400" rtl="0" eaLnBrk="1" latinLnBrk="0" hangingPunct="1">
         <a:lnSpc>
           <a:spcPct val="90000"/>
         </a:lnSpc>
         <a:spcBef>
-          <a:spcPts val="400"/>
+          <a:spcPts val="500"/>
         </a:spcBef>
-        <a:spcAft>
-          <a:spcPts val="200"/>
-        </a:spcAft>
-        <a:buClr>
-          <a:schemeClr val="accent1">
-            <a:lumMod val="75000"/>
-          </a:schemeClr>
-        </a:buClr>
-        <a:buSzPct val="85000"/>
-        <a:buFont typeface="Wingdings" pitchFamily="2" charset="2"/>
-        <a:buChar char="§"/>
+        <a:buFont typeface="Arial" panose="020B0604020202020204" pitchFamily="34" charset="0"/>
+        <a:buChar char="•"/>
         <a:defRPr kumimoji="1" sz="1800" kern="1200">
           <a:solidFill>
             <a:schemeClr val="tx1"/>
@@ -4416,80 +3388,17 @@
           <a:ea typeface="+mn-ea"/>
           <a:cs typeface="+mn-cs"/>
         </a:defRPr>
-      </a:lvl2pPr>
-      <a:lvl3pPr marL="731520" indent="-182880" algn="l" defTabSz="914400" rtl="0" eaLnBrk="1" latinLnBrk="0" hangingPunct="1">
+      </a:lvl4pPr>
+      <a:lvl5pPr marL="2057400" indent="-228600" algn="l" defTabSz="914400" rtl="0" eaLnBrk="1" latinLnBrk="0" hangingPunct="1">
         <a:lnSpc>
           <a:spcPct val="90000"/>
         </a:lnSpc>
         <a:spcBef>
-          <a:spcPts val="400"/>
+          <a:spcPts val="500"/>
         </a:spcBef>
-        <a:spcAft>
-          <a:spcPts val="200"/>
-        </a:spcAft>
-        <a:buClr>
-          <a:schemeClr val="accent1">
-            <a:lumMod val="75000"/>
-          </a:schemeClr>
-        </a:buClr>
-        <a:buSzPct val="85000"/>
-        <a:buFont typeface="Wingdings" pitchFamily="2" charset="2"/>
-        <a:buChar char="§"/>
-        <a:defRPr kumimoji="1" sz="1600" kern="1200">
-          <a:solidFill>
-            <a:schemeClr val="tx1"/>
-          </a:solidFill>
-          <a:latin typeface="+mn-lt"/>
-          <a:ea typeface="+mn-ea"/>
-          <a:cs typeface="+mn-cs"/>
-        </a:defRPr>
-      </a:lvl3pPr>
-      <a:lvl4pPr marL="1005840" indent="-182880" algn="l" defTabSz="914400" rtl="0" eaLnBrk="1" latinLnBrk="0" hangingPunct="1">
-        <a:lnSpc>
-          <a:spcPct val="90000"/>
-        </a:lnSpc>
-        <a:spcBef>
-          <a:spcPts val="400"/>
-        </a:spcBef>
-        <a:spcAft>
-          <a:spcPts val="200"/>
-        </a:spcAft>
-        <a:buClr>
-          <a:schemeClr val="accent1">
-            <a:lumMod val="75000"/>
-          </a:schemeClr>
-        </a:buClr>
-        <a:buSzPct val="85000"/>
-        <a:buFont typeface="Wingdings" pitchFamily="2" charset="2"/>
-        <a:buChar char="§"/>
-        <a:defRPr kumimoji="1" sz="1600" kern="1200">
-          <a:solidFill>
-            <a:schemeClr val="tx1"/>
-          </a:solidFill>
-          <a:latin typeface="+mn-lt"/>
-          <a:ea typeface="+mn-ea"/>
-          <a:cs typeface="+mn-cs"/>
-        </a:defRPr>
-      </a:lvl4pPr>
-      <a:lvl5pPr marL="1280160" indent="-182880" algn="l" defTabSz="914400" rtl="0" eaLnBrk="1" latinLnBrk="0" hangingPunct="1">
-        <a:lnSpc>
-          <a:spcPct val="90000"/>
-        </a:lnSpc>
-        <a:spcBef>
-          <a:spcPts val="400"/>
-        </a:spcBef>
-        <a:spcAft>
-          <a:spcPts val="200"/>
-        </a:spcAft>
-        <a:buClr>
-          <a:schemeClr val="accent1">
-            <a:lumMod val="75000"/>
-          </a:schemeClr>
-        </a:buClr>
-        <a:buSzPct val="85000"/>
-        <a:buFont typeface="Wingdings" pitchFamily="2" charset="2"/>
-        <a:buChar char="§"/>
-        <a:defRPr kumimoji="1" sz="1600" kern="1200">
+        <a:buFont typeface="Arial" panose="020B0604020202020204" pitchFamily="34" charset="0"/>
+        <a:buChar char="•"/>
+        <a:defRPr kumimoji="1" sz="1800" kern="1200">
           <a:solidFill>
             <a:schemeClr val="tx1"/>
           </a:solidFill>
@@ -4498,25 +3407,16 @@
           <a:cs typeface="+mn-cs"/>
         </a:defRPr>
       </a:lvl5pPr>
-      <a:lvl6pPr marL="1600000" indent="-228600" algn="l" defTabSz="914400" rtl="0" eaLnBrk="1" latinLnBrk="0" hangingPunct="1">
+      <a:lvl6pPr marL="2514600" indent="-228600" algn="l" defTabSz="914400" rtl="0" eaLnBrk="1" latinLnBrk="0" hangingPunct="1">
         <a:lnSpc>
           <a:spcPct val="90000"/>
         </a:lnSpc>
         <a:spcBef>
-          <a:spcPts val="400"/>
+          <a:spcPts val="500"/>
         </a:spcBef>
-        <a:spcAft>
-          <a:spcPts val="200"/>
-        </a:spcAft>
-        <a:buClr>
-          <a:schemeClr val="accent1">
-            <a:lumMod val="75000"/>
-          </a:schemeClr>
-        </a:buClr>
-        <a:buSzPct val="85000"/>
-        <a:buFont typeface="Wingdings" pitchFamily="2" charset="2"/>
-        <a:buChar char="§"/>
-        <a:defRPr kumimoji="1" sz="1600" kern="1200">
+        <a:buFont typeface="Arial" panose="020B0604020202020204" pitchFamily="34" charset="0"/>
+        <a:buChar char="•"/>
+        <a:defRPr kumimoji="1" sz="1800" kern="1200">
           <a:solidFill>
             <a:schemeClr val="tx1"/>
           </a:solidFill>
@@ -4525,25 +3425,16 @@
           <a:cs typeface="+mn-cs"/>
         </a:defRPr>
       </a:lvl6pPr>
-      <a:lvl7pPr marL="1900000" indent="-228600" algn="l" defTabSz="914400" rtl="0" eaLnBrk="1" latinLnBrk="0" hangingPunct="1">
+      <a:lvl7pPr marL="2971800" indent="-228600" algn="l" defTabSz="914400" rtl="0" eaLnBrk="1" latinLnBrk="0" hangingPunct="1">
         <a:lnSpc>
           <a:spcPct val="90000"/>
         </a:lnSpc>
         <a:spcBef>
-          <a:spcPts val="400"/>
+          <a:spcPts val="500"/>
         </a:spcBef>
-        <a:spcAft>
-          <a:spcPts val="200"/>
-        </a:spcAft>
-        <a:buClr>
-          <a:schemeClr val="accent1">
-            <a:lumMod val="75000"/>
-          </a:schemeClr>
-        </a:buClr>
-        <a:buSzPct val="85000"/>
-        <a:buFont typeface="Wingdings" pitchFamily="2" charset="2"/>
-        <a:buChar char="§"/>
-        <a:defRPr kumimoji="1" sz="1600" kern="1200">
+        <a:buFont typeface="Arial" panose="020B0604020202020204" pitchFamily="34" charset="0"/>
+        <a:buChar char="•"/>
+        <a:defRPr kumimoji="1" sz="1800" kern="1200">
           <a:solidFill>
             <a:schemeClr val="tx1"/>
           </a:solidFill>
@@ -4552,25 +3443,16 @@
           <a:cs typeface="+mn-cs"/>
         </a:defRPr>
       </a:lvl7pPr>
-      <a:lvl8pPr marL="2200000" indent="-228600" algn="l" defTabSz="914400" rtl="0" eaLnBrk="1" latinLnBrk="0" hangingPunct="1">
+      <a:lvl8pPr marL="3429000" indent="-228600" algn="l" defTabSz="914400" rtl="0" eaLnBrk="1" latinLnBrk="0" hangingPunct="1">
         <a:lnSpc>
           <a:spcPct val="90000"/>
         </a:lnSpc>
         <a:spcBef>
-          <a:spcPts val="400"/>
+          <a:spcPts val="500"/>
         </a:spcBef>
-        <a:spcAft>
-          <a:spcPts val="200"/>
-        </a:spcAft>
-        <a:buClr>
-          <a:schemeClr val="accent1">
-            <a:lumMod val="75000"/>
-          </a:schemeClr>
-        </a:buClr>
-        <a:buSzPct val="85000"/>
-        <a:buFont typeface="Wingdings" pitchFamily="2" charset="2"/>
-        <a:buChar char="§"/>
-        <a:defRPr kumimoji="1" sz="1600" kern="1200">
+        <a:buFont typeface="Arial" panose="020B0604020202020204" pitchFamily="34" charset="0"/>
+        <a:buChar char="•"/>
+        <a:defRPr kumimoji="1" sz="1800" kern="1200">
           <a:solidFill>
             <a:schemeClr val="tx1"/>
           </a:solidFill>
@@ -4579,25 +3461,16 @@
           <a:cs typeface="+mn-cs"/>
         </a:defRPr>
       </a:lvl8pPr>
-      <a:lvl9pPr marL="2500000" indent="-228600" algn="l" defTabSz="914400" rtl="0" eaLnBrk="1" latinLnBrk="0" hangingPunct="1">
+      <a:lvl9pPr marL="3886200" indent="-228600" algn="l" defTabSz="914400" rtl="0" eaLnBrk="1" latinLnBrk="0" hangingPunct="1">
         <a:lnSpc>
           <a:spcPct val="90000"/>
         </a:lnSpc>
         <a:spcBef>
-          <a:spcPts val="400"/>
+          <a:spcPts val="500"/>
         </a:spcBef>
-        <a:spcAft>
-          <a:spcPts val="200"/>
-        </a:spcAft>
-        <a:buClr>
-          <a:schemeClr val="accent1">
-            <a:lumMod val="75000"/>
-          </a:schemeClr>
-        </a:buClr>
-        <a:buSzPct val="85000"/>
-        <a:buFont typeface="Wingdings" pitchFamily="2" charset="2"/>
-        <a:buChar char="§"/>
-        <a:defRPr kumimoji="1" sz="1600" kern="1200">
+        <a:buFont typeface="Arial" panose="020B0604020202020204" pitchFamily="34" charset="0"/>
+        <a:buChar char="•"/>
+        <a:defRPr kumimoji="1" sz="1800" kern="1200">
           <a:solidFill>
             <a:schemeClr val="tx1"/>
           </a:solidFill>
@@ -4609,7 +3482,7 @@
     </p:bodyStyle>
     <p:otherStyle>
       <a:defPPr>
-        <a:defRPr lang="en-US"/>
+        <a:defRPr lang="ja-JP"/>
       </a:defPPr>
       <a:lvl1pPr marL="0" algn="l" defTabSz="914400" rtl="0" eaLnBrk="1" latinLnBrk="0" hangingPunct="1">
         <a:defRPr kumimoji="1" sz="1800" kern="1200">
@@ -4763,7 +3636,7 @@
             </a:r>
             <a:r>
               <a:rPr kumimoji="1" lang="ja-JP" altLang="en-US" sz="5400"/>
-              <a:t>の開発</a:t>
+              <a:t>の改善</a:t>
             </a:r>
           </a:p>
         </p:txBody>
@@ -4825,6 +3698,14 @@
 <file path=ppt/slides/slide2.xml><?xml version="1.0" encoding="utf-8"?>
 <p:sld xmlns:a="http://schemas.openxmlformats.org/drawingml/2006/main" xmlns:r="http://schemas.openxmlformats.org/officeDocument/2006/relationships" xmlns:p="http://schemas.openxmlformats.org/presentationml/2006/main">
   <p:cSld>
+    <p:bg>
+      <p:bgPr>
+        <a:solidFill>
+          <a:schemeClr val="bg1"/>
+        </a:solidFill>
+        <a:effectLst/>
+      </p:bgPr>
+    </p:bg>
     <p:spTree>
       <p:nvGrpSpPr>
         <p:cNvPr id="1" name=""/>
@@ -4844,7 +3725,7 @@
           <p:cNvPr id="2" name="テキスト ボックス 1">
             <a:extLst>
               <a:ext uri="{FF2B5EF4-FFF2-40B4-BE49-F238E27FC236}">
-                <a16:creationId xmlns:a16="http://schemas.microsoft.com/office/drawing/2014/main" id="{D925F712-87BE-3A4C-80B2-22C9E331A33F}"/>
+                <a16:creationId xmlns:a16="http://schemas.microsoft.com/office/drawing/2014/main" id="{0627922E-525D-C443-9E5C-EF3A497A8C2A}"/>
               </a:ext>
             </a:extLst>
           </p:cNvPr>
@@ -4853,8 +3734,8 @@
         </p:nvSpPr>
         <p:spPr>
           <a:xfrm>
-            <a:off x="349860" y="469141"/>
-            <a:ext cx="7695211" cy="707886"/>
+            <a:off x="1020416" y="503583"/>
+            <a:ext cx="10614992" cy="769441"/>
           </a:xfrm>
           <a:prstGeom prst="rect">
             <a:avLst/>
@@ -4868,48 +3749,114 @@
           <a:lstStyle/>
           <a:p>
             <a:r>
-              <a:rPr kumimoji="1" lang="en-US" altLang="ja-JP" sz="4000" dirty="0" err="1"/>
-              <a:t>my_help</a:t>
-            </a:r>
-            <a:r>
-              <a:rPr kumimoji="1" lang="ja-JP" altLang="en-US" sz="4000"/>
-              <a:t>とは</a:t>
-            </a:r>
-          </a:p>
-        </p:txBody>
-      </p:sp>
-      <p:sp>
-        <p:nvSpPr>
-          <p:cNvPr id="3" name="テキスト ボックス 2">
-            <a:extLst>
-              <a:ext uri="{FF2B5EF4-FFF2-40B4-BE49-F238E27FC236}">
-                <a16:creationId xmlns:a16="http://schemas.microsoft.com/office/drawing/2014/main" id="{3F6AE1EC-FB13-3D4C-A45E-760E0BFCD9B9}"/>
-              </a:ext>
-            </a:extLst>
-          </p:cNvPr>
-          <p:cNvSpPr txBox="1"/>
+              <a:rPr kumimoji="1" lang="ja-JP" altLang="en-US" sz="4400"/>
+              <a:t>何か知識を得たとき，人は</a:t>
+            </a:r>
+            <a:r>
+              <a:rPr kumimoji="1" lang="en-US" altLang="ja-JP" sz="4400" dirty="0"/>
+              <a:t>memo</a:t>
+            </a:r>
+            <a:r>
+              <a:rPr kumimoji="1" lang="ja-JP" altLang="en-US" sz="4400"/>
+              <a:t>をとる．</a:t>
+            </a:r>
+          </a:p>
+        </p:txBody>
+      </p:sp>
+      <p:sp>
+        <p:nvSpPr>
+          <p:cNvPr id="3" name="星 16 2">
+            <a:extLst>
+              <a:ext uri="{FF2B5EF4-FFF2-40B4-BE49-F238E27FC236}">
+                <a16:creationId xmlns:a16="http://schemas.microsoft.com/office/drawing/2014/main" id="{574B543D-D407-1944-8F4D-2D355609461E}"/>
+              </a:ext>
+            </a:extLst>
+          </p:cNvPr>
+          <p:cNvSpPr/>
           <p:nvPr/>
         </p:nvSpPr>
         <p:spPr>
           <a:xfrm>
-            <a:off x="135080" y="1548245"/>
-            <a:ext cx="9497291" cy="646331"/>
+            <a:off x="0" y="1563758"/>
+            <a:ext cx="12085983" cy="4717772"/>
           </a:xfrm>
-          <a:prstGeom prst="rect">
+          <a:prstGeom prst="star16">
             <a:avLst/>
           </a:prstGeom>
-          <a:noFill/>
+          <a:solidFill>
+            <a:schemeClr val="accent4">
+              <a:lumMod val="40000"/>
+              <a:lumOff val="60000"/>
+            </a:schemeClr>
+          </a:solidFill>
+          <a:ln>
+            <a:solidFill>
+              <a:schemeClr val="bg1"/>
+            </a:solidFill>
+          </a:ln>
         </p:spPr>
-        <p:txBody>
-          <a:bodyPr wrap="square" rtlCol="0">
-            <a:spAutoFit/>
+        <p:style>
+          <a:lnRef idx="2">
+            <a:schemeClr val="accent1">
+              <a:shade val="50000"/>
+            </a:schemeClr>
+          </a:lnRef>
+          <a:fillRef idx="1">
+            <a:schemeClr val="accent1"/>
+          </a:fillRef>
+          <a:effectRef idx="0">
+            <a:schemeClr val="accent1"/>
+          </a:effectRef>
+          <a:fontRef idx="minor">
+            <a:schemeClr val="lt1"/>
+          </a:fontRef>
+        </p:style>
+        <p:txBody>
+          <a:bodyPr lIns="108000" tIns="72000" rIns="108000" bIns="72000" rtlCol="0" anchor="ctr">
+            <a:noAutofit/>
           </a:bodyPr>
           <a:lstStyle/>
           <a:p>
             <a:pPr algn="ctr"/>
             <a:r>
-              <a:rPr kumimoji="1" lang="ja-JP" altLang="en-US"/>
-              <a:t>人がキーワードを手掛かりにして，知識を思い出すことを，コンピュータ上でも行うソフト．</a:t>
+              <a:rPr kumimoji="1" lang="ja-JP" altLang="en-US" sz="3600">
+                <a:solidFill>
+                  <a:schemeClr val="accent1">
+                    <a:lumMod val="50000"/>
+                  </a:schemeClr>
+                </a:solidFill>
+              </a:rPr>
+              <a:t>どこに書いたか分からない！</a:t>
+            </a:r>
+            <a:endParaRPr kumimoji="1" lang="en-US" altLang="ja-JP" sz="3600" dirty="0">
+              <a:solidFill>
+                <a:schemeClr val="accent1">
+                  <a:lumMod val="50000"/>
+                </a:schemeClr>
+              </a:solidFill>
+            </a:endParaRPr>
+          </a:p>
+          <a:p>
+            <a:pPr algn="ctr"/>
+            <a:r>
+              <a:rPr kumimoji="1" lang="en-US" altLang="ja-JP" sz="3600" dirty="0">
+                <a:solidFill>
+                  <a:schemeClr val="accent1">
+                    <a:lumMod val="50000"/>
+                  </a:schemeClr>
+                </a:solidFill>
+              </a:rPr>
+              <a:t>memo</a:t>
+            </a:r>
+            <a:r>
+              <a:rPr kumimoji="1" lang="ja-JP" altLang="en-US" sz="3600">
+                <a:solidFill>
+                  <a:schemeClr val="accent1">
+                    <a:lumMod val="50000"/>
+                  </a:schemeClr>
+                </a:solidFill>
+              </a:rPr>
+              <a:t>を失くしてしまった！</a:t>
             </a:r>
           </a:p>
         </p:txBody>
@@ -4917,7 +3864,7 @@
     </p:spTree>
     <p:extLst>
       <p:ext uri="{BB962C8B-B14F-4D97-AF65-F5344CB8AC3E}">
-        <p14:creationId xmlns:p14="http://schemas.microsoft.com/office/powerpoint/2010/main" val="3043853849"/>
+        <p14:creationId xmlns:p14="http://schemas.microsoft.com/office/powerpoint/2010/main" val="4160471270"/>
       </p:ext>
     </p:extLst>
   </p:cSld>
@@ -4949,7 +3896,7 @@
           <p:cNvPr id="2" name="テキスト ボックス 1">
             <a:extLst>
               <a:ext uri="{FF2B5EF4-FFF2-40B4-BE49-F238E27FC236}">
-                <a16:creationId xmlns:a16="http://schemas.microsoft.com/office/drawing/2014/main" id="{CE46A7A7-32B3-7443-AB05-238C4B3566B2}"/>
+                <a16:creationId xmlns:a16="http://schemas.microsoft.com/office/drawing/2014/main" id="{D925F712-87BE-3A4C-80B2-22C9E331A33F}"/>
               </a:ext>
             </a:extLst>
           </p:cNvPr>
@@ -4958,8 +3905,8 @@
         </p:nvSpPr>
         <p:spPr>
           <a:xfrm>
-            <a:off x="1652155" y="987136"/>
-            <a:ext cx="4073236" cy="369332"/>
+            <a:off x="2050530" y="413632"/>
+            <a:ext cx="7695211" cy="769441"/>
           </a:xfrm>
           <a:prstGeom prst="rect">
             <a:avLst/>
@@ -4972,15 +3919,15 @@
           </a:bodyPr>
           <a:lstStyle/>
           <a:p>
-            <a:r>
-              <a:rPr kumimoji="1" lang="en-US" altLang="ja-JP" dirty="0" err="1"/>
+            <a:pPr algn="ctr"/>
+            <a:r>
+              <a:rPr kumimoji="1" lang="en-US" altLang="ja-JP" sz="4400" dirty="0" err="1"/>
               <a:t>my_help</a:t>
             </a:r>
             <a:r>
-              <a:rPr kumimoji="1" lang="ja-JP" altLang="en-US"/>
-              <a:t>の特徴と利点</a:t>
-            </a:r>
-            <a:endParaRPr kumimoji="1" lang="en-US" altLang="ja-JP" dirty="0"/>
+              <a:rPr kumimoji="1" lang="ja-JP" altLang="en-US" sz="4400"/>
+              <a:t>とは</a:t>
+            </a:r>
           </a:p>
         </p:txBody>
       </p:sp>
@@ -4989,7 +3936,7 @@
           <p:cNvPr id="3" name="テキスト ボックス 2">
             <a:extLst>
               <a:ext uri="{FF2B5EF4-FFF2-40B4-BE49-F238E27FC236}">
-                <a16:creationId xmlns:a16="http://schemas.microsoft.com/office/drawing/2014/main" id="{23664BCF-F954-1643-9B92-CAB40B4F2539}"/>
+                <a16:creationId xmlns:a16="http://schemas.microsoft.com/office/drawing/2014/main" id="{3F6AE1EC-FB13-3D4C-A45E-760E0BFCD9B9}"/>
               </a:ext>
             </a:extLst>
           </p:cNvPr>
@@ -4998,8 +3945,8 @@
         </p:nvSpPr>
         <p:spPr>
           <a:xfrm>
-            <a:off x="374073" y="2514600"/>
-            <a:ext cx="8707582" cy="2031325"/>
+            <a:off x="1149492" y="1348220"/>
+            <a:ext cx="9497291" cy="1754326"/>
           </a:xfrm>
           <a:prstGeom prst="rect">
             <a:avLst/>
@@ -5013,111 +3960,144 @@
           <a:lstStyle/>
           <a:p>
             <a:r>
-              <a:rPr kumimoji="1" lang="en-US" altLang="ja-JP" dirty="0"/>
+              <a:rPr kumimoji="1" lang="ja-JP" altLang="en-US" sz="3600"/>
+              <a:t>人がキーワードを手掛かりにして，</a:t>
+            </a:r>
+            <a:endParaRPr kumimoji="1" lang="en-US" altLang="ja-JP" sz="3600" dirty="0"/>
+          </a:p>
+          <a:p>
+            <a:r>
+              <a:rPr kumimoji="1" lang="ja-JP" altLang="en-US" sz="3600"/>
+              <a:t>知識を思い出すことを，</a:t>
+            </a:r>
+            <a:endParaRPr kumimoji="1" lang="en-US" altLang="ja-JP" sz="3600" dirty="0"/>
+          </a:p>
+          <a:p>
+            <a:r>
+              <a:rPr kumimoji="1" lang="ja-JP" altLang="en-US" sz="3600"/>
+              <a:t>コンピュータ上でも行う</a:t>
+            </a:r>
+            <a:r>
+              <a:rPr kumimoji="1" lang="en-US" altLang="ja-JP" sz="3600" dirty="0"/>
               <a:t>memo</a:t>
             </a:r>
             <a:r>
-              <a:rPr kumimoji="1" lang="ja-JP" altLang="en-US"/>
-              <a:t>は</a:t>
-            </a:r>
-            <a:r>
-              <a:rPr kumimoji="1" lang="en-US" altLang="ja-JP" dirty="0"/>
-              <a:t>emacs</a:t>
-            </a:r>
-            <a:r>
-              <a:rPr kumimoji="1" lang="ja-JP" altLang="en-US"/>
-              <a:t>の</a:t>
-            </a:r>
-            <a:r>
-              <a:rPr kumimoji="1" lang="en-US" altLang="ja-JP" dirty="0"/>
-              <a:t>org-mode</a:t>
-            </a:r>
-            <a:r>
-              <a:rPr kumimoji="1" lang="ja-JP" altLang="en-US"/>
-              <a:t>で記述する．</a:t>
-            </a:r>
-            <a:endParaRPr kumimoji="1" lang="en-US" altLang="ja-JP" dirty="0"/>
-          </a:p>
-          <a:p>
-            <a:endParaRPr kumimoji="1" lang="en-US" altLang="ja-JP" dirty="0"/>
-          </a:p>
-          <a:p>
-            <a:r>
-              <a:rPr kumimoji="1" lang="en-US" altLang="ja-JP" dirty="0"/>
-              <a:t>Markdown</a:t>
-            </a:r>
-            <a:r>
-              <a:rPr kumimoji="1" lang="ja-JP" altLang="en-US"/>
-              <a:t>記法．</a:t>
-            </a:r>
-            <a:endParaRPr kumimoji="1" lang="en-US" altLang="ja-JP" dirty="0"/>
-          </a:p>
-          <a:p>
-            <a:endParaRPr kumimoji="1" lang="en-US" altLang="ja-JP" dirty="0"/>
-          </a:p>
-          <a:p>
-            <a:r>
-              <a:rPr kumimoji="1" lang="en-US" altLang="ja-JP" dirty="0"/>
-              <a:t>Export</a:t>
-            </a:r>
-            <a:r>
-              <a:rPr kumimoji="1" lang="ja-JP" altLang="en-US"/>
-              <a:t>機能により，</a:t>
-            </a:r>
-            <a:r>
-              <a:rPr kumimoji="1" lang="en-US" altLang="ja-JP" dirty="0" err="1"/>
-              <a:t>LaTeX</a:t>
-            </a:r>
-            <a:r>
-              <a:rPr kumimoji="1" lang="ja-JP" altLang="en-US"/>
-              <a:t>や</a:t>
-            </a:r>
-            <a:r>
-              <a:rPr kumimoji="1" lang="en-US" altLang="ja-JP" dirty="0"/>
-              <a:t>html</a:t>
-            </a:r>
-            <a:r>
-              <a:rPr kumimoji="1" lang="ja-JP" altLang="en-US"/>
-              <a:t>などのフォーマットに変換可能．</a:t>
-            </a:r>
-            <a:endParaRPr kumimoji="1" lang="en-US" altLang="ja-JP" dirty="0"/>
-          </a:p>
-          <a:p>
-            <a:endParaRPr kumimoji="1" lang="en-US" altLang="ja-JP" dirty="0"/>
-          </a:p>
-          <a:p>
-            <a:r>
-              <a:rPr kumimoji="1" lang="en-US" altLang="ja-JP" dirty="0" err="1"/>
-              <a:t>Github</a:t>
-            </a:r>
-            <a:r>
-              <a:rPr kumimoji="1" lang="ja-JP" altLang="en-US"/>
-              <a:t>では</a:t>
-            </a:r>
-            <a:r>
-              <a:rPr kumimoji="1" lang="en-US" altLang="ja-JP" dirty="0"/>
-              <a:t>.md</a:t>
-            </a:r>
-            <a:r>
-              <a:rPr kumimoji="1" lang="ja-JP" altLang="en-US"/>
-              <a:t>と同じように</a:t>
-            </a:r>
-            <a:r>
-              <a:rPr kumimoji="1" lang="en-US" altLang="ja-JP" dirty="0"/>
-              <a:t>.org</a:t>
-            </a:r>
-            <a:r>
-              <a:rPr kumimoji="1" lang="ja-JP" altLang="en-US"/>
-              <a:t>に対応している．</a:t>
-            </a:r>
-            <a:endParaRPr kumimoji="1" lang="en-US" altLang="ja-JP" dirty="0"/>
-          </a:p>
-        </p:txBody>
-      </p:sp>
+              <a:rPr kumimoji="1" lang="ja-JP" altLang="en-US" sz="3600"/>
+              <a:t>ソフト．</a:t>
+            </a:r>
+          </a:p>
+        </p:txBody>
+      </p:sp>
+      <p:pic>
+        <p:nvPicPr>
+          <p:cNvPr id="5" name="図 4">
+            <a:extLst>
+              <a:ext uri="{FF2B5EF4-FFF2-40B4-BE49-F238E27FC236}">
+                <a16:creationId xmlns:a16="http://schemas.microsoft.com/office/drawing/2014/main" id="{6410BE57-DD2B-F74E-80F7-FD5F4D45B6E6}"/>
+              </a:ext>
+            </a:extLst>
+          </p:cNvPr>
+          <p:cNvPicPr>
+            <a:picLocks noChangeAspect="1"/>
+          </p:cNvPicPr>
+          <p:nvPr/>
+        </p:nvPicPr>
+        <p:blipFill>
+          <a:blip r:embed="rId2"/>
+          <a:stretch>
+            <a:fillRect/>
+          </a:stretch>
+        </p:blipFill>
+        <p:spPr>
+          <a:xfrm>
+            <a:off x="903736" y="3070550"/>
+            <a:ext cx="3230291" cy="3173118"/>
+          </a:xfrm>
+          <a:prstGeom prst="rect">
+            <a:avLst/>
+          </a:prstGeom>
+        </p:spPr>
+      </p:pic>
+      <p:sp>
+        <p:nvSpPr>
+          <p:cNvPr id="6" name="右矢印 5">
+            <a:extLst>
+              <a:ext uri="{FF2B5EF4-FFF2-40B4-BE49-F238E27FC236}">
+                <a16:creationId xmlns:a16="http://schemas.microsoft.com/office/drawing/2014/main" id="{8AF0A5FE-0889-154D-9EBF-C8EF26B6F304}"/>
+              </a:ext>
+            </a:extLst>
+          </p:cNvPr>
+          <p:cNvSpPr/>
+          <p:nvPr/>
+        </p:nvSpPr>
+        <p:spPr>
+          <a:xfrm>
+            <a:off x="4303512" y="4202282"/>
+            <a:ext cx="3189248" cy="1605776"/>
+          </a:xfrm>
+          <a:prstGeom prst="rightArrow">
+            <a:avLst/>
+          </a:prstGeom>
+        </p:spPr>
+        <p:style>
+          <a:lnRef idx="2">
+            <a:schemeClr val="accent1">
+              <a:shade val="50000"/>
+            </a:schemeClr>
+          </a:lnRef>
+          <a:fillRef idx="1">
+            <a:schemeClr val="accent1"/>
+          </a:fillRef>
+          <a:effectRef idx="0">
+            <a:schemeClr val="accent1"/>
+          </a:effectRef>
+          <a:fontRef idx="minor">
+            <a:schemeClr val="lt1"/>
+          </a:fontRef>
+        </p:style>
+        <p:txBody>
+          <a:bodyPr rtlCol="0" anchor="ctr"/>
+          <a:lstStyle/>
+          <a:p>
+            <a:pPr algn="ctr"/>
+            <a:endParaRPr kumimoji="1" lang="ja-JP" altLang="en-US"/>
+          </a:p>
+        </p:txBody>
+      </p:sp>
+      <p:pic>
+        <p:nvPicPr>
+          <p:cNvPr id="8" name="図 7">
+            <a:extLst>
+              <a:ext uri="{FF2B5EF4-FFF2-40B4-BE49-F238E27FC236}">
+                <a16:creationId xmlns:a16="http://schemas.microsoft.com/office/drawing/2014/main" id="{B03DA8C3-04BA-A344-9D76-0BA5F0DFBA32}"/>
+              </a:ext>
+            </a:extLst>
+          </p:cNvPr>
+          <p:cNvPicPr>
+            <a:picLocks noChangeAspect="1"/>
+          </p:cNvPicPr>
+          <p:nvPr/>
+        </p:nvPicPr>
+        <p:blipFill>
+          <a:blip r:embed="rId3"/>
+          <a:stretch>
+            <a:fillRect/>
+          </a:stretch>
+        </p:blipFill>
+        <p:spPr>
+          <a:xfrm>
+            <a:off x="8034799" y="3636416"/>
+            <a:ext cx="3421885" cy="2737508"/>
+          </a:xfrm>
+          <a:prstGeom prst="rect">
+            <a:avLst/>
+          </a:prstGeom>
+        </p:spPr>
+      </p:pic>
     </p:spTree>
     <p:extLst>
       <p:ext uri="{BB962C8B-B14F-4D97-AF65-F5344CB8AC3E}">
-        <p14:creationId xmlns:p14="http://schemas.microsoft.com/office/powerpoint/2010/main" val="2471736139"/>
+        <p14:creationId xmlns:p14="http://schemas.microsoft.com/office/powerpoint/2010/main" val="3043853849"/>
       </p:ext>
     </p:extLst>
   </p:cSld>
@@ -5149,7 +4129,7 @@
           <p:cNvPr id="2" name="テキスト ボックス 1">
             <a:extLst>
               <a:ext uri="{FF2B5EF4-FFF2-40B4-BE49-F238E27FC236}">
-                <a16:creationId xmlns:a16="http://schemas.microsoft.com/office/drawing/2014/main" id="{2304BA78-B549-BD40-8EB3-F19E35CDE63A}"/>
+                <a16:creationId xmlns:a16="http://schemas.microsoft.com/office/drawing/2014/main" id="{CE46A7A7-32B3-7443-AB05-238C4B3566B2}"/>
               </a:ext>
             </a:extLst>
           </p:cNvPr>
@@ -5158,8 +4138,8 @@
         </p:nvSpPr>
         <p:spPr>
           <a:xfrm>
-            <a:off x="2992582" y="1007918"/>
-            <a:ext cx="4561609" cy="369332"/>
+            <a:off x="2731511" y="319143"/>
+            <a:ext cx="6548870" cy="769441"/>
           </a:xfrm>
           <a:prstGeom prst="rect">
             <a:avLst/>
@@ -5173,9 +4153,14 @@
           <a:lstStyle/>
           <a:p>
             <a:r>
-              <a:rPr kumimoji="1" lang="ja-JP" altLang="en-US"/>
-              <a:t>現在の難点</a:t>
-            </a:r>
+              <a:rPr kumimoji="1" lang="en-US" altLang="ja-JP" sz="4400" dirty="0" err="1"/>
+              <a:t>my_help</a:t>
+            </a:r>
+            <a:r>
+              <a:rPr kumimoji="1" lang="ja-JP" altLang="en-US" sz="4400"/>
+              <a:t>の特徴と利点</a:t>
+            </a:r>
+            <a:endParaRPr kumimoji="1" lang="en-US" altLang="ja-JP" sz="4400" dirty="0"/>
           </a:p>
         </p:txBody>
       </p:sp>
@@ -5184,7 +4169,7 @@
           <p:cNvPr id="3" name="テキスト ボックス 2">
             <a:extLst>
               <a:ext uri="{FF2B5EF4-FFF2-40B4-BE49-F238E27FC236}">
-                <a16:creationId xmlns:a16="http://schemas.microsoft.com/office/drawing/2014/main" id="{3642B0B8-2FD1-9D4B-86A7-4AB468148C9E}"/>
+                <a16:creationId xmlns:a16="http://schemas.microsoft.com/office/drawing/2014/main" id="{23664BCF-F954-1643-9B92-CAB40B4F2539}"/>
               </a:ext>
             </a:extLst>
           </p:cNvPr>
@@ -5193,8 +4178,8 @@
         </p:nvSpPr>
         <p:spPr>
           <a:xfrm>
-            <a:off x="2992582" y="2608118"/>
-            <a:ext cx="5299363" cy="369332"/>
+            <a:off x="1652155" y="1166178"/>
+            <a:ext cx="10168784" cy="5078313"/>
           </a:xfrm>
           <a:prstGeom prst="rect">
             <a:avLst/>
@@ -5208,17 +4193,240 @@
           <a:lstStyle/>
           <a:p>
             <a:r>
-              <a:rPr kumimoji="1" lang="ja-JP" altLang="en-US"/>
-              <a:t>バグがある．</a:t>
-            </a:r>
-            <a:endParaRPr kumimoji="1" lang="en-US" altLang="ja-JP" dirty="0"/>
-          </a:p>
-        </p:txBody>
-      </p:sp>
+              <a:rPr kumimoji="1" lang="en-US" altLang="ja-JP" sz="4000" dirty="0"/>
+              <a:t>memo</a:t>
+            </a:r>
+            <a:r>
+              <a:rPr kumimoji="1" lang="ja-JP" altLang="en-US" sz="4000"/>
+              <a:t>は</a:t>
+            </a:r>
+            <a:r>
+              <a:rPr kumimoji="1" lang="en-US" altLang="ja-JP" sz="4000" dirty="0"/>
+              <a:t>emacs</a:t>
+            </a:r>
+            <a:r>
+              <a:rPr kumimoji="1" lang="ja-JP" altLang="en-US" sz="4000"/>
+              <a:t>の</a:t>
+            </a:r>
+            <a:r>
+              <a:rPr kumimoji="1" lang="en-US" altLang="ja-JP" sz="4000" dirty="0"/>
+              <a:t>org-mode</a:t>
+            </a:r>
+            <a:r>
+              <a:rPr kumimoji="1" lang="ja-JP" altLang="en-US" sz="4000"/>
+              <a:t>で記述する．</a:t>
+            </a:r>
+            <a:endParaRPr kumimoji="1" lang="en-US" altLang="ja-JP" sz="4000" dirty="0"/>
+          </a:p>
+          <a:p>
+            <a:endParaRPr kumimoji="1" lang="en-US" altLang="ja-JP" sz="1400" dirty="0"/>
+          </a:p>
+          <a:p>
+            <a:endParaRPr kumimoji="1" lang="en-US" altLang="ja-JP" sz="1400" dirty="0"/>
+          </a:p>
+          <a:p>
+            <a:r>
+              <a:rPr kumimoji="1" lang="en-US" altLang="ja-JP" sz="4000" dirty="0"/>
+              <a:t>Markdown</a:t>
+            </a:r>
+            <a:r>
+              <a:rPr kumimoji="1" lang="ja-JP" altLang="en-US" sz="4000"/>
+              <a:t>記法．</a:t>
+            </a:r>
+            <a:endParaRPr kumimoji="1" lang="en-US" altLang="ja-JP" sz="4000" dirty="0"/>
+          </a:p>
+          <a:p>
+            <a:endParaRPr kumimoji="1" lang="en-US" altLang="ja-JP" sz="1400" dirty="0"/>
+          </a:p>
+          <a:p>
+            <a:endParaRPr kumimoji="1" lang="en-US" altLang="ja-JP" sz="1400" dirty="0"/>
+          </a:p>
+          <a:p>
+            <a:r>
+              <a:rPr kumimoji="1" lang="en-US" altLang="ja-JP" sz="4000" dirty="0"/>
+              <a:t>Export</a:t>
+            </a:r>
+            <a:r>
+              <a:rPr kumimoji="1" lang="ja-JP" altLang="en-US" sz="4000"/>
+              <a:t>機能により，</a:t>
+            </a:r>
+            <a:r>
+              <a:rPr kumimoji="1" lang="en-US" altLang="ja-JP" sz="4000" dirty="0" err="1"/>
+              <a:t>LaTeX</a:t>
+            </a:r>
+            <a:r>
+              <a:rPr kumimoji="1" lang="ja-JP" altLang="en-US" sz="4000"/>
+              <a:t>や</a:t>
+            </a:r>
+            <a:r>
+              <a:rPr kumimoji="1" lang="en-US" altLang="ja-JP" sz="4000" dirty="0"/>
+              <a:t>html</a:t>
+            </a:r>
+            <a:r>
+              <a:rPr kumimoji="1" lang="ja-JP" altLang="en-US" sz="4000"/>
+              <a:t>などのフォーマットに変換可能．</a:t>
+            </a:r>
+            <a:endParaRPr kumimoji="1" lang="en-US" altLang="ja-JP" sz="4000" dirty="0"/>
+          </a:p>
+          <a:p>
+            <a:endParaRPr kumimoji="1" lang="en-US" altLang="ja-JP" sz="1400" dirty="0"/>
+          </a:p>
+          <a:p>
+            <a:endParaRPr kumimoji="1" lang="en-US" altLang="ja-JP" sz="1400" dirty="0"/>
+          </a:p>
+          <a:p>
+            <a:r>
+              <a:rPr kumimoji="1" lang="en-US" altLang="ja-JP" sz="4000" dirty="0" err="1"/>
+              <a:t>Github</a:t>
+            </a:r>
+            <a:r>
+              <a:rPr kumimoji="1" lang="ja-JP" altLang="en-US" sz="4000"/>
+              <a:t>では</a:t>
+            </a:r>
+            <a:r>
+              <a:rPr kumimoji="1" lang="en-US" altLang="ja-JP" sz="4000" dirty="0"/>
+              <a:t>.md</a:t>
+            </a:r>
+            <a:r>
+              <a:rPr kumimoji="1" lang="ja-JP" altLang="en-US" sz="4000"/>
+              <a:t>と同じように</a:t>
+            </a:r>
+            <a:r>
+              <a:rPr kumimoji="1" lang="en-US" altLang="ja-JP" sz="4000" dirty="0"/>
+              <a:t>.org</a:t>
+            </a:r>
+            <a:r>
+              <a:rPr kumimoji="1" lang="ja-JP" altLang="en-US" sz="4000"/>
+              <a:t>に対応している．</a:t>
+            </a:r>
+            <a:endParaRPr kumimoji="1" lang="en-US" altLang="ja-JP" sz="4000" dirty="0"/>
+          </a:p>
+        </p:txBody>
+      </p:sp>
+      <p:pic>
+        <p:nvPicPr>
+          <p:cNvPr id="7" name="図 6">
+            <a:extLst>
+              <a:ext uri="{FF2B5EF4-FFF2-40B4-BE49-F238E27FC236}">
+                <a16:creationId xmlns:a16="http://schemas.microsoft.com/office/drawing/2014/main" id="{43595CEA-2918-7E48-A53E-FC25C4882C7A}"/>
+              </a:ext>
+            </a:extLst>
+          </p:cNvPr>
+          <p:cNvPicPr>
+            <a:picLocks noChangeAspect="1"/>
+          </p:cNvPicPr>
+          <p:nvPr/>
+        </p:nvPicPr>
+        <p:blipFill>
+          <a:blip r:embed="rId2"/>
+          <a:stretch>
+            <a:fillRect/>
+          </a:stretch>
+        </p:blipFill>
+        <p:spPr>
+          <a:xfrm>
+            <a:off x="701601" y="3242400"/>
+            <a:ext cx="719425" cy="719425"/>
+          </a:xfrm>
+          <a:prstGeom prst="rect">
+            <a:avLst/>
+          </a:prstGeom>
+        </p:spPr>
+      </p:pic>
+      <p:pic>
+        <p:nvPicPr>
+          <p:cNvPr id="9" name="図 8">
+            <a:extLst>
+              <a:ext uri="{FF2B5EF4-FFF2-40B4-BE49-F238E27FC236}">
+                <a16:creationId xmlns:a16="http://schemas.microsoft.com/office/drawing/2014/main" id="{189B76E9-E008-9040-B091-443BF35D08E2}"/>
+              </a:ext>
+            </a:extLst>
+          </p:cNvPr>
+          <p:cNvPicPr>
+            <a:picLocks noChangeAspect="1"/>
+          </p:cNvPicPr>
+          <p:nvPr/>
+        </p:nvPicPr>
+        <p:blipFill>
+          <a:blip r:embed="rId2"/>
+          <a:stretch>
+            <a:fillRect/>
+          </a:stretch>
+        </p:blipFill>
+        <p:spPr>
+          <a:xfrm>
+            <a:off x="701601" y="1088584"/>
+            <a:ext cx="719425" cy="719425"/>
+          </a:xfrm>
+          <a:prstGeom prst="rect">
+            <a:avLst/>
+          </a:prstGeom>
+        </p:spPr>
+      </p:pic>
+      <p:pic>
+        <p:nvPicPr>
+          <p:cNvPr id="10" name="図 9">
+            <a:extLst>
+              <a:ext uri="{FF2B5EF4-FFF2-40B4-BE49-F238E27FC236}">
+                <a16:creationId xmlns:a16="http://schemas.microsoft.com/office/drawing/2014/main" id="{55F70199-0901-4142-AC63-98080EDB2FA0}"/>
+              </a:ext>
+            </a:extLst>
+          </p:cNvPr>
+          <p:cNvPicPr>
+            <a:picLocks noChangeAspect="1"/>
+          </p:cNvPicPr>
+          <p:nvPr/>
+        </p:nvPicPr>
+        <p:blipFill>
+          <a:blip r:embed="rId2"/>
+          <a:stretch>
+            <a:fillRect/>
+          </a:stretch>
+        </p:blipFill>
+        <p:spPr>
+          <a:xfrm>
+            <a:off x="701601" y="2165492"/>
+            <a:ext cx="719425" cy="719425"/>
+          </a:xfrm>
+          <a:prstGeom prst="rect">
+            <a:avLst/>
+          </a:prstGeom>
+        </p:spPr>
+      </p:pic>
+      <p:pic>
+        <p:nvPicPr>
+          <p:cNvPr id="11" name="図 10">
+            <a:extLst>
+              <a:ext uri="{FF2B5EF4-FFF2-40B4-BE49-F238E27FC236}">
+                <a16:creationId xmlns:a16="http://schemas.microsoft.com/office/drawing/2014/main" id="{92214B7E-54C6-DC4F-BD94-954D3C9528D1}"/>
+              </a:ext>
+            </a:extLst>
+          </p:cNvPr>
+          <p:cNvPicPr>
+            <a:picLocks noChangeAspect="1"/>
+          </p:cNvPicPr>
+          <p:nvPr/>
+        </p:nvPicPr>
+        <p:blipFill>
+          <a:blip r:embed="rId2"/>
+          <a:stretch>
+            <a:fillRect/>
+          </a:stretch>
+        </p:blipFill>
+        <p:spPr>
+          <a:xfrm>
+            <a:off x="701601" y="4885569"/>
+            <a:ext cx="719425" cy="719425"/>
+          </a:xfrm>
+          <a:prstGeom prst="rect">
+            <a:avLst/>
+          </a:prstGeom>
+        </p:spPr>
+      </p:pic>
     </p:spTree>
     <p:extLst>
       <p:ext uri="{BB962C8B-B14F-4D97-AF65-F5344CB8AC3E}">
-        <p14:creationId xmlns:p14="http://schemas.microsoft.com/office/powerpoint/2010/main" val="3066698743"/>
+        <p14:creationId xmlns:p14="http://schemas.microsoft.com/office/powerpoint/2010/main" val="2471736139"/>
       </p:ext>
     </p:extLst>
   </p:cSld>
@@ -5250,7 +4458,7 @@
           <p:cNvPr id="2" name="テキスト ボックス 1">
             <a:extLst>
               <a:ext uri="{FF2B5EF4-FFF2-40B4-BE49-F238E27FC236}">
-                <a16:creationId xmlns:a16="http://schemas.microsoft.com/office/drawing/2014/main" id="{70781E77-2F6B-C740-B5FE-4CF20DC9AE02}"/>
+                <a16:creationId xmlns:a16="http://schemas.microsoft.com/office/drawing/2014/main" id="{2304BA78-B549-BD40-8EB3-F19E35CDE63A}"/>
               </a:ext>
             </a:extLst>
           </p:cNvPr>
@@ -5259,8 +4467,8 @@
         </p:nvSpPr>
         <p:spPr>
           <a:xfrm>
-            <a:off x="893618" y="446809"/>
-            <a:ext cx="7169727" cy="769441"/>
+            <a:off x="2992582" y="1007918"/>
+            <a:ext cx="4561609" cy="369332"/>
           </a:xfrm>
           <a:prstGeom prst="rect">
             <a:avLst/>
@@ -5274,8 +4482,12 @@
           <a:lstStyle/>
           <a:p>
             <a:r>
-              <a:rPr kumimoji="1" lang="ja-JP" altLang="en-US" sz="4400"/>
-              <a:t>今後の課題，開発目標</a:t>
+              <a:rPr kumimoji="1" lang="en-US" altLang="ja-JP" dirty="0" err="1"/>
+              <a:t>my_help</a:t>
+            </a:r>
+            <a:r>
+              <a:rPr kumimoji="1" lang="ja-JP" altLang="en-US"/>
+              <a:t>の振る舞い</a:t>
             </a:r>
           </a:p>
         </p:txBody>
@@ -5285,7 +4497,7 @@
           <p:cNvPr id="3" name="テキスト ボックス 2">
             <a:extLst>
               <a:ext uri="{FF2B5EF4-FFF2-40B4-BE49-F238E27FC236}">
-                <a16:creationId xmlns:a16="http://schemas.microsoft.com/office/drawing/2014/main" id="{6A83FB72-7E91-3449-913B-1789742662B0}"/>
+                <a16:creationId xmlns:a16="http://schemas.microsoft.com/office/drawing/2014/main" id="{3642B0B8-2FD1-9D4B-86A7-4AB468148C9E}"/>
               </a:ext>
             </a:extLst>
           </p:cNvPr>
@@ -5294,8 +4506,8 @@
         </p:nvSpPr>
         <p:spPr>
           <a:xfrm>
-            <a:off x="1101436" y="2067791"/>
-            <a:ext cx="6598228" cy="369332"/>
+            <a:off x="2992582" y="2608118"/>
+            <a:ext cx="5299363" cy="369332"/>
           </a:xfrm>
           <a:prstGeom prst="rect">
             <a:avLst/>
@@ -5310,85 +4522,16 @@
           <a:p>
             <a:r>
               <a:rPr kumimoji="1" lang="ja-JP" altLang="en-US"/>
-              <a:t>効率の良い知識の習得方法</a:t>
-            </a:r>
-          </a:p>
-        </p:txBody>
-      </p:sp>
-      <p:sp>
-        <p:nvSpPr>
-          <p:cNvPr id="4" name="テキスト ボックス 3">
-            <a:extLst>
-              <a:ext uri="{FF2B5EF4-FFF2-40B4-BE49-F238E27FC236}">
-                <a16:creationId xmlns:a16="http://schemas.microsoft.com/office/drawing/2014/main" id="{863DF869-A6C9-D549-9DC2-220C4DB93CCC}"/>
-              </a:ext>
-            </a:extLst>
-          </p:cNvPr>
-          <p:cNvSpPr txBox="1"/>
-          <p:nvPr/>
-        </p:nvSpPr>
-        <p:spPr>
-          <a:xfrm>
-            <a:off x="2192482" y="2940627"/>
-            <a:ext cx="3470563" cy="369332"/>
-          </a:xfrm>
-          <a:prstGeom prst="rect">
-            <a:avLst/>
-          </a:prstGeom>
-          <a:noFill/>
-        </p:spPr>
-        <p:txBody>
-          <a:bodyPr wrap="square" rtlCol="0">
-            <a:spAutoFit/>
-          </a:bodyPr>
-          <a:lstStyle/>
-          <a:p>
-            <a:r>
-              <a:rPr kumimoji="1" lang="ja-JP" altLang="en-US"/>
-              <a:t>アクティブラーニング！</a:t>
-            </a:r>
-          </a:p>
-        </p:txBody>
-      </p:sp>
-      <p:sp>
-        <p:nvSpPr>
-          <p:cNvPr id="5" name="テキスト ボックス 4">
-            <a:extLst>
-              <a:ext uri="{FF2B5EF4-FFF2-40B4-BE49-F238E27FC236}">
-                <a16:creationId xmlns:a16="http://schemas.microsoft.com/office/drawing/2014/main" id="{C3117551-1FFE-A94A-9787-D48D969BD39F}"/>
-              </a:ext>
-            </a:extLst>
-          </p:cNvPr>
-          <p:cNvSpPr txBox="1"/>
-          <p:nvPr/>
-        </p:nvSpPr>
-        <p:spPr>
-          <a:xfrm>
-            <a:off x="2462645" y="4042064"/>
-            <a:ext cx="5237019" cy="369332"/>
-          </a:xfrm>
-          <a:prstGeom prst="rect">
-            <a:avLst/>
-          </a:prstGeom>
-          <a:noFill/>
-        </p:spPr>
-        <p:txBody>
-          <a:bodyPr wrap="square" rtlCol="0">
-            <a:spAutoFit/>
-          </a:bodyPr>
-          <a:lstStyle/>
-          <a:p>
-            <a:r>
-              <a:rPr kumimoji="1" lang="ja-JP" altLang="en-US"/>
-              <a:t>共有することにより，学習の強制が行える！</a:t>
-            </a:r>
+              <a:t>スクショ．</a:t>
+            </a:r>
+            <a:endParaRPr kumimoji="1" lang="en-US" altLang="ja-JP" dirty="0"/>
           </a:p>
         </p:txBody>
       </p:sp>
     </p:spTree>
     <p:extLst>
       <p:ext uri="{BB962C8B-B14F-4D97-AF65-F5344CB8AC3E}">
-        <p14:creationId xmlns:p14="http://schemas.microsoft.com/office/powerpoint/2010/main" val="3302818942"/>
+        <p14:creationId xmlns:p14="http://schemas.microsoft.com/office/powerpoint/2010/main" val="3066698743"/>
       </p:ext>
     </p:extLst>
   </p:cSld>
@@ -5420,7 +4563,7 @@
           <p:cNvPr id="2" name="テキスト ボックス 1">
             <a:extLst>
               <a:ext uri="{FF2B5EF4-FFF2-40B4-BE49-F238E27FC236}">
-                <a16:creationId xmlns:a16="http://schemas.microsoft.com/office/drawing/2014/main" id="{D5716AA8-93F3-3B41-94C9-A56AC185007D}"/>
+                <a16:creationId xmlns:a16="http://schemas.microsoft.com/office/drawing/2014/main" id="{C57537C2-2200-8F48-9F24-E44643990A24}"/>
               </a:ext>
             </a:extLst>
           </p:cNvPr>
@@ -5429,8 +4572,8 @@
         </p:nvSpPr>
         <p:spPr>
           <a:xfrm>
-            <a:off x="1714500" y="1569027"/>
-            <a:ext cx="4956464" cy="369332"/>
+            <a:off x="3114260" y="117139"/>
+            <a:ext cx="5658679" cy="769441"/>
           </a:xfrm>
           <a:prstGeom prst="rect">
             <a:avLst/>
@@ -5443,9 +4586,14 @@
           </a:bodyPr>
           <a:lstStyle/>
           <a:p>
-            <a:r>
-              <a:rPr kumimoji="1" lang="ja-JP" altLang="en-US"/>
-              <a:t>アクティブラーニングとは．</a:t>
+            <a:pPr algn="ctr"/>
+            <a:r>
+              <a:rPr kumimoji="1" lang="en-US" altLang="ja-JP" sz="4400" dirty="0" err="1"/>
+              <a:t>my_help</a:t>
+            </a:r>
+            <a:r>
+              <a:rPr kumimoji="1" lang="ja-JP" altLang="en-US" sz="4400"/>
+              <a:t>課題</a:t>
             </a:r>
           </a:p>
         </p:txBody>
@@ -5455,7 +4603,7 @@
           <p:cNvPr id="3" name="テキスト ボックス 2">
             <a:extLst>
               <a:ext uri="{FF2B5EF4-FFF2-40B4-BE49-F238E27FC236}">
-                <a16:creationId xmlns:a16="http://schemas.microsoft.com/office/drawing/2014/main" id="{E9B9EA0A-4719-BF47-AA60-F94C90FB8AE3}"/>
+                <a16:creationId xmlns:a16="http://schemas.microsoft.com/office/drawing/2014/main" id="{BC854CCB-53E9-9B4A-B61C-ECF53805A638}"/>
               </a:ext>
             </a:extLst>
           </p:cNvPr>
@@ -5464,8 +4612,8 @@
         </p:nvSpPr>
         <p:spPr>
           <a:xfrm>
-            <a:off x="1995055" y="2930236"/>
-            <a:ext cx="5569527" cy="369332"/>
+            <a:off x="728871" y="1007314"/>
+            <a:ext cx="10694504" cy="1200329"/>
           </a:xfrm>
           <a:prstGeom prst="rect">
             <a:avLst/>
@@ -5479,16 +4627,515 @@
           <a:lstStyle/>
           <a:p>
             <a:r>
-              <a:rPr kumimoji="1" lang="ja-JP" altLang="en-US"/>
-              <a:t>スクショ</a:t>
-            </a:r>
+              <a:rPr kumimoji="1" lang="ja-JP" altLang="en-US" sz="3600"/>
+              <a:t>より効率的な知識の習得方法として，</a:t>
+            </a:r>
+            <a:r>
+              <a:rPr kumimoji="1" lang="en-US" altLang="ja-JP" sz="3600" dirty="0"/>
+              <a:t>AM/PM</a:t>
+            </a:r>
+            <a:r>
+              <a:rPr kumimoji="1" lang="ja-JP" altLang="en-US" sz="3600"/>
+              <a:t>という考え方がある．</a:t>
+            </a:r>
+          </a:p>
+        </p:txBody>
+      </p:sp>
+      <p:sp>
+        <p:nvSpPr>
+          <p:cNvPr id="4" name="角丸四角形 3">
+            <a:extLst>
+              <a:ext uri="{FF2B5EF4-FFF2-40B4-BE49-F238E27FC236}">
+                <a16:creationId xmlns:a16="http://schemas.microsoft.com/office/drawing/2014/main" id="{DD411B28-BBE1-644C-9FC5-32FDC21E652F}"/>
+              </a:ext>
+            </a:extLst>
+          </p:cNvPr>
+          <p:cNvSpPr/>
+          <p:nvPr/>
+        </p:nvSpPr>
+        <p:spPr>
+          <a:xfrm>
+            <a:off x="304801" y="2449109"/>
+            <a:ext cx="5777948" cy="3949148"/>
+          </a:xfrm>
+          <a:prstGeom prst="roundRect">
+            <a:avLst/>
+          </a:prstGeom>
+          <a:solidFill>
+            <a:schemeClr val="accent1">
+              <a:lumMod val="40000"/>
+              <a:lumOff val="60000"/>
+            </a:schemeClr>
+          </a:solidFill>
+        </p:spPr>
+        <p:style>
+          <a:lnRef idx="2">
+            <a:schemeClr val="accent1">
+              <a:shade val="50000"/>
+            </a:schemeClr>
+          </a:lnRef>
+          <a:fillRef idx="1">
+            <a:schemeClr val="accent1"/>
+          </a:fillRef>
+          <a:effectRef idx="0">
+            <a:schemeClr val="accent1"/>
+          </a:effectRef>
+          <a:fontRef idx="minor">
+            <a:schemeClr val="lt1"/>
+          </a:fontRef>
+        </p:style>
+        <p:txBody>
+          <a:bodyPr rtlCol="0" anchor="t" anchorCtr="0"/>
+          <a:lstStyle/>
+          <a:p>
+            <a:r>
+              <a:rPr kumimoji="1" lang="en-US" altLang="ja-JP" sz="3600" dirty="0">
+                <a:solidFill>
+                  <a:schemeClr val="tx1"/>
+                </a:solidFill>
+              </a:rPr>
+              <a:t>AM</a:t>
+            </a:r>
+          </a:p>
+          <a:p>
+            <a:r>
+              <a:rPr kumimoji="1" lang="en-US" altLang="ja-JP" sz="3600" dirty="0">
+                <a:solidFill>
+                  <a:schemeClr val="tx1"/>
+                </a:solidFill>
+              </a:rPr>
+              <a:t>(acquisition metaphor)</a:t>
+            </a:r>
+          </a:p>
+          <a:p>
+            <a:endParaRPr kumimoji="1" lang="en-US" altLang="ja-JP" sz="1200" dirty="0">
+              <a:solidFill>
+                <a:schemeClr val="tx1"/>
+              </a:solidFill>
+            </a:endParaRPr>
+          </a:p>
+          <a:p>
+            <a:r>
+              <a:rPr kumimoji="1" lang="ja-JP" altLang="en-US" sz="3200">
+                <a:solidFill>
+                  <a:schemeClr val="tx1"/>
+                </a:solidFill>
+              </a:rPr>
+              <a:t>＊従来の学習感．</a:t>
+            </a:r>
+            <a:endParaRPr kumimoji="1" lang="en-US" altLang="ja-JP" sz="3200" dirty="0">
+              <a:solidFill>
+                <a:schemeClr val="tx1"/>
+              </a:solidFill>
+            </a:endParaRPr>
+          </a:p>
+          <a:p>
+            <a:endParaRPr kumimoji="1" lang="en-US" altLang="ja-JP" sz="1200" dirty="0">
+              <a:solidFill>
+                <a:schemeClr val="tx1"/>
+              </a:solidFill>
+            </a:endParaRPr>
+          </a:p>
+          <a:p>
+            <a:endParaRPr kumimoji="1" lang="en-US" altLang="ja-JP" sz="1200" dirty="0">
+              <a:solidFill>
+                <a:schemeClr val="tx1"/>
+              </a:solidFill>
+            </a:endParaRPr>
+          </a:p>
+          <a:p>
+            <a:r>
+              <a:rPr kumimoji="1" lang="ja-JP" altLang="en-US" sz="3200">
+                <a:solidFill>
+                  <a:schemeClr val="tx1"/>
+                </a:solidFill>
+              </a:rPr>
+              <a:t>学習という行為が個人レベル．</a:t>
+            </a:r>
+          </a:p>
+        </p:txBody>
+      </p:sp>
+      <p:sp>
+        <p:nvSpPr>
+          <p:cNvPr id="5" name="角丸四角形 4">
+            <a:extLst>
+              <a:ext uri="{FF2B5EF4-FFF2-40B4-BE49-F238E27FC236}">
+                <a16:creationId xmlns:a16="http://schemas.microsoft.com/office/drawing/2014/main" id="{315A2E4A-0663-3643-A2C5-064F8C3868EF}"/>
+              </a:ext>
+            </a:extLst>
+          </p:cNvPr>
+          <p:cNvSpPr/>
+          <p:nvPr/>
+        </p:nvSpPr>
+        <p:spPr>
+          <a:xfrm>
+            <a:off x="6175513" y="2449109"/>
+            <a:ext cx="5777948" cy="3949148"/>
+          </a:xfrm>
+          <a:prstGeom prst="roundRect">
+            <a:avLst/>
+          </a:prstGeom>
+          <a:solidFill>
+            <a:schemeClr val="accent2">
+              <a:lumMod val="40000"/>
+              <a:lumOff val="60000"/>
+            </a:schemeClr>
+          </a:solidFill>
+        </p:spPr>
+        <p:style>
+          <a:lnRef idx="2">
+            <a:schemeClr val="accent1">
+              <a:shade val="50000"/>
+            </a:schemeClr>
+          </a:lnRef>
+          <a:fillRef idx="1">
+            <a:schemeClr val="accent1"/>
+          </a:fillRef>
+          <a:effectRef idx="0">
+            <a:schemeClr val="accent1"/>
+          </a:effectRef>
+          <a:fontRef idx="minor">
+            <a:schemeClr val="lt1"/>
+          </a:fontRef>
+        </p:style>
+        <p:txBody>
+          <a:bodyPr rtlCol="0" anchor="t"/>
+          <a:lstStyle/>
+          <a:p>
+            <a:r>
+              <a:rPr lang="en" altLang="ja-JP" sz="3600" dirty="0">
+                <a:solidFill>
+                  <a:schemeClr val="tx1"/>
+                </a:solidFill>
+              </a:rPr>
+              <a:t>PM</a:t>
+            </a:r>
+          </a:p>
+          <a:p>
+            <a:r>
+              <a:rPr lang="en" altLang="ja-JP" sz="3600" dirty="0">
+                <a:solidFill>
+                  <a:schemeClr val="tx1"/>
+                </a:solidFill>
+              </a:rPr>
+              <a:t>(participation metaphor)</a:t>
+            </a:r>
+          </a:p>
+          <a:p>
+            <a:endParaRPr lang="en-US" altLang="ja-JP" sz="1200" dirty="0">
+              <a:solidFill>
+                <a:schemeClr val="tx1"/>
+              </a:solidFill>
+            </a:endParaRPr>
+          </a:p>
+          <a:p>
+            <a:r>
+              <a:rPr lang="ja-JP" altLang="en-US" sz="3200">
+                <a:solidFill>
+                  <a:schemeClr val="tx1"/>
+                </a:solidFill>
+              </a:rPr>
+              <a:t>＊新しい学習感．</a:t>
+            </a:r>
+            <a:endParaRPr lang="en-US" altLang="ja-JP" sz="3200" dirty="0">
+              <a:solidFill>
+                <a:schemeClr val="tx1"/>
+              </a:solidFill>
+            </a:endParaRPr>
+          </a:p>
+          <a:p>
+            <a:endParaRPr lang="en-US" altLang="ja-JP" sz="1200" dirty="0">
+              <a:solidFill>
+                <a:schemeClr val="tx1"/>
+              </a:solidFill>
+            </a:endParaRPr>
+          </a:p>
+          <a:p>
+            <a:endParaRPr lang="en-US" altLang="ja-JP" sz="1200" dirty="0">
+              <a:solidFill>
+                <a:schemeClr val="tx1"/>
+              </a:solidFill>
+            </a:endParaRPr>
+          </a:p>
+          <a:p>
+            <a:r>
+              <a:rPr lang="ja-JP" altLang="en-US" sz="3200">
+                <a:solidFill>
+                  <a:schemeClr val="tx1"/>
+                </a:solidFill>
+              </a:rPr>
+              <a:t>自らが参加者になって知識を共有する．</a:t>
+            </a:r>
+            <a:endParaRPr lang="en" altLang="ja-JP" sz="3200" dirty="0">
+              <a:solidFill>
+                <a:schemeClr val="tx1"/>
+              </a:solidFill>
+            </a:endParaRPr>
           </a:p>
         </p:txBody>
       </p:sp>
     </p:spTree>
     <p:extLst>
       <p:ext uri="{BB962C8B-B14F-4D97-AF65-F5344CB8AC3E}">
-        <p14:creationId xmlns:p14="http://schemas.microsoft.com/office/powerpoint/2010/main" val="3270289440"/>
+        <p14:creationId xmlns:p14="http://schemas.microsoft.com/office/powerpoint/2010/main" val="3441153636"/>
+      </p:ext>
+    </p:extLst>
+  </p:cSld>
+  <p:clrMapOvr>
+    <a:masterClrMapping/>
+  </p:clrMapOvr>
+</p:sld>
+</file>
+
+<file path=ppt/slides/slide7.xml><?xml version="1.0" encoding="utf-8"?>
+<p:sld xmlns:a="http://schemas.openxmlformats.org/drawingml/2006/main" xmlns:r="http://schemas.openxmlformats.org/officeDocument/2006/relationships" xmlns:p="http://schemas.openxmlformats.org/presentationml/2006/main">
+  <p:cSld>
+    <p:spTree>
+      <p:nvGrpSpPr>
+        <p:cNvPr id="1" name=""/>
+        <p:cNvGrpSpPr/>
+        <p:nvPr/>
+      </p:nvGrpSpPr>
+      <p:grpSpPr>
+        <a:xfrm>
+          <a:off x="0" y="0"/>
+          <a:ext cx="0" cy="0"/>
+          <a:chOff x="0" y="0"/>
+          <a:chExt cx="0" cy="0"/>
+        </a:xfrm>
+      </p:grpSpPr>
+      <p:sp>
+        <p:nvSpPr>
+          <p:cNvPr id="2" name="テキスト ボックス 1">
+            <a:extLst>
+              <a:ext uri="{FF2B5EF4-FFF2-40B4-BE49-F238E27FC236}">
+                <a16:creationId xmlns:a16="http://schemas.microsoft.com/office/drawing/2014/main" id="{70781E77-2F6B-C740-B5FE-4CF20DC9AE02}"/>
+              </a:ext>
+            </a:extLst>
+          </p:cNvPr>
+          <p:cNvSpPr txBox="1"/>
+          <p:nvPr/>
+        </p:nvSpPr>
+        <p:spPr>
+          <a:xfrm>
+            <a:off x="2676788" y="373711"/>
+            <a:ext cx="7169727" cy="769441"/>
+          </a:xfrm>
+          <a:prstGeom prst="rect">
+            <a:avLst/>
+          </a:prstGeom>
+          <a:noFill/>
+        </p:spPr>
+        <p:txBody>
+          <a:bodyPr wrap="square" rtlCol="0">
+            <a:spAutoFit/>
+          </a:bodyPr>
+          <a:lstStyle/>
+          <a:p>
+            <a:pPr algn="ctr"/>
+            <a:r>
+              <a:rPr kumimoji="1" lang="ja-JP" altLang="en-US" sz="4400"/>
+              <a:t>開発目標</a:t>
+            </a:r>
+          </a:p>
+        </p:txBody>
+      </p:sp>
+      <p:sp>
+        <p:nvSpPr>
+          <p:cNvPr id="3" name="テキスト ボックス 2">
+            <a:extLst>
+              <a:ext uri="{FF2B5EF4-FFF2-40B4-BE49-F238E27FC236}">
+                <a16:creationId xmlns:a16="http://schemas.microsoft.com/office/drawing/2014/main" id="{6A83FB72-7E91-3449-913B-1789742662B0}"/>
+              </a:ext>
+            </a:extLst>
+          </p:cNvPr>
+          <p:cNvSpPr txBox="1"/>
+          <p:nvPr/>
+        </p:nvSpPr>
+        <p:spPr>
+          <a:xfrm>
+            <a:off x="893618" y="2931443"/>
+            <a:ext cx="6598228" cy="707886"/>
+          </a:xfrm>
+          <a:prstGeom prst="rect">
+            <a:avLst/>
+          </a:prstGeom>
+          <a:noFill/>
+        </p:spPr>
+        <p:txBody>
+          <a:bodyPr wrap="square" rtlCol="0">
+            <a:spAutoFit/>
+          </a:bodyPr>
+          <a:lstStyle/>
+          <a:p>
+            <a:r>
+              <a:rPr kumimoji="1" lang="en-US" altLang="ja-JP" sz="4000" dirty="0"/>
+              <a:t>1.</a:t>
+            </a:r>
+            <a:r>
+              <a:rPr kumimoji="1" lang="ja-JP" altLang="en-US" sz="4000"/>
+              <a:t>  </a:t>
+            </a:r>
+            <a:r>
+              <a:rPr kumimoji="1" lang="en-US" altLang="ja-JP" sz="4000" dirty="0"/>
+              <a:t>git</a:t>
+            </a:r>
+            <a:r>
+              <a:rPr kumimoji="1" lang="ja-JP" altLang="en-US" sz="4000"/>
+              <a:t>の</a:t>
+            </a:r>
+            <a:r>
+              <a:rPr kumimoji="1" lang="en-US" altLang="ja-JP" sz="4000" dirty="0"/>
+              <a:t>repository</a:t>
+            </a:r>
+            <a:endParaRPr kumimoji="1" lang="ja-JP" altLang="en-US" sz="4000"/>
+          </a:p>
+        </p:txBody>
+      </p:sp>
+      <p:sp>
+        <p:nvSpPr>
+          <p:cNvPr id="4" name="テキスト ボックス 3">
+            <a:extLst>
+              <a:ext uri="{FF2B5EF4-FFF2-40B4-BE49-F238E27FC236}">
+                <a16:creationId xmlns:a16="http://schemas.microsoft.com/office/drawing/2014/main" id="{863DF869-A6C9-D549-9DC2-220C4DB93CCC}"/>
+              </a:ext>
+            </a:extLst>
+          </p:cNvPr>
+          <p:cNvSpPr txBox="1"/>
+          <p:nvPr/>
+        </p:nvSpPr>
+        <p:spPr>
+          <a:xfrm>
+            <a:off x="893618" y="4095069"/>
+            <a:ext cx="5878243" cy="707886"/>
+          </a:xfrm>
+          <a:prstGeom prst="rect">
+            <a:avLst/>
+          </a:prstGeom>
+          <a:noFill/>
+        </p:spPr>
+        <p:txBody>
+          <a:bodyPr wrap="square" rtlCol="0">
+            <a:spAutoFit/>
+          </a:bodyPr>
+          <a:lstStyle/>
+          <a:p>
+            <a:r>
+              <a:rPr kumimoji="1" lang="en-US" altLang="ja-JP" sz="4000" dirty="0"/>
+              <a:t>2. </a:t>
+            </a:r>
+            <a:r>
+              <a:rPr kumimoji="1" lang="ja-JP" altLang="en-US" sz="4000"/>
+              <a:t> </a:t>
+            </a:r>
+            <a:r>
+              <a:rPr kumimoji="1" lang="en-US" altLang="ja-JP" sz="4000" dirty="0"/>
+              <a:t>Web</a:t>
+            </a:r>
+            <a:r>
+              <a:rPr kumimoji="1" lang="ja-JP" altLang="en-US" sz="4000"/>
+              <a:t>による表示</a:t>
+            </a:r>
+          </a:p>
+        </p:txBody>
+      </p:sp>
+      <p:sp>
+        <p:nvSpPr>
+          <p:cNvPr id="5" name="テキスト ボックス 4">
+            <a:extLst>
+              <a:ext uri="{FF2B5EF4-FFF2-40B4-BE49-F238E27FC236}">
+                <a16:creationId xmlns:a16="http://schemas.microsoft.com/office/drawing/2014/main" id="{C3117551-1FFE-A94A-9787-D48D969BD39F}"/>
+              </a:ext>
+            </a:extLst>
+          </p:cNvPr>
+          <p:cNvSpPr txBox="1"/>
+          <p:nvPr/>
+        </p:nvSpPr>
+        <p:spPr>
+          <a:xfrm>
+            <a:off x="893618" y="5258695"/>
+            <a:ext cx="7654034" cy="707886"/>
+          </a:xfrm>
+          <a:prstGeom prst="rect">
+            <a:avLst/>
+          </a:prstGeom>
+          <a:noFill/>
+        </p:spPr>
+        <p:txBody>
+          <a:bodyPr wrap="square" rtlCol="0">
+            <a:spAutoFit/>
+          </a:bodyPr>
+          <a:lstStyle/>
+          <a:p>
+            <a:r>
+              <a:rPr kumimoji="1" lang="en-US" altLang="ja-JP" sz="4000" dirty="0"/>
+              <a:t>3.  Point</a:t>
+            </a:r>
+            <a:r>
+              <a:rPr kumimoji="1" lang="ja-JP" altLang="en-US" sz="4000"/>
+              <a:t>付加によるラング付け</a:t>
+            </a:r>
+          </a:p>
+        </p:txBody>
+      </p:sp>
+      <p:sp>
+        <p:nvSpPr>
+          <p:cNvPr id="6" name="テキスト ボックス 5">
+            <a:extLst>
+              <a:ext uri="{FF2B5EF4-FFF2-40B4-BE49-F238E27FC236}">
+                <a16:creationId xmlns:a16="http://schemas.microsoft.com/office/drawing/2014/main" id="{F3922AC5-C6C2-A142-BCD3-C16C9AE920C6}"/>
+              </a:ext>
+            </a:extLst>
+          </p:cNvPr>
+          <p:cNvSpPr txBox="1"/>
+          <p:nvPr/>
+        </p:nvSpPr>
+        <p:spPr>
+          <a:xfrm>
+            <a:off x="622852" y="1437133"/>
+            <a:ext cx="11277600" cy="1200329"/>
+          </a:xfrm>
+          <a:prstGeom prst="rect">
+            <a:avLst/>
+          </a:prstGeom>
+          <a:noFill/>
+        </p:spPr>
+        <p:txBody>
+          <a:bodyPr wrap="square" rtlCol="0">
+            <a:spAutoFit/>
+          </a:bodyPr>
+          <a:lstStyle/>
+          <a:p>
+            <a:r>
+              <a:rPr kumimoji="1" lang="en-US" altLang="ja-JP" sz="3600" dirty="0" err="1"/>
+              <a:t>my_help</a:t>
+            </a:r>
+            <a:r>
+              <a:rPr kumimoji="1" lang="ja-JP" altLang="en-US" sz="3600"/>
+              <a:t>内の知識を共有するシステムを作成する．</a:t>
+            </a:r>
+            <a:endParaRPr kumimoji="1" lang="en-US" altLang="ja-JP" sz="3600" dirty="0"/>
+          </a:p>
+          <a:p>
+            <a:r>
+              <a:rPr kumimoji="1" lang="ja-JP" altLang="en-US" sz="3600"/>
+              <a:t>それに伴い，主に以下の</a:t>
+            </a:r>
+            <a:r>
+              <a:rPr kumimoji="1" lang="en-US" altLang="ja-JP" sz="3600" dirty="0"/>
+              <a:t>3</a:t>
+            </a:r>
+            <a:r>
+              <a:rPr kumimoji="1" lang="ja-JP" altLang="en-US" sz="3600"/>
+              <a:t>点の機能を取り入れる．</a:t>
+            </a:r>
+          </a:p>
+        </p:txBody>
+      </p:sp>
+    </p:spTree>
+    <p:extLst>
+      <p:ext uri="{BB962C8B-B14F-4D97-AF65-F5344CB8AC3E}">
+        <p14:creationId xmlns:p14="http://schemas.microsoft.com/office/powerpoint/2010/main" val="3302818942"/>
       </p:ext>
     </p:extLst>
   </p:cSld>
@@ -5499,9 +5146,9 @@
 </file>
 
 <file path=ppt/theme/theme1.xml><?xml version="1.0" encoding="utf-8"?>
-<a:theme xmlns:a="http://schemas.openxmlformats.org/drawingml/2006/main" name="木版活字">
+<a:theme xmlns:a="http://schemas.openxmlformats.org/drawingml/2006/main" name="Office テーマ">
   <a:themeElements>
-    <a:clrScheme name="木版活字">
+    <a:clrScheme name="Office">
       <a:dk1>
         <a:sysClr val="windowText" lastClr="000000"/>
       </a:dk1>
@@ -5509,45 +5156,97 @@
         <a:sysClr val="window" lastClr="FFFFFF"/>
       </a:lt1>
       <a:dk2>
-        <a:srgbClr val="775F55"/>
+        <a:srgbClr val="44546A"/>
       </a:dk2>
       <a:lt2>
-        <a:srgbClr val="EBDDC3"/>
+        <a:srgbClr val="E7E6E6"/>
       </a:lt2>
       <a:accent1>
-        <a:srgbClr val="94B6D2"/>
+        <a:srgbClr val="4472C4"/>
       </a:accent1>
       <a:accent2>
-        <a:srgbClr val="DD8047"/>
+        <a:srgbClr val="ED7D31"/>
       </a:accent2>
       <a:accent3>
-        <a:srgbClr val="A5AB81"/>
+        <a:srgbClr val="A5A5A5"/>
       </a:accent3>
       <a:accent4>
-        <a:srgbClr val="D8B25C"/>
+        <a:srgbClr val="FFC000"/>
       </a:accent4>
       <a:accent5>
-        <a:srgbClr val="7BA79D"/>
+        <a:srgbClr val="5B9BD5"/>
       </a:accent5>
       <a:accent6>
-        <a:srgbClr val="968C8C"/>
+        <a:srgbClr val="70AD47"/>
       </a:accent6>
       <a:hlink>
-        <a:srgbClr val="F7B615"/>
+        <a:srgbClr val="0563C1"/>
       </a:hlink>
       <a:folHlink>
-        <a:srgbClr val="704404"/>
+        <a:srgbClr val="954F72"/>
       </a:folHlink>
     </a:clrScheme>
-    <a:fontScheme name="木版活字">
+    <a:fontScheme name="Office">
       <a:majorFont>
-        <a:latin typeface="Georgia" panose="02040502050405020303"/>
+        <a:latin typeface="游ゴシック Light" panose="020F0302020204030204"/>
         <a:ea typeface=""/>
         <a:cs typeface=""/>
-        <a:font script="Jpan" typeface="ＭＳ Ｐゴシック"/>
-        <a:font script="Hang" typeface="돋움"/>
-        <a:font script="Hans" typeface="方正舒体"/>
-        <a:font script="Hant" typeface="微軟正黑體"/>
+        <a:font script="Jpan" typeface="游ゴシック Light"/>
+        <a:font script="Hang" typeface="맑은 고딕"/>
+        <a:font script="Hans" typeface="等线 Light"/>
+        <a:font script="Hant" typeface="新細明體"/>
+        <a:font script="Arab" typeface="Times New Roman"/>
+        <a:font script="Hebr" typeface="Times New Roman"/>
+        <a:font script="Thai" typeface="Angsana New"/>
+        <a:font script="Ethi" typeface="Nyala"/>
+        <a:font script="Beng" typeface="Vrinda"/>
+        <a:font script="Gujr" typeface="Shruti"/>
+        <a:font script="Khmr" typeface="MoolBoran"/>
+        <a:font script="Knda" typeface="Tunga"/>
+        <a:font script="Guru" typeface="Raavi"/>
+        <a:font script="Cans" typeface="Euphemia"/>
+        <a:font script="Cher" typeface="Plantagenet Cherokee"/>
+        <a:font script="Yiii" typeface="Microsoft Yi Baiti"/>
+        <a:font script="Tibt" typeface="Microsoft Himalaya"/>
+        <a:font script="Thaa" typeface="MV Boli"/>
+        <a:font script="Deva" typeface="Mangal"/>
+        <a:font script="Telu" typeface="Gautami"/>
+        <a:font script="Taml" typeface="Latha"/>
+        <a:font script="Syrc" typeface="Estrangelo Edessa"/>
+        <a:font script="Orya" typeface="Kalinga"/>
+        <a:font script="Mlym" typeface="Kartika"/>
+        <a:font script="Laoo" typeface="DokChampa"/>
+        <a:font script="Sinh" typeface="Iskoola Pota"/>
+        <a:font script="Mong" typeface="Mongolian Baiti"/>
+        <a:font script="Viet" typeface="Times New Roman"/>
+        <a:font script="Uigh" typeface="Microsoft Uighur"/>
+        <a:font script="Geor" typeface="Sylfaen"/>
+        <a:font script="Armn" typeface="Arial"/>
+        <a:font script="Bugi" typeface="Leelawadee UI"/>
+        <a:font script="Bopo" typeface="Microsoft JhengHei"/>
+        <a:font script="Java" typeface="Javanese Text"/>
+        <a:font script="Lisu" typeface="Segoe UI"/>
+        <a:font script="Mymr" typeface="Myanmar Text"/>
+        <a:font script="Nkoo" typeface="Ebrima"/>
+        <a:font script="Olck" typeface="Nirmala UI"/>
+        <a:font script="Osma" typeface="Ebrima"/>
+        <a:font script="Phag" typeface="Phagspa"/>
+        <a:font script="Syrn" typeface="Estrangelo Edessa"/>
+        <a:font script="Syrj" typeface="Estrangelo Edessa"/>
+        <a:font script="Syre" typeface="Estrangelo Edessa"/>
+        <a:font script="Sora" typeface="Nirmala UI"/>
+        <a:font script="Tale" typeface="Microsoft Tai Le"/>
+        <a:font script="Talu" typeface="Microsoft New Tai Lue"/>
+        <a:font script="Tfng" typeface="Ebrima"/>
+      </a:majorFont>
+      <a:minorFont>
+        <a:latin typeface="游ゴシック" panose="020F0502020204030204"/>
+        <a:ea typeface=""/>
+        <a:cs typeface=""/>
+        <a:font script="Jpan" typeface="游ゴシック"/>
+        <a:font script="Hang" typeface="맑은 고딕"/>
+        <a:font script="Hans" typeface="等线"/>
+        <a:font script="Hant" typeface="新細明體"/>
         <a:font script="Arab" typeface="Arial"/>
         <a:font script="Hebr" typeface="Arial"/>
         <a:font script="Thai" typeface="Cordia New"/>
@@ -5573,76 +5272,83 @@
         <a:font script="Mong" typeface="Mongolian Baiti"/>
         <a:font script="Viet" typeface="Arial"/>
         <a:font script="Uigh" typeface="Microsoft Uighur"/>
-      </a:majorFont>
-      <a:minorFont>
-        <a:latin typeface="Trebuchet MS" panose="020B0603020202020204"/>
-        <a:ea typeface=""/>
-        <a:cs typeface=""/>
-        <a:font script="Jpan" typeface="HG丸ｺﾞｼｯｸM-PRO"/>
-        <a:font script="Hang" typeface="HY그래픽M"/>
-        <a:font script="Hans" typeface="华文新魏"/>
-        <a:font script="Hant" typeface="微軟正黑體"/>
-        <a:font script="Arab" typeface="Tahoma"/>
-        <a:font script="Hebr" typeface="Gisha"/>
-        <a:font script="Thai" typeface="IrisUPC"/>
-        <a:font script="Ethi" typeface="Nyala"/>
-        <a:font script="Beng" typeface="Vrinda"/>
-        <a:font script="Gujr" typeface="Shruti"/>
-        <a:font script="Khmr" typeface="DaunPenh"/>
-        <a:font script="Knda" typeface="Tunga"/>
-        <a:font script="Guru" typeface="Raavi"/>
-        <a:font script="Cans" typeface="Euphemia"/>
-        <a:font script="Cher" typeface="Plantagenet Cherokee"/>
-        <a:font script="Yiii" typeface="Microsoft Yi Baiti"/>
-        <a:font script="Tibt" typeface="Microsoft Himalaya"/>
-        <a:font script="Thaa" typeface="MV Boli"/>
-        <a:font script="Deva" typeface="Mangal"/>
-        <a:font script="Telu" typeface="Gautami"/>
-        <a:font script="Taml" typeface="Latha"/>
-        <a:font script="Syrc" typeface="Estrangelo Edessa"/>
-        <a:font script="Orya" typeface="Kalinga"/>
-        <a:font script="Mlym" typeface="Kartika"/>
-        <a:font script="Laoo" typeface="DokChampa"/>
-        <a:font script="Sinh" typeface="Iskoola Pota"/>
-        <a:font script="Mong" typeface="Mongolian Baiti"/>
-        <a:font script="Viet" typeface="Arial"/>
-        <a:font script="Uigh" typeface="Microsoft Uighur"/>
+        <a:font script="Geor" typeface="Sylfaen"/>
+        <a:font script="Armn" typeface="Arial"/>
+        <a:font script="Bugi" typeface="Leelawadee UI"/>
+        <a:font script="Bopo" typeface="Microsoft JhengHei"/>
+        <a:font script="Java" typeface="Javanese Text"/>
+        <a:font script="Lisu" typeface="Segoe UI"/>
+        <a:font script="Mymr" typeface="Myanmar Text"/>
+        <a:font script="Nkoo" typeface="Ebrima"/>
+        <a:font script="Olck" typeface="Nirmala UI"/>
+        <a:font script="Osma" typeface="Ebrima"/>
+        <a:font script="Phag" typeface="Phagspa"/>
+        <a:font script="Syrn" typeface="Estrangelo Edessa"/>
+        <a:font script="Syrj" typeface="Estrangelo Edessa"/>
+        <a:font script="Syre" typeface="Estrangelo Edessa"/>
+        <a:font script="Sora" typeface="Nirmala UI"/>
+        <a:font script="Tale" typeface="Microsoft Tai Le"/>
+        <a:font script="Talu" typeface="Microsoft New Tai Lue"/>
+        <a:font script="Tfng" typeface="Ebrima"/>
       </a:minorFont>
     </a:fontScheme>
-    <a:fmtScheme name="木版活字">
+    <a:fmtScheme name="Office">
       <a:fillStyleLst>
         <a:solidFill>
           <a:schemeClr val="phClr"/>
         </a:solidFill>
-        <a:blipFill rotWithShape="1">
-          <a:blip xmlns:r="http://schemas.openxmlformats.org/officeDocument/2006/relationships" r:embed="rId1">
-            <a:duotone>
+        <a:gradFill rotWithShape="1">
+          <a:gsLst>
+            <a:gs pos="0">
               <a:schemeClr val="phClr">
-                <a:tint val="70000"/>
-                <a:shade val="63000"/>
+                <a:lumMod val="110000"/>
+                <a:satMod val="105000"/>
+                <a:tint val="67000"/>
               </a:schemeClr>
+            </a:gs>
+            <a:gs pos="50000">
               <a:schemeClr val="phClr">
-                <a:tint val="10000"/>
-                <a:satMod val="150000"/>
+                <a:lumMod val="105000"/>
+                <a:satMod val="103000"/>
+                <a:tint val="73000"/>
               </a:schemeClr>
-            </a:duotone>
-          </a:blip>
-          <a:tile tx="0" ty="0" sx="60000" sy="59000" flip="none" algn="tl"/>
-        </a:blipFill>
-        <a:blipFill rotWithShape="1">
-          <a:blip xmlns:r="http://schemas.openxmlformats.org/officeDocument/2006/relationships" r:embed="rId1">
-            <a:duotone>
+            </a:gs>
+            <a:gs pos="100000">
               <a:schemeClr val="phClr">
-                <a:shade val="36000"/>
+                <a:lumMod val="105000"/>
+                <a:satMod val="109000"/>
+                <a:tint val="81000"/>
+              </a:schemeClr>
+            </a:gs>
+          </a:gsLst>
+          <a:lin ang="5400000" scaled="0"/>
+        </a:gradFill>
+        <a:gradFill rotWithShape="1">
+          <a:gsLst>
+            <a:gs pos="0">
+              <a:schemeClr val="phClr">
+                <a:satMod val="103000"/>
+                <a:lumMod val="102000"/>
+                <a:tint val="94000"/>
+              </a:schemeClr>
+            </a:gs>
+            <a:gs pos="50000">
+              <a:schemeClr val="phClr">
+                <a:satMod val="110000"/>
+                <a:lumMod val="100000"/>
+                <a:shade val="100000"/>
+              </a:schemeClr>
+            </a:gs>
+            <a:gs pos="100000">
+              <a:schemeClr val="phClr">
+                <a:lumMod val="99000"/>
                 <a:satMod val="120000"/>
+                <a:shade val="78000"/>
               </a:schemeClr>
-              <a:schemeClr val="phClr">
-                <a:tint val="40000"/>
-              </a:schemeClr>
-            </a:duotone>
-          </a:blip>
-          <a:tile tx="0" ty="0" sx="60000" sy="59000" flip="none" algn="tl"/>
-        </a:blipFill>
+            </a:gs>
+          </a:gsLst>
+          <a:lin ang="5400000" scaled="0"/>
+        </a:gradFill>
       </a:fillStyleLst>
       <a:lnStyleLst>
         <a:ln w="6350" cap="flat" cmpd="sng" algn="ctr">
@@ -5650,18 +5356,21 @@
             <a:schemeClr val="phClr"/>
           </a:solidFill>
           <a:prstDash val="solid"/>
+          <a:miter lim="800000"/>
         </a:ln>
         <a:ln w="12700" cap="flat" cmpd="sng" algn="ctr">
           <a:solidFill>
             <a:schemeClr val="phClr"/>
           </a:solidFill>
           <a:prstDash val="solid"/>
+          <a:miter lim="800000"/>
         </a:ln>
         <a:ln w="19050" cap="flat" cmpd="sng" algn="ctr">
           <a:solidFill>
             <a:schemeClr val="phClr"/>
           </a:solidFill>
           <a:prstDash val="solid"/>
+          <a:miter lim="800000"/>
         </a:ln>
       </a:lnStyleLst>
       <a:effectStyleLst>
@@ -5669,18 +5378,15 @@
           <a:effectLst/>
         </a:effectStyle>
         <a:effectStyle>
-          <a:effectLst>
-            <a:softEdge rad="12700"/>
-          </a:effectLst>
+          <a:effectLst/>
         </a:effectStyle>
         <a:effectStyle>
           <a:effectLst>
-            <a:outerShdw blurRad="50800" dist="19050" dir="5400000" algn="tl" rotWithShape="0">
+            <a:outerShdw blurRad="57150" dist="19050" dir="5400000" algn="ctr" rotWithShape="0">
               <a:srgbClr val="000000">
-                <a:alpha val="60000"/>
+                <a:alpha val="63000"/>
               </a:srgbClr>
             </a:outerShdw>
-            <a:softEdge rad="12700"/>
           </a:effectLst>
         </a:effectStyle>
       </a:effectStyleLst>
@@ -5690,26 +5396,37 @@
         </a:solidFill>
         <a:solidFill>
           <a:schemeClr val="phClr">
-            <a:shade val="97000"/>
-            <a:satMod val="150000"/>
+            <a:tint val="95000"/>
+            <a:satMod val="170000"/>
           </a:schemeClr>
         </a:solidFill>
-        <a:blipFill rotWithShape="1">
-          <a:blip xmlns:r="http://schemas.openxmlformats.org/officeDocument/2006/relationships" r:embed="rId1">
-            <a:duotone>
+        <a:gradFill rotWithShape="1">
+          <a:gsLst>
+            <a:gs pos="0">
               <a:schemeClr val="phClr">
-                <a:tint val="75000"/>
-                <a:shade val="58000"/>
+                <a:tint val="93000"/>
+                <a:satMod val="150000"/>
+                <a:shade val="98000"/>
+                <a:lumMod val="102000"/>
+              </a:schemeClr>
+            </a:gs>
+            <a:gs pos="50000">
+              <a:schemeClr val="phClr">
+                <a:tint val="98000"/>
+                <a:satMod val="130000"/>
+                <a:shade val="90000"/>
+                <a:lumMod val="103000"/>
+              </a:schemeClr>
+            </a:gs>
+            <a:gs pos="100000">
+              <a:schemeClr val="phClr">
+                <a:shade val="63000"/>
                 <a:satMod val="120000"/>
               </a:schemeClr>
-              <a:schemeClr val="phClr">
-                <a:tint val="50000"/>
-                <a:shade val="96000"/>
-              </a:schemeClr>
-            </a:duotone>
-          </a:blip>
-          <a:tile tx="0" ty="0" sx="100000" sy="100000" flip="none" algn="tl"/>
-        </a:blipFill>
+            </a:gs>
+          </a:gsLst>
+          <a:lin ang="5400000" scaled="0"/>
+        </a:gradFill>
       </a:bgFillStyleLst>
     </a:fmtScheme>
   </a:themeElements>
@@ -5717,7 +5434,7 @@
   <a:extraClrSchemeLst/>
   <a:extLst>
     <a:ext uri="{05A4C25C-085E-4340-85A3-A5531E510DB2}">
-      <thm15:themeFamily xmlns:thm15="http://schemas.microsoft.com/office/thememl/2012/main" name="Wood Type" id="{7ACABC62-BF99-48CF-A9DC-4DB89C7B13DC}" vid="{C6AE0645-98FF-411B-B0E9-59ABD78A0CCE}"/>
+      <thm15:themeFamily xmlns:thm15="http://schemas.microsoft.com/office/thememl/2012/main" name="Office Theme" id="{62F939B6-93AF-4DB8-9C6B-D6C7DFDC589F}" vid="{4A3C46E8-61CC-4603-A589-7422A47A8E4A}"/>
     </a:ext>
   </a:extLst>
 </a:theme>

--- a/docs/tomoko/mid_presen.pptx
+++ b/docs/tomoko/mid_presen.pptx
@@ -10,8 +10,9 @@
     <p:sldId id="257" r:id="rId4"/>
     <p:sldId id="261" r:id="rId5"/>
     <p:sldId id="260" r:id="rId6"/>
-    <p:sldId id="263" r:id="rId7"/>
-    <p:sldId id="258" r:id="rId8"/>
+    <p:sldId id="264" r:id="rId7"/>
+    <p:sldId id="263" r:id="rId8"/>
+    <p:sldId id="258" r:id="rId9"/>
   </p:sldIdLst>
   <p:sldSz cx="12192000" cy="6858000"/>
   <p:notesSz cx="6858000" cy="9144000"/>
@@ -266,7 +267,7 @@
             <a:fld id="{5586B75A-687E-405C-8A0B-8D00578BA2C3}" type="datetimeFigureOut">
               <a:rPr lang="en-US" smtClean="0"/>
               <a:pPr/>
-              <a:t>9/16/18</a:t>
+              <a:t>9/17/18</a:t>
             </a:fld>
             <a:endParaRPr lang="en-US" dirty="0"/>
           </a:p>
@@ -473,7 +474,7 @@
             <a:fld id="{5586B75A-687E-405C-8A0B-8D00578BA2C3}" type="datetimeFigureOut">
               <a:rPr lang="en-US" smtClean="0"/>
               <a:pPr/>
-              <a:t>9/16/18</a:t>
+              <a:t>9/17/18</a:t>
             </a:fld>
             <a:endParaRPr lang="en-US" dirty="0"/>
           </a:p>
@@ -690,7 +691,7 @@
             <a:fld id="{5586B75A-687E-405C-8A0B-8D00578BA2C3}" type="datetimeFigureOut">
               <a:rPr lang="en-US" smtClean="0"/>
               <a:pPr/>
-              <a:t>9/16/18</a:t>
+              <a:t>9/17/18</a:t>
             </a:fld>
             <a:endParaRPr lang="en-US" dirty="0"/>
           </a:p>
@@ -897,7 +898,7 @@
             <a:fld id="{5586B75A-687E-405C-8A0B-8D00578BA2C3}" type="datetimeFigureOut">
               <a:rPr lang="en-US" smtClean="0"/>
               <a:pPr/>
-              <a:t>9/16/18</a:t>
+              <a:t>9/17/18</a:t>
             </a:fld>
             <a:endParaRPr lang="en-US" dirty="0"/>
           </a:p>
@@ -1209,7 +1210,7 @@
             <a:fld id="{5586B75A-687E-405C-8A0B-8D00578BA2C3}" type="datetimeFigureOut">
               <a:rPr lang="en-US" smtClean="0"/>
               <a:pPr/>
-              <a:t>9/16/18</a:t>
+              <a:t>9/17/18</a:t>
             </a:fld>
             <a:endParaRPr lang="en-US" dirty="0"/>
           </a:p>
@@ -1490,7 +1491,7 @@
             <a:fld id="{5586B75A-687E-405C-8A0B-8D00578BA2C3}" type="datetimeFigureOut">
               <a:rPr lang="en-US" smtClean="0"/>
               <a:pPr/>
-              <a:t>9/16/18</a:t>
+              <a:t>9/17/18</a:t>
             </a:fld>
             <a:endParaRPr lang="en-US" dirty="0"/>
           </a:p>
@@ -1988,7 +1989,7 @@
             <a:fld id="{5586B75A-687E-405C-8A0B-8D00578BA2C3}" type="datetimeFigureOut">
               <a:rPr lang="en-US" smtClean="0"/>
               <a:pPr/>
-              <a:t>9/16/18</a:t>
+              <a:t>9/17/18</a:t>
             </a:fld>
             <a:endParaRPr lang="en-US" dirty="0"/>
           </a:p>
@@ -2131,7 +2132,7 @@
             <a:fld id="{5586B75A-687E-405C-8A0B-8D00578BA2C3}" type="datetimeFigureOut">
               <a:rPr lang="en-US" smtClean="0"/>
               <a:pPr/>
-              <a:t>9/16/18</a:t>
+              <a:t>9/17/18</a:t>
             </a:fld>
             <a:endParaRPr lang="en-US" dirty="0"/>
           </a:p>
@@ -2246,7 +2247,7 @@
             <a:fld id="{5586B75A-687E-405C-8A0B-8D00578BA2C3}" type="datetimeFigureOut">
               <a:rPr lang="en-US" smtClean="0"/>
               <a:pPr/>
-              <a:t>9/16/18</a:t>
+              <a:t>9/17/18</a:t>
             </a:fld>
             <a:endParaRPr lang="en-US" dirty="0"/>
           </a:p>
@@ -2601,7 +2602,7 @@
             <a:fld id="{5586B75A-687E-405C-8A0B-8D00578BA2C3}" type="datetimeFigureOut">
               <a:rPr lang="en-US" smtClean="0"/>
               <a:pPr/>
-              <a:t>9/16/18</a:t>
+              <a:t>9/17/18</a:t>
             </a:fld>
             <a:endParaRPr lang="en-US" dirty="0"/>
           </a:p>
@@ -2926,7 +2927,7 @@
             <a:fld id="{5586B75A-687E-405C-8A0B-8D00578BA2C3}" type="datetimeFigureOut">
               <a:rPr lang="en-US" smtClean="0"/>
               <a:pPr/>
-              <a:t>9/16/18</a:t>
+              <a:t>9/17/18</a:t>
             </a:fld>
             <a:endParaRPr lang="en-US" dirty="0"/>
           </a:p>
@@ -3177,7 +3178,7 @@
             <a:fld id="{5586B75A-687E-405C-8A0B-8D00578BA2C3}" type="datetimeFigureOut">
               <a:rPr lang="en-US" smtClean="0"/>
               <a:pPr/>
-              <a:t>9/16/18</a:t>
+              <a:t>9/17/18</a:t>
             </a:fld>
             <a:endParaRPr lang="en-US" dirty="0"/>
           </a:p>
@@ -3765,10 +3766,10 @@
       </p:sp>
       <p:sp>
         <p:nvSpPr>
-          <p:cNvPr id="3" name="星 16 2">
-            <a:extLst>
-              <a:ext uri="{FF2B5EF4-FFF2-40B4-BE49-F238E27FC236}">
-                <a16:creationId xmlns:a16="http://schemas.microsoft.com/office/drawing/2014/main" id="{574B543D-D407-1944-8F4D-2D355609461E}"/>
+          <p:cNvPr id="5" name="右矢印 4">
+            <a:extLst>
+              <a:ext uri="{FF2B5EF4-FFF2-40B4-BE49-F238E27FC236}">
+                <a16:creationId xmlns:a16="http://schemas.microsoft.com/office/drawing/2014/main" id="{31F31E48-8A04-DF4D-A7B4-8D9316BE7F41}"/>
               </a:ext>
             </a:extLst>
           </p:cNvPr>
@@ -3777,23 +3778,15 @@
         </p:nvSpPr>
         <p:spPr>
           <a:xfrm>
-            <a:off x="0" y="1563758"/>
-            <a:ext cx="12085983" cy="4717772"/>
+            <a:off x="562677" y="2700628"/>
+            <a:ext cx="2092841" cy="1921476"/>
           </a:xfrm>
-          <a:prstGeom prst="star16">
+          <a:prstGeom prst="rightArrow">
             <a:avLst/>
           </a:prstGeom>
           <a:solidFill>
-            <a:schemeClr val="accent4">
-              <a:lumMod val="40000"/>
-              <a:lumOff val="60000"/>
-            </a:schemeClr>
+            <a:schemeClr val="accent1"/>
           </a:solidFill>
-          <a:ln>
-            <a:solidFill>
-              <a:schemeClr val="bg1"/>
-            </a:solidFill>
-          </a:ln>
         </p:spPr>
         <p:style>
           <a:lnRef idx="2">
@@ -3812,51 +3805,81 @@
           </a:fontRef>
         </p:style>
         <p:txBody>
-          <a:bodyPr lIns="108000" tIns="72000" rIns="108000" bIns="72000" rtlCol="0" anchor="ctr">
-            <a:noAutofit/>
+          <a:bodyPr rtlCol="0" anchor="ctr"/>
+          <a:lstStyle/>
+          <a:p>
+            <a:pPr algn="ctr"/>
+            <a:endParaRPr kumimoji="1" lang="ja-JP" altLang="en-US"/>
+          </a:p>
+        </p:txBody>
+      </p:sp>
+      <p:sp>
+        <p:nvSpPr>
+          <p:cNvPr id="7" name="テキスト ボックス 6">
+            <a:extLst>
+              <a:ext uri="{FF2B5EF4-FFF2-40B4-BE49-F238E27FC236}">
+                <a16:creationId xmlns:a16="http://schemas.microsoft.com/office/drawing/2014/main" id="{2B7670BB-5F3C-8B47-980F-BC54C3ED3527}"/>
+              </a:ext>
+            </a:extLst>
+          </p:cNvPr>
+          <p:cNvSpPr txBox="1"/>
+          <p:nvPr/>
+        </p:nvSpPr>
+        <p:spPr>
+          <a:xfrm>
+            <a:off x="3099652" y="2700628"/>
+            <a:ext cx="8823249" cy="3170099"/>
+          </a:xfrm>
+          <a:prstGeom prst="rect">
+            <a:avLst/>
+          </a:prstGeom>
+          <a:noFill/>
+        </p:spPr>
+        <p:txBody>
+          <a:bodyPr wrap="none" rtlCol="0">
+            <a:spAutoFit/>
           </a:bodyPr>
           <a:lstStyle/>
           <a:p>
-            <a:pPr algn="ctr"/>
-            <a:r>
-              <a:rPr kumimoji="1" lang="ja-JP" altLang="en-US" sz="3600">
-                <a:solidFill>
-                  <a:schemeClr val="accent1">
-                    <a:lumMod val="50000"/>
-                  </a:schemeClr>
-                </a:solidFill>
-              </a:rPr>
-              <a:t>どこに書いたか分からない！</a:t>
-            </a:r>
-            <a:endParaRPr kumimoji="1" lang="en-US" altLang="ja-JP" sz="3600" dirty="0">
-              <a:solidFill>
-                <a:schemeClr val="accent1">
-                  <a:lumMod val="50000"/>
-                </a:schemeClr>
-              </a:solidFill>
-            </a:endParaRPr>
-          </a:p>
-          <a:p>
-            <a:pPr algn="ctr"/>
-            <a:r>
-              <a:rPr kumimoji="1" lang="en-US" altLang="ja-JP" sz="3600" dirty="0">
-                <a:solidFill>
-                  <a:schemeClr val="accent1">
-                    <a:lumMod val="50000"/>
-                  </a:schemeClr>
-                </a:solidFill>
-              </a:rPr>
+            <a:r>
+              <a:rPr kumimoji="1" lang="ja-JP" altLang="en-US" sz="4000"/>
+              <a:t>＊</a:t>
+            </a:r>
+            <a:r>
+              <a:rPr kumimoji="1" lang="en-US" altLang="ja-JP" sz="4000" dirty="0"/>
               <a:t>memo</a:t>
             </a:r>
             <a:r>
-              <a:rPr kumimoji="1" lang="ja-JP" altLang="en-US" sz="3600">
-                <a:solidFill>
-                  <a:schemeClr val="accent1">
-                    <a:lumMod val="50000"/>
-                  </a:schemeClr>
-                </a:solidFill>
-              </a:rPr>
-              <a:t>を失くしてしまった！</a:t>
+              <a:rPr kumimoji="1" lang="ja-JP" altLang="en-US" sz="4000"/>
+              <a:t>のどこに書いたか分からない</a:t>
+            </a:r>
+            <a:endParaRPr kumimoji="1" lang="en-US" altLang="ja-JP" sz="4000" dirty="0"/>
+          </a:p>
+          <a:p>
+            <a:endParaRPr kumimoji="1" lang="en-US" altLang="ja-JP" sz="4000" dirty="0"/>
+          </a:p>
+          <a:p>
+            <a:r>
+              <a:rPr kumimoji="1" lang="ja-JP" altLang="en-US" sz="4000"/>
+              <a:t>＊</a:t>
+            </a:r>
+            <a:r>
+              <a:rPr kumimoji="1" lang="en-US" altLang="ja-JP" sz="4000" dirty="0"/>
+              <a:t>memo</a:t>
+            </a:r>
+            <a:r>
+              <a:rPr kumimoji="1" lang="ja-JP" altLang="en-US" sz="4000"/>
+              <a:t>自体を失くしてしまった</a:t>
+            </a:r>
+            <a:endParaRPr kumimoji="1" lang="en-US" altLang="ja-JP" sz="4000" dirty="0"/>
+          </a:p>
+          <a:p>
+            <a:endParaRPr kumimoji="1" lang="en-US" altLang="ja-JP" sz="4000" dirty="0"/>
+          </a:p>
+          <a:p>
+            <a:r>
+              <a:rPr kumimoji="1" lang="ja-JP" altLang="en-US" sz="4000"/>
+              <a:t>　　　　　　　　　ことがよくある</a:t>
             </a:r>
           </a:p>
         </p:txBody>
@@ -4325,7 +4348,7 @@
         </p:blipFill>
         <p:spPr>
           <a:xfrm>
-            <a:off x="701601" y="3242400"/>
+            <a:off x="698202" y="3113623"/>
             <a:ext cx="719425" cy="719425"/>
           </a:xfrm>
           <a:prstGeom prst="rect">
@@ -4385,7 +4408,7 @@
         </p:blipFill>
         <p:spPr>
           <a:xfrm>
-            <a:off x="701601" y="2165492"/>
+            <a:off x="701601" y="2061103"/>
             <a:ext cx="719425" cy="719425"/>
           </a:xfrm>
           <a:prstGeom prst="rect">
@@ -4415,7 +4438,7 @@
         </p:blipFill>
         <p:spPr>
           <a:xfrm>
-            <a:off x="701601" y="4885569"/>
+            <a:off x="698202" y="4778949"/>
             <a:ext cx="719425" cy="719425"/>
           </a:xfrm>
           <a:prstGeom prst="rect">
@@ -4467,8 +4490,8 @@
         </p:nvSpPr>
         <p:spPr>
           <a:xfrm>
-            <a:off x="2992582" y="1007918"/>
-            <a:ext cx="4561609" cy="369332"/>
+            <a:off x="2190916" y="331513"/>
+            <a:ext cx="7867483" cy="769441"/>
           </a:xfrm>
           <a:prstGeom prst="rect">
             <a:avLst/>
@@ -4481,23 +4504,54 @@
           </a:bodyPr>
           <a:lstStyle/>
           <a:p>
-            <a:r>
-              <a:rPr kumimoji="1" lang="en-US" altLang="ja-JP" dirty="0" err="1"/>
+            <a:pPr algn="ctr"/>
+            <a:r>
+              <a:rPr kumimoji="1" lang="en-US" altLang="ja-JP" sz="4400" dirty="0" err="1"/>
               <a:t>my_help</a:t>
             </a:r>
             <a:r>
-              <a:rPr kumimoji="1" lang="ja-JP" altLang="en-US"/>
+              <a:rPr kumimoji="1" lang="ja-JP" altLang="en-US" sz="4400"/>
               <a:t>の振る舞い</a:t>
             </a:r>
           </a:p>
         </p:txBody>
       </p:sp>
-      <p:sp>
-        <p:nvSpPr>
-          <p:cNvPr id="3" name="テキスト ボックス 2">
-            <a:extLst>
-              <a:ext uri="{FF2B5EF4-FFF2-40B4-BE49-F238E27FC236}">
-                <a16:creationId xmlns:a16="http://schemas.microsoft.com/office/drawing/2014/main" id="{3642B0B8-2FD1-9D4B-86A7-4AB468148C9E}"/>
+      <p:pic>
+        <p:nvPicPr>
+          <p:cNvPr id="5" name="図 4">
+            <a:extLst>
+              <a:ext uri="{FF2B5EF4-FFF2-40B4-BE49-F238E27FC236}">
+                <a16:creationId xmlns:a16="http://schemas.microsoft.com/office/drawing/2014/main" id="{B6B5FFD5-F7F5-224E-A716-C6BBAB1EC885}"/>
+              </a:ext>
+            </a:extLst>
+          </p:cNvPr>
+          <p:cNvPicPr>
+            <a:picLocks noChangeAspect="1"/>
+          </p:cNvPicPr>
+          <p:nvPr/>
+        </p:nvPicPr>
+        <p:blipFill>
+          <a:blip r:embed="rId2"/>
+          <a:stretch>
+            <a:fillRect/>
+          </a:stretch>
+        </p:blipFill>
+        <p:spPr>
+          <a:xfrm>
+            <a:off x="-279234" y="1548863"/>
+            <a:ext cx="7368966" cy="5309137"/>
+          </a:xfrm>
+          <a:prstGeom prst="rect">
+            <a:avLst/>
+          </a:prstGeom>
+        </p:spPr>
+      </p:pic>
+      <p:sp>
+        <p:nvSpPr>
+          <p:cNvPr id="6" name="テキスト ボックス 5">
+            <a:extLst>
+              <a:ext uri="{FF2B5EF4-FFF2-40B4-BE49-F238E27FC236}">
+                <a16:creationId xmlns:a16="http://schemas.microsoft.com/office/drawing/2014/main" id="{4EE341B6-0457-C646-96F1-55F43A0B58F4}"/>
               </a:ext>
             </a:extLst>
           </p:cNvPr>
@@ -4506,8 +4560,8 @@
         </p:nvSpPr>
         <p:spPr>
           <a:xfrm>
-            <a:off x="2992582" y="2608118"/>
-            <a:ext cx="5299363" cy="369332"/>
+            <a:off x="6789107" y="2601050"/>
+            <a:ext cx="4977008" cy="2862322"/>
           </a:xfrm>
           <a:prstGeom prst="rect">
             <a:avLst/>
@@ -4521,10 +4575,46 @@
           <a:lstStyle/>
           <a:p>
             <a:r>
-              <a:rPr kumimoji="1" lang="ja-JP" altLang="en-US"/>
-              <a:t>スクショ．</a:t>
-            </a:r>
-            <a:endParaRPr kumimoji="1" lang="en-US" altLang="ja-JP" dirty="0"/>
+              <a:rPr kumimoji="1" lang="en-US" altLang="ja-JP" sz="3600" dirty="0"/>
+              <a:t>&gt;</a:t>
+            </a:r>
+            <a:r>
+              <a:rPr kumimoji="1" lang="en-US" altLang="ja-JP" sz="3600" dirty="0" err="1"/>
+              <a:t>my_help</a:t>
+            </a:r>
+            <a:r>
+              <a:rPr kumimoji="1" lang="en-US" altLang="ja-JP" sz="3600" dirty="0"/>
+              <a:t> list emacs </a:t>
+            </a:r>
+          </a:p>
+          <a:p>
+            <a:endParaRPr kumimoji="1" lang="en-US" altLang="ja-JP" sz="3600" dirty="0"/>
+          </a:p>
+          <a:p>
+            <a:r>
+              <a:rPr kumimoji="1" lang="en-US" altLang="ja-JP" sz="3600" dirty="0"/>
+              <a:t>emacs</a:t>
+            </a:r>
+            <a:r>
+              <a:rPr kumimoji="1" lang="ja-JP" altLang="en-US" sz="3600"/>
+              <a:t>の</a:t>
+            </a:r>
+            <a:r>
+              <a:rPr kumimoji="1" lang="en-US" altLang="ja-JP" sz="3600" dirty="0"/>
+              <a:t>command</a:t>
+            </a:r>
+            <a:r>
+              <a:rPr kumimoji="1" lang="ja-JP" altLang="en-US" sz="3600"/>
+              <a:t>の</a:t>
+            </a:r>
+            <a:r>
+              <a:rPr kumimoji="1" lang="en-US" altLang="ja-JP" sz="3600" dirty="0"/>
+              <a:t>help</a:t>
+            </a:r>
+            <a:r>
+              <a:rPr kumimoji="1" lang="ja-JP" altLang="en-US" sz="3600"/>
+              <a:t>がリスト表示される．</a:t>
+            </a:r>
           </a:p>
         </p:txBody>
       </p:sp>
@@ -4542,6 +4632,186 @@
 </file>
 
 <file path=ppt/slides/slide6.xml><?xml version="1.0" encoding="utf-8"?>
+<p:sld xmlns:a="http://schemas.openxmlformats.org/drawingml/2006/main" xmlns:r="http://schemas.openxmlformats.org/officeDocument/2006/relationships" xmlns:p="http://schemas.openxmlformats.org/presentationml/2006/main">
+  <p:cSld>
+    <p:spTree>
+      <p:nvGrpSpPr>
+        <p:cNvPr id="1" name=""/>
+        <p:cNvGrpSpPr/>
+        <p:nvPr/>
+      </p:nvGrpSpPr>
+      <p:grpSpPr>
+        <a:xfrm>
+          <a:off x="0" y="0"/>
+          <a:ext cx="0" cy="0"/>
+          <a:chOff x="0" y="0"/>
+          <a:chExt cx="0" cy="0"/>
+        </a:xfrm>
+      </p:grpSpPr>
+      <p:sp>
+        <p:nvSpPr>
+          <p:cNvPr id="2" name="テキスト ボックス 1">
+            <a:extLst>
+              <a:ext uri="{FF2B5EF4-FFF2-40B4-BE49-F238E27FC236}">
+                <a16:creationId xmlns:a16="http://schemas.microsoft.com/office/drawing/2014/main" id="{2304BA78-B549-BD40-8EB3-F19E35CDE63A}"/>
+              </a:ext>
+            </a:extLst>
+          </p:cNvPr>
+          <p:cNvSpPr txBox="1"/>
+          <p:nvPr/>
+        </p:nvSpPr>
+        <p:spPr>
+          <a:xfrm>
+            <a:off x="2190916" y="331513"/>
+            <a:ext cx="7867483" cy="769441"/>
+          </a:xfrm>
+          <a:prstGeom prst="rect">
+            <a:avLst/>
+          </a:prstGeom>
+          <a:noFill/>
+        </p:spPr>
+        <p:txBody>
+          <a:bodyPr wrap="square" rtlCol="0">
+            <a:spAutoFit/>
+          </a:bodyPr>
+          <a:lstStyle/>
+          <a:p>
+            <a:pPr algn="ctr"/>
+            <a:r>
+              <a:rPr kumimoji="1" lang="en-US" altLang="ja-JP" sz="4400" dirty="0" err="1"/>
+              <a:t>my_help</a:t>
+            </a:r>
+            <a:r>
+              <a:rPr kumimoji="1" lang="ja-JP" altLang="en-US" sz="4400"/>
+              <a:t>の振る舞い</a:t>
+            </a:r>
+          </a:p>
+        </p:txBody>
+      </p:sp>
+      <p:sp>
+        <p:nvSpPr>
+          <p:cNvPr id="6" name="テキスト ボックス 5">
+            <a:extLst>
+              <a:ext uri="{FF2B5EF4-FFF2-40B4-BE49-F238E27FC236}">
+                <a16:creationId xmlns:a16="http://schemas.microsoft.com/office/drawing/2014/main" id="{4EE341B6-0457-C646-96F1-55F43A0B58F4}"/>
+              </a:ext>
+            </a:extLst>
+          </p:cNvPr>
+          <p:cNvSpPr txBox="1"/>
+          <p:nvPr/>
+        </p:nvSpPr>
+        <p:spPr>
+          <a:xfrm>
+            <a:off x="6726476" y="2595480"/>
+            <a:ext cx="5465524" cy="2862322"/>
+          </a:xfrm>
+          <a:prstGeom prst="rect">
+            <a:avLst/>
+          </a:prstGeom>
+          <a:noFill/>
+        </p:spPr>
+        <p:txBody>
+          <a:bodyPr wrap="square" rtlCol="0">
+            <a:spAutoFit/>
+          </a:bodyPr>
+          <a:lstStyle/>
+          <a:p>
+            <a:r>
+              <a:rPr kumimoji="1" lang="en-US" altLang="ja-JP" sz="3600" dirty="0"/>
+              <a:t>&gt;</a:t>
+            </a:r>
+            <a:r>
+              <a:rPr kumimoji="1" lang="en-US" altLang="ja-JP" sz="3600" dirty="0" err="1"/>
+              <a:t>my_help</a:t>
+            </a:r>
+            <a:r>
+              <a:rPr kumimoji="1" lang="en-US" altLang="ja-JP" sz="3600" dirty="0"/>
+              <a:t> list emacs</a:t>
+            </a:r>
+            <a:r>
+              <a:rPr kumimoji="1" lang="ja-JP" altLang="en-US" sz="3600"/>
+              <a:t> </a:t>
+            </a:r>
+            <a:r>
+              <a:rPr kumimoji="1" lang="en-US" altLang="ja-JP" sz="3600" dirty="0"/>
+              <a:t>-w </a:t>
+            </a:r>
+          </a:p>
+          <a:p>
+            <a:endParaRPr kumimoji="1" lang="en-US" altLang="ja-JP" sz="3600" dirty="0"/>
+          </a:p>
+          <a:p>
+            <a:r>
+              <a:rPr kumimoji="1" lang="en-US" altLang="ja-JP" sz="3600" dirty="0"/>
+              <a:t>emacs</a:t>
+            </a:r>
+            <a:r>
+              <a:rPr kumimoji="1" lang="ja-JP" altLang="en-US" sz="3600"/>
+              <a:t>の</a:t>
+            </a:r>
+            <a:r>
+              <a:rPr kumimoji="1" lang="en-US" altLang="ja-JP" sz="3600" dirty="0"/>
+              <a:t>window</a:t>
+            </a:r>
+            <a:r>
+              <a:rPr kumimoji="1" lang="ja-JP" altLang="en-US" sz="3600"/>
+              <a:t>についての</a:t>
+            </a:r>
+            <a:r>
+              <a:rPr kumimoji="1" lang="en-US" altLang="ja-JP" sz="3600" dirty="0"/>
+              <a:t>help</a:t>
+            </a:r>
+            <a:r>
+              <a:rPr kumimoji="1" lang="ja-JP" altLang="en-US" sz="3600"/>
+              <a:t>がリスト表示される．</a:t>
+            </a:r>
+          </a:p>
+        </p:txBody>
+      </p:sp>
+      <p:pic>
+        <p:nvPicPr>
+          <p:cNvPr id="4" name="図 3">
+            <a:extLst>
+              <a:ext uri="{FF2B5EF4-FFF2-40B4-BE49-F238E27FC236}">
+                <a16:creationId xmlns:a16="http://schemas.microsoft.com/office/drawing/2014/main" id="{91A85033-A10D-B04D-9086-AE64F029B544}"/>
+              </a:ext>
+            </a:extLst>
+          </p:cNvPr>
+          <p:cNvPicPr>
+            <a:picLocks noChangeAspect="1"/>
+          </p:cNvPicPr>
+          <p:nvPr/>
+        </p:nvPicPr>
+        <p:blipFill>
+          <a:blip r:embed="rId2"/>
+          <a:stretch>
+            <a:fillRect/>
+          </a:stretch>
+        </p:blipFill>
+        <p:spPr>
+          <a:xfrm>
+            <a:off x="-204080" y="1443969"/>
+            <a:ext cx="7343915" cy="5291088"/>
+          </a:xfrm>
+          <a:prstGeom prst="rect">
+            <a:avLst/>
+          </a:prstGeom>
+        </p:spPr>
+      </p:pic>
+    </p:spTree>
+    <p:extLst>
+      <p:ext uri="{BB962C8B-B14F-4D97-AF65-F5344CB8AC3E}">
+        <p14:creationId xmlns:p14="http://schemas.microsoft.com/office/powerpoint/2010/main" val="2861018704"/>
+      </p:ext>
+    </p:extLst>
+  </p:cSld>
+  <p:clrMapOvr>
+    <a:masterClrMapping/>
+  </p:clrMapOvr>
+</p:sld>
+</file>
+
+<file path=ppt/slides/slide7.xml><?xml version="1.0" encoding="utf-8"?>
 <p:sld xmlns:a="http://schemas.openxmlformats.org/drawingml/2006/main" xmlns:r="http://schemas.openxmlformats.org/officeDocument/2006/relationships" xmlns:p="http://schemas.openxmlformats.org/presentationml/2006/main">
   <p:cSld>
     <p:spTree>
@@ -4776,9 +5046,9 @@
             <a:avLst/>
           </a:prstGeom>
           <a:solidFill>
-            <a:schemeClr val="accent2">
-              <a:lumMod val="40000"/>
-              <a:lumOff val="60000"/>
+            <a:schemeClr val="accent4">
+              <a:lumMod val="60000"/>
+              <a:lumOff val="40000"/>
             </a:schemeClr>
           </a:solidFill>
         </p:spPr>
@@ -4887,7 +5157,7 @@
 </p:sld>
 </file>
 
-<file path=ppt/slides/slide7.xml><?xml version="1.0" encoding="utf-8"?>
+<file path=ppt/slides/slide8.xml><?xml version="1.0" encoding="utf-8"?>
 <p:sld xmlns:a="http://schemas.openxmlformats.org/drawingml/2006/main" xmlns:r="http://schemas.openxmlformats.org/officeDocument/2006/relationships" xmlns:p="http://schemas.openxmlformats.org/presentationml/2006/main">
   <p:cSld>
     <p:spTree>
@@ -4954,7 +5224,7 @@
         </p:nvSpPr>
         <p:spPr>
           <a:xfrm>
-            <a:off x="893618" y="2931443"/>
+            <a:off x="1732861" y="3012322"/>
             <a:ext cx="6598228" cy="707886"/>
           </a:xfrm>
           <a:prstGeom prst="rect">
@@ -4970,14 +5240,6 @@
           <a:p>
             <a:r>
               <a:rPr kumimoji="1" lang="en-US" altLang="ja-JP" sz="4000" dirty="0"/>
-              <a:t>1.</a:t>
-            </a:r>
-            <a:r>
-              <a:rPr kumimoji="1" lang="ja-JP" altLang="en-US" sz="4000"/>
-              <a:t>  </a:t>
-            </a:r>
-            <a:r>
-              <a:rPr kumimoji="1" lang="en-US" altLang="ja-JP" sz="4000" dirty="0"/>
               <a:t>git</a:t>
             </a:r>
             <a:r>
@@ -5006,7 +5268,7 @@
         </p:nvSpPr>
         <p:spPr>
           <a:xfrm>
-            <a:off x="893618" y="4095069"/>
+            <a:off x="1732861" y="4095068"/>
             <a:ext cx="5878243" cy="707886"/>
           </a:xfrm>
           <a:prstGeom prst="rect">
@@ -5022,14 +5284,6 @@
           <a:p>
             <a:r>
               <a:rPr kumimoji="1" lang="en-US" altLang="ja-JP" sz="4000" dirty="0"/>
-              <a:t>2. </a:t>
-            </a:r>
-            <a:r>
-              <a:rPr kumimoji="1" lang="ja-JP" altLang="en-US" sz="4000"/>
-              <a:t> </a:t>
-            </a:r>
-            <a:r>
-              <a:rPr kumimoji="1" lang="en-US" altLang="ja-JP" sz="4000" dirty="0"/>
               <a:t>Web</a:t>
             </a:r>
             <a:r>
@@ -5053,7 +5307,7 @@
         </p:nvSpPr>
         <p:spPr>
           <a:xfrm>
-            <a:off x="893618" y="5258695"/>
+            <a:off x="1732861" y="5177814"/>
             <a:ext cx="7654034" cy="707886"/>
           </a:xfrm>
           <a:prstGeom prst="rect">
@@ -5069,7 +5323,7 @@
           <a:p>
             <a:r>
               <a:rPr kumimoji="1" lang="en-US" altLang="ja-JP" sz="4000" dirty="0"/>
-              <a:t>3.  Point</a:t>
+              <a:t>Point</a:t>
             </a:r>
             <a:r>
               <a:rPr kumimoji="1" lang="ja-JP" altLang="en-US" sz="4000"/>
@@ -5129,6 +5383,171 @@
               <a:rPr kumimoji="1" lang="ja-JP" altLang="en-US" sz="3600"/>
               <a:t>点の機能を取り入れる．</a:t>
             </a:r>
+          </a:p>
+        </p:txBody>
+      </p:sp>
+      <p:sp>
+        <p:nvSpPr>
+          <p:cNvPr id="9" name="雲 8">
+            <a:extLst>
+              <a:ext uri="{FF2B5EF4-FFF2-40B4-BE49-F238E27FC236}">
+                <a16:creationId xmlns:a16="http://schemas.microsoft.com/office/drawing/2014/main" id="{3B0152BD-3B19-0844-8384-39B3F1B64CB3}"/>
+              </a:ext>
+            </a:extLst>
+          </p:cNvPr>
+          <p:cNvSpPr/>
+          <p:nvPr/>
+        </p:nvSpPr>
+        <p:spPr>
+          <a:xfrm>
+            <a:off x="640061" y="3005994"/>
+            <a:ext cx="902525" cy="676893"/>
+          </a:xfrm>
+          <a:prstGeom prst="cloud">
+            <a:avLst/>
+          </a:prstGeom>
+          <a:solidFill>
+            <a:schemeClr val="accent4"/>
+          </a:solidFill>
+          <a:ln>
+            <a:noFill/>
+          </a:ln>
+          <a:effectLst>
+            <a:softEdge rad="50800"/>
+          </a:effectLst>
+        </p:spPr>
+        <p:style>
+          <a:lnRef idx="2">
+            <a:schemeClr val="accent1">
+              <a:shade val="50000"/>
+            </a:schemeClr>
+          </a:lnRef>
+          <a:fillRef idx="1">
+            <a:schemeClr val="accent1"/>
+          </a:fillRef>
+          <a:effectRef idx="0">
+            <a:schemeClr val="accent1"/>
+          </a:effectRef>
+          <a:fontRef idx="minor">
+            <a:schemeClr val="lt1"/>
+          </a:fontRef>
+        </p:style>
+        <p:txBody>
+          <a:bodyPr rtlCol="0" anchor="ctr"/>
+          <a:lstStyle/>
+          <a:p>
+            <a:pPr algn="ctr"/>
+            <a:endParaRPr kumimoji="1" lang="ja-JP" altLang="en-US"/>
+          </a:p>
+        </p:txBody>
+      </p:sp>
+      <p:sp>
+        <p:nvSpPr>
+          <p:cNvPr id="10" name="雲 9">
+            <a:extLst>
+              <a:ext uri="{FF2B5EF4-FFF2-40B4-BE49-F238E27FC236}">
+                <a16:creationId xmlns:a16="http://schemas.microsoft.com/office/drawing/2014/main" id="{A0776A33-803F-ED47-BD01-8DCDFE579EA9}"/>
+              </a:ext>
+            </a:extLst>
+          </p:cNvPr>
+          <p:cNvSpPr/>
+          <p:nvPr/>
+        </p:nvSpPr>
+        <p:spPr>
+          <a:xfrm>
+            <a:off x="622851" y="4110564"/>
+            <a:ext cx="902525" cy="676893"/>
+          </a:xfrm>
+          <a:prstGeom prst="cloud">
+            <a:avLst/>
+          </a:prstGeom>
+          <a:solidFill>
+            <a:schemeClr val="accent4"/>
+          </a:solidFill>
+          <a:ln>
+            <a:noFill/>
+          </a:ln>
+          <a:effectLst>
+            <a:softEdge rad="50800"/>
+          </a:effectLst>
+        </p:spPr>
+        <p:style>
+          <a:lnRef idx="2">
+            <a:schemeClr val="accent1">
+              <a:shade val="50000"/>
+            </a:schemeClr>
+          </a:lnRef>
+          <a:fillRef idx="1">
+            <a:schemeClr val="accent1"/>
+          </a:fillRef>
+          <a:effectRef idx="0">
+            <a:schemeClr val="accent1"/>
+          </a:effectRef>
+          <a:fontRef idx="minor">
+            <a:schemeClr val="lt1"/>
+          </a:fontRef>
+        </p:style>
+        <p:txBody>
+          <a:bodyPr rtlCol="0" anchor="ctr"/>
+          <a:lstStyle/>
+          <a:p>
+            <a:pPr algn="ctr"/>
+            <a:endParaRPr kumimoji="1" lang="ja-JP" altLang="en-US"/>
+          </a:p>
+        </p:txBody>
+      </p:sp>
+      <p:sp>
+        <p:nvSpPr>
+          <p:cNvPr id="11" name="雲 10">
+            <a:extLst>
+              <a:ext uri="{FF2B5EF4-FFF2-40B4-BE49-F238E27FC236}">
+                <a16:creationId xmlns:a16="http://schemas.microsoft.com/office/drawing/2014/main" id="{4ECB4129-7048-4E4A-983E-01383A891FDC}"/>
+              </a:ext>
+            </a:extLst>
+          </p:cNvPr>
+          <p:cNvSpPr/>
+          <p:nvPr/>
+        </p:nvSpPr>
+        <p:spPr>
+          <a:xfrm>
+            <a:off x="622852" y="5208807"/>
+            <a:ext cx="902525" cy="676893"/>
+          </a:xfrm>
+          <a:prstGeom prst="cloud">
+            <a:avLst/>
+          </a:prstGeom>
+          <a:solidFill>
+            <a:schemeClr val="accent4"/>
+          </a:solidFill>
+          <a:ln>
+            <a:noFill/>
+          </a:ln>
+          <a:effectLst>
+            <a:softEdge rad="50800"/>
+          </a:effectLst>
+        </p:spPr>
+        <p:style>
+          <a:lnRef idx="2">
+            <a:schemeClr val="accent1">
+              <a:shade val="50000"/>
+            </a:schemeClr>
+          </a:lnRef>
+          <a:fillRef idx="1">
+            <a:schemeClr val="accent1"/>
+          </a:fillRef>
+          <a:effectRef idx="0">
+            <a:schemeClr val="accent1"/>
+          </a:effectRef>
+          <a:fontRef idx="minor">
+            <a:schemeClr val="lt1"/>
+          </a:fontRef>
+        </p:style>
+        <p:txBody>
+          <a:bodyPr rtlCol="0" anchor="ctr"/>
+          <a:lstStyle/>
+          <a:p>
+            <a:pPr algn="ctr"/>
+            <a:endParaRPr kumimoji="1" lang="ja-JP" altLang="en-US"/>
           </a:p>
         </p:txBody>
       </p:sp>

--- a/docs/tomoko/mid_presen.pptx
+++ b/docs/tomoko/mid_presen.pptx
@@ -4,15 +4,20 @@
   <p:sldMasterIdLst>
     <p:sldMasterId id="2147483975" r:id="rId1"/>
   </p:sldMasterIdLst>
+  <p:notesMasterIdLst>
+    <p:notesMasterId r:id="rId12"/>
+  </p:notesMasterIdLst>
   <p:sldIdLst>
     <p:sldId id="256" r:id="rId2"/>
     <p:sldId id="262" r:id="rId3"/>
     <p:sldId id="257" r:id="rId4"/>
     <p:sldId id="261" r:id="rId5"/>
-    <p:sldId id="260" r:id="rId6"/>
-    <p:sldId id="264" r:id="rId7"/>
-    <p:sldId id="263" r:id="rId8"/>
-    <p:sldId id="258" r:id="rId9"/>
+    <p:sldId id="266" r:id="rId6"/>
+    <p:sldId id="260" r:id="rId7"/>
+    <p:sldId id="264" r:id="rId8"/>
+    <p:sldId id="265" r:id="rId9"/>
+    <p:sldId id="263" r:id="rId10"/>
+    <p:sldId id="258" r:id="rId11"/>
   </p:sldIdLst>
   <p:sldSz cx="12192000" cy="6858000"/>
   <p:notesSz cx="6858000" cy="9144000"/>
@@ -119,6 +124,1096 @@
 </p:presentation>
 </file>
 
+<file path=ppt/notesMasters/notesMaster1.xml><?xml version="1.0" encoding="utf-8"?>
+<p:notesMaster xmlns:a="http://schemas.openxmlformats.org/drawingml/2006/main" xmlns:r="http://schemas.openxmlformats.org/officeDocument/2006/relationships" xmlns:p="http://schemas.openxmlformats.org/presentationml/2006/main">
+  <p:cSld>
+    <p:bg>
+      <p:bgRef idx="1001">
+        <a:schemeClr val="bg1"/>
+      </p:bgRef>
+    </p:bg>
+    <p:spTree>
+      <p:nvGrpSpPr>
+        <p:cNvPr id="1" name=""/>
+        <p:cNvGrpSpPr/>
+        <p:nvPr/>
+      </p:nvGrpSpPr>
+      <p:grpSpPr>
+        <a:xfrm>
+          <a:off x="0" y="0"/>
+          <a:ext cx="0" cy="0"/>
+          <a:chOff x="0" y="0"/>
+          <a:chExt cx="0" cy="0"/>
+        </a:xfrm>
+      </p:grpSpPr>
+      <p:sp>
+        <p:nvSpPr>
+          <p:cNvPr id="2" name="ヘッダー プレースホルダー 1"/>
+          <p:cNvSpPr>
+            <a:spLocks noGrp="1"/>
+          </p:cNvSpPr>
+          <p:nvPr>
+            <p:ph type="hdr" sz="quarter"/>
+          </p:nvPr>
+        </p:nvSpPr>
+        <p:spPr>
+          <a:xfrm>
+            <a:off x="0" y="0"/>
+            <a:ext cx="2971800" cy="458788"/>
+          </a:xfrm>
+          <a:prstGeom prst="rect">
+            <a:avLst/>
+          </a:prstGeom>
+        </p:spPr>
+        <p:txBody>
+          <a:bodyPr vert="horz" lIns="91440" tIns="45720" rIns="91440" bIns="45720" rtlCol="0"/>
+          <a:lstStyle>
+            <a:lvl1pPr algn="l">
+              <a:defRPr sz="1200"/>
+            </a:lvl1pPr>
+          </a:lstStyle>
+          <a:p>
+            <a:endParaRPr kumimoji="1" lang="ja-JP" altLang="en-US"/>
+          </a:p>
+        </p:txBody>
+      </p:sp>
+      <p:sp>
+        <p:nvSpPr>
+          <p:cNvPr id="3" name="日付プレースホルダー 2"/>
+          <p:cNvSpPr>
+            <a:spLocks noGrp="1"/>
+          </p:cNvSpPr>
+          <p:nvPr>
+            <p:ph type="dt" idx="1"/>
+          </p:nvPr>
+        </p:nvSpPr>
+        <p:spPr>
+          <a:xfrm>
+            <a:off x="3884613" y="0"/>
+            <a:ext cx="2971800" cy="458788"/>
+          </a:xfrm>
+          <a:prstGeom prst="rect">
+            <a:avLst/>
+          </a:prstGeom>
+        </p:spPr>
+        <p:txBody>
+          <a:bodyPr vert="horz" lIns="91440" tIns="45720" rIns="91440" bIns="45720" rtlCol="0"/>
+          <a:lstStyle>
+            <a:lvl1pPr algn="r">
+              <a:defRPr sz="1200"/>
+            </a:lvl1pPr>
+          </a:lstStyle>
+          <a:p>
+            <a:fld id="{BCF8B642-7FC1-E947-9552-A4615B252889}" type="datetimeFigureOut">
+              <a:rPr kumimoji="1" lang="ja-JP" altLang="en-US" smtClean="0"/>
+              <a:t>2018/9/18</a:t>
+            </a:fld>
+            <a:endParaRPr kumimoji="1" lang="ja-JP" altLang="en-US"/>
+          </a:p>
+        </p:txBody>
+      </p:sp>
+      <p:sp>
+        <p:nvSpPr>
+          <p:cNvPr id="4" name="スライド イメージ プレースホルダー 3"/>
+          <p:cNvSpPr>
+            <a:spLocks noGrp="1" noRot="1" noChangeAspect="1"/>
+          </p:cNvSpPr>
+          <p:nvPr>
+            <p:ph type="sldImg" idx="2"/>
+          </p:nvPr>
+        </p:nvSpPr>
+        <p:spPr>
+          <a:xfrm>
+            <a:off x="685800" y="1143000"/>
+            <a:ext cx="5486400" cy="3086100"/>
+          </a:xfrm>
+          <a:prstGeom prst="rect">
+            <a:avLst/>
+          </a:prstGeom>
+          <a:noFill/>
+          <a:ln w="12700">
+            <a:solidFill>
+              <a:prstClr val="black"/>
+            </a:solidFill>
+          </a:ln>
+        </p:spPr>
+        <p:txBody>
+          <a:bodyPr vert="horz" lIns="91440" tIns="45720" rIns="91440" bIns="45720" rtlCol="0" anchor="ctr"/>
+          <a:lstStyle/>
+          <a:p>
+            <a:endParaRPr lang="ja-JP" altLang="en-US"/>
+          </a:p>
+        </p:txBody>
+      </p:sp>
+      <p:sp>
+        <p:nvSpPr>
+          <p:cNvPr id="5" name="ノート プレースホルダー 4"/>
+          <p:cNvSpPr>
+            <a:spLocks noGrp="1"/>
+          </p:cNvSpPr>
+          <p:nvPr>
+            <p:ph type="body" sz="quarter" idx="3"/>
+          </p:nvPr>
+        </p:nvSpPr>
+        <p:spPr>
+          <a:xfrm>
+            <a:off x="685800" y="4400550"/>
+            <a:ext cx="5486400" cy="3600450"/>
+          </a:xfrm>
+          <a:prstGeom prst="rect">
+            <a:avLst/>
+          </a:prstGeom>
+        </p:spPr>
+        <p:txBody>
+          <a:bodyPr vert="horz" lIns="91440" tIns="45720" rIns="91440" bIns="45720" rtlCol="0"/>
+          <a:lstStyle/>
+          <a:p>
+            <a:r>
+              <a:rPr kumimoji="1" lang="ja-JP" altLang="en-US"/>
+              <a:t>マスター テキストの書式設定
+第 </a:t>
+            </a:r>
+            <a:r>
+              <a:rPr kumimoji="1" lang="en-US" altLang="ja-JP"/>
+              <a:t>2 </a:t>
+            </a:r>
+            <a:r>
+              <a:rPr kumimoji="1" lang="ja-JP" altLang="en-US"/>
+              <a:t>レベル
+第 </a:t>
+            </a:r>
+            <a:r>
+              <a:rPr kumimoji="1" lang="en-US" altLang="ja-JP"/>
+              <a:t>3 </a:t>
+            </a:r>
+            <a:r>
+              <a:rPr kumimoji="1" lang="ja-JP" altLang="en-US"/>
+              <a:t>レベル
+第 </a:t>
+            </a:r>
+            <a:r>
+              <a:rPr kumimoji="1" lang="en-US" altLang="ja-JP"/>
+              <a:t>4 </a:t>
+            </a:r>
+            <a:r>
+              <a:rPr kumimoji="1" lang="ja-JP" altLang="en-US"/>
+              <a:t>レベル
+第 </a:t>
+            </a:r>
+            <a:r>
+              <a:rPr kumimoji="1" lang="en-US" altLang="ja-JP"/>
+              <a:t>5 </a:t>
+            </a:r>
+            <a:r>
+              <a:rPr kumimoji="1" lang="ja-JP" altLang="en-US"/>
+              <a:t>レベル</a:t>
+            </a:r>
+          </a:p>
+        </p:txBody>
+      </p:sp>
+      <p:sp>
+        <p:nvSpPr>
+          <p:cNvPr id="6" name="フッター プレースホルダー 5"/>
+          <p:cNvSpPr>
+            <a:spLocks noGrp="1"/>
+          </p:cNvSpPr>
+          <p:nvPr>
+            <p:ph type="ftr" sz="quarter" idx="4"/>
+          </p:nvPr>
+        </p:nvSpPr>
+        <p:spPr>
+          <a:xfrm>
+            <a:off x="0" y="8685213"/>
+            <a:ext cx="2971800" cy="458787"/>
+          </a:xfrm>
+          <a:prstGeom prst="rect">
+            <a:avLst/>
+          </a:prstGeom>
+        </p:spPr>
+        <p:txBody>
+          <a:bodyPr vert="horz" lIns="91440" tIns="45720" rIns="91440" bIns="45720" rtlCol="0" anchor="b"/>
+          <a:lstStyle>
+            <a:lvl1pPr algn="l">
+              <a:defRPr sz="1200"/>
+            </a:lvl1pPr>
+          </a:lstStyle>
+          <a:p>
+            <a:endParaRPr kumimoji="1" lang="ja-JP" altLang="en-US"/>
+          </a:p>
+        </p:txBody>
+      </p:sp>
+      <p:sp>
+        <p:nvSpPr>
+          <p:cNvPr id="7" name="スライド番号プレースホルダー 6"/>
+          <p:cNvSpPr>
+            <a:spLocks noGrp="1"/>
+          </p:cNvSpPr>
+          <p:nvPr>
+            <p:ph type="sldNum" sz="quarter" idx="5"/>
+          </p:nvPr>
+        </p:nvSpPr>
+        <p:spPr>
+          <a:xfrm>
+            <a:off x="3884613" y="8685213"/>
+            <a:ext cx="2971800" cy="458787"/>
+          </a:xfrm>
+          <a:prstGeom prst="rect">
+            <a:avLst/>
+          </a:prstGeom>
+        </p:spPr>
+        <p:txBody>
+          <a:bodyPr vert="horz" lIns="91440" tIns="45720" rIns="91440" bIns="45720" rtlCol="0" anchor="b"/>
+          <a:lstStyle>
+            <a:lvl1pPr algn="r">
+              <a:defRPr sz="1200"/>
+            </a:lvl1pPr>
+          </a:lstStyle>
+          <a:p>
+            <a:fld id="{1ADAC0CF-44CB-154A-BAFE-E085248CAD66}" type="slidenum">
+              <a:rPr kumimoji="1" lang="ja-JP" altLang="en-US" smtClean="0"/>
+              <a:t>‹#›</a:t>
+            </a:fld>
+            <a:endParaRPr kumimoji="1" lang="ja-JP" altLang="en-US"/>
+          </a:p>
+        </p:txBody>
+      </p:sp>
+    </p:spTree>
+    <p:extLst>
+      <p:ext uri="{BB962C8B-B14F-4D97-AF65-F5344CB8AC3E}">
+        <p14:creationId xmlns:p14="http://schemas.microsoft.com/office/powerpoint/2010/main" val="1654079846"/>
+      </p:ext>
+    </p:extLst>
+  </p:cSld>
+  <p:clrMap bg1="lt1" tx1="dk1" bg2="lt2" tx2="dk2" accent1="accent1" accent2="accent2" accent3="accent3" accent4="accent4" accent5="accent5" accent6="accent6" hlink="hlink" folHlink="folHlink"/>
+  <p:notesStyle>
+    <a:lvl1pPr marL="0" algn="l" defTabSz="914400" rtl="0" eaLnBrk="1" latinLnBrk="0" hangingPunct="1">
+      <a:defRPr kumimoji="1" sz="1200" kern="1200">
+        <a:solidFill>
+          <a:schemeClr val="tx1"/>
+        </a:solidFill>
+        <a:latin typeface="+mn-lt"/>
+        <a:ea typeface="+mn-ea"/>
+        <a:cs typeface="+mn-cs"/>
+      </a:defRPr>
+    </a:lvl1pPr>
+    <a:lvl2pPr marL="457200" algn="l" defTabSz="914400" rtl="0" eaLnBrk="1" latinLnBrk="0" hangingPunct="1">
+      <a:defRPr kumimoji="1" sz="1200" kern="1200">
+        <a:solidFill>
+          <a:schemeClr val="tx1"/>
+        </a:solidFill>
+        <a:latin typeface="+mn-lt"/>
+        <a:ea typeface="+mn-ea"/>
+        <a:cs typeface="+mn-cs"/>
+      </a:defRPr>
+    </a:lvl2pPr>
+    <a:lvl3pPr marL="914400" algn="l" defTabSz="914400" rtl="0" eaLnBrk="1" latinLnBrk="0" hangingPunct="1">
+      <a:defRPr kumimoji="1" sz="1200" kern="1200">
+        <a:solidFill>
+          <a:schemeClr val="tx1"/>
+        </a:solidFill>
+        <a:latin typeface="+mn-lt"/>
+        <a:ea typeface="+mn-ea"/>
+        <a:cs typeface="+mn-cs"/>
+      </a:defRPr>
+    </a:lvl3pPr>
+    <a:lvl4pPr marL="1371600" algn="l" defTabSz="914400" rtl="0" eaLnBrk="1" latinLnBrk="0" hangingPunct="1">
+      <a:defRPr kumimoji="1" sz="1200" kern="1200">
+        <a:solidFill>
+          <a:schemeClr val="tx1"/>
+        </a:solidFill>
+        <a:latin typeface="+mn-lt"/>
+        <a:ea typeface="+mn-ea"/>
+        <a:cs typeface="+mn-cs"/>
+      </a:defRPr>
+    </a:lvl4pPr>
+    <a:lvl5pPr marL="1828800" algn="l" defTabSz="914400" rtl="0" eaLnBrk="1" latinLnBrk="0" hangingPunct="1">
+      <a:defRPr kumimoji="1" sz="1200" kern="1200">
+        <a:solidFill>
+          <a:schemeClr val="tx1"/>
+        </a:solidFill>
+        <a:latin typeface="+mn-lt"/>
+        <a:ea typeface="+mn-ea"/>
+        <a:cs typeface="+mn-cs"/>
+      </a:defRPr>
+    </a:lvl5pPr>
+    <a:lvl6pPr marL="2286000" algn="l" defTabSz="914400" rtl="0" eaLnBrk="1" latinLnBrk="0" hangingPunct="1">
+      <a:defRPr kumimoji="1" sz="1200" kern="1200">
+        <a:solidFill>
+          <a:schemeClr val="tx1"/>
+        </a:solidFill>
+        <a:latin typeface="+mn-lt"/>
+        <a:ea typeface="+mn-ea"/>
+        <a:cs typeface="+mn-cs"/>
+      </a:defRPr>
+    </a:lvl6pPr>
+    <a:lvl7pPr marL="2743200" algn="l" defTabSz="914400" rtl="0" eaLnBrk="1" latinLnBrk="0" hangingPunct="1">
+      <a:defRPr kumimoji="1" sz="1200" kern="1200">
+        <a:solidFill>
+          <a:schemeClr val="tx1"/>
+        </a:solidFill>
+        <a:latin typeface="+mn-lt"/>
+        <a:ea typeface="+mn-ea"/>
+        <a:cs typeface="+mn-cs"/>
+      </a:defRPr>
+    </a:lvl7pPr>
+    <a:lvl8pPr marL="3200400" algn="l" defTabSz="914400" rtl="0" eaLnBrk="1" latinLnBrk="0" hangingPunct="1">
+      <a:defRPr kumimoji="1" sz="1200" kern="1200">
+        <a:solidFill>
+          <a:schemeClr val="tx1"/>
+        </a:solidFill>
+        <a:latin typeface="+mn-lt"/>
+        <a:ea typeface="+mn-ea"/>
+        <a:cs typeface="+mn-cs"/>
+      </a:defRPr>
+    </a:lvl8pPr>
+    <a:lvl9pPr marL="3657600" algn="l" defTabSz="914400" rtl="0" eaLnBrk="1" latinLnBrk="0" hangingPunct="1">
+      <a:defRPr kumimoji="1" sz="1200" kern="1200">
+        <a:solidFill>
+          <a:schemeClr val="tx1"/>
+        </a:solidFill>
+        <a:latin typeface="+mn-lt"/>
+        <a:ea typeface="+mn-ea"/>
+        <a:cs typeface="+mn-cs"/>
+      </a:defRPr>
+    </a:lvl9pPr>
+  </p:notesStyle>
+</p:notesMaster>
+</file>
+
+<file path=ppt/notesSlides/notesSlide1.xml><?xml version="1.0" encoding="utf-8"?>
+<p:notes xmlns:a="http://schemas.openxmlformats.org/drawingml/2006/main" xmlns:r="http://schemas.openxmlformats.org/officeDocument/2006/relationships" xmlns:p="http://schemas.openxmlformats.org/presentationml/2006/main">
+  <p:cSld>
+    <p:spTree>
+      <p:nvGrpSpPr>
+        <p:cNvPr id="1" name=""/>
+        <p:cNvGrpSpPr/>
+        <p:nvPr/>
+      </p:nvGrpSpPr>
+      <p:grpSpPr>
+        <a:xfrm>
+          <a:off x="0" y="0"/>
+          <a:ext cx="0" cy="0"/>
+          <a:chOff x="0" y="0"/>
+          <a:chExt cx="0" cy="0"/>
+        </a:xfrm>
+      </p:grpSpPr>
+      <p:sp>
+        <p:nvSpPr>
+          <p:cNvPr id="2" name="スライド イメージ プレースホルダー 1"/>
+          <p:cNvSpPr>
+            <a:spLocks noGrp="1" noRot="1" noChangeAspect="1"/>
+          </p:cNvSpPr>
+          <p:nvPr>
+            <p:ph type="sldImg"/>
+          </p:nvPr>
+        </p:nvSpPr>
+        <p:spPr/>
+      </p:sp>
+      <p:sp>
+        <p:nvSpPr>
+          <p:cNvPr id="3" name="ノート プレースホルダー 2"/>
+          <p:cNvSpPr>
+            <a:spLocks noGrp="1"/>
+          </p:cNvSpPr>
+          <p:nvPr>
+            <p:ph type="body" idx="1"/>
+          </p:nvPr>
+        </p:nvSpPr>
+        <p:spPr/>
+        <p:txBody>
+          <a:bodyPr/>
+          <a:lstStyle/>
+          <a:p>
+            <a:r>
+              <a:rPr kumimoji="1" lang="ja-JP" altLang="en-US"/>
+              <a:t>情報の山田です．</a:t>
+            </a:r>
+            <a:endParaRPr kumimoji="1" lang="en-US" altLang="ja-JP" dirty="0"/>
+          </a:p>
+          <a:p>
+            <a:r>
+              <a:rPr kumimoji="1" lang="en-US" altLang="ja-JP" dirty="0"/>
+              <a:t>Memo</a:t>
+            </a:r>
+            <a:r>
+              <a:rPr kumimoji="1" lang="ja-JP" altLang="en-US"/>
+              <a:t>ソフト</a:t>
+            </a:r>
+            <a:r>
+              <a:rPr kumimoji="1" lang="en-US" altLang="ja-JP" dirty="0" err="1"/>
+              <a:t>my_help</a:t>
+            </a:r>
+            <a:r>
+              <a:rPr kumimoji="1" lang="ja-JP" altLang="en-US"/>
+              <a:t>の</a:t>
+            </a:r>
+          </a:p>
+        </p:txBody>
+      </p:sp>
+      <p:sp>
+        <p:nvSpPr>
+          <p:cNvPr id="4" name="スライド番号プレースホルダー 3"/>
+          <p:cNvSpPr>
+            <a:spLocks noGrp="1"/>
+          </p:cNvSpPr>
+          <p:nvPr>
+            <p:ph type="sldNum" sz="quarter" idx="5"/>
+          </p:nvPr>
+        </p:nvSpPr>
+        <p:spPr/>
+        <p:txBody>
+          <a:bodyPr/>
+          <a:lstStyle/>
+          <a:p>
+            <a:fld id="{1ADAC0CF-44CB-154A-BAFE-E085248CAD66}" type="slidenum">
+              <a:rPr kumimoji="1" lang="ja-JP" altLang="en-US" smtClean="0"/>
+              <a:t>1</a:t>
+            </a:fld>
+            <a:endParaRPr kumimoji="1" lang="ja-JP" altLang="en-US"/>
+          </a:p>
+        </p:txBody>
+      </p:sp>
+    </p:spTree>
+    <p:extLst>
+      <p:ext uri="{BB962C8B-B14F-4D97-AF65-F5344CB8AC3E}">
+        <p14:creationId xmlns:p14="http://schemas.microsoft.com/office/powerpoint/2010/main" val="374065010"/>
+      </p:ext>
+    </p:extLst>
+  </p:cSld>
+  <p:clrMapOvr>
+    <a:masterClrMapping/>
+  </p:clrMapOvr>
+</p:notes>
+</file>
+
+<file path=ppt/notesSlides/notesSlide2.xml><?xml version="1.0" encoding="utf-8"?>
+<p:notes xmlns:a="http://schemas.openxmlformats.org/drawingml/2006/main" xmlns:r="http://schemas.openxmlformats.org/officeDocument/2006/relationships" xmlns:p="http://schemas.openxmlformats.org/presentationml/2006/main">
+  <p:cSld>
+    <p:spTree>
+      <p:nvGrpSpPr>
+        <p:cNvPr id="1" name=""/>
+        <p:cNvGrpSpPr/>
+        <p:nvPr/>
+      </p:nvGrpSpPr>
+      <p:grpSpPr>
+        <a:xfrm>
+          <a:off x="0" y="0"/>
+          <a:ext cx="0" cy="0"/>
+          <a:chOff x="0" y="0"/>
+          <a:chExt cx="0" cy="0"/>
+        </a:xfrm>
+      </p:grpSpPr>
+      <p:sp>
+        <p:nvSpPr>
+          <p:cNvPr id="2" name="スライド イメージ プレースホルダー 1"/>
+          <p:cNvSpPr>
+            <a:spLocks noGrp="1" noRot="1" noChangeAspect="1"/>
+          </p:cNvSpPr>
+          <p:nvPr>
+            <p:ph type="sldImg"/>
+          </p:nvPr>
+        </p:nvSpPr>
+        <p:spPr/>
+      </p:sp>
+      <p:sp>
+        <p:nvSpPr>
+          <p:cNvPr id="3" name="ノート プレースホルダー 2"/>
+          <p:cNvSpPr>
+            <a:spLocks noGrp="1"/>
+          </p:cNvSpPr>
+          <p:nvPr>
+            <p:ph type="body" idx="1"/>
+          </p:nvPr>
+        </p:nvSpPr>
+        <p:spPr/>
+        <p:txBody>
+          <a:bodyPr/>
+          <a:lstStyle/>
+          <a:p>
+            <a:endParaRPr kumimoji="1" lang="ja-JP" altLang="en-US"/>
+          </a:p>
+        </p:txBody>
+      </p:sp>
+      <p:sp>
+        <p:nvSpPr>
+          <p:cNvPr id="4" name="スライド番号プレースホルダー 3"/>
+          <p:cNvSpPr>
+            <a:spLocks noGrp="1"/>
+          </p:cNvSpPr>
+          <p:nvPr>
+            <p:ph type="sldNum" sz="quarter" idx="5"/>
+          </p:nvPr>
+        </p:nvSpPr>
+        <p:spPr/>
+        <p:txBody>
+          <a:bodyPr/>
+          <a:lstStyle/>
+          <a:p>
+            <a:fld id="{1ADAC0CF-44CB-154A-BAFE-E085248CAD66}" type="slidenum">
+              <a:rPr kumimoji="1" lang="ja-JP" altLang="en-US" smtClean="0"/>
+              <a:t>2</a:t>
+            </a:fld>
+            <a:endParaRPr kumimoji="1" lang="ja-JP" altLang="en-US"/>
+          </a:p>
+        </p:txBody>
+      </p:sp>
+    </p:spTree>
+    <p:extLst>
+      <p:ext uri="{BB962C8B-B14F-4D97-AF65-F5344CB8AC3E}">
+        <p14:creationId xmlns:p14="http://schemas.microsoft.com/office/powerpoint/2010/main" val="1152558002"/>
+      </p:ext>
+    </p:extLst>
+  </p:cSld>
+  <p:clrMapOvr>
+    <a:masterClrMapping/>
+  </p:clrMapOvr>
+</p:notes>
+</file>
+
+<file path=ppt/notesSlides/notesSlide3.xml><?xml version="1.0" encoding="utf-8"?>
+<p:notes xmlns:a="http://schemas.openxmlformats.org/drawingml/2006/main" xmlns:r="http://schemas.openxmlformats.org/officeDocument/2006/relationships" xmlns:p="http://schemas.openxmlformats.org/presentationml/2006/main">
+  <p:cSld>
+    <p:spTree>
+      <p:nvGrpSpPr>
+        <p:cNvPr id="1" name=""/>
+        <p:cNvGrpSpPr/>
+        <p:nvPr/>
+      </p:nvGrpSpPr>
+      <p:grpSpPr>
+        <a:xfrm>
+          <a:off x="0" y="0"/>
+          <a:ext cx="0" cy="0"/>
+          <a:chOff x="0" y="0"/>
+          <a:chExt cx="0" cy="0"/>
+        </a:xfrm>
+      </p:grpSpPr>
+      <p:sp>
+        <p:nvSpPr>
+          <p:cNvPr id="2" name="スライド イメージ プレースホルダー 1"/>
+          <p:cNvSpPr>
+            <a:spLocks noGrp="1" noRot="1" noChangeAspect="1"/>
+          </p:cNvSpPr>
+          <p:nvPr>
+            <p:ph type="sldImg"/>
+          </p:nvPr>
+        </p:nvSpPr>
+        <p:spPr/>
+      </p:sp>
+      <p:sp>
+        <p:nvSpPr>
+          <p:cNvPr id="3" name="ノート プレースホルダー 2"/>
+          <p:cNvSpPr>
+            <a:spLocks noGrp="1"/>
+          </p:cNvSpPr>
+          <p:nvPr>
+            <p:ph type="body" idx="1"/>
+          </p:nvPr>
+        </p:nvSpPr>
+        <p:spPr/>
+        <p:txBody>
+          <a:bodyPr/>
+          <a:lstStyle/>
+          <a:p>
+            <a:endParaRPr kumimoji="1" lang="ja-JP" altLang="en-US"/>
+          </a:p>
+        </p:txBody>
+      </p:sp>
+      <p:sp>
+        <p:nvSpPr>
+          <p:cNvPr id="4" name="スライド番号プレースホルダー 3"/>
+          <p:cNvSpPr>
+            <a:spLocks noGrp="1"/>
+          </p:cNvSpPr>
+          <p:nvPr>
+            <p:ph type="sldNum" sz="quarter" idx="5"/>
+          </p:nvPr>
+        </p:nvSpPr>
+        <p:spPr/>
+        <p:txBody>
+          <a:bodyPr/>
+          <a:lstStyle/>
+          <a:p>
+            <a:fld id="{1ADAC0CF-44CB-154A-BAFE-E085248CAD66}" type="slidenum">
+              <a:rPr kumimoji="1" lang="ja-JP" altLang="en-US" smtClean="0"/>
+              <a:t>3</a:t>
+            </a:fld>
+            <a:endParaRPr kumimoji="1" lang="ja-JP" altLang="en-US"/>
+          </a:p>
+        </p:txBody>
+      </p:sp>
+    </p:spTree>
+    <p:extLst>
+      <p:ext uri="{BB962C8B-B14F-4D97-AF65-F5344CB8AC3E}">
+        <p14:creationId xmlns:p14="http://schemas.microsoft.com/office/powerpoint/2010/main" val="3286507807"/>
+      </p:ext>
+    </p:extLst>
+  </p:cSld>
+  <p:clrMapOvr>
+    <a:masterClrMapping/>
+  </p:clrMapOvr>
+</p:notes>
+</file>
+
+<file path=ppt/notesSlides/notesSlide4.xml><?xml version="1.0" encoding="utf-8"?>
+<p:notes xmlns:a="http://schemas.openxmlformats.org/drawingml/2006/main" xmlns:r="http://schemas.openxmlformats.org/officeDocument/2006/relationships" xmlns:p="http://schemas.openxmlformats.org/presentationml/2006/main">
+  <p:cSld>
+    <p:spTree>
+      <p:nvGrpSpPr>
+        <p:cNvPr id="1" name=""/>
+        <p:cNvGrpSpPr/>
+        <p:nvPr/>
+      </p:nvGrpSpPr>
+      <p:grpSpPr>
+        <a:xfrm>
+          <a:off x="0" y="0"/>
+          <a:ext cx="0" cy="0"/>
+          <a:chOff x="0" y="0"/>
+          <a:chExt cx="0" cy="0"/>
+        </a:xfrm>
+      </p:grpSpPr>
+      <p:sp>
+        <p:nvSpPr>
+          <p:cNvPr id="2" name="スライド イメージ プレースホルダー 1"/>
+          <p:cNvSpPr>
+            <a:spLocks noGrp="1" noRot="1" noChangeAspect="1"/>
+          </p:cNvSpPr>
+          <p:nvPr>
+            <p:ph type="sldImg"/>
+          </p:nvPr>
+        </p:nvSpPr>
+        <p:spPr/>
+      </p:sp>
+      <p:sp>
+        <p:nvSpPr>
+          <p:cNvPr id="3" name="ノート プレースホルダー 2"/>
+          <p:cNvSpPr>
+            <a:spLocks noGrp="1"/>
+          </p:cNvSpPr>
+          <p:nvPr>
+            <p:ph type="body" idx="1"/>
+          </p:nvPr>
+        </p:nvSpPr>
+        <p:spPr/>
+        <p:txBody>
+          <a:bodyPr/>
+          <a:lstStyle/>
+          <a:p>
+            <a:r>
+              <a:rPr kumimoji="1" lang="ja-JP" altLang="en-US"/>
+              <a:t>同じディレクトリにいなくても追加，編集，削除ができます．</a:t>
+            </a:r>
+            <a:endParaRPr kumimoji="1" lang="en-US" altLang="ja-JP" dirty="0"/>
+          </a:p>
+          <a:p>
+            <a:endParaRPr kumimoji="1" lang="en-US" altLang="ja-JP" dirty="0"/>
+          </a:p>
+          <a:p>
+            <a:r>
+              <a:rPr kumimoji="1" lang="ja-JP" altLang="en-US"/>
+              <a:t>メモを残したファイルを探す手間が省ける．</a:t>
+            </a:r>
+          </a:p>
+        </p:txBody>
+      </p:sp>
+      <p:sp>
+        <p:nvSpPr>
+          <p:cNvPr id="4" name="スライド番号プレースホルダー 3"/>
+          <p:cNvSpPr>
+            <a:spLocks noGrp="1"/>
+          </p:cNvSpPr>
+          <p:nvPr>
+            <p:ph type="sldNum" sz="quarter" idx="5"/>
+          </p:nvPr>
+        </p:nvSpPr>
+        <p:spPr/>
+        <p:txBody>
+          <a:bodyPr/>
+          <a:lstStyle/>
+          <a:p>
+            <a:fld id="{1ADAC0CF-44CB-154A-BAFE-E085248CAD66}" type="slidenum">
+              <a:rPr kumimoji="1" lang="ja-JP" altLang="en-US" smtClean="0"/>
+              <a:t>4</a:t>
+            </a:fld>
+            <a:endParaRPr kumimoji="1" lang="ja-JP" altLang="en-US"/>
+          </a:p>
+        </p:txBody>
+      </p:sp>
+    </p:spTree>
+    <p:extLst>
+      <p:ext uri="{BB962C8B-B14F-4D97-AF65-F5344CB8AC3E}">
+        <p14:creationId xmlns:p14="http://schemas.microsoft.com/office/powerpoint/2010/main" val="2743863912"/>
+      </p:ext>
+    </p:extLst>
+  </p:cSld>
+  <p:clrMapOvr>
+    <a:masterClrMapping/>
+  </p:clrMapOvr>
+</p:notes>
+</file>
+
+<file path=ppt/notesSlides/notesSlide5.xml><?xml version="1.0" encoding="utf-8"?>
+<p:notes xmlns:a="http://schemas.openxmlformats.org/drawingml/2006/main" xmlns:r="http://schemas.openxmlformats.org/officeDocument/2006/relationships" xmlns:p="http://schemas.openxmlformats.org/presentationml/2006/main">
+  <p:cSld>
+    <p:spTree>
+      <p:nvGrpSpPr>
+        <p:cNvPr id="1" name=""/>
+        <p:cNvGrpSpPr/>
+        <p:nvPr/>
+      </p:nvGrpSpPr>
+      <p:grpSpPr>
+        <a:xfrm>
+          <a:off x="0" y="0"/>
+          <a:ext cx="0" cy="0"/>
+          <a:chOff x="0" y="0"/>
+          <a:chExt cx="0" cy="0"/>
+        </a:xfrm>
+      </p:grpSpPr>
+      <p:sp>
+        <p:nvSpPr>
+          <p:cNvPr id="2" name="スライド イメージ プレースホルダー 1"/>
+          <p:cNvSpPr>
+            <a:spLocks noGrp="1" noRot="1" noChangeAspect="1"/>
+          </p:cNvSpPr>
+          <p:nvPr>
+            <p:ph type="sldImg"/>
+          </p:nvPr>
+        </p:nvSpPr>
+        <p:spPr/>
+      </p:sp>
+      <p:sp>
+        <p:nvSpPr>
+          <p:cNvPr id="3" name="ノート プレースホルダー 2"/>
+          <p:cNvSpPr>
+            <a:spLocks noGrp="1"/>
+          </p:cNvSpPr>
+          <p:nvPr>
+            <p:ph type="body" idx="1"/>
+          </p:nvPr>
+        </p:nvSpPr>
+        <p:spPr/>
+        <p:txBody>
+          <a:bodyPr/>
+          <a:lstStyle/>
+          <a:p>
+            <a:r>
+              <a:rPr kumimoji="1" lang="ja-JP" altLang="en-US"/>
+              <a:t>同じディレクトリにいなくても追加，編集，削除ができます．</a:t>
+            </a:r>
+            <a:endParaRPr kumimoji="1" lang="en-US" altLang="ja-JP" dirty="0"/>
+          </a:p>
+          <a:p>
+            <a:endParaRPr kumimoji="1" lang="en-US" altLang="ja-JP" dirty="0"/>
+          </a:p>
+          <a:p>
+            <a:r>
+              <a:rPr kumimoji="1" lang="ja-JP" altLang="en-US"/>
+              <a:t>メモを残したファイルを探す手間が省ける．</a:t>
+            </a:r>
+          </a:p>
+        </p:txBody>
+      </p:sp>
+      <p:sp>
+        <p:nvSpPr>
+          <p:cNvPr id="4" name="スライド番号プレースホルダー 3"/>
+          <p:cNvSpPr>
+            <a:spLocks noGrp="1"/>
+          </p:cNvSpPr>
+          <p:nvPr>
+            <p:ph type="sldNum" sz="quarter" idx="5"/>
+          </p:nvPr>
+        </p:nvSpPr>
+        <p:spPr/>
+        <p:txBody>
+          <a:bodyPr/>
+          <a:lstStyle/>
+          <a:p>
+            <a:fld id="{1ADAC0CF-44CB-154A-BAFE-E085248CAD66}" type="slidenum">
+              <a:rPr kumimoji="1" lang="ja-JP" altLang="en-US" smtClean="0"/>
+              <a:t>5</a:t>
+            </a:fld>
+            <a:endParaRPr kumimoji="1" lang="ja-JP" altLang="en-US"/>
+          </a:p>
+        </p:txBody>
+      </p:sp>
+    </p:spTree>
+    <p:extLst>
+      <p:ext uri="{BB962C8B-B14F-4D97-AF65-F5344CB8AC3E}">
+        <p14:creationId xmlns:p14="http://schemas.microsoft.com/office/powerpoint/2010/main" val="2255751105"/>
+      </p:ext>
+    </p:extLst>
+  </p:cSld>
+  <p:clrMapOvr>
+    <a:masterClrMapping/>
+  </p:clrMapOvr>
+</p:notes>
+</file>
+
+<file path=ppt/notesSlides/notesSlide6.xml><?xml version="1.0" encoding="utf-8"?>
+<p:notes xmlns:a="http://schemas.openxmlformats.org/drawingml/2006/main" xmlns:r="http://schemas.openxmlformats.org/officeDocument/2006/relationships" xmlns:p="http://schemas.openxmlformats.org/presentationml/2006/main">
+  <p:cSld>
+    <p:spTree>
+      <p:nvGrpSpPr>
+        <p:cNvPr id="1" name=""/>
+        <p:cNvGrpSpPr/>
+        <p:nvPr/>
+      </p:nvGrpSpPr>
+      <p:grpSpPr>
+        <a:xfrm>
+          <a:off x="0" y="0"/>
+          <a:ext cx="0" cy="0"/>
+          <a:chOff x="0" y="0"/>
+          <a:chExt cx="0" cy="0"/>
+        </a:xfrm>
+      </p:grpSpPr>
+      <p:sp>
+        <p:nvSpPr>
+          <p:cNvPr id="2" name="スライド イメージ プレースホルダー 1"/>
+          <p:cNvSpPr>
+            <a:spLocks noGrp="1" noRot="1" noChangeAspect="1"/>
+          </p:cNvSpPr>
+          <p:nvPr>
+            <p:ph type="sldImg"/>
+          </p:nvPr>
+        </p:nvSpPr>
+        <p:spPr/>
+      </p:sp>
+      <p:sp>
+        <p:nvSpPr>
+          <p:cNvPr id="3" name="ノート プレースホルダー 2"/>
+          <p:cNvSpPr>
+            <a:spLocks noGrp="1"/>
+          </p:cNvSpPr>
+          <p:nvPr>
+            <p:ph type="body" idx="1"/>
+          </p:nvPr>
+        </p:nvSpPr>
+        <p:spPr/>
+        <p:txBody>
+          <a:bodyPr/>
+          <a:lstStyle/>
+          <a:p>
+            <a:endParaRPr kumimoji="1" lang="ja-JP" altLang="en-US"/>
+          </a:p>
+        </p:txBody>
+      </p:sp>
+      <p:sp>
+        <p:nvSpPr>
+          <p:cNvPr id="4" name="スライド番号プレースホルダー 3"/>
+          <p:cNvSpPr>
+            <a:spLocks noGrp="1"/>
+          </p:cNvSpPr>
+          <p:nvPr>
+            <p:ph type="sldNum" sz="quarter" idx="5"/>
+          </p:nvPr>
+        </p:nvSpPr>
+        <p:spPr/>
+        <p:txBody>
+          <a:bodyPr/>
+          <a:lstStyle/>
+          <a:p>
+            <a:fld id="{1ADAC0CF-44CB-154A-BAFE-E085248CAD66}" type="slidenum">
+              <a:rPr kumimoji="1" lang="ja-JP" altLang="en-US" smtClean="0"/>
+              <a:t>8</a:t>
+            </a:fld>
+            <a:endParaRPr kumimoji="1" lang="ja-JP" altLang="en-US"/>
+          </a:p>
+        </p:txBody>
+      </p:sp>
+    </p:spTree>
+    <p:extLst>
+      <p:ext uri="{BB962C8B-B14F-4D97-AF65-F5344CB8AC3E}">
+        <p14:creationId xmlns:p14="http://schemas.microsoft.com/office/powerpoint/2010/main" val="2263981135"/>
+      </p:ext>
+    </p:extLst>
+  </p:cSld>
+  <p:clrMapOvr>
+    <a:masterClrMapping/>
+  </p:clrMapOvr>
+</p:notes>
+</file>
+
+<file path=ppt/notesSlides/notesSlide7.xml><?xml version="1.0" encoding="utf-8"?>
+<p:notes xmlns:a="http://schemas.openxmlformats.org/drawingml/2006/main" xmlns:r="http://schemas.openxmlformats.org/officeDocument/2006/relationships" xmlns:p="http://schemas.openxmlformats.org/presentationml/2006/main">
+  <p:cSld>
+    <p:spTree>
+      <p:nvGrpSpPr>
+        <p:cNvPr id="1" name=""/>
+        <p:cNvGrpSpPr/>
+        <p:nvPr/>
+      </p:nvGrpSpPr>
+      <p:grpSpPr>
+        <a:xfrm>
+          <a:off x="0" y="0"/>
+          <a:ext cx="0" cy="0"/>
+          <a:chOff x="0" y="0"/>
+          <a:chExt cx="0" cy="0"/>
+        </a:xfrm>
+      </p:grpSpPr>
+      <p:sp>
+        <p:nvSpPr>
+          <p:cNvPr id="2" name="スライド イメージ プレースホルダー 1"/>
+          <p:cNvSpPr>
+            <a:spLocks noGrp="1" noRot="1" noChangeAspect="1"/>
+          </p:cNvSpPr>
+          <p:nvPr>
+            <p:ph type="sldImg"/>
+          </p:nvPr>
+        </p:nvSpPr>
+        <p:spPr/>
+      </p:sp>
+      <p:sp>
+        <p:nvSpPr>
+          <p:cNvPr id="3" name="ノート プレースホルダー 2"/>
+          <p:cNvSpPr>
+            <a:spLocks noGrp="1"/>
+          </p:cNvSpPr>
+          <p:nvPr>
+            <p:ph type="body" idx="1"/>
+          </p:nvPr>
+        </p:nvSpPr>
+        <p:spPr/>
+        <p:txBody>
+          <a:bodyPr/>
+          <a:lstStyle/>
+          <a:p>
+            <a:r>
+              <a:rPr kumimoji="1" lang="ja-JP" altLang="en-US"/>
+              <a:t>アクキュイジョン（アクワイヤー）</a:t>
+            </a:r>
+            <a:endParaRPr kumimoji="1" lang="en-US" altLang="ja-JP" dirty="0"/>
+          </a:p>
+          <a:p>
+            <a:r>
+              <a:rPr kumimoji="1" lang="ja-JP" altLang="en-US"/>
+              <a:t>パーティシペイション</a:t>
+            </a:r>
+            <a:endParaRPr kumimoji="1" lang="en-US" altLang="ja-JP" dirty="0"/>
+          </a:p>
+        </p:txBody>
+      </p:sp>
+      <p:sp>
+        <p:nvSpPr>
+          <p:cNvPr id="4" name="スライド番号プレースホルダー 3"/>
+          <p:cNvSpPr>
+            <a:spLocks noGrp="1"/>
+          </p:cNvSpPr>
+          <p:nvPr>
+            <p:ph type="sldNum" sz="quarter" idx="5"/>
+          </p:nvPr>
+        </p:nvSpPr>
+        <p:spPr/>
+        <p:txBody>
+          <a:bodyPr/>
+          <a:lstStyle/>
+          <a:p>
+            <a:fld id="{1ADAC0CF-44CB-154A-BAFE-E085248CAD66}" type="slidenum">
+              <a:rPr kumimoji="1" lang="ja-JP" altLang="en-US" smtClean="0"/>
+              <a:t>9</a:t>
+            </a:fld>
+            <a:endParaRPr kumimoji="1" lang="ja-JP" altLang="en-US"/>
+          </a:p>
+        </p:txBody>
+      </p:sp>
+    </p:spTree>
+    <p:extLst>
+      <p:ext uri="{BB962C8B-B14F-4D97-AF65-F5344CB8AC3E}">
+        <p14:creationId xmlns:p14="http://schemas.microsoft.com/office/powerpoint/2010/main" val="1874420822"/>
+      </p:ext>
+    </p:extLst>
+  </p:cSld>
+  <p:clrMapOvr>
+    <a:masterClrMapping/>
+  </p:clrMapOvr>
+</p:notes>
+</file>
+
+<file path=ppt/notesSlides/notesSlide8.xml><?xml version="1.0" encoding="utf-8"?>
+<p:notes xmlns:a="http://schemas.openxmlformats.org/drawingml/2006/main" xmlns:r="http://schemas.openxmlformats.org/officeDocument/2006/relationships" xmlns:p="http://schemas.openxmlformats.org/presentationml/2006/main">
+  <p:cSld>
+    <p:spTree>
+      <p:nvGrpSpPr>
+        <p:cNvPr id="1" name=""/>
+        <p:cNvGrpSpPr/>
+        <p:nvPr/>
+      </p:nvGrpSpPr>
+      <p:grpSpPr>
+        <a:xfrm>
+          <a:off x="0" y="0"/>
+          <a:ext cx="0" cy="0"/>
+          <a:chOff x="0" y="0"/>
+          <a:chExt cx="0" cy="0"/>
+        </a:xfrm>
+      </p:grpSpPr>
+      <p:sp>
+        <p:nvSpPr>
+          <p:cNvPr id="2" name="スライド イメージ プレースホルダー 1"/>
+          <p:cNvSpPr>
+            <a:spLocks noGrp="1" noRot="1" noChangeAspect="1"/>
+          </p:cNvSpPr>
+          <p:nvPr>
+            <p:ph type="sldImg"/>
+          </p:nvPr>
+        </p:nvSpPr>
+        <p:spPr/>
+      </p:sp>
+      <p:sp>
+        <p:nvSpPr>
+          <p:cNvPr id="3" name="ノート プレースホルダー 2"/>
+          <p:cNvSpPr>
+            <a:spLocks noGrp="1"/>
+          </p:cNvSpPr>
+          <p:nvPr>
+            <p:ph type="body" idx="1"/>
+          </p:nvPr>
+        </p:nvSpPr>
+        <p:spPr/>
+        <p:txBody>
+          <a:bodyPr/>
+          <a:lstStyle/>
+          <a:p>
+            <a:r>
+              <a:rPr kumimoji="1" lang="ja-JP" altLang="en-US"/>
+              <a:t>知識を提供する人，教授する人によって，今のスキルレベルが違う．</a:t>
+            </a:r>
+          </a:p>
+        </p:txBody>
+      </p:sp>
+      <p:sp>
+        <p:nvSpPr>
+          <p:cNvPr id="4" name="スライド番号プレースホルダー 3"/>
+          <p:cNvSpPr>
+            <a:spLocks noGrp="1"/>
+          </p:cNvSpPr>
+          <p:nvPr>
+            <p:ph type="sldNum" sz="quarter" idx="5"/>
+          </p:nvPr>
+        </p:nvSpPr>
+        <p:spPr/>
+        <p:txBody>
+          <a:bodyPr/>
+          <a:lstStyle/>
+          <a:p>
+            <a:fld id="{1ADAC0CF-44CB-154A-BAFE-E085248CAD66}" type="slidenum">
+              <a:rPr kumimoji="1" lang="ja-JP" altLang="en-US" smtClean="0"/>
+              <a:t>10</a:t>
+            </a:fld>
+            <a:endParaRPr kumimoji="1" lang="ja-JP" altLang="en-US"/>
+          </a:p>
+        </p:txBody>
+      </p:sp>
+    </p:spTree>
+    <p:extLst>
+      <p:ext uri="{BB962C8B-B14F-4D97-AF65-F5344CB8AC3E}">
+        <p14:creationId xmlns:p14="http://schemas.microsoft.com/office/powerpoint/2010/main" val="4011622725"/>
+      </p:ext>
+    </p:extLst>
+  </p:cSld>
+  <p:clrMapOvr>
+    <a:masterClrMapping/>
+  </p:clrMapOvr>
+</p:notes>
+</file>
+
 <file path=ppt/slideLayouts/slideLayout1.xml><?xml version="1.0" encoding="utf-8"?>
 <p:sldLayout xmlns:a="http://schemas.openxmlformats.org/drawingml/2006/main" xmlns:r="http://schemas.openxmlformats.org/officeDocument/2006/relationships" xmlns:p="http://schemas.openxmlformats.org/presentationml/2006/main" type="title" preserve="1">
   <p:cSld name="タイトル スライド">
@@ -267,7 +1362,7 @@
             <a:fld id="{5586B75A-687E-405C-8A0B-8D00578BA2C3}" type="datetimeFigureOut">
               <a:rPr lang="en-US" smtClean="0"/>
               <a:pPr/>
-              <a:t>9/17/18</a:t>
+              <a:t>9/18/18</a:t>
             </a:fld>
             <a:endParaRPr lang="en-US" dirty="0"/>
           </a:p>
@@ -474,7 +1569,7 @@
             <a:fld id="{5586B75A-687E-405C-8A0B-8D00578BA2C3}" type="datetimeFigureOut">
               <a:rPr lang="en-US" smtClean="0"/>
               <a:pPr/>
-              <a:t>9/17/18</a:t>
+              <a:t>9/18/18</a:t>
             </a:fld>
             <a:endParaRPr lang="en-US" dirty="0"/>
           </a:p>
@@ -691,7 +1786,7 @@
             <a:fld id="{5586B75A-687E-405C-8A0B-8D00578BA2C3}" type="datetimeFigureOut">
               <a:rPr lang="en-US" smtClean="0"/>
               <a:pPr/>
-              <a:t>9/17/18</a:t>
+              <a:t>9/18/18</a:t>
             </a:fld>
             <a:endParaRPr lang="en-US" dirty="0"/>
           </a:p>
@@ -898,7 +1993,7 @@
             <a:fld id="{5586B75A-687E-405C-8A0B-8D00578BA2C3}" type="datetimeFigureOut">
               <a:rPr lang="en-US" smtClean="0"/>
               <a:pPr/>
-              <a:t>9/17/18</a:t>
+              <a:t>9/18/18</a:t>
             </a:fld>
             <a:endParaRPr lang="en-US" dirty="0"/>
           </a:p>
@@ -1210,7 +2305,7 @@
             <a:fld id="{5586B75A-687E-405C-8A0B-8D00578BA2C3}" type="datetimeFigureOut">
               <a:rPr lang="en-US" smtClean="0"/>
               <a:pPr/>
-              <a:t>9/17/18</a:t>
+              <a:t>9/18/18</a:t>
             </a:fld>
             <a:endParaRPr lang="en-US" dirty="0"/>
           </a:p>
@@ -1491,7 +2586,7 @@
             <a:fld id="{5586B75A-687E-405C-8A0B-8D00578BA2C3}" type="datetimeFigureOut">
               <a:rPr lang="en-US" smtClean="0"/>
               <a:pPr/>
-              <a:t>9/17/18</a:t>
+              <a:t>9/18/18</a:t>
             </a:fld>
             <a:endParaRPr lang="en-US" dirty="0"/>
           </a:p>
@@ -1989,7 +3084,7 @@
             <a:fld id="{5586B75A-687E-405C-8A0B-8D00578BA2C3}" type="datetimeFigureOut">
               <a:rPr lang="en-US" smtClean="0"/>
               <a:pPr/>
-              <a:t>9/17/18</a:t>
+              <a:t>9/18/18</a:t>
             </a:fld>
             <a:endParaRPr lang="en-US" dirty="0"/>
           </a:p>
@@ -2132,7 +3227,7 @@
             <a:fld id="{5586B75A-687E-405C-8A0B-8D00578BA2C3}" type="datetimeFigureOut">
               <a:rPr lang="en-US" smtClean="0"/>
               <a:pPr/>
-              <a:t>9/17/18</a:t>
+              <a:t>9/18/18</a:t>
             </a:fld>
             <a:endParaRPr lang="en-US" dirty="0"/>
           </a:p>
@@ -2247,7 +3342,7 @@
             <a:fld id="{5586B75A-687E-405C-8A0B-8D00578BA2C3}" type="datetimeFigureOut">
               <a:rPr lang="en-US" smtClean="0"/>
               <a:pPr/>
-              <a:t>9/17/18</a:t>
+              <a:t>9/18/18</a:t>
             </a:fld>
             <a:endParaRPr lang="en-US" dirty="0"/>
           </a:p>
@@ -2602,7 +3697,7 @@
             <a:fld id="{5586B75A-687E-405C-8A0B-8D00578BA2C3}" type="datetimeFigureOut">
               <a:rPr lang="en-US" smtClean="0"/>
               <a:pPr/>
-              <a:t>9/17/18</a:t>
+              <a:t>9/18/18</a:t>
             </a:fld>
             <a:endParaRPr lang="en-US" dirty="0"/>
           </a:p>
@@ -2927,7 +4022,7 @@
             <a:fld id="{5586B75A-687E-405C-8A0B-8D00578BA2C3}" type="datetimeFigureOut">
               <a:rPr lang="en-US" smtClean="0"/>
               <a:pPr/>
-              <a:t>9/17/18</a:t>
+              <a:t>9/18/18</a:t>
             </a:fld>
             <a:endParaRPr lang="en-US" dirty="0"/>
           </a:p>
@@ -3178,7 +4273,7 @@
             <a:fld id="{5586B75A-687E-405C-8A0B-8D00578BA2C3}" type="datetimeFigureOut">
               <a:rPr lang="en-US" smtClean="0"/>
               <a:pPr/>
-              <a:t>9/17/18</a:t>
+              <a:t>9/18/18</a:t>
             </a:fld>
             <a:endParaRPr lang="en-US" dirty="0"/>
           </a:p>
@@ -3622,7 +4717,7 @@
           <a:p>
             <a:r>
               <a:rPr kumimoji="1" lang="en-US" altLang="ja-JP" sz="5400" dirty="0"/>
-              <a:t>Memo</a:t>
+              <a:t>memo</a:t>
             </a:r>
             <a:r>
               <a:rPr kumimoji="1" lang="ja-JP" altLang="en-US" sz="5400"/>
@@ -3687,6 +4782,494 @@
     <p:extLst>
       <p:ext uri="{BB962C8B-B14F-4D97-AF65-F5344CB8AC3E}">
         <p14:creationId xmlns:p14="http://schemas.microsoft.com/office/powerpoint/2010/main" val="3600828643"/>
+      </p:ext>
+    </p:extLst>
+  </p:cSld>
+  <p:clrMapOvr>
+    <a:masterClrMapping/>
+  </p:clrMapOvr>
+</p:sld>
+</file>
+
+<file path=ppt/slides/slide10.xml><?xml version="1.0" encoding="utf-8"?>
+<p:sld xmlns:a="http://schemas.openxmlformats.org/drawingml/2006/main" xmlns:r="http://schemas.openxmlformats.org/officeDocument/2006/relationships" xmlns:p="http://schemas.openxmlformats.org/presentationml/2006/main">
+  <p:cSld>
+    <p:spTree>
+      <p:nvGrpSpPr>
+        <p:cNvPr id="1" name=""/>
+        <p:cNvGrpSpPr/>
+        <p:nvPr/>
+      </p:nvGrpSpPr>
+      <p:grpSpPr>
+        <a:xfrm>
+          <a:off x="0" y="0"/>
+          <a:ext cx="0" cy="0"/>
+          <a:chOff x="0" y="0"/>
+          <a:chExt cx="0" cy="0"/>
+        </a:xfrm>
+      </p:grpSpPr>
+      <p:sp>
+        <p:nvSpPr>
+          <p:cNvPr id="2" name="テキスト ボックス 1">
+            <a:extLst>
+              <a:ext uri="{FF2B5EF4-FFF2-40B4-BE49-F238E27FC236}">
+                <a16:creationId xmlns:a16="http://schemas.microsoft.com/office/drawing/2014/main" id="{70781E77-2F6B-C740-B5FE-4CF20DC9AE02}"/>
+              </a:ext>
+            </a:extLst>
+          </p:cNvPr>
+          <p:cNvSpPr txBox="1"/>
+          <p:nvPr/>
+        </p:nvSpPr>
+        <p:spPr>
+          <a:xfrm>
+            <a:off x="2314289" y="323610"/>
+            <a:ext cx="7169727" cy="769441"/>
+          </a:xfrm>
+          <a:prstGeom prst="rect">
+            <a:avLst/>
+          </a:prstGeom>
+          <a:noFill/>
+        </p:spPr>
+        <p:txBody>
+          <a:bodyPr wrap="square" rtlCol="0">
+            <a:spAutoFit/>
+          </a:bodyPr>
+          <a:lstStyle/>
+          <a:p>
+            <a:pPr algn="ctr"/>
+            <a:r>
+              <a:rPr kumimoji="1" lang="ja-JP" altLang="en-US" sz="4400"/>
+              <a:t>開発目標</a:t>
+            </a:r>
+          </a:p>
+        </p:txBody>
+      </p:sp>
+      <p:sp>
+        <p:nvSpPr>
+          <p:cNvPr id="3" name="テキスト ボックス 2">
+            <a:extLst>
+              <a:ext uri="{FF2B5EF4-FFF2-40B4-BE49-F238E27FC236}">
+                <a16:creationId xmlns:a16="http://schemas.microsoft.com/office/drawing/2014/main" id="{6A83FB72-7E91-3449-913B-1789742662B0}"/>
+              </a:ext>
+            </a:extLst>
+          </p:cNvPr>
+          <p:cNvSpPr txBox="1"/>
+          <p:nvPr/>
+        </p:nvSpPr>
+        <p:spPr>
+          <a:xfrm>
+            <a:off x="1732861" y="3012322"/>
+            <a:ext cx="6598228" cy="707886"/>
+          </a:xfrm>
+          <a:prstGeom prst="rect">
+            <a:avLst/>
+          </a:prstGeom>
+          <a:noFill/>
+        </p:spPr>
+        <p:txBody>
+          <a:bodyPr wrap="square" rtlCol="0">
+            <a:spAutoFit/>
+          </a:bodyPr>
+          <a:lstStyle/>
+          <a:p>
+            <a:r>
+              <a:rPr kumimoji="1" lang="en-US" altLang="ja-JP" sz="4000" dirty="0"/>
+              <a:t>git</a:t>
+            </a:r>
+            <a:r>
+              <a:rPr kumimoji="1" lang="ja-JP" altLang="en-US" sz="4000"/>
+              <a:t>の</a:t>
+            </a:r>
+            <a:r>
+              <a:rPr kumimoji="1" lang="en-US" altLang="ja-JP" sz="4000" dirty="0"/>
+              <a:t>repository</a:t>
+            </a:r>
+            <a:endParaRPr kumimoji="1" lang="ja-JP" altLang="en-US" sz="4000"/>
+          </a:p>
+        </p:txBody>
+      </p:sp>
+      <p:sp>
+        <p:nvSpPr>
+          <p:cNvPr id="4" name="テキスト ボックス 3">
+            <a:extLst>
+              <a:ext uri="{FF2B5EF4-FFF2-40B4-BE49-F238E27FC236}">
+                <a16:creationId xmlns:a16="http://schemas.microsoft.com/office/drawing/2014/main" id="{863DF869-A6C9-D549-9DC2-220C4DB93CCC}"/>
+              </a:ext>
+            </a:extLst>
+          </p:cNvPr>
+          <p:cNvSpPr txBox="1"/>
+          <p:nvPr/>
+        </p:nvSpPr>
+        <p:spPr>
+          <a:xfrm>
+            <a:off x="1732861" y="4095068"/>
+            <a:ext cx="5878243" cy="707886"/>
+          </a:xfrm>
+          <a:prstGeom prst="rect">
+            <a:avLst/>
+          </a:prstGeom>
+          <a:noFill/>
+        </p:spPr>
+        <p:txBody>
+          <a:bodyPr wrap="square" rtlCol="0">
+            <a:spAutoFit/>
+          </a:bodyPr>
+          <a:lstStyle/>
+          <a:p>
+            <a:r>
+              <a:rPr kumimoji="1" lang="en-US" altLang="ja-JP" sz="4000" dirty="0"/>
+              <a:t>Web</a:t>
+            </a:r>
+            <a:r>
+              <a:rPr kumimoji="1" lang="ja-JP" altLang="en-US" sz="4000"/>
+              <a:t>による表示</a:t>
+            </a:r>
+          </a:p>
+        </p:txBody>
+      </p:sp>
+      <p:sp>
+        <p:nvSpPr>
+          <p:cNvPr id="5" name="テキスト ボックス 4">
+            <a:extLst>
+              <a:ext uri="{FF2B5EF4-FFF2-40B4-BE49-F238E27FC236}">
+                <a16:creationId xmlns:a16="http://schemas.microsoft.com/office/drawing/2014/main" id="{C3117551-1FFE-A94A-9787-D48D969BD39F}"/>
+              </a:ext>
+            </a:extLst>
+          </p:cNvPr>
+          <p:cNvSpPr txBox="1"/>
+          <p:nvPr/>
+        </p:nvSpPr>
+        <p:spPr>
+          <a:xfrm>
+            <a:off x="1732861" y="5753547"/>
+            <a:ext cx="7654034" cy="707886"/>
+          </a:xfrm>
+          <a:prstGeom prst="rect">
+            <a:avLst/>
+          </a:prstGeom>
+          <a:noFill/>
+        </p:spPr>
+        <p:txBody>
+          <a:bodyPr wrap="square" rtlCol="0">
+            <a:spAutoFit/>
+          </a:bodyPr>
+          <a:lstStyle/>
+          <a:p>
+            <a:r>
+              <a:rPr kumimoji="1" lang="en-US" altLang="ja-JP" sz="4000" dirty="0"/>
+              <a:t>Point</a:t>
+            </a:r>
+            <a:r>
+              <a:rPr kumimoji="1" lang="ja-JP" altLang="en-US" sz="4000"/>
+              <a:t>付加によるランク付け</a:t>
+            </a:r>
+          </a:p>
+        </p:txBody>
+      </p:sp>
+      <p:sp>
+        <p:nvSpPr>
+          <p:cNvPr id="6" name="テキスト ボックス 5">
+            <a:extLst>
+              <a:ext uri="{FF2B5EF4-FFF2-40B4-BE49-F238E27FC236}">
+                <a16:creationId xmlns:a16="http://schemas.microsoft.com/office/drawing/2014/main" id="{F3922AC5-C6C2-A142-BCD3-C16C9AE920C6}"/>
+              </a:ext>
+            </a:extLst>
+          </p:cNvPr>
+          <p:cNvSpPr txBox="1"/>
+          <p:nvPr/>
+        </p:nvSpPr>
+        <p:spPr>
+          <a:xfrm>
+            <a:off x="622852" y="1437133"/>
+            <a:ext cx="11277600" cy="1200329"/>
+          </a:xfrm>
+          <a:prstGeom prst="rect">
+            <a:avLst/>
+          </a:prstGeom>
+          <a:noFill/>
+        </p:spPr>
+        <p:txBody>
+          <a:bodyPr wrap="square" rtlCol="0">
+            <a:spAutoFit/>
+          </a:bodyPr>
+          <a:lstStyle/>
+          <a:p>
+            <a:r>
+              <a:rPr kumimoji="1" lang="en-US" altLang="ja-JP" sz="3600" dirty="0" err="1"/>
+              <a:t>my_help</a:t>
+            </a:r>
+            <a:r>
+              <a:rPr kumimoji="1" lang="ja-JP" altLang="en-US" sz="3600"/>
+              <a:t>内の知識を共有するシステムを作成する．</a:t>
+            </a:r>
+            <a:endParaRPr kumimoji="1" lang="en-US" altLang="ja-JP" sz="3600" dirty="0"/>
+          </a:p>
+          <a:p>
+            <a:r>
+              <a:rPr kumimoji="1" lang="ja-JP" altLang="en-US" sz="3600"/>
+              <a:t>それに伴い，主に以下の</a:t>
+            </a:r>
+            <a:r>
+              <a:rPr kumimoji="1" lang="en-US" altLang="ja-JP" sz="3600" dirty="0"/>
+              <a:t>3</a:t>
+            </a:r>
+            <a:r>
+              <a:rPr kumimoji="1" lang="ja-JP" altLang="en-US" sz="3600"/>
+              <a:t>点の機能を取り入れる．</a:t>
+            </a:r>
+          </a:p>
+        </p:txBody>
+      </p:sp>
+      <p:sp>
+        <p:nvSpPr>
+          <p:cNvPr id="9" name="雲 8">
+            <a:extLst>
+              <a:ext uri="{FF2B5EF4-FFF2-40B4-BE49-F238E27FC236}">
+                <a16:creationId xmlns:a16="http://schemas.microsoft.com/office/drawing/2014/main" id="{3B0152BD-3B19-0844-8384-39B3F1B64CB3}"/>
+              </a:ext>
+            </a:extLst>
+          </p:cNvPr>
+          <p:cNvSpPr/>
+          <p:nvPr/>
+        </p:nvSpPr>
+        <p:spPr>
+          <a:xfrm>
+            <a:off x="640061" y="3005994"/>
+            <a:ext cx="902525" cy="676893"/>
+          </a:xfrm>
+          <a:prstGeom prst="cloud">
+            <a:avLst/>
+          </a:prstGeom>
+          <a:solidFill>
+            <a:schemeClr val="accent4"/>
+          </a:solidFill>
+          <a:ln>
+            <a:noFill/>
+          </a:ln>
+          <a:effectLst>
+            <a:softEdge rad="50800"/>
+          </a:effectLst>
+        </p:spPr>
+        <p:style>
+          <a:lnRef idx="2">
+            <a:schemeClr val="accent1">
+              <a:shade val="50000"/>
+            </a:schemeClr>
+          </a:lnRef>
+          <a:fillRef idx="1">
+            <a:schemeClr val="accent1"/>
+          </a:fillRef>
+          <a:effectRef idx="0">
+            <a:schemeClr val="accent1"/>
+          </a:effectRef>
+          <a:fontRef idx="minor">
+            <a:schemeClr val="lt1"/>
+          </a:fontRef>
+        </p:style>
+        <p:txBody>
+          <a:bodyPr rtlCol="0" anchor="ctr"/>
+          <a:lstStyle/>
+          <a:p>
+            <a:pPr algn="ctr"/>
+            <a:endParaRPr kumimoji="1" lang="ja-JP" altLang="en-US"/>
+          </a:p>
+        </p:txBody>
+      </p:sp>
+      <p:sp>
+        <p:nvSpPr>
+          <p:cNvPr id="10" name="雲 9">
+            <a:extLst>
+              <a:ext uri="{FF2B5EF4-FFF2-40B4-BE49-F238E27FC236}">
+                <a16:creationId xmlns:a16="http://schemas.microsoft.com/office/drawing/2014/main" id="{A0776A33-803F-ED47-BD01-8DCDFE579EA9}"/>
+              </a:ext>
+            </a:extLst>
+          </p:cNvPr>
+          <p:cNvSpPr/>
+          <p:nvPr/>
+        </p:nvSpPr>
+        <p:spPr>
+          <a:xfrm>
+            <a:off x="622851" y="4110564"/>
+            <a:ext cx="902525" cy="676893"/>
+          </a:xfrm>
+          <a:prstGeom prst="cloud">
+            <a:avLst/>
+          </a:prstGeom>
+          <a:solidFill>
+            <a:schemeClr val="accent4"/>
+          </a:solidFill>
+          <a:ln>
+            <a:noFill/>
+          </a:ln>
+          <a:effectLst>
+            <a:softEdge rad="50800"/>
+          </a:effectLst>
+        </p:spPr>
+        <p:style>
+          <a:lnRef idx="2">
+            <a:schemeClr val="accent1">
+              <a:shade val="50000"/>
+            </a:schemeClr>
+          </a:lnRef>
+          <a:fillRef idx="1">
+            <a:schemeClr val="accent1"/>
+          </a:fillRef>
+          <a:effectRef idx="0">
+            <a:schemeClr val="accent1"/>
+          </a:effectRef>
+          <a:fontRef idx="minor">
+            <a:schemeClr val="lt1"/>
+          </a:fontRef>
+        </p:style>
+        <p:txBody>
+          <a:bodyPr rtlCol="0" anchor="ctr"/>
+          <a:lstStyle/>
+          <a:p>
+            <a:pPr algn="ctr"/>
+            <a:endParaRPr kumimoji="1" lang="ja-JP" altLang="en-US"/>
+          </a:p>
+        </p:txBody>
+      </p:sp>
+      <p:sp>
+        <p:nvSpPr>
+          <p:cNvPr id="11" name="雲 10">
+            <a:extLst>
+              <a:ext uri="{FF2B5EF4-FFF2-40B4-BE49-F238E27FC236}">
+                <a16:creationId xmlns:a16="http://schemas.microsoft.com/office/drawing/2014/main" id="{4ECB4129-7048-4E4A-983E-01383A891FDC}"/>
+              </a:ext>
+            </a:extLst>
+          </p:cNvPr>
+          <p:cNvSpPr/>
+          <p:nvPr/>
+        </p:nvSpPr>
+        <p:spPr>
+          <a:xfrm>
+            <a:off x="640060" y="5753547"/>
+            <a:ext cx="902525" cy="676893"/>
+          </a:xfrm>
+          <a:prstGeom prst="cloud">
+            <a:avLst/>
+          </a:prstGeom>
+          <a:solidFill>
+            <a:schemeClr val="accent4"/>
+          </a:solidFill>
+          <a:ln>
+            <a:noFill/>
+          </a:ln>
+          <a:effectLst>
+            <a:softEdge rad="50800"/>
+          </a:effectLst>
+        </p:spPr>
+        <p:style>
+          <a:lnRef idx="2">
+            <a:schemeClr val="accent1">
+              <a:shade val="50000"/>
+            </a:schemeClr>
+          </a:lnRef>
+          <a:fillRef idx="1">
+            <a:schemeClr val="accent1"/>
+          </a:fillRef>
+          <a:effectRef idx="0">
+            <a:schemeClr val="accent1"/>
+          </a:effectRef>
+          <a:fontRef idx="minor">
+            <a:schemeClr val="lt1"/>
+          </a:fontRef>
+        </p:style>
+        <p:txBody>
+          <a:bodyPr rtlCol="0" anchor="ctr"/>
+          <a:lstStyle/>
+          <a:p>
+            <a:pPr algn="ctr"/>
+            <a:endParaRPr kumimoji="1" lang="ja-JP" altLang="en-US"/>
+          </a:p>
+        </p:txBody>
+      </p:sp>
+      <p:sp>
+        <p:nvSpPr>
+          <p:cNvPr id="7" name="正方形/長方形 6">
+            <a:extLst>
+              <a:ext uri="{FF2B5EF4-FFF2-40B4-BE49-F238E27FC236}">
+                <a16:creationId xmlns:a16="http://schemas.microsoft.com/office/drawing/2014/main" id="{26284F3F-EB92-A542-9D95-17056907FB22}"/>
+              </a:ext>
+            </a:extLst>
+          </p:cNvPr>
+          <p:cNvSpPr/>
+          <p:nvPr/>
+        </p:nvSpPr>
+        <p:spPr>
+          <a:xfrm>
+            <a:off x="2716056" y="4802954"/>
+            <a:ext cx="8392041" cy="707886"/>
+          </a:xfrm>
+          <a:prstGeom prst="rect">
+            <a:avLst/>
+          </a:prstGeom>
+        </p:spPr>
+        <p:txBody>
+          <a:bodyPr wrap="none">
+            <a:spAutoFit/>
+          </a:bodyPr>
+          <a:lstStyle/>
+          <a:p>
+            <a:r>
+              <a:rPr kumimoji="1" lang="ja-JP" altLang="en-US" sz="4000"/>
+              <a:t>スキルレベルによる内容，記述選択</a:t>
+            </a:r>
+            <a:endParaRPr lang="ja-JP" altLang="en-US" sz="4000"/>
+          </a:p>
+        </p:txBody>
+      </p:sp>
+      <p:sp>
+        <p:nvSpPr>
+          <p:cNvPr id="8" name="右矢印 7">
+            <a:extLst>
+              <a:ext uri="{FF2B5EF4-FFF2-40B4-BE49-F238E27FC236}">
+                <a16:creationId xmlns:a16="http://schemas.microsoft.com/office/drawing/2014/main" id="{0D923C8C-6C13-534D-A360-FED519BF5601}"/>
+              </a:ext>
+            </a:extLst>
+          </p:cNvPr>
+          <p:cNvSpPr/>
+          <p:nvPr/>
+        </p:nvSpPr>
+        <p:spPr>
+          <a:xfrm>
+            <a:off x="1732861" y="4802954"/>
+            <a:ext cx="983195" cy="583240"/>
+          </a:xfrm>
+          <a:prstGeom prst="rightArrow">
+            <a:avLst/>
+          </a:prstGeom>
+        </p:spPr>
+        <p:style>
+          <a:lnRef idx="2">
+            <a:schemeClr val="accent1">
+              <a:shade val="50000"/>
+            </a:schemeClr>
+          </a:lnRef>
+          <a:fillRef idx="1">
+            <a:schemeClr val="accent1"/>
+          </a:fillRef>
+          <a:effectRef idx="0">
+            <a:schemeClr val="accent1"/>
+          </a:effectRef>
+          <a:fontRef idx="minor">
+            <a:schemeClr val="lt1"/>
+          </a:fontRef>
+        </p:style>
+        <p:txBody>
+          <a:bodyPr rtlCol="0" anchor="ctr"/>
+          <a:lstStyle/>
+          <a:p>
+            <a:pPr algn="ctr"/>
+            <a:endParaRPr kumimoji="1" lang="ja-JP" altLang="en-US"/>
+          </a:p>
+        </p:txBody>
+      </p:sp>
+    </p:spTree>
+    <p:extLst>
+      <p:ext uri="{BB962C8B-B14F-4D97-AF65-F5344CB8AC3E}">
+        <p14:creationId xmlns:p14="http://schemas.microsoft.com/office/powerpoint/2010/main" val="3302818942"/>
       </p:ext>
     </p:extLst>
   </p:cSld>
@@ -3735,7 +5318,7 @@
         </p:nvSpPr>
         <p:spPr>
           <a:xfrm>
-            <a:off x="1020416" y="503583"/>
+            <a:off x="1020416" y="1000540"/>
             <a:ext cx="10614992" cy="769441"/>
           </a:xfrm>
           <a:prstGeom prst="rect">
@@ -3828,7 +5411,7 @@
         <p:spPr>
           <a:xfrm>
             <a:off x="3099652" y="2700628"/>
-            <a:ext cx="8823249" cy="3170099"/>
+            <a:ext cx="8905002" cy="3170099"/>
           </a:xfrm>
           <a:prstGeom prst="rect">
             <a:avLst/>
@@ -3879,7 +5462,7 @@
           <a:p>
             <a:r>
               <a:rPr kumimoji="1" lang="ja-JP" altLang="en-US" sz="4000"/>
-              <a:t>　　　　　　　　　ことがよくある</a:t>
+              <a:t>　　　　　　　　　などがよくある</a:t>
             </a:r>
           </a:p>
         </p:txBody>
@@ -4026,7 +5609,7 @@
           <p:nvPr/>
         </p:nvPicPr>
         <p:blipFill>
-          <a:blip r:embed="rId2"/>
+          <a:blip r:embed="rId3"/>
           <a:stretch>
             <a:fillRect/>
           </a:stretch>
@@ -4102,7 +5685,7 @@
           <p:nvPr/>
         </p:nvPicPr>
         <p:blipFill>
-          <a:blip r:embed="rId3"/>
+          <a:blip r:embed="rId4"/>
           <a:stretch>
             <a:fillRect/>
           </a:stretch>
@@ -4201,8 +5784,8 @@
         </p:nvSpPr>
         <p:spPr>
           <a:xfrm>
-            <a:off x="1652155" y="1166178"/>
-            <a:ext cx="10168784" cy="5078313"/>
+            <a:off x="1702955" y="1623378"/>
+            <a:ext cx="10168784" cy="4401205"/>
           </a:xfrm>
           <a:prstGeom prst="rect">
             <a:avLst/>
@@ -4242,27 +5825,7 @@
             <a:endParaRPr kumimoji="1" lang="en-US" altLang="ja-JP" sz="4000" dirty="0"/>
           </a:p>
           <a:p>
-            <a:endParaRPr kumimoji="1" lang="en-US" altLang="ja-JP" sz="1400" dirty="0"/>
-          </a:p>
-          <a:p>
-            <a:endParaRPr kumimoji="1" lang="en-US" altLang="ja-JP" sz="1400" dirty="0"/>
-          </a:p>
-          <a:p>
-            <a:r>
-              <a:rPr kumimoji="1" lang="en-US" altLang="ja-JP" sz="4000" dirty="0"/>
-              <a:t>Markdown</a:t>
-            </a:r>
-            <a:r>
-              <a:rPr kumimoji="1" lang="ja-JP" altLang="en-US" sz="4000"/>
-              <a:t>記法．</a:t>
-            </a:r>
             <a:endParaRPr kumimoji="1" lang="en-US" altLang="ja-JP" sz="4000" dirty="0"/>
-          </a:p>
-          <a:p>
-            <a:endParaRPr kumimoji="1" lang="en-US" altLang="ja-JP" sz="1400" dirty="0"/>
-          </a:p>
-          <a:p>
-            <a:endParaRPr kumimoji="1" lang="en-US" altLang="ja-JP" sz="1400" dirty="0"/>
           </a:p>
           <a:p>
             <a:r>
@@ -4292,10 +5855,7 @@
             <a:endParaRPr kumimoji="1" lang="en-US" altLang="ja-JP" sz="4000" dirty="0"/>
           </a:p>
           <a:p>
-            <a:endParaRPr kumimoji="1" lang="en-US" altLang="ja-JP" sz="1400" dirty="0"/>
-          </a:p>
-          <a:p>
-            <a:endParaRPr kumimoji="1" lang="en-US" altLang="ja-JP" sz="1400" dirty="0"/>
+            <a:endParaRPr kumimoji="1" lang="en-US" altLang="ja-JP" sz="4000" dirty="0"/>
           </a:p>
           <a:p>
             <a:r>
@@ -4341,14 +5901,14 @@
           <p:nvPr/>
         </p:nvPicPr>
         <p:blipFill>
-          <a:blip r:embed="rId2"/>
+          <a:blip r:embed="rId3"/>
           <a:stretch>
             <a:fillRect/>
           </a:stretch>
         </p:blipFill>
         <p:spPr>
           <a:xfrm>
-            <a:off x="698202" y="3113623"/>
+            <a:off x="698202" y="4570754"/>
             <a:ext cx="719425" cy="719425"/>
           </a:xfrm>
           <a:prstGeom prst="rect">
@@ -4371,14 +5931,14 @@
           <p:nvPr/>
         </p:nvPicPr>
         <p:blipFill>
-          <a:blip r:embed="rId2"/>
+          <a:blip r:embed="rId3"/>
           <a:stretch>
             <a:fillRect/>
           </a:stretch>
         </p:blipFill>
         <p:spPr>
           <a:xfrm>
-            <a:off x="701601" y="1088584"/>
+            <a:off x="701601" y="1545781"/>
             <a:ext cx="719425" cy="719425"/>
           </a:xfrm>
           <a:prstGeom prst="rect">
@@ -4401,44 +5961,14 @@
           <p:nvPr/>
         </p:nvPicPr>
         <p:blipFill>
-          <a:blip r:embed="rId2"/>
+          <a:blip r:embed="rId3"/>
           <a:stretch>
             <a:fillRect/>
           </a:stretch>
         </p:blipFill>
         <p:spPr>
           <a:xfrm>
-            <a:off x="701601" y="2061103"/>
-            <a:ext cx="719425" cy="719425"/>
-          </a:xfrm>
-          <a:prstGeom prst="rect">
-            <a:avLst/>
-          </a:prstGeom>
-        </p:spPr>
-      </p:pic>
-      <p:pic>
-        <p:nvPicPr>
-          <p:cNvPr id="11" name="図 10">
-            <a:extLst>
-              <a:ext uri="{FF2B5EF4-FFF2-40B4-BE49-F238E27FC236}">
-                <a16:creationId xmlns:a16="http://schemas.microsoft.com/office/drawing/2014/main" id="{92214B7E-54C6-DC4F-BD94-954D3C9528D1}"/>
-              </a:ext>
-            </a:extLst>
-          </p:cNvPr>
-          <p:cNvPicPr>
-            <a:picLocks noChangeAspect="1"/>
-          </p:cNvPicPr>
-          <p:nvPr/>
-        </p:nvPicPr>
-        <p:blipFill>
-          <a:blip r:embed="rId2"/>
-          <a:stretch>
-            <a:fillRect/>
-          </a:stretch>
-        </p:blipFill>
-        <p:spPr>
-          <a:xfrm>
-            <a:off x="698202" y="4778949"/>
+            <a:off x="701601" y="2806166"/>
             <a:ext cx="719425" cy="719425"/>
           </a:xfrm>
           <a:prstGeom prst="rect">
@@ -4481,7 +6011,7 @@
           <p:cNvPr id="2" name="テキスト ボックス 1">
             <a:extLst>
               <a:ext uri="{FF2B5EF4-FFF2-40B4-BE49-F238E27FC236}">
-                <a16:creationId xmlns:a16="http://schemas.microsoft.com/office/drawing/2014/main" id="{2304BA78-B549-BD40-8EB3-F19E35CDE63A}"/>
+                <a16:creationId xmlns:a16="http://schemas.microsoft.com/office/drawing/2014/main" id="{CE46A7A7-32B3-7443-AB05-238C4B3566B2}"/>
               </a:ext>
             </a:extLst>
           </p:cNvPr>
@@ -4490,8 +6020,8 @@
         </p:nvSpPr>
         <p:spPr>
           <a:xfrm>
-            <a:off x="2190916" y="331513"/>
-            <a:ext cx="7867483" cy="769441"/>
+            <a:off x="2731511" y="319143"/>
+            <a:ext cx="6548870" cy="769441"/>
           </a:xfrm>
           <a:prstGeom prst="rect">
             <a:avLst/>
@@ -4504,24 +6034,24 @@
           </a:bodyPr>
           <a:lstStyle/>
           <a:p>
-            <a:pPr algn="ctr"/>
             <a:r>
               <a:rPr kumimoji="1" lang="en-US" altLang="ja-JP" sz="4400" dirty="0" err="1"/>
               <a:t>my_help</a:t>
             </a:r>
             <a:r>
               <a:rPr kumimoji="1" lang="ja-JP" altLang="en-US" sz="4400"/>
-              <a:t>の振る舞い</a:t>
-            </a:r>
+              <a:t>の特徴と利点</a:t>
+            </a:r>
+            <a:endParaRPr kumimoji="1" lang="en-US" altLang="ja-JP" sz="4400" dirty="0"/>
           </a:p>
         </p:txBody>
       </p:sp>
       <p:pic>
         <p:nvPicPr>
-          <p:cNvPr id="5" name="図 4">
-            <a:extLst>
-              <a:ext uri="{FF2B5EF4-FFF2-40B4-BE49-F238E27FC236}">
-                <a16:creationId xmlns:a16="http://schemas.microsoft.com/office/drawing/2014/main" id="{B6B5FFD5-F7F5-224E-A716-C6BBAB1EC885}"/>
+          <p:cNvPr id="7" name="図 6">
+            <a:extLst>
+              <a:ext uri="{FF2B5EF4-FFF2-40B4-BE49-F238E27FC236}">
+                <a16:creationId xmlns:a16="http://schemas.microsoft.com/office/drawing/2014/main" id="{43595CEA-2918-7E48-A53E-FC25C4882C7A}"/>
               </a:ext>
             </a:extLst>
           </p:cNvPr>
@@ -4531,97 +6061,143 @@
           <p:nvPr/>
         </p:nvPicPr>
         <p:blipFill>
-          <a:blip r:embed="rId2"/>
+          <a:blip r:embed="rId3"/>
           <a:stretch>
             <a:fillRect/>
           </a:stretch>
         </p:blipFill>
         <p:spPr>
           <a:xfrm>
-            <a:off x="-279234" y="1548863"/>
-            <a:ext cx="7368966" cy="5309137"/>
+            <a:off x="706248" y="2880167"/>
+            <a:ext cx="719425" cy="719425"/>
           </a:xfrm>
           <a:prstGeom prst="rect">
             <a:avLst/>
           </a:prstGeom>
         </p:spPr>
       </p:pic>
-      <p:sp>
-        <p:nvSpPr>
-          <p:cNvPr id="6" name="テキスト ボックス 5">
-            <a:extLst>
-              <a:ext uri="{FF2B5EF4-FFF2-40B4-BE49-F238E27FC236}">
-                <a16:creationId xmlns:a16="http://schemas.microsoft.com/office/drawing/2014/main" id="{4EE341B6-0457-C646-96F1-55F43A0B58F4}"/>
-              </a:ext>
-            </a:extLst>
-          </p:cNvPr>
-          <p:cNvSpPr txBox="1"/>
+      <p:pic>
+        <p:nvPicPr>
+          <p:cNvPr id="10" name="図 9">
+            <a:extLst>
+              <a:ext uri="{FF2B5EF4-FFF2-40B4-BE49-F238E27FC236}">
+                <a16:creationId xmlns:a16="http://schemas.microsoft.com/office/drawing/2014/main" id="{55F70199-0901-4142-AC63-98080EDB2FA0}"/>
+              </a:ext>
+            </a:extLst>
+          </p:cNvPr>
+          <p:cNvPicPr>
+            <a:picLocks noChangeAspect="1"/>
+          </p:cNvPicPr>
           <p:nvPr/>
-        </p:nvSpPr>
+        </p:nvPicPr>
+        <p:blipFill>
+          <a:blip r:embed="rId3"/>
+          <a:stretch>
+            <a:fillRect/>
+          </a:stretch>
+        </p:blipFill>
         <p:spPr>
           <a:xfrm>
-            <a:off x="6789107" y="2601050"/>
-            <a:ext cx="4977008" cy="2862322"/>
+            <a:off x="706248" y="1617629"/>
+            <a:ext cx="719425" cy="719425"/>
           </a:xfrm>
           <a:prstGeom prst="rect">
             <a:avLst/>
           </a:prstGeom>
-          <a:noFill/>
         </p:spPr>
-        <p:txBody>
-          <a:bodyPr wrap="square" rtlCol="0">
+      </p:pic>
+      <p:pic>
+        <p:nvPicPr>
+          <p:cNvPr id="11" name="図 10">
+            <a:extLst>
+              <a:ext uri="{FF2B5EF4-FFF2-40B4-BE49-F238E27FC236}">
+                <a16:creationId xmlns:a16="http://schemas.microsoft.com/office/drawing/2014/main" id="{92214B7E-54C6-DC4F-BD94-954D3C9528D1}"/>
+              </a:ext>
+            </a:extLst>
+          </p:cNvPr>
+          <p:cNvPicPr>
+            <a:picLocks noChangeAspect="1"/>
+          </p:cNvPicPr>
+          <p:nvPr/>
+        </p:nvPicPr>
+        <p:blipFill>
+          <a:blip r:embed="rId3"/>
+          <a:stretch>
+            <a:fillRect/>
+          </a:stretch>
+        </p:blipFill>
+        <p:spPr>
+          <a:xfrm>
+            <a:off x="706249" y="4709741"/>
+            <a:ext cx="719425" cy="719425"/>
+          </a:xfrm>
+          <a:prstGeom prst="rect">
+            <a:avLst/>
+          </a:prstGeom>
+        </p:spPr>
+      </p:pic>
+      <p:sp>
+        <p:nvSpPr>
+          <p:cNvPr id="5" name="正方形/長方形 4">
+            <a:extLst>
+              <a:ext uri="{FF2B5EF4-FFF2-40B4-BE49-F238E27FC236}">
+                <a16:creationId xmlns:a16="http://schemas.microsoft.com/office/drawing/2014/main" id="{7450CD67-E298-804E-AF3A-1701AE1E42E1}"/>
+              </a:ext>
+            </a:extLst>
+          </p:cNvPr>
+          <p:cNvSpPr/>
+          <p:nvPr/>
+        </p:nvSpPr>
+        <p:spPr>
+          <a:xfrm>
+            <a:off x="1710267" y="1698440"/>
+            <a:ext cx="9804400" cy="4401205"/>
+          </a:xfrm>
+          <a:prstGeom prst="rect">
+            <a:avLst/>
+          </a:prstGeom>
+        </p:spPr>
+        <p:txBody>
+          <a:bodyPr wrap="square">
             <a:spAutoFit/>
           </a:bodyPr>
           <a:lstStyle/>
           <a:p>
             <a:r>
-              <a:rPr kumimoji="1" lang="en-US" altLang="ja-JP" sz="3600" dirty="0"/>
-              <a:t>&gt;</a:t>
-            </a:r>
-            <a:r>
-              <a:rPr kumimoji="1" lang="en-US" altLang="ja-JP" sz="3600" dirty="0" err="1"/>
-              <a:t>my_help</a:t>
-            </a:r>
-            <a:r>
-              <a:rPr kumimoji="1" lang="en-US" altLang="ja-JP" sz="3600" dirty="0"/>
-              <a:t> list emacs </a:t>
-            </a:r>
-          </a:p>
-          <a:p>
-            <a:endParaRPr kumimoji="1" lang="en-US" altLang="ja-JP" sz="3600" dirty="0"/>
-          </a:p>
-          <a:p>
-            <a:r>
-              <a:rPr kumimoji="1" lang="en-US" altLang="ja-JP" sz="3600" dirty="0"/>
-              <a:t>emacs</a:t>
-            </a:r>
-            <a:r>
-              <a:rPr kumimoji="1" lang="ja-JP" altLang="en-US" sz="3600"/>
-              <a:t>の</a:t>
-            </a:r>
-            <a:r>
-              <a:rPr kumimoji="1" lang="en-US" altLang="ja-JP" sz="3600" dirty="0"/>
-              <a:t>command</a:t>
-            </a:r>
-            <a:r>
-              <a:rPr kumimoji="1" lang="ja-JP" altLang="en-US" sz="3600"/>
-              <a:t>の</a:t>
-            </a:r>
-            <a:r>
-              <a:rPr kumimoji="1" lang="en-US" altLang="ja-JP" sz="3600" dirty="0"/>
-              <a:t>help</a:t>
-            </a:r>
-            <a:r>
-              <a:rPr kumimoji="1" lang="ja-JP" altLang="en-US" sz="3600"/>
-              <a:t>がリスト表示される．</a:t>
-            </a:r>
+              <a:rPr kumimoji="1" lang="en-US" altLang="ja-JP" sz="4000" dirty="0"/>
+              <a:t>Terminal</a:t>
+            </a:r>
+            <a:r>
+              <a:rPr kumimoji="1" lang="ja-JP" altLang="en-US" sz="4000"/>
+              <a:t>上で開くことができる．</a:t>
+            </a:r>
+            <a:endParaRPr kumimoji="1" lang="en-US" altLang="ja-JP" sz="4000" dirty="0"/>
+          </a:p>
+          <a:p>
+            <a:endParaRPr kumimoji="1" lang="en-US" altLang="ja-JP" sz="4000" dirty="0"/>
+          </a:p>
+          <a:p>
+            <a:r>
+              <a:rPr kumimoji="1" lang="ja-JP" altLang="en-US" sz="4000"/>
+              <a:t>同じディレクトリにいなくても追加，編集，削除ができる．</a:t>
+            </a:r>
+          </a:p>
+          <a:p>
+            <a:endParaRPr kumimoji="1" lang="en-US" altLang="ja-JP" sz="4000" dirty="0"/>
+          </a:p>
+          <a:p>
+            <a:r>
+              <a:rPr kumimoji="1" lang="ja-JP" altLang="en-US" sz="4000"/>
+              <a:t>メモを残したファイルがどこにあるか探す手間が省ける．</a:t>
+            </a:r>
+            <a:endParaRPr kumimoji="1" lang="en-US" altLang="ja-JP" sz="4000" dirty="0"/>
           </a:p>
         </p:txBody>
       </p:sp>
     </p:spTree>
     <p:extLst>
       <p:ext uri="{BB962C8B-B14F-4D97-AF65-F5344CB8AC3E}">
-        <p14:creationId xmlns:p14="http://schemas.microsoft.com/office/powerpoint/2010/main" val="3066698743"/>
+        <p14:creationId xmlns:p14="http://schemas.microsoft.com/office/powerpoint/2010/main" val="735426547"/>
       </p:ext>
     </p:extLst>
   </p:cSld>
@@ -4688,92 +6264,12 @@
           </a:p>
         </p:txBody>
       </p:sp>
-      <p:sp>
-        <p:nvSpPr>
-          <p:cNvPr id="6" name="テキスト ボックス 5">
-            <a:extLst>
-              <a:ext uri="{FF2B5EF4-FFF2-40B4-BE49-F238E27FC236}">
-                <a16:creationId xmlns:a16="http://schemas.microsoft.com/office/drawing/2014/main" id="{4EE341B6-0457-C646-96F1-55F43A0B58F4}"/>
-              </a:ext>
-            </a:extLst>
-          </p:cNvPr>
-          <p:cNvSpPr txBox="1"/>
-          <p:nvPr/>
-        </p:nvSpPr>
-        <p:spPr>
-          <a:xfrm>
-            <a:off x="6726476" y="2595480"/>
-            <a:ext cx="5465524" cy="2862322"/>
-          </a:xfrm>
-          <a:prstGeom prst="rect">
-            <a:avLst/>
-          </a:prstGeom>
-          <a:noFill/>
-        </p:spPr>
-        <p:txBody>
-          <a:bodyPr wrap="square" rtlCol="0">
-            <a:spAutoFit/>
-          </a:bodyPr>
-          <a:lstStyle/>
-          <a:p>
-            <a:r>
-              <a:rPr kumimoji="1" lang="en-US" altLang="ja-JP" sz="3600" dirty="0"/>
-              <a:t>&gt;</a:t>
-            </a:r>
-            <a:r>
-              <a:rPr kumimoji="1" lang="en-US" altLang="ja-JP" sz="3600" dirty="0" err="1"/>
-              <a:t>my_help</a:t>
-            </a:r>
-            <a:r>
-              <a:rPr kumimoji="1" lang="en-US" altLang="ja-JP" sz="3600" dirty="0"/>
-              <a:t> list emacs</a:t>
-            </a:r>
-            <a:r>
-              <a:rPr kumimoji="1" lang="ja-JP" altLang="en-US" sz="3600"/>
-              <a:t> </a:t>
-            </a:r>
-            <a:r>
-              <a:rPr kumimoji="1" lang="en-US" altLang="ja-JP" sz="3600" dirty="0"/>
-              <a:t>-w </a:t>
-            </a:r>
-          </a:p>
-          <a:p>
-            <a:endParaRPr kumimoji="1" lang="en-US" altLang="ja-JP" sz="3600" dirty="0"/>
-          </a:p>
-          <a:p>
-            <a:r>
-              <a:rPr kumimoji="1" lang="en-US" altLang="ja-JP" sz="3600" dirty="0"/>
-              <a:t>emacs</a:t>
-            </a:r>
-            <a:r>
-              <a:rPr kumimoji="1" lang="ja-JP" altLang="en-US" sz="3600"/>
-              <a:t>の</a:t>
-            </a:r>
-            <a:r>
-              <a:rPr kumimoji="1" lang="en-US" altLang="ja-JP" sz="3600" dirty="0"/>
-              <a:t>window</a:t>
-            </a:r>
-            <a:r>
-              <a:rPr kumimoji="1" lang="ja-JP" altLang="en-US" sz="3600"/>
-              <a:t>についての</a:t>
-            </a:r>
-            <a:r>
-              <a:rPr kumimoji="1" lang="en-US" altLang="ja-JP" sz="3600" dirty="0"/>
-              <a:t>help</a:t>
-            </a:r>
-            <a:r>
-              <a:rPr kumimoji="1" lang="ja-JP" altLang="en-US" sz="3600"/>
-              <a:t>がリスト表示される．</a:t>
-            </a:r>
-          </a:p>
-        </p:txBody>
-      </p:sp>
       <p:pic>
         <p:nvPicPr>
-          <p:cNvPr id="4" name="図 3">
-            <a:extLst>
-              <a:ext uri="{FF2B5EF4-FFF2-40B4-BE49-F238E27FC236}">
-                <a16:creationId xmlns:a16="http://schemas.microsoft.com/office/drawing/2014/main" id="{91A85033-A10D-B04D-9086-AE64F029B544}"/>
+          <p:cNvPr id="5" name="図 4">
+            <a:extLst>
+              <a:ext uri="{FF2B5EF4-FFF2-40B4-BE49-F238E27FC236}">
+                <a16:creationId xmlns:a16="http://schemas.microsoft.com/office/drawing/2014/main" id="{B6B5FFD5-F7F5-224E-A716-C6BBAB1EC885}"/>
               </a:ext>
             </a:extLst>
           </p:cNvPr>
@@ -4790,18 +6286,90 @@
         </p:blipFill>
         <p:spPr>
           <a:xfrm>
-            <a:off x="-204080" y="1443969"/>
-            <a:ext cx="7343915" cy="5291088"/>
+            <a:off x="-279234" y="1548863"/>
+            <a:ext cx="7368966" cy="5309137"/>
           </a:xfrm>
           <a:prstGeom prst="rect">
             <a:avLst/>
           </a:prstGeom>
         </p:spPr>
       </p:pic>
+      <p:sp>
+        <p:nvSpPr>
+          <p:cNvPr id="6" name="テキスト ボックス 5">
+            <a:extLst>
+              <a:ext uri="{FF2B5EF4-FFF2-40B4-BE49-F238E27FC236}">
+                <a16:creationId xmlns:a16="http://schemas.microsoft.com/office/drawing/2014/main" id="{4EE341B6-0457-C646-96F1-55F43A0B58F4}"/>
+              </a:ext>
+            </a:extLst>
+          </p:cNvPr>
+          <p:cNvSpPr txBox="1"/>
+          <p:nvPr/>
+        </p:nvSpPr>
+        <p:spPr>
+          <a:xfrm>
+            <a:off x="6789107" y="2601050"/>
+            <a:ext cx="4977008" cy="2862322"/>
+          </a:xfrm>
+          <a:prstGeom prst="rect">
+            <a:avLst/>
+          </a:prstGeom>
+          <a:noFill/>
+        </p:spPr>
+        <p:txBody>
+          <a:bodyPr wrap="square" rtlCol="0">
+            <a:spAutoFit/>
+          </a:bodyPr>
+          <a:lstStyle/>
+          <a:p>
+            <a:r>
+              <a:rPr kumimoji="1" lang="en-US" altLang="ja-JP" sz="3600" dirty="0"/>
+              <a:t>&gt;</a:t>
+            </a:r>
+            <a:r>
+              <a:rPr kumimoji="1" lang="en-US" altLang="ja-JP" sz="3600" dirty="0" err="1"/>
+              <a:t>my_help</a:t>
+            </a:r>
+            <a:r>
+              <a:rPr kumimoji="1" lang="en-US" altLang="ja-JP" sz="3600" dirty="0"/>
+              <a:t> list emacs </a:t>
+            </a:r>
+          </a:p>
+          <a:p>
+            <a:endParaRPr kumimoji="1" lang="en-US" altLang="ja-JP" sz="3600" dirty="0"/>
+          </a:p>
+          <a:p>
+            <a:r>
+              <a:rPr kumimoji="1" lang="en-US" altLang="ja-JP" sz="3600" dirty="0"/>
+              <a:t>emacs</a:t>
+            </a:r>
+            <a:r>
+              <a:rPr kumimoji="1" lang="ja-JP" altLang="en-US" sz="3600"/>
+              <a:t>の</a:t>
+            </a:r>
+            <a:r>
+              <a:rPr kumimoji="1" lang="en-US" altLang="ja-JP" sz="3600" dirty="0"/>
+              <a:t>command</a:t>
+            </a:r>
+            <a:r>
+              <a:rPr kumimoji="1" lang="ja-JP" altLang="en-US" sz="3600"/>
+              <a:t>の</a:t>
+            </a:r>
+            <a:r>
+              <a:rPr kumimoji="1" lang="en-US" altLang="ja-JP" sz="3600" dirty="0"/>
+              <a:t>help</a:t>
+            </a:r>
+            <a:r>
+              <a:rPr kumimoji="1" lang="ja-JP" altLang="en-US" sz="3600"/>
+              <a:t>がリスト表示される．</a:t>
+            </a:r>
+          </a:p>
+        </p:txBody>
+      </p:sp>
     </p:spTree>
     <p:extLst>
       <p:ext uri="{BB962C8B-B14F-4D97-AF65-F5344CB8AC3E}">
-        <p14:creationId xmlns:p14="http://schemas.microsoft.com/office/powerpoint/2010/main" val="2861018704"/>
+        <p14:creationId xmlns:p14="http://schemas.microsoft.com/office/powerpoint/2010/main" val="3066698743"/>
       </p:ext>
     </p:extLst>
   </p:cSld>
@@ -4833,7 +6401,7 @@
           <p:cNvPr id="2" name="テキスト ボックス 1">
             <a:extLst>
               <a:ext uri="{FF2B5EF4-FFF2-40B4-BE49-F238E27FC236}">
-                <a16:creationId xmlns:a16="http://schemas.microsoft.com/office/drawing/2014/main" id="{C57537C2-2200-8F48-9F24-E44643990A24}"/>
+                <a16:creationId xmlns:a16="http://schemas.microsoft.com/office/drawing/2014/main" id="{2304BA78-B549-BD40-8EB3-F19E35CDE63A}"/>
               </a:ext>
             </a:extLst>
           </p:cNvPr>
@@ -4842,7 +6410,318 @@
         </p:nvSpPr>
         <p:spPr>
           <a:xfrm>
-            <a:off x="3114260" y="117139"/>
+            <a:off x="2190916" y="331513"/>
+            <a:ext cx="7867483" cy="769441"/>
+          </a:xfrm>
+          <a:prstGeom prst="rect">
+            <a:avLst/>
+          </a:prstGeom>
+          <a:noFill/>
+        </p:spPr>
+        <p:txBody>
+          <a:bodyPr wrap="square" rtlCol="0">
+            <a:spAutoFit/>
+          </a:bodyPr>
+          <a:lstStyle/>
+          <a:p>
+            <a:pPr algn="ctr"/>
+            <a:r>
+              <a:rPr kumimoji="1" lang="en-US" altLang="ja-JP" sz="4400" dirty="0" err="1"/>
+              <a:t>my_help</a:t>
+            </a:r>
+            <a:r>
+              <a:rPr kumimoji="1" lang="ja-JP" altLang="en-US" sz="4400"/>
+              <a:t>の振る舞い</a:t>
+            </a:r>
+          </a:p>
+        </p:txBody>
+      </p:sp>
+      <p:sp>
+        <p:nvSpPr>
+          <p:cNvPr id="6" name="テキスト ボックス 5">
+            <a:extLst>
+              <a:ext uri="{FF2B5EF4-FFF2-40B4-BE49-F238E27FC236}">
+                <a16:creationId xmlns:a16="http://schemas.microsoft.com/office/drawing/2014/main" id="{4EE341B6-0457-C646-96F1-55F43A0B58F4}"/>
+              </a:ext>
+            </a:extLst>
+          </p:cNvPr>
+          <p:cNvSpPr txBox="1"/>
+          <p:nvPr/>
+        </p:nvSpPr>
+        <p:spPr>
+          <a:xfrm>
+            <a:off x="6726476" y="2595480"/>
+            <a:ext cx="5465524" cy="2862322"/>
+          </a:xfrm>
+          <a:prstGeom prst="rect">
+            <a:avLst/>
+          </a:prstGeom>
+          <a:noFill/>
+        </p:spPr>
+        <p:txBody>
+          <a:bodyPr wrap="square" rtlCol="0">
+            <a:spAutoFit/>
+          </a:bodyPr>
+          <a:lstStyle/>
+          <a:p>
+            <a:r>
+              <a:rPr kumimoji="1" lang="en-US" altLang="ja-JP" sz="3600" dirty="0"/>
+              <a:t>&gt;</a:t>
+            </a:r>
+            <a:r>
+              <a:rPr kumimoji="1" lang="en-US" altLang="ja-JP" sz="3600" dirty="0" err="1"/>
+              <a:t>my_help</a:t>
+            </a:r>
+            <a:r>
+              <a:rPr kumimoji="1" lang="en-US" altLang="ja-JP" sz="3600" dirty="0"/>
+              <a:t> list emacs</a:t>
+            </a:r>
+            <a:r>
+              <a:rPr kumimoji="1" lang="ja-JP" altLang="en-US" sz="3600"/>
+              <a:t> </a:t>
+            </a:r>
+            <a:r>
+              <a:rPr kumimoji="1" lang="en-US" altLang="ja-JP" sz="3600" dirty="0"/>
+              <a:t>-w </a:t>
+            </a:r>
+          </a:p>
+          <a:p>
+            <a:endParaRPr kumimoji="1" lang="en-US" altLang="ja-JP" sz="3600" dirty="0"/>
+          </a:p>
+          <a:p>
+            <a:r>
+              <a:rPr kumimoji="1" lang="en-US" altLang="ja-JP" sz="3600" dirty="0"/>
+              <a:t>emacs</a:t>
+            </a:r>
+            <a:r>
+              <a:rPr kumimoji="1" lang="ja-JP" altLang="en-US" sz="3600"/>
+              <a:t>の</a:t>
+            </a:r>
+            <a:r>
+              <a:rPr kumimoji="1" lang="en-US" altLang="ja-JP" sz="3600" dirty="0"/>
+              <a:t>window</a:t>
+            </a:r>
+            <a:r>
+              <a:rPr kumimoji="1" lang="ja-JP" altLang="en-US" sz="3600"/>
+              <a:t>についての</a:t>
+            </a:r>
+            <a:r>
+              <a:rPr kumimoji="1" lang="en-US" altLang="ja-JP" sz="3600" dirty="0"/>
+              <a:t>help</a:t>
+            </a:r>
+            <a:r>
+              <a:rPr kumimoji="1" lang="ja-JP" altLang="en-US" sz="3600"/>
+              <a:t>がリスト表示される．</a:t>
+            </a:r>
+          </a:p>
+        </p:txBody>
+      </p:sp>
+      <p:pic>
+        <p:nvPicPr>
+          <p:cNvPr id="4" name="図 3">
+            <a:extLst>
+              <a:ext uri="{FF2B5EF4-FFF2-40B4-BE49-F238E27FC236}">
+                <a16:creationId xmlns:a16="http://schemas.microsoft.com/office/drawing/2014/main" id="{91A85033-A10D-B04D-9086-AE64F029B544}"/>
+              </a:ext>
+            </a:extLst>
+          </p:cNvPr>
+          <p:cNvPicPr>
+            <a:picLocks noChangeAspect="1"/>
+          </p:cNvPicPr>
+          <p:nvPr/>
+        </p:nvPicPr>
+        <p:blipFill>
+          <a:blip r:embed="rId2"/>
+          <a:stretch>
+            <a:fillRect/>
+          </a:stretch>
+        </p:blipFill>
+        <p:spPr>
+          <a:xfrm>
+            <a:off x="-204080" y="1566912"/>
+            <a:ext cx="7343915" cy="5291088"/>
+          </a:xfrm>
+          <a:prstGeom prst="rect">
+            <a:avLst/>
+          </a:prstGeom>
+        </p:spPr>
+      </p:pic>
+    </p:spTree>
+    <p:extLst>
+      <p:ext uri="{BB962C8B-B14F-4D97-AF65-F5344CB8AC3E}">
+        <p14:creationId xmlns:p14="http://schemas.microsoft.com/office/powerpoint/2010/main" val="2861018704"/>
+      </p:ext>
+    </p:extLst>
+  </p:cSld>
+  <p:clrMapOvr>
+    <a:masterClrMapping/>
+  </p:clrMapOvr>
+</p:sld>
+</file>
+
+<file path=ppt/slides/slide8.xml><?xml version="1.0" encoding="utf-8"?>
+<p:sld xmlns:a="http://schemas.openxmlformats.org/drawingml/2006/main" xmlns:r="http://schemas.openxmlformats.org/officeDocument/2006/relationships" xmlns:p="http://schemas.openxmlformats.org/presentationml/2006/main">
+  <p:cSld>
+    <p:spTree>
+      <p:nvGrpSpPr>
+        <p:cNvPr id="1" name=""/>
+        <p:cNvGrpSpPr/>
+        <p:nvPr/>
+      </p:nvGrpSpPr>
+      <p:grpSpPr>
+        <a:xfrm>
+          <a:off x="0" y="0"/>
+          <a:ext cx="0" cy="0"/>
+          <a:chOff x="0" y="0"/>
+          <a:chExt cx="0" cy="0"/>
+        </a:xfrm>
+      </p:grpSpPr>
+      <p:sp>
+        <p:nvSpPr>
+          <p:cNvPr id="4" name="正方形/長方形 3">
+            <a:extLst>
+              <a:ext uri="{FF2B5EF4-FFF2-40B4-BE49-F238E27FC236}">
+                <a16:creationId xmlns:a16="http://schemas.microsoft.com/office/drawing/2014/main" id="{FB667DFE-F7E3-1C4A-8257-6454E3AC8166}"/>
+              </a:ext>
+            </a:extLst>
+          </p:cNvPr>
+          <p:cNvSpPr/>
+          <p:nvPr/>
+        </p:nvSpPr>
+        <p:spPr>
+          <a:xfrm>
+            <a:off x="2895599" y="3954929"/>
+            <a:ext cx="8448261" cy="1323439"/>
+          </a:xfrm>
+          <a:prstGeom prst="rect">
+            <a:avLst/>
+          </a:prstGeom>
+        </p:spPr>
+        <p:txBody>
+          <a:bodyPr wrap="square">
+            <a:spAutoFit/>
+          </a:bodyPr>
+          <a:lstStyle/>
+          <a:p>
+            <a:r>
+              <a:rPr kumimoji="1" lang="ja-JP" altLang="en-US" sz="4000"/>
+              <a:t>より効率的な知識の習得方法として，</a:t>
+            </a:r>
+            <a:r>
+              <a:rPr kumimoji="1" lang="en-US" altLang="ja-JP" sz="4000" dirty="0"/>
+              <a:t>AM/PM</a:t>
+            </a:r>
+            <a:r>
+              <a:rPr kumimoji="1" lang="ja-JP" altLang="en-US" sz="4000"/>
+              <a:t>という考え方がある．</a:t>
+            </a:r>
+          </a:p>
+        </p:txBody>
+      </p:sp>
+      <p:sp>
+        <p:nvSpPr>
+          <p:cNvPr id="5" name="テキスト ボックス 4">
+            <a:extLst>
+              <a:ext uri="{FF2B5EF4-FFF2-40B4-BE49-F238E27FC236}">
+                <a16:creationId xmlns:a16="http://schemas.microsoft.com/office/drawing/2014/main" id="{AAE834C2-6206-AE47-A629-BD8C34FA8775}"/>
+              </a:ext>
+            </a:extLst>
+          </p:cNvPr>
+          <p:cNvSpPr txBox="1"/>
+          <p:nvPr/>
+        </p:nvSpPr>
+        <p:spPr>
+          <a:xfrm>
+            <a:off x="1888434" y="1753153"/>
+            <a:ext cx="8647043" cy="707886"/>
+          </a:xfrm>
+          <a:prstGeom prst="rect">
+            <a:avLst/>
+          </a:prstGeom>
+          <a:noFill/>
+        </p:spPr>
+        <p:txBody>
+          <a:bodyPr wrap="square" rtlCol="0">
+            <a:spAutoFit/>
+          </a:bodyPr>
+          <a:lstStyle/>
+          <a:p>
+            <a:r>
+              <a:rPr kumimoji="1" lang="en-US" altLang="ja-JP" sz="4000" dirty="0" err="1"/>
+              <a:t>my_help</a:t>
+            </a:r>
+            <a:r>
+              <a:rPr kumimoji="1" lang="ja-JP" altLang="en-US" sz="4000"/>
+              <a:t>は自身の知識を残すだけ．</a:t>
+            </a:r>
+            <a:endParaRPr kumimoji="1" lang="en-US" altLang="ja-JP" sz="4000" dirty="0"/>
+          </a:p>
+        </p:txBody>
+      </p:sp>
+      <p:sp>
+        <p:nvSpPr>
+          <p:cNvPr id="6" name="右矢印 5">
+            <a:extLst>
+              <a:ext uri="{FF2B5EF4-FFF2-40B4-BE49-F238E27FC236}">
+                <a16:creationId xmlns:a16="http://schemas.microsoft.com/office/drawing/2014/main" id="{0AD4FD95-B14D-AA4E-ABCE-DE685E050942}"/>
+              </a:ext>
+            </a:extLst>
+          </p:cNvPr>
+          <p:cNvSpPr/>
+          <p:nvPr/>
+        </p:nvSpPr>
+        <p:spPr>
+          <a:xfrm>
+            <a:off x="483164" y="3655911"/>
+            <a:ext cx="2092841" cy="1921476"/>
+          </a:xfrm>
+          <a:prstGeom prst="rightArrow">
+            <a:avLst/>
+          </a:prstGeom>
+          <a:solidFill>
+            <a:schemeClr val="accent1"/>
+          </a:solidFill>
+        </p:spPr>
+        <p:style>
+          <a:lnRef idx="2">
+            <a:schemeClr val="accent1">
+              <a:shade val="50000"/>
+            </a:schemeClr>
+          </a:lnRef>
+          <a:fillRef idx="1">
+            <a:schemeClr val="accent1"/>
+          </a:fillRef>
+          <a:effectRef idx="0">
+            <a:schemeClr val="accent1"/>
+          </a:effectRef>
+          <a:fontRef idx="minor">
+            <a:schemeClr val="lt1"/>
+          </a:fontRef>
+        </p:style>
+        <p:txBody>
+          <a:bodyPr rtlCol="0" anchor="ctr"/>
+          <a:lstStyle/>
+          <a:p>
+            <a:pPr algn="ctr"/>
+            <a:endParaRPr kumimoji="1" lang="ja-JP" altLang="en-US"/>
+          </a:p>
+        </p:txBody>
+      </p:sp>
+      <p:sp>
+        <p:nvSpPr>
+          <p:cNvPr id="7" name="テキスト ボックス 6">
+            <a:extLst>
+              <a:ext uri="{FF2B5EF4-FFF2-40B4-BE49-F238E27FC236}">
+                <a16:creationId xmlns:a16="http://schemas.microsoft.com/office/drawing/2014/main" id="{C73A4624-DA89-0B4A-A4B1-5ADB24551DFB}"/>
+              </a:ext>
+            </a:extLst>
+          </p:cNvPr>
+          <p:cNvSpPr txBox="1"/>
+          <p:nvPr/>
+        </p:nvSpPr>
+        <p:spPr>
+          <a:xfrm>
+            <a:off x="3173895" y="558281"/>
             <a:ext cx="5658679" cy="769441"/>
           </a:xfrm>
           <a:prstGeom prst="rect">
@@ -4868,12 +6747,42 @@
           </a:p>
         </p:txBody>
       </p:sp>
-      <p:sp>
-        <p:nvSpPr>
-          <p:cNvPr id="3" name="テキスト ボックス 2">
-            <a:extLst>
-              <a:ext uri="{FF2B5EF4-FFF2-40B4-BE49-F238E27FC236}">
-                <a16:creationId xmlns:a16="http://schemas.microsoft.com/office/drawing/2014/main" id="{BC854CCB-53E9-9B4A-B61C-ECF53805A638}"/>
+    </p:spTree>
+    <p:extLst>
+      <p:ext uri="{BB962C8B-B14F-4D97-AF65-F5344CB8AC3E}">
+        <p14:creationId xmlns:p14="http://schemas.microsoft.com/office/powerpoint/2010/main" val="3813398015"/>
+      </p:ext>
+    </p:extLst>
+  </p:cSld>
+  <p:clrMapOvr>
+    <a:masterClrMapping/>
+  </p:clrMapOvr>
+</p:sld>
+</file>
+
+<file path=ppt/slides/slide9.xml><?xml version="1.0" encoding="utf-8"?>
+<p:sld xmlns:a="http://schemas.openxmlformats.org/drawingml/2006/main" xmlns:r="http://schemas.openxmlformats.org/officeDocument/2006/relationships" xmlns:p="http://schemas.openxmlformats.org/presentationml/2006/main">
+  <p:cSld>
+    <p:spTree>
+      <p:nvGrpSpPr>
+        <p:cNvPr id="1" name=""/>
+        <p:cNvGrpSpPr/>
+        <p:nvPr/>
+      </p:nvGrpSpPr>
+      <p:grpSpPr>
+        <a:xfrm>
+          <a:off x="0" y="0"/>
+          <a:ext cx="0" cy="0"/>
+          <a:chOff x="0" y="0"/>
+          <a:chExt cx="0" cy="0"/>
+        </a:xfrm>
+      </p:grpSpPr>
+      <p:sp>
+        <p:nvSpPr>
+          <p:cNvPr id="2" name="テキスト ボックス 1">
+            <a:extLst>
+              <a:ext uri="{FF2B5EF4-FFF2-40B4-BE49-F238E27FC236}">
+                <a16:creationId xmlns:a16="http://schemas.microsoft.com/office/drawing/2014/main" id="{C57537C2-2200-8F48-9F24-E44643990A24}"/>
               </a:ext>
             </a:extLst>
           </p:cNvPr>
@@ -4882,8 +6791,8 @@
         </p:nvSpPr>
         <p:spPr>
           <a:xfrm>
-            <a:off x="728871" y="1007314"/>
-            <a:ext cx="10694504" cy="1200329"/>
+            <a:off x="3167266" y="614095"/>
+            <a:ext cx="5658679" cy="769441"/>
           </a:xfrm>
           <a:prstGeom prst="rect">
             <a:avLst/>
@@ -4896,17 +6805,14 @@
           </a:bodyPr>
           <a:lstStyle/>
           <a:p>
-            <a:r>
-              <a:rPr kumimoji="1" lang="ja-JP" altLang="en-US" sz="3600"/>
-              <a:t>より効率的な知識の習得方法として，</a:t>
-            </a:r>
-            <a:r>
-              <a:rPr kumimoji="1" lang="en-US" altLang="ja-JP" sz="3600" dirty="0"/>
-              <a:t>AM/PM</a:t>
-            </a:r>
-            <a:r>
-              <a:rPr kumimoji="1" lang="ja-JP" altLang="en-US" sz="3600"/>
-              <a:t>という考え方がある．</a:t>
+            <a:pPr algn="ctr"/>
+            <a:r>
+              <a:rPr kumimoji="1" lang="en-US" altLang="ja-JP" sz="4400" dirty="0" err="1"/>
+              <a:t>my_help</a:t>
+            </a:r>
+            <a:r>
+              <a:rPr kumimoji="1" lang="ja-JP" altLang="en-US" sz="4400"/>
+              <a:t>課題</a:t>
             </a:r>
           </a:p>
         </p:txBody>
@@ -4925,8 +6831,8 @@
         </p:nvSpPr>
         <p:spPr>
           <a:xfrm>
-            <a:off x="304801" y="2449109"/>
-            <a:ext cx="5777948" cy="3949148"/>
+            <a:off x="218657" y="2007705"/>
+            <a:ext cx="5777948" cy="4536325"/>
           </a:xfrm>
           <a:prstGeom prst="roundRect">
             <a:avLst/>
@@ -5000,7 +6906,15 @@
             </a:endParaRPr>
           </a:p>
           <a:p>
-            <a:endParaRPr kumimoji="1" lang="en-US" altLang="ja-JP" sz="1200" dirty="0">
+            <a:r>
+              <a:rPr kumimoji="1" lang="ja-JP" altLang="en-US" sz="3200">
+                <a:solidFill>
+                  <a:schemeClr val="tx1"/>
+                </a:solidFill>
+              </a:rPr>
+              <a:t>テキストなどから知識を得る．</a:t>
+            </a:r>
+            <a:endParaRPr kumimoji="1" lang="en-US" altLang="ja-JP" sz="3200" dirty="0">
               <a:solidFill>
                 <a:schemeClr val="tx1"/>
               </a:solidFill>
@@ -5039,14 +6953,14 @@
         </p:nvSpPr>
         <p:spPr>
           <a:xfrm>
-            <a:off x="6175513" y="2449109"/>
-            <a:ext cx="5777948" cy="3949148"/>
+            <a:off x="5996605" y="2007705"/>
+            <a:ext cx="6016489" cy="4536326"/>
           </a:xfrm>
           <a:prstGeom prst="roundRect">
             <a:avLst/>
           </a:prstGeom>
           <a:solidFill>
-            <a:schemeClr val="accent4">
+            <a:schemeClr val="accent2">
               <a:lumMod val="60000"/>
               <a:lumOff val="40000"/>
             </a:schemeClr>
@@ -5099,6 +7013,13 @@
             </a:endParaRPr>
           </a:p>
           <a:p>
+            <a:endParaRPr lang="en-US" altLang="ja-JP" sz="1200" dirty="0">
+              <a:solidFill>
+                <a:schemeClr val="tx1"/>
+              </a:solidFill>
+            </a:endParaRPr>
+          </a:p>
+          <a:p>
             <a:r>
               <a:rPr lang="ja-JP" altLang="en-US" sz="3200">
                 <a:solidFill>
@@ -5114,6 +7035,21 @@
             </a:endParaRPr>
           </a:p>
           <a:p>
+            <a:r>
+              <a:rPr lang="ja-JP" altLang="en-US" sz="3200">
+                <a:solidFill>
+                  <a:schemeClr val="tx1"/>
+                </a:solidFill>
+              </a:rPr>
+              <a:t>学会活動も学習の一部．</a:t>
+            </a:r>
+            <a:endParaRPr lang="en-US" altLang="ja-JP" sz="3200" dirty="0">
+              <a:solidFill>
+                <a:schemeClr val="tx1"/>
+              </a:solidFill>
+            </a:endParaRPr>
+          </a:p>
+          <a:p>
             <a:endParaRPr lang="en-US" altLang="ja-JP" sz="1200" dirty="0">
               <a:solidFill>
                 <a:schemeClr val="tx1"/>
@@ -5148,413 +7084,6 @@
     <p:extLst>
       <p:ext uri="{BB962C8B-B14F-4D97-AF65-F5344CB8AC3E}">
         <p14:creationId xmlns:p14="http://schemas.microsoft.com/office/powerpoint/2010/main" val="3441153636"/>
-      </p:ext>
-    </p:extLst>
-  </p:cSld>
-  <p:clrMapOvr>
-    <a:masterClrMapping/>
-  </p:clrMapOvr>
-</p:sld>
-</file>
-
-<file path=ppt/slides/slide8.xml><?xml version="1.0" encoding="utf-8"?>
-<p:sld xmlns:a="http://schemas.openxmlformats.org/drawingml/2006/main" xmlns:r="http://schemas.openxmlformats.org/officeDocument/2006/relationships" xmlns:p="http://schemas.openxmlformats.org/presentationml/2006/main">
-  <p:cSld>
-    <p:spTree>
-      <p:nvGrpSpPr>
-        <p:cNvPr id="1" name=""/>
-        <p:cNvGrpSpPr/>
-        <p:nvPr/>
-      </p:nvGrpSpPr>
-      <p:grpSpPr>
-        <a:xfrm>
-          <a:off x="0" y="0"/>
-          <a:ext cx="0" cy="0"/>
-          <a:chOff x="0" y="0"/>
-          <a:chExt cx="0" cy="0"/>
-        </a:xfrm>
-      </p:grpSpPr>
-      <p:sp>
-        <p:nvSpPr>
-          <p:cNvPr id="2" name="テキスト ボックス 1">
-            <a:extLst>
-              <a:ext uri="{FF2B5EF4-FFF2-40B4-BE49-F238E27FC236}">
-                <a16:creationId xmlns:a16="http://schemas.microsoft.com/office/drawing/2014/main" id="{70781E77-2F6B-C740-B5FE-4CF20DC9AE02}"/>
-              </a:ext>
-            </a:extLst>
-          </p:cNvPr>
-          <p:cNvSpPr txBox="1"/>
-          <p:nvPr/>
-        </p:nvSpPr>
-        <p:spPr>
-          <a:xfrm>
-            <a:off x="2676788" y="373711"/>
-            <a:ext cx="7169727" cy="769441"/>
-          </a:xfrm>
-          <a:prstGeom prst="rect">
-            <a:avLst/>
-          </a:prstGeom>
-          <a:noFill/>
-        </p:spPr>
-        <p:txBody>
-          <a:bodyPr wrap="square" rtlCol="0">
-            <a:spAutoFit/>
-          </a:bodyPr>
-          <a:lstStyle/>
-          <a:p>
-            <a:pPr algn="ctr"/>
-            <a:r>
-              <a:rPr kumimoji="1" lang="ja-JP" altLang="en-US" sz="4400"/>
-              <a:t>開発目標</a:t>
-            </a:r>
-          </a:p>
-        </p:txBody>
-      </p:sp>
-      <p:sp>
-        <p:nvSpPr>
-          <p:cNvPr id="3" name="テキスト ボックス 2">
-            <a:extLst>
-              <a:ext uri="{FF2B5EF4-FFF2-40B4-BE49-F238E27FC236}">
-                <a16:creationId xmlns:a16="http://schemas.microsoft.com/office/drawing/2014/main" id="{6A83FB72-7E91-3449-913B-1789742662B0}"/>
-              </a:ext>
-            </a:extLst>
-          </p:cNvPr>
-          <p:cNvSpPr txBox="1"/>
-          <p:nvPr/>
-        </p:nvSpPr>
-        <p:spPr>
-          <a:xfrm>
-            <a:off x="1732861" y="3012322"/>
-            <a:ext cx="6598228" cy="707886"/>
-          </a:xfrm>
-          <a:prstGeom prst="rect">
-            <a:avLst/>
-          </a:prstGeom>
-          <a:noFill/>
-        </p:spPr>
-        <p:txBody>
-          <a:bodyPr wrap="square" rtlCol="0">
-            <a:spAutoFit/>
-          </a:bodyPr>
-          <a:lstStyle/>
-          <a:p>
-            <a:r>
-              <a:rPr kumimoji="1" lang="en-US" altLang="ja-JP" sz="4000" dirty="0"/>
-              <a:t>git</a:t>
-            </a:r>
-            <a:r>
-              <a:rPr kumimoji="1" lang="ja-JP" altLang="en-US" sz="4000"/>
-              <a:t>の</a:t>
-            </a:r>
-            <a:r>
-              <a:rPr kumimoji="1" lang="en-US" altLang="ja-JP" sz="4000" dirty="0"/>
-              <a:t>repository</a:t>
-            </a:r>
-            <a:endParaRPr kumimoji="1" lang="ja-JP" altLang="en-US" sz="4000"/>
-          </a:p>
-        </p:txBody>
-      </p:sp>
-      <p:sp>
-        <p:nvSpPr>
-          <p:cNvPr id="4" name="テキスト ボックス 3">
-            <a:extLst>
-              <a:ext uri="{FF2B5EF4-FFF2-40B4-BE49-F238E27FC236}">
-                <a16:creationId xmlns:a16="http://schemas.microsoft.com/office/drawing/2014/main" id="{863DF869-A6C9-D549-9DC2-220C4DB93CCC}"/>
-              </a:ext>
-            </a:extLst>
-          </p:cNvPr>
-          <p:cNvSpPr txBox="1"/>
-          <p:nvPr/>
-        </p:nvSpPr>
-        <p:spPr>
-          <a:xfrm>
-            <a:off x="1732861" y="4095068"/>
-            <a:ext cx="5878243" cy="707886"/>
-          </a:xfrm>
-          <a:prstGeom prst="rect">
-            <a:avLst/>
-          </a:prstGeom>
-          <a:noFill/>
-        </p:spPr>
-        <p:txBody>
-          <a:bodyPr wrap="square" rtlCol="0">
-            <a:spAutoFit/>
-          </a:bodyPr>
-          <a:lstStyle/>
-          <a:p>
-            <a:r>
-              <a:rPr kumimoji="1" lang="en-US" altLang="ja-JP" sz="4000" dirty="0"/>
-              <a:t>Web</a:t>
-            </a:r>
-            <a:r>
-              <a:rPr kumimoji="1" lang="ja-JP" altLang="en-US" sz="4000"/>
-              <a:t>による表示</a:t>
-            </a:r>
-          </a:p>
-        </p:txBody>
-      </p:sp>
-      <p:sp>
-        <p:nvSpPr>
-          <p:cNvPr id="5" name="テキスト ボックス 4">
-            <a:extLst>
-              <a:ext uri="{FF2B5EF4-FFF2-40B4-BE49-F238E27FC236}">
-                <a16:creationId xmlns:a16="http://schemas.microsoft.com/office/drawing/2014/main" id="{C3117551-1FFE-A94A-9787-D48D969BD39F}"/>
-              </a:ext>
-            </a:extLst>
-          </p:cNvPr>
-          <p:cNvSpPr txBox="1"/>
-          <p:nvPr/>
-        </p:nvSpPr>
-        <p:spPr>
-          <a:xfrm>
-            <a:off x="1732861" y="5177814"/>
-            <a:ext cx="7654034" cy="707886"/>
-          </a:xfrm>
-          <a:prstGeom prst="rect">
-            <a:avLst/>
-          </a:prstGeom>
-          <a:noFill/>
-        </p:spPr>
-        <p:txBody>
-          <a:bodyPr wrap="square" rtlCol="0">
-            <a:spAutoFit/>
-          </a:bodyPr>
-          <a:lstStyle/>
-          <a:p>
-            <a:r>
-              <a:rPr kumimoji="1" lang="en-US" altLang="ja-JP" sz="4000" dirty="0"/>
-              <a:t>Point</a:t>
-            </a:r>
-            <a:r>
-              <a:rPr kumimoji="1" lang="ja-JP" altLang="en-US" sz="4000"/>
-              <a:t>付加によるラング付け</a:t>
-            </a:r>
-          </a:p>
-        </p:txBody>
-      </p:sp>
-      <p:sp>
-        <p:nvSpPr>
-          <p:cNvPr id="6" name="テキスト ボックス 5">
-            <a:extLst>
-              <a:ext uri="{FF2B5EF4-FFF2-40B4-BE49-F238E27FC236}">
-                <a16:creationId xmlns:a16="http://schemas.microsoft.com/office/drawing/2014/main" id="{F3922AC5-C6C2-A142-BCD3-C16C9AE920C6}"/>
-              </a:ext>
-            </a:extLst>
-          </p:cNvPr>
-          <p:cNvSpPr txBox="1"/>
-          <p:nvPr/>
-        </p:nvSpPr>
-        <p:spPr>
-          <a:xfrm>
-            <a:off x="622852" y="1437133"/>
-            <a:ext cx="11277600" cy="1200329"/>
-          </a:xfrm>
-          <a:prstGeom prst="rect">
-            <a:avLst/>
-          </a:prstGeom>
-          <a:noFill/>
-        </p:spPr>
-        <p:txBody>
-          <a:bodyPr wrap="square" rtlCol="0">
-            <a:spAutoFit/>
-          </a:bodyPr>
-          <a:lstStyle/>
-          <a:p>
-            <a:r>
-              <a:rPr kumimoji="1" lang="en-US" altLang="ja-JP" sz="3600" dirty="0" err="1"/>
-              <a:t>my_help</a:t>
-            </a:r>
-            <a:r>
-              <a:rPr kumimoji="1" lang="ja-JP" altLang="en-US" sz="3600"/>
-              <a:t>内の知識を共有するシステムを作成する．</a:t>
-            </a:r>
-            <a:endParaRPr kumimoji="1" lang="en-US" altLang="ja-JP" sz="3600" dirty="0"/>
-          </a:p>
-          <a:p>
-            <a:r>
-              <a:rPr kumimoji="1" lang="ja-JP" altLang="en-US" sz="3600"/>
-              <a:t>それに伴い，主に以下の</a:t>
-            </a:r>
-            <a:r>
-              <a:rPr kumimoji="1" lang="en-US" altLang="ja-JP" sz="3600" dirty="0"/>
-              <a:t>3</a:t>
-            </a:r>
-            <a:r>
-              <a:rPr kumimoji="1" lang="ja-JP" altLang="en-US" sz="3600"/>
-              <a:t>点の機能を取り入れる．</a:t>
-            </a:r>
-          </a:p>
-        </p:txBody>
-      </p:sp>
-      <p:sp>
-        <p:nvSpPr>
-          <p:cNvPr id="9" name="雲 8">
-            <a:extLst>
-              <a:ext uri="{FF2B5EF4-FFF2-40B4-BE49-F238E27FC236}">
-                <a16:creationId xmlns:a16="http://schemas.microsoft.com/office/drawing/2014/main" id="{3B0152BD-3B19-0844-8384-39B3F1B64CB3}"/>
-              </a:ext>
-            </a:extLst>
-          </p:cNvPr>
-          <p:cNvSpPr/>
-          <p:nvPr/>
-        </p:nvSpPr>
-        <p:spPr>
-          <a:xfrm>
-            <a:off x="640061" y="3005994"/>
-            <a:ext cx="902525" cy="676893"/>
-          </a:xfrm>
-          <a:prstGeom prst="cloud">
-            <a:avLst/>
-          </a:prstGeom>
-          <a:solidFill>
-            <a:schemeClr val="accent4"/>
-          </a:solidFill>
-          <a:ln>
-            <a:noFill/>
-          </a:ln>
-          <a:effectLst>
-            <a:softEdge rad="50800"/>
-          </a:effectLst>
-        </p:spPr>
-        <p:style>
-          <a:lnRef idx="2">
-            <a:schemeClr val="accent1">
-              <a:shade val="50000"/>
-            </a:schemeClr>
-          </a:lnRef>
-          <a:fillRef idx="1">
-            <a:schemeClr val="accent1"/>
-          </a:fillRef>
-          <a:effectRef idx="0">
-            <a:schemeClr val="accent1"/>
-          </a:effectRef>
-          <a:fontRef idx="minor">
-            <a:schemeClr val="lt1"/>
-          </a:fontRef>
-        </p:style>
-        <p:txBody>
-          <a:bodyPr rtlCol="0" anchor="ctr"/>
-          <a:lstStyle/>
-          <a:p>
-            <a:pPr algn="ctr"/>
-            <a:endParaRPr kumimoji="1" lang="ja-JP" altLang="en-US"/>
-          </a:p>
-        </p:txBody>
-      </p:sp>
-      <p:sp>
-        <p:nvSpPr>
-          <p:cNvPr id="10" name="雲 9">
-            <a:extLst>
-              <a:ext uri="{FF2B5EF4-FFF2-40B4-BE49-F238E27FC236}">
-                <a16:creationId xmlns:a16="http://schemas.microsoft.com/office/drawing/2014/main" id="{A0776A33-803F-ED47-BD01-8DCDFE579EA9}"/>
-              </a:ext>
-            </a:extLst>
-          </p:cNvPr>
-          <p:cNvSpPr/>
-          <p:nvPr/>
-        </p:nvSpPr>
-        <p:spPr>
-          <a:xfrm>
-            <a:off x="622851" y="4110564"/>
-            <a:ext cx="902525" cy="676893"/>
-          </a:xfrm>
-          <a:prstGeom prst="cloud">
-            <a:avLst/>
-          </a:prstGeom>
-          <a:solidFill>
-            <a:schemeClr val="accent4"/>
-          </a:solidFill>
-          <a:ln>
-            <a:noFill/>
-          </a:ln>
-          <a:effectLst>
-            <a:softEdge rad="50800"/>
-          </a:effectLst>
-        </p:spPr>
-        <p:style>
-          <a:lnRef idx="2">
-            <a:schemeClr val="accent1">
-              <a:shade val="50000"/>
-            </a:schemeClr>
-          </a:lnRef>
-          <a:fillRef idx="1">
-            <a:schemeClr val="accent1"/>
-          </a:fillRef>
-          <a:effectRef idx="0">
-            <a:schemeClr val="accent1"/>
-          </a:effectRef>
-          <a:fontRef idx="minor">
-            <a:schemeClr val="lt1"/>
-          </a:fontRef>
-        </p:style>
-        <p:txBody>
-          <a:bodyPr rtlCol="0" anchor="ctr"/>
-          <a:lstStyle/>
-          <a:p>
-            <a:pPr algn="ctr"/>
-            <a:endParaRPr kumimoji="1" lang="ja-JP" altLang="en-US"/>
-          </a:p>
-        </p:txBody>
-      </p:sp>
-      <p:sp>
-        <p:nvSpPr>
-          <p:cNvPr id="11" name="雲 10">
-            <a:extLst>
-              <a:ext uri="{FF2B5EF4-FFF2-40B4-BE49-F238E27FC236}">
-                <a16:creationId xmlns:a16="http://schemas.microsoft.com/office/drawing/2014/main" id="{4ECB4129-7048-4E4A-983E-01383A891FDC}"/>
-              </a:ext>
-            </a:extLst>
-          </p:cNvPr>
-          <p:cNvSpPr/>
-          <p:nvPr/>
-        </p:nvSpPr>
-        <p:spPr>
-          <a:xfrm>
-            <a:off x="622852" y="5208807"/>
-            <a:ext cx="902525" cy="676893"/>
-          </a:xfrm>
-          <a:prstGeom prst="cloud">
-            <a:avLst/>
-          </a:prstGeom>
-          <a:solidFill>
-            <a:schemeClr val="accent4"/>
-          </a:solidFill>
-          <a:ln>
-            <a:noFill/>
-          </a:ln>
-          <a:effectLst>
-            <a:softEdge rad="50800"/>
-          </a:effectLst>
-        </p:spPr>
-        <p:style>
-          <a:lnRef idx="2">
-            <a:schemeClr val="accent1">
-              <a:shade val="50000"/>
-            </a:schemeClr>
-          </a:lnRef>
-          <a:fillRef idx="1">
-            <a:schemeClr val="accent1"/>
-          </a:fillRef>
-          <a:effectRef idx="0">
-            <a:schemeClr val="accent1"/>
-          </a:effectRef>
-          <a:fontRef idx="minor">
-            <a:schemeClr val="lt1"/>
-          </a:fontRef>
-        </p:style>
-        <p:txBody>
-          <a:bodyPr rtlCol="0" anchor="ctr"/>
-          <a:lstStyle/>
-          <a:p>
-            <a:pPr algn="ctr"/>
-            <a:endParaRPr kumimoji="1" lang="ja-JP" altLang="en-US"/>
-          </a:p>
-        </p:txBody>
-      </p:sp>
-    </p:spTree>
-    <p:extLst>
-      <p:ext uri="{BB962C8B-B14F-4D97-AF65-F5344CB8AC3E}">
-        <p14:creationId xmlns:p14="http://schemas.microsoft.com/office/powerpoint/2010/main" val="3302818942"/>
       </p:ext>
     </p:extLst>
   </p:cSld>
@@ -5857,4 +7386,299 @@
     </a:ext>
   </a:extLst>
 </a:theme>
+</file>
+
+<file path=ppt/theme/theme2.xml><?xml version="1.0" encoding="utf-8"?>
+<a:theme xmlns:a="http://schemas.openxmlformats.org/drawingml/2006/main" name="Office テーマ">
+  <a:themeElements>
+    <a:clrScheme name="Office">
+      <a:dk1>
+        <a:sysClr val="windowText" lastClr="000000"/>
+      </a:dk1>
+      <a:lt1>
+        <a:sysClr val="window" lastClr="FFFFFF"/>
+      </a:lt1>
+      <a:dk2>
+        <a:srgbClr val="44546A"/>
+      </a:dk2>
+      <a:lt2>
+        <a:srgbClr val="E7E6E6"/>
+      </a:lt2>
+      <a:accent1>
+        <a:srgbClr val="4472C4"/>
+      </a:accent1>
+      <a:accent2>
+        <a:srgbClr val="ED7D31"/>
+      </a:accent2>
+      <a:accent3>
+        <a:srgbClr val="A5A5A5"/>
+      </a:accent3>
+      <a:accent4>
+        <a:srgbClr val="FFC000"/>
+      </a:accent4>
+      <a:accent5>
+        <a:srgbClr val="5B9BD5"/>
+      </a:accent5>
+      <a:accent6>
+        <a:srgbClr val="70AD47"/>
+      </a:accent6>
+      <a:hlink>
+        <a:srgbClr val="0563C1"/>
+      </a:hlink>
+      <a:folHlink>
+        <a:srgbClr val="954F72"/>
+      </a:folHlink>
+    </a:clrScheme>
+    <a:fontScheme name="Office">
+      <a:majorFont>
+        <a:latin typeface="游ゴシック Light" panose="020F0302020204030204"/>
+        <a:ea typeface=""/>
+        <a:cs typeface=""/>
+        <a:font script="Jpan" typeface="游ゴシック Light"/>
+        <a:font script="Hang" typeface="맑은 고딕"/>
+        <a:font script="Hans" typeface="等线 Light"/>
+        <a:font script="Hant" typeface="新細明體"/>
+        <a:font script="Arab" typeface="Times New Roman"/>
+        <a:font script="Hebr" typeface="Times New Roman"/>
+        <a:font script="Thai" typeface="Angsana New"/>
+        <a:font script="Ethi" typeface="Nyala"/>
+        <a:font script="Beng" typeface="Vrinda"/>
+        <a:font script="Gujr" typeface="Shruti"/>
+        <a:font script="Khmr" typeface="MoolBoran"/>
+        <a:font script="Knda" typeface="Tunga"/>
+        <a:font script="Guru" typeface="Raavi"/>
+        <a:font script="Cans" typeface="Euphemia"/>
+        <a:font script="Cher" typeface="Plantagenet Cherokee"/>
+        <a:font script="Yiii" typeface="Microsoft Yi Baiti"/>
+        <a:font script="Tibt" typeface="Microsoft Himalaya"/>
+        <a:font script="Thaa" typeface="MV Boli"/>
+        <a:font script="Deva" typeface="Mangal"/>
+        <a:font script="Telu" typeface="Gautami"/>
+        <a:font script="Taml" typeface="Latha"/>
+        <a:font script="Syrc" typeface="Estrangelo Edessa"/>
+        <a:font script="Orya" typeface="Kalinga"/>
+        <a:font script="Mlym" typeface="Kartika"/>
+        <a:font script="Laoo" typeface="DokChampa"/>
+        <a:font script="Sinh" typeface="Iskoola Pota"/>
+        <a:font script="Mong" typeface="Mongolian Baiti"/>
+        <a:font script="Viet" typeface="Times New Roman"/>
+        <a:font script="Uigh" typeface="Microsoft Uighur"/>
+        <a:font script="Geor" typeface="Sylfaen"/>
+        <a:font script="Armn" typeface="Arial"/>
+        <a:font script="Bugi" typeface="Leelawadee UI"/>
+        <a:font script="Bopo" typeface="Microsoft JhengHei"/>
+        <a:font script="Java" typeface="Javanese Text"/>
+        <a:font script="Lisu" typeface="Segoe UI"/>
+        <a:font script="Mymr" typeface="Myanmar Text"/>
+        <a:font script="Nkoo" typeface="Ebrima"/>
+        <a:font script="Olck" typeface="Nirmala UI"/>
+        <a:font script="Osma" typeface="Ebrima"/>
+        <a:font script="Phag" typeface="Phagspa"/>
+        <a:font script="Syrn" typeface="Estrangelo Edessa"/>
+        <a:font script="Syrj" typeface="Estrangelo Edessa"/>
+        <a:font script="Syre" typeface="Estrangelo Edessa"/>
+        <a:font script="Sora" typeface="Nirmala UI"/>
+        <a:font script="Tale" typeface="Microsoft Tai Le"/>
+        <a:font script="Talu" typeface="Microsoft New Tai Lue"/>
+        <a:font script="Tfng" typeface="Ebrima"/>
+      </a:majorFont>
+      <a:minorFont>
+        <a:latin typeface="游ゴシック" panose="020F0502020204030204"/>
+        <a:ea typeface=""/>
+        <a:cs typeface=""/>
+        <a:font script="Jpan" typeface="游ゴシック"/>
+        <a:font script="Hang" typeface="맑은 고딕"/>
+        <a:font script="Hans" typeface="等线"/>
+        <a:font script="Hant" typeface="新細明體"/>
+        <a:font script="Arab" typeface="Arial"/>
+        <a:font script="Hebr" typeface="Arial"/>
+        <a:font script="Thai" typeface="Cordia New"/>
+        <a:font script="Ethi" typeface="Nyala"/>
+        <a:font script="Beng" typeface="Vrinda"/>
+        <a:font script="Gujr" typeface="Shruti"/>
+        <a:font script="Khmr" typeface="DaunPenh"/>
+        <a:font script="Knda" typeface="Tunga"/>
+        <a:font script="Guru" typeface="Raavi"/>
+        <a:font script="Cans" typeface="Euphemia"/>
+        <a:font script="Cher" typeface="Plantagenet Cherokee"/>
+        <a:font script="Yiii" typeface="Microsoft Yi Baiti"/>
+        <a:font script="Tibt" typeface="Microsoft Himalaya"/>
+        <a:font script="Thaa" typeface="MV Boli"/>
+        <a:font script="Deva" typeface="Mangal"/>
+        <a:font script="Telu" typeface="Gautami"/>
+        <a:font script="Taml" typeface="Latha"/>
+        <a:font script="Syrc" typeface="Estrangelo Edessa"/>
+        <a:font script="Orya" typeface="Kalinga"/>
+        <a:font script="Mlym" typeface="Kartika"/>
+        <a:font script="Laoo" typeface="DokChampa"/>
+        <a:font script="Sinh" typeface="Iskoola Pota"/>
+        <a:font script="Mong" typeface="Mongolian Baiti"/>
+        <a:font script="Viet" typeface="Arial"/>
+        <a:font script="Uigh" typeface="Microsoft Uighur"/>
+        <a:font script="Geor" typeface="Sylfaen"/>
+        <a:font script="Armn" typeface="Arial"/>
+        <a:font script="Bugi" typeface="Leelawadee UI"/>
+        <a:font script="Bopo" typeface="Microsoft JhengHei"/>
+        <a:font script="Java" typeface="Javanese Text"/>
+        <a:font script="Lisu" typeface="Segoe UI"/>
+        <a:font script="Mymr" typeface="Myanmar Text"/>
+        <a:font script="Nkoo" typeface="Ebrima"/>
+        <a:font script="Olck" typeface="Nirmala UI"/>
+        <a:font script="Osma" typeface="Ebrima"/>
+        <a:font script="Phag" typeface="Phagspa"/>
+        <a:font script="Syrn" typeface="Estrangelo Edessa"/>
+        <a:font script="Syrj" typeface="Estrangelo Edessa"/>
+        <a:font script="Syre" typeface="Estrangelo Edessa"/>
+        <a:font script="Sora" typeface="Nirmala UI"/>
+        <a:font script="Tale" typeface="Microsoft Tai Le"/>
+        <a:font script="Talu" typeface="Microsoft New Tai Lue"/>
+        <a:font script="Tfng" typeface="Ebrima"/>
+      </a:minorFont>
+    </a:fontScheme>
+    <a:fmtScheme name="Office">
+      <a:fillStyleLst>
+        <a:solidFill>
+          <a:schemeClr val="phClr"/>
+        </a:solidFill>
+        <a:gradFill rotWithShape="1">
+          <a:gsLst>
+            <a:gs pos="0">
+              <a:schemeClr val="phClr">
+                <a:lumMod val="110000"/>
+                <a:satMod val="105000"/>
+                <a:tint val="67000"/>
+              </a:schemeClr>
+            </a:gs>
+            <a:gs pos="50000">
+              <a:schemeClr val="phClr">
+                <a:lumMod val="105000"/>
+                <a:satMod val="103000"/>
+                <a:tint val="73000"/>
+              </a:schemeClr>
+            </a:gs>
+            <a:gs pos="100000">
+              <a:schemeClr val="phClr">
+                <a:lumMod val="105000"/>
+                <a:satMod val="109000"/>
+                <a:tint val="81000"/>
+              </a:schemeClr>
+            </a:gs>
+          </a:gsLst>
+          <a:lin ang="5400000" scaled="0"/>
+        </a:gradFill>
+        <a:gradFill rotWithShape="1">
+          <a:gsLst>
+            <a:gs pos="0">
+              <a:schemeClr val="phClr">
+                <a:satMod val="103000"/>
+                <a:lumMod val="102000"/>
+                <a:tint val="94000"/>
+              </a:schemeClr>
+            </a:gs>
+            <a:gs pos="50000">
+              <a:schemeClr val="phClr">
+                <a:satMod val="110000"/>
+                <a:lumMod val="100000"/>
+                <a:shade val="100000"/>
+              </a:schemeClr>
+            </a:gs>
+            <a:gs pos="100000">
+              <a:schemeClr val="phClr">
+                <a:lumMod val="99000"/>
+                <a:satMod val="120000"/>
+                <a:shade val="78000"/>
+              </a:schemeClr>
+            </a:gs>
+          </a:gsLst>
+          <a:lin ang="5400000" scaled="0"/>
+        </a:gradFill>
+      </a:fillStyleLst>
+      <a:lnStyleLst>
+        <a:ln w="6350" cap="flat" cmpd="sng" algn="ctr">
+          <a:solidFill>
+            <a:schemeClr val="phClr"/>
+          </a:solidFill>
+          <a:prstDash val="solid"/>
+          <a:miter lim="800000"/>
+        </a:ln>
+        <a:ln w="12700" cap="flat" cmpd="sng" algn="ctr">
+          <a:solidFill>
+            <a:schemeClr val="phClr"/>
+          </a:solidFill>
+          <a:prstDash val="solid"/>
+          <a:miter lim="800000"/>
+        </a:ln>
+        <a:ln w="19050" cap="flat" cmpd="sng" algn="ctr">
+          <a:solidFill>
+            <a:schemeClr val="phClr"/>
+          </a:solidFill>
+          <a:prstDash val="solid"/>
+          <a:miter lim="800000"/>
+        </a:ln>
+      </a:lnStyleLst>
+      <a:effectStyleLst>
+        <a:effectStyle>
+          <a:effectLst/>
+        </a:effectStyle>
+        <a:effectStyle>
+          <a:effectLst/>
+        </a:effectStyle>
+        <a:effectStyle>
+          <a:effectLst>
+            <a:outerShdw blurRad="57150" dist="19050" dir="5400000" algn="ctr" rotWithShape="0">
+              <a:srgbClr val="000000">
+                <a:alpha val="63000"/>
+              </a:srgbClr>
+            </a:outerShdw>
+          </a:effectLst>
+        </a:effectStyle>
+      </a:effectStyleLst>
+      <a:bgFillStyleLst>
+        <a:solidFill>
+          <a:schemeClr val="phClr"/>
+        </a:solidFill>
+        <a:solidFill>
+          <a:schemeClr val="phClr">
+            <a:tint val="95000"/>
+            <a:satMod val="170000"/>
+          </a:schemeClr>
+        </a:solidFill>
+        <a:gradFill rotWithShape="1">
+          <a:gsLst>
+            <a:gs pos="0">
+              <a:schemeClr val="phClr">
+                <a:tint val="93000"/>
+                <a:satMod val="150000"/>
+                <a:shade val="98000"/>
+                <a:lumMod val="102000"/>
+              </a:schemeClr>
+            </a:gs>
+            <a:gs pos="50000">
+              <a:schemeClr val="phClr">
+                <a:tint val="98000"/>
+                <a:satMod val="130000"/>
+                <a:shade val="90000"/>
+                <a:lumMod val="103000"/>
+              </a:schemeClr>
+            </a:gs>
+            <a:gs pos="100000">
+              <a:schemeClr val="phClr">
+                <a:shade val="63000"/>
+                <a:satMod val="120000"/>
+              </a:schemeClr>
+            </a:gs>
+          </a:gsLst>
+          <a:lin ang="5400000" scaled="0"/>
+        </a:gradFill>
+      </a:bgFillStyleLst>
+    </a:fmtScheme>
+  </a:themeElements>
+  <a:objectDefaults/>
+  <a:extraClrSchemeLst/>
+  <a:extLst>
+    <a:ext uri="{05A4C25C-085E-4340-85A3-A5531E510DB2}">
+      <thm15:themeFamily xmlns:thm15="http://schemas.microsoft.com/office/thememl/2012/main" name="Office Theme" id="{62F939B6-93AF-4DB8-9C6B-D6C7DFDC589F}" vid="{4A3C46E8-61CC-4603-A589-7422A47A8E4A}"/>
+    </a:ext>
+  </a:extLst>
+</a:theme>
 </file>
--- a/docs/tomoko/mid_presen.pptx
+++ b/docs/tomoko/mid_presen.pptx
@@ -206,7 +206,7 @@
           <a:p>
             <a:fld id="{BCF8B642-7FC1-E947-9552-A4615B252889}" type="datetimeFigureOut">
               <a:rPr kumimoji="1" lang="ja-JP" altLang="en-US" smtClean="0"/>
-              <a:t>2018/9/18</a:t>
+              <a:t>2018/9/19</a:t>
             </a:fld>
             <a:endParaRPr kumimoji="1" lang="ja-JP" altLang="en-US"/>
           </a:p>
@@ -1078,7 +1078,7 @@
           <a:p>
             <a:r>
               <a:rPr kumimoji="1" lang="ja-JP" altLang="en-US"/>
-              <a:t>アクキュイジョン（アクワイヤー）</a:t>
+              <a:t>アクイジション（アクワイヤー）</a:t>
             </a:r>
             <a:endParaRPr kumimoji="1" lang="en-US" altLang="ja-JP" dirty="0"/>
           </a:p>
@@ -1362,7 +1362,7 @@
             <a:fld id="{5586B75A-687E-405C-8A0B-8D00578BA2C3}" type="datetimeFigureOut">
               <a:rPr lang="en-US" smtClean="0"/>
               <a:pPr/>
-              <a:t>9/18/18</a:t>
+              <a:t>9/19/18</a:t>
             </a:fld>
             <a:endParaRPr lang="en-US" dirty="0"/>
           </a:p>
@@ -1569,7 +1569,7 @@
             <a:fld id="{5586B75A-687E-405C-8A0B-8D00578BA2C3}" type="datetimeFigureOut">
               <a:rPr lang="en-US" smtClean="0"/>
               <a:pPr/>
-              <a:t>9/18/18</a:t>
+              <a:t>9/19/18</a:t>
             </a:fld>
             <a:endParaRPr lang="en-US" dirty="0"/>
           </a:p>
@@ -1786,7 +1786,7 @@
             <a:fld id="{5586B75A-687E-405C-8A0B-8D00578BA2C3}" type="datetimeFigureOut">
               <a:rPr lang="en-US" smtClean="0"/>
               <a:pPr/>
-              <a:t>9/18/18</a:t>
+              <a:t>9/19/18</a:t>
             </a:fld>
             <a:endParaRPr lang="en-US" dirty="0"/>
           </a:p>
@@ -1993,7 +1993,7 @@
             <a:fld id="{5586B75A-687E-405C-8A0B-8D00578BA2C3}" type="datetimeFigureOut">
               <a:rPr lang="en-US" smtClean="0"/>
               <a:pPr/>
-              <a:t>9/18/18</a:t>
+              <a:t>9/19/18</a:t>
             </a:fld>
             <a:endParaRPr lang="en-US" dirty="0"/>
           </a:p>
@@ -2305,7 +2305,7 @@
             <a:fld id="{5586B75A-687E-405C-8A0B-8D00578BA2C3}" type="datetimeFigureOut">
               <a:rPr lang="en-US" smtClean="0"/>
               <a:pPr/>
-              <a:t>9/18/18</a:t>
+              <a:t>9/19/18</a:t>
             </a:fld>
             <a:endParaRPr lang="en-US" dirty="0"/>
           </a:p>
@@ -2586,7 +2586,7 @@
             <a:fld id="{5586B75A-687E-405C-8A0B-8D00578BA2C3}" type="datetimeFigureOut">
               <a:rPr lang="en-US" smtClean="0"/>
               <a:pPr/>
-              <a:t>9/18/18</a:t>
+              <a:t>9/19/18</a:t>
             </a:fld>
             <a:endParaRPr lang="en-US" dirty="0"/>
           </a:p>
@@ -3084,7 +3084,7 @@
             <a:fld id="{5586B75A-687E-405C-8A0B-8D00578BA2C3}" type="datetimeFigureOut">
               <a:rPr lang="en-US" smtClean="0"/>
               <a:pPr/>
-              <a:t>9/18/18</a:t>
+              <a:t>9/19/18</a:t>
             </a:fld>
             <a:endParaRPr lang="en-US" dirty="0"/>
           </a:p>
@@ -3227,7 +3227,7 @@
             <a:fld id="{5586B75A-687E-405C-8A0B-8D00578BA2C3}" type="datetimeFigureOut">
               <a:rPr lang="en-US" smtClean="0"/>
               <a:pPr/>
-              <a:t>9/18/18</a:t>
+              <a:t>9/19/18</a:t>
             </a:fld>
             <a:endParaRPr lang="en-US" dirty="0"/>
           </a:p>
@@ -3342,7 +3342,7 @@
             <a:fld id="{5586B75A-687E-405C-8A0B-8D00578BA2C3}" type="datetimeFigureOut">
               <a:rPr lang="en-US" smtClean="0"/>
               <a:pPr/>
-              <a:t>9/18/18</a:t>
+              <a:t>9/19/18</a:t>
             </a:fld>
             <a:endParaRPr lang="en-US" dirty="0"/>
           </a:p>
@@ -3697,7 +3697,7 @@
             <a:fld id="{5586B75A-687E-405C-8A0B-8D00578BA2C3}" type="datetimeFigureOut">
               <a:rPr lang="en-US" smtClean="0"/>
               <a:pPr/>
-              <a:t>9/18/18</a:t>
+              <a:t>9/19/18</a:t>
             </a:fld>
             <a:endParaRPr lang="en-US" dirty="0"/>
           </a:p>
@@ -4022,7 +4022,7 @@
             <a:fld id="{5586B75A-687E-405C-8A0B-8D00578BA2C3}" type="datetimeFigureOut">
               <a:rPr lang="en-US" smtClean="0"/>
               <a:pPr/>
-              <a:t>9/18/18</a:t>
+              <a:t>9/19/18</a:t>
             </a:fld>
             <a:endParaRPr lang="en-US" dirty="0"/>
           </a:p>
@@ -4273,7 +4273,7 @@
             <a:fld id="{5586B75A-687E-405C-8A0B-8D00578BA2C3}" type="datetimeFigureOut">
               <a:rPr lang="en-US" smtClean="0"/>
               <a:pPr/>
-              <a:t>9/18/18</a:t>
+              <a:t>9/19/18</a:t>
             </a:fld>
             <a:endParaRPr lang="en-US" dirty="0"/>
           </a:p>
